--- a/Prezentare/Termostat inteligent controlat printr-o aplicație web.pptx
+++ b/Prezentare/Termostat inteligent controlat printr-o aplicație web.pptx
@@ -5,10 +5,10 @@
     <p:sldMasterId id="2147483757" r:id="rId1"/>
   </p:sldMasterIdLst>
   <p:notesMasterIdLst>
-    <p:notesMasterId r:id="rId14"/>
+    <p:notesMasterId r:id="rId18"/>
   </p:notesMasterIdLst>
   <p:handoutMasterIdLst>
-    <p:handoutMasterId r:id="rId15"/>
+    <p:handoutMasterId r:id="rId19"/>
   </p:handoutMasterIdLst>
   <p:sldIdLst>
     <p:sldId id="256" r:id="rId2"/>
@@ -16,13 +16,17 @@
     <p:sldId id="258" r:id="rId4"/>
     <p:sldId id="259" r:id="rId5"/>
     <p:sldId id="260" r:id="rId6"/>
-    <p:sldId id="265" r:id="rId7"/>
-    <p:sldId id="266" r:id="rId8"/>
-    <p:sldId id="267" r:id="rId9"/>
-    <p:sldId id="268" r:id="rId10"/>
-    <p:sldId id="269" r:id="rId11"/>
-    <p:sldId id="270" r:id="rId12"/>
-    <p:sldId id="271" r:id="rId13"/>
+    <p:sldId id="272" r:id="rId7"/>
+    <p:sldId id="275" r:id="rId8"/>
+    <p:sldId id="273" r:id="rId9"/>
+    <p:sldId id="274" r:id="rId10"/>
+    <p:sldId id="265" r:id="rId11"/>
+    <p:sldId id="266" r:id="rId12"/>
+    <p:sldId id="267" r:id="rId13"/>
+    <p:sldId id="268" r:id="rId14"/>
+    <p:sldId id="269" r:id="rId15"/>
+    <p:sldId id="270" r:id="rId16"/>
+    <p:sldId id="271" r:id="rId17"/>
   </p:sldIdLst>
   <p:sldSz cx="12192000" cy="6858000"/>
   <p:notesSz cx="6858000" cy="9144000"/>
@@ -223,7 +227,7 @@
           <a:p>
             <a:fld id="{B8F87DBE-C843-456A-9381-003F0E3F9C44}" type="datetimeFigureOut">
               <a:rPr lang="en-US" smtClean="0"/>
-              <a:t>5/25/2021</a:t>
+              <a:t>5/26/2021</a:t>
             </a:fld>
             <a:endParaRPr lang="en-US"/>
           </a:p>
@@ -401,7 +405,7 @@
           <a:p>
             <a:fld id="{FB146702-3091-4893-9580-351D3F327990}" type="datetimeFigureOut">
               <a:rPr lang="en-US" smtClean="0"/>
-              <a:t>5/25/2021</a:t>
+              <a:t>5/26/2021</a:t>
             </a:fld>
             <a:endParaRPr lang="en-US"/>
           </a:p>
@@ -858,7 +862,7 @@
           <a:p>
             <a:fld id="{30F82038-E678-4ECF-BEDB-85A5C5D4839D}" type="datetime1">
               <a:rPr lang="en-US" smtClean="0"/>
-              <a:t>5/25/2021</a:t>
+              <a:t>5/26/2021</a:t>
             </a:fld>
             <a:endParaRPr lang="en-US"/>
           </a:p>
@@ -1196,7 +1200,7 @@
           <a:p>
             <a:fld id="{98FEAE57-41B8-4424-9352-E75A9291ED21}" type="datetime1">
               <a:rPr lang="en-US" smtClean="0"/>
-              <a:t>5/25/2021</a:t>
+              <a:t>5/26/2021</a:t>
             </a:fld>
             <a:endParaRPr lang="en-US"/>
           </a:p>
@@ -1597,7 +1601,7 @@
           <a:p>
             <a:fld id="{8B5AB100-4FF4-4F37-A93F-ABC989278D09}" type="datetime1">
               <a:rPr lang="en-US" smtClean="0"/>
-              <a:t>5/25/2021</a:t>
+              <a:t>5/26/2021</a:t>
             </a:fld>
             <a:endParaRPr lang="en-US"/>
           </a:p>
@@ -1933,7 +1937,7 @@
           <a:p>
             <a:fld id="{4A42E1C9-DE8F-45CF-9014-53AF507E26B6}" type="datetime1">
               <a:rPr lang="en-US" smtClean="0"/>
-              <a:t>5/25/2021</a:t>
+              <a:t>5/26/2021</a:t>
             </a:fld>
             <a:endParaRPr lang="en-US"/>
           </a:p>
@@ -2253,7 +2257,7 @@
           <a:p>
             <a:fld id="{691321E4-876A-446D-805C-931D38442A39}" type="datetime1">
               <a:rPr lang="en-US" smtClean="0"/>
-              <a:t>5/25/2021</a:t>
+              <a:t>5/26/2021</a:t>
             </a:fld>
             <a:endParaRPr lang="en-US"/>
           </a:p>
@@ -2649,7 +2653,7 @@
           <a:p>
             <a:fld id="{FE8C92CE-1D3F-4EAC-8D07-6011AB081639}" type="datetime1">
               <a:rPr lang="en-US" smtClean="0"/>
-              <a:t>5/25/2021</a:t>
+              <a:t>5/26/2021</a:t>
             </a:fld>
             <a:endParaRPr lang="en-US"/>
           </a:p>
@@ -2906,7 +2910,7 @@
           <a:p>
             <a:fld id="{BE952FF4-6C99-4BB7-8B86-45E6A3CD6E25}" type="datetime1">
               <a:rPr lang="en-US" smtClean="0"/>
-              <a:t>5/25/2021</a:t>
+              <a:t>5/26/2021</a:t>
             </a:fld>
             <a:endParaRPr lang="en-US"/>
           </a:p>
@@ -3168,7 +3172,7 @@
           <a:p>
             <a:fld id="{3793CB2C-024F-4230-8160-47AC7F613CD6}" type="datetime1">
               <a:rPr lang="en-US" smtClean="0"/>
-              <a:t>5/25/2021</a:t>
+              <a:t>5/26/2021</a:t>
             </a:fld>
             <a:endParaRPr lang="en-US"/>
           </a:p>
@@ -3435,7 +3439,7 @@
           <a:p>
             <a:fld id="{EF2F0734-55FC-4D31-BBAC-CFD270F97A82}" type="datetime1">
               <a:rPr lang="en-US" smtClean="0"/>
-              <a:t>5/25/2021</a:t>
+              <a:t>5/26/2021</a:t>
             </a:fld>
             <a:endParaRPr lang="en-US" dirty="0"/>
           </a:p>
@@ -3704,7 +3708,7 @@
           <a:p>
             <a:fld id="{A8035693-5B48-46BA-8731-C60905FDB4BB}" type="datetime1">
               <a:rPr lang="en-US" smtClean="0"/>
-              <a:t>5/25/2021</a:t>
+              <a:t>5/26/2021</a:t>
             </a:fld>
             <a:endParaRPr lang="en-US"/>
           </a:p>
@@ -4027,7 +4031,7 @@
           <a:p>
             <a:fld id="{4ED3114C-4F90-498B-9102-5DD35911FEC7}" type="datetime1">
               <a:rPr lang="en-US" smtClean="0"/>
-              <a:t>5/25/2021</a:t>
+              <a:t>5/26/2021</a:t>
             </a:fld>
             <a:endParaRPr lang="en-US"/>
           </a:p>
@@ -4484,7 +4488,7 @@
           <a:p>
             <a:fld id="{9043E49F-08D7-4685-B777-AA41236FB79C}" type="datetime1">
               <a:rPr lang="en-US" smtClean="0"/>
-              <a:t>5/25/2021</a:t>
+              <a:t>5/26/2021</a:t>
             </a:fld>
             <a:endParaRPr lang="en-US"/>
           </a:p>
@@ -4689,7 +4693,7 @@
           <a:p>
             <a:fld id="{A11EB4FF-AC58-4F96-BF45-BAC7049BEFBC}" type="datetime1">
               <a:rPr lang="en-US" smtClean="0"/>
-              <a:t>5/25/2021</a:t>
+              <a:t>5/26/2021</a:t>
             </a:fld>
             <a:endParaRPr lang="en-US"/>
           </a:p>
@@ -4866,7 +4870,7 @@
           <a:p>
             <a:fld id="{BFDC7A8E-631A-4994-9E85-C431A7496471}" type="datetime1">
               <a:rPr lang="en-US" smtClean="0"/>
-              <a:t>5/25/2021</a:t>
+              <a:t>5/26/2021</a:t>
             </a:fld>
             <a:endParaRPr lang="en-US"/>
           </a:p>
@@ -5199,7 +5203,7 @@
           <a:p>
             <a:fld id="{0DCF6632-148F-4474-BA59-DB71F1721872}" type="datetime1">
               <a:rPr lang="en-US" smtClean="0"/>
-              <a:t>5/25/2021</a:t>
+              <a:t>5/26/2021</a:t>
             </a:fld>
             <a:endParaRPr lang="en-US"/>
           </a:p>
@@ -5544,7 +5548,7 @@
           <a:p>
             <a:fld id="{7A070EAA-60D7-42AA-8723-1B0860A455E4}" type="datetime1">
               <a:rPr lang="en-US" smtClean="0"/>
-              <a:t>5/25/2021</a:t>
+              <a:t>5/26/2021</a:t>
             </a:fld>
             <a:endParaRPr lang="en-US"/>
           </a:p>
@@ -7683,7 +7687,7 @@
           <a:p>
             <a:fld id="{77CAE326-6785-470D-B4C6-EC533BA72C64}" type="datetime1">
               <a:rPr lang="en-US" smtClean="0"/>
-              <a:t>5/25/2021</a:t>
+              <a:t>5/26/2021</a:t>
             </a:fld>
             <a:endParaRPr lang="en-US"/>
           </a:p>
@@ -8477,8 +8481,34 @@
 </file>
 
 <file path=ppt/slides/slide10.xml><?xml version="1.0" encoding="utf-8"?>
-<p:sld xmlns:a="http://schemas.openxmlformats.org/drawingml/2006/main" xmlns:r="http://schemas.openxmlformats.org/officeDocument/2006/relationships" xmlns:p="http://schemas.openxmlformats.org/presentationml/2006/main" showMasterSp="0">
+<p:sld xmlns:a="http://schemas.openxmlformats.org/drawingml/2006/main" xmlns:r="http://schemas.openxmlformats.org/officeDocument/2006/relationships" xmlns:p="http://schemas.openxmlformats.org/presentationml/2006/main">
   <p:cSld>
+    <p:bg>
+      <p:bgPr>
+        <a:gradFill rotWithShape="1">
+          <a:gsLst>
+            <a:gs pos="0">
+              <a:schemeClr val="bg2">
+                <a:tint val="90000"/>
+                <a:satMod val="92000"/>
+                <a:lumMod val="120000"/>
+              </a:schemeClr>
+            </a:gs>
+            <a:gs pos="100000">
+              <a:schemeClr val="bg2">
+                <a:shade val="98000"/>
+                <a:satMod val="120000"/>
+                <a:lumMod val="98000"/>
+              </a:schemeClr>
+            </a:gs>
+          </a:gsLst>
+          <a:path path="circle">
+            <a:fillToRect l="50000" t="50000" r="100000" b="100000"/>
+          </a:path>
+        </a:gradFill>
+        <a:effectLst/>
+      </p:bgPr>
+    </p:bg>
     <p:spTree>
       <p:nvGrpSpPr>
         <p:cNvPr id="1" name=""/>
@@ -8493,12 +8523,271 @@
           <a:chExt cx="0" cy="0"/>
         </a:xfrm>
       </p:grpSpPr>
+      <p:sp useBgFill="1">
+        <p:nvSpPr>
+          <p:cNvPr id="12" name="Freeform: Shape 11">
+            <a:extLst>
+              <a:ext uri="{FF2B5EF4-FFF2-40B4-BE49-F238E27FC236}">
+                <a16:creationId xmlns:a16="http://schemas.microsoft.com/office/drawing/2014/main" id="{23C7736A-5A08-4021-9AB6-390DFF506AA8}"/>
+              </a:ext>
+              <a:ext uri="{C183D7F6-B498-43B3-948B-1728B52AA6E4}">
+                <adec:decorative xmlns:adec="http://schemas.microsoft.com/office/drawing/2017/decorative" val="1"/>
+              </a:ext>
+            </a:extLst>
+          </p:cNvPr>
+          <p:cNvSpPr>
+            <a:spLocks noGrp="1" noRot="1" noChangeAspect="1" noMove="1" noResize="1" noEditPoints="1" noAdjustHandles="1" noChangeArrowheads="1" noChangeShapeType="1" noTextEdit="1"/>
+          </p:cNvSpPr>
+          <p:nvPr>
+            <p:extLst>
+              <p:ext uri="{386F3935-93C4-4BCD-93E2-E3B085C9AB24}">
+                <p16:designElem xmlns:p16="http://schemas.microsoft.com/office/powerpoint/2015/main" val="1"/>
+              </p:ext>
+            </p:extLst>
+          </p:nvPr>
+        </p:nvSpPr>
+        <p:spPr bwMode="grayWhite">
+          <a:xfrm>
+            <a:off x="0" y="0"/>
+            <a:ext cx="8170246" cy="6858000"/>
+          </a:xfrm>
+          <a:custGeom>
+            <a:avLst/>
+            <a:gdLst>
+              <a:gd name="connsiteX0" fmla="*/ 4738960 w 8170246"/>
+              <a:gd name="connsiteY0" fmla="*/ 0 h 6858000"/>
+              <a:gd name="connsiteX1" fmla="*/ 4862151 w 8170246"/>
+              <a:gd name="connsiteY1" fmla="*/ 0 h 6858000"/>
+              <a:gd name="connsiteX2" fmla="*/ 8088169 w 8170246"/>
+              <a:gd name="connsiteY2" fmla="*/ 3226735 h 6858000"/>
+              <a:gd name="connsiteX3" fmla="*/ 8088169 w 8170246"/>
+              <a:gd name="connsiteY3" fmla="*/ 3626507 h 6858000"/>
+              <a:gd name="connsiteX4" fmla="*/ 4857393 w 8170246"/>
+              <a:gd name="connsiteY4" fmla="*/ 6858000 h 6858000"/>
+              <a:gd name="connsiteX5" fmla="*/ 4783581 w 8170246"/>
+              <a:gd name="connsiteY5" fmla="*/ 6858000 h 6858000"/>
+              <a:gd name="connsiteX6" fmla="*/ 4734202 w 8170246"/>
+              <a:gd name="connsiteY6" fmla="*/ 6858000 h 6858000"/>
+              <a:gd name="connsiteX7" fmla="*/ 7964978 w 8170246"/>
+              <a:gd name="connsiteY7" fmla="*/ 3626507 h 6858000"/>
+              <a:gd name="connsiteX8" fmla="*/ 7964978 w 8170246"/>
+              <a:gd name="connsiteY8" fmla="*/ 3226735 h 6858000"/>
+              <a:gd name="connsiteX9" fmla="*/ 4738960 w 8170246"/>
+              <a:gd name="connsiteY9" fmla="*/ 0 h 6858000"/>
+              <a:gd name="connsiteX10" fmla="*/ 0 w 8170246"/>
+              <a:gd name="connsiteY10" fmla="*/ 0 h 6858000"/>
+              <a:gd name="connsiteX11" fmla="*/ 98791 w 8170246"/>
+              <a:gd name="connsiteY11" fmla="*/ 0 h 6858000"/>
+              <a:gd name="connsiteX12" fmla="*/ 4456718 w 8170246"/>
+              <a:gd name="connsiteY12" fmla="*/ 0 h 6858000"/>
+              <a:gd name="connsiteX13" fmla="*/ 4603489 w 8170246"/>
+              <a:gd name="connsiteY13" fmla="*/ 0 h 6858000"/>
+              <a:gd name="connsiteX14" fmla="*/ 7829507 w 8170246"/>
+              <a:gd name="connsiteY14" fmla="*/ 3226735 h 6858000"/>
+              <a:gd name="connsiteX15" fmla="*/ 7829507 w 8170246"/>
+              <a:gd name="connsiteY15" fmla="*/ 3626507 h 6858000"/>
+              <a:gd name="connsiteX16" fmla="*/ 4598731 w 8170246"/>
+              <a:gd name="connsiteY16" fmla="*/ 6858000 h 6858000"/>
+              <a:gd name="connsiteX17" fmla="*/ 4540663 w 8170246"/>
+              <a:gd name="connsiteY17" fmla="*/ 6858000 h 6858000"/>
+              <a:gd name="connsiteX18" fmla="*/ 133398 w 8170246"/>
+              <a:gd name="connsiteY18" fmla="*/ 6858000 h 6858000"/>
+              <a:gd name="connsiteX19" fmla="*/ 0 w 8170246"/>
+              <a:gd name="connsiteY19" fmla="*/ 6858000 h 6858000"/>
+            </a:gdLst>
+            <a:ahLst/>
+            <a:cxnLst>
+              <a:cxn ang="0">
+                <a:pos x="connsiteX0" y="connsiteY0"/>
+              </a:cxn>
+              <a:cxn ang="0">
+                <a:pos x="connsiteX1" y="connsiteY1"/>
+              </a:cxn>
+              <a:cxn ang="0">
+                <a:pos x="connsiteX2" y="connsiteY2"/>
+              </a:cxn>
+              <a:cxn ang="0">
+                <a:pos x="connsiteX3" y="connsiteY3"/>
+              </a:cxn>
+              <a:cxn ang="0">
+                <a:pos x="connsiteX4" y="connsiteY4"/>
+              </a:cxn>
+              <a:cxn ang="0">
+                <a:pos x="connsiteX5" y="connsiteY5"/>
+              </a:cxn>
+              <a:cxn ang="0">
+                <a:pos x="connsiteX6" y="connsiteY6"/>
+              </a:cxn>
+              <a:cxn ang="0">
+                <a:pos x="connsiteX7" y="connsiteY7"/>
+              </a:cxn>
+              <a:cxn ang="0">
+                <a:pos x="connsiteX8" y="connsiteY8"/>
+              </a:cxn>
+              <a:cxn ang="0">
+                <a:pos x="connsiteX9" y="connsiteY9"/>
+              </a:cxn>
+              <a:cxn ang="0">
+                <a:pos x="connsiteX10" y="connsiteY10"/>
+              </a:cxn>
+              <a:cxn ang="0">
+                <a:pos x="connsiteX11" y="connsiteY11"/>
+              </a:cxn>
+              <a:cxn ang="0">
+                <a:pos x="connsiteX12" y="connsiteY12"/>
+              </a:cxn>
+              <a:cxn ang="0">
+                <a:pos x="connsiteX13" y="connsiteY13"/>
+              </a:cxn>
+              <a:cxn ang="0">
+                <a:pos x="connsiteX14" y="connsiteY14"/>
+              </a:cxn>
+              <a:cxn ang="0">
+                <a:pos x="connsiteX15" y="connsiteY15"/>
+              </a:cxn>
+              <a:cxn ang="0">
+                <a:pos x="connsiteX16" y="connsiteY16"/>
+              </a:cxn>
+              <a:cxn ang="0">
+                <a:pos x="connsiteX17" y="connsiteY17"/>
+              </a:cxn>
+              <a:cxn ang="0">
+                <a:pos x="connsiteX18" y="connsiteY18"/>
+              </a:cxn>
+              <a:cxn ang="0">
+                <a:pos x="connsiteX19" y="connsiteY19"/>
+              </a:cxn>
+            </a:cxnLst>
+            <a:rect l="l" t="t" r="r" b="b"/>
+            <a:pathLst>
+              <a:path w="8170246" h="6858000">
+                <a:moveTo>
+                  <a:pt x="4738960" y="0"/>
+                </a:moveTo>
+                <a:lnTo>
+                  <a:pt x="4862151" y="0"/>
+                </a:lnTo>
+                <a:cubicBezTo>
+                  <a:pt x="4862151" y="0"/>
+                  <a:pt x="4862151" y="0"/>
+                  <a:pt x="8088169" y="3226735"/>
+                </a:cubicBezTo>
+                <a:cubicBezTo>
+                  <a:pt x="8197606" y="3336196"/>
+                  <a:pt x="8197606" y="3517045"/>
+                  <a:pt x="8088169" y="3626507"/>
+                </a:cubicBezTo>
+                <a:cubicBezTo>
+                  <a:pt x="8088169" y="3626507"/>
+                  <a:pt x="8088169" y="3626507"/>
+                  <a:pt x="4857393" y="6858000"/>
+                </a:cubicBezTo>
+                <a:cubicBezTo>
+                  <a:pt x="4857393" y="6858000"/>
+                  <a:pt x="4857393" y="6858000"/>
+                  <a:pt x="4783581" y="6858000"/>
+                </a:cubicBezTo>
+                <a:lnTo>
+                  <a:pt x="4734202" y="6858000"/>
+                </a:lnTo>
+                <a:cubicBezTo>
+                  <a:pt x="7964978" y="3626507"/>
+                  <a:pt x="7964978" y="3626507"/>
+                  <a:pt x="7964978" y="3626507"/>
+                </a:cubicBezTo>
+                <a:cubicBezTo>
+                  <a:pt x="8074415" y="3517045"/>
+                  <a:pt x="8074415" y="3336196"/>
+                  <a:pt x="7964978" y="3226735"/>
+                </a:cubicBezTo>
+                <a:cubicBezTo>
+                  <a:pt x="4738960" y="0"/>
+                  <a:pt x="4738960" y="0"/>
+                  <a:pt x="4738960" y="0"/>
+                </a:cubicBezTo>
+                <a:close/>
+                <a:moveTo>
+                  <a:pt x="0" y="0"/>
+                </a:moveTo>
+                <a:lnTo>
+                  <a:pt x="98791" y="0"/>
+                </a:lnTo>
+                <a:cubicBezTo>
+                  <a:pt x="1075904" y="0"/>
+                  <a:pt x="2469401" y="0"/>
+                  <a:pt x="4456718" y="0"/>
+                </a:cubicBezTo>
+                <a:lnTo>
+                  <a:pt x="4603489" y="0"/>
+                </a:lnTo>
+                <a:cubicBezTo>
+                  <a:pt x="4603489" y="0"/>
+                  <a:pt x="4603489" y="0"/>
+                  <a:pt x="7829507" y="3226735"/>
+                </a:cubicBezTo>
+                <a:cubicBezTo>
+                  <a:pt x="7938944" y="3336196"/>
+                  <a:pt x="7938944" y="3517045"/>
+                  <a:pt x="7829507" y="3626507"/>
+                </a:cubicBezTo>
+                <a:cubicBezTo>
+                  <a:pt x="7829507" y="3626507"/>
+                  <a:pt x="7829507" y="3626507"/>
+                  <a:pt x="4598731" y="6858000"/>
+                </a:cubicBezTo>
+                <a:lnTo>
+                  <a:pt x="4540663" y="6858000"/>
+                </a:lnTo>
+                <a:cubicBezTo>
+                  <a:pt x="4077749" y="6858000"/>
+                  <a:pt x="2938270" y="6858000"/>
+                  <a:pt x="133398" y="6858000"/>
+                </a:cubicBezTo>
+                <a:lnTo>
+                  <a:pt x="0" y="6858000"/>
+                </a:lnTo>
+                <a:close/>
+              </a:path>
+            </a:pathLst>
+          </a:custGeom>
+          <a:ln>
+            <a:noFill/>
+          </a:ln>
+          <a:effectLst/>
+        </p:spPr>
+        <p:style>
+          <a:lnRef idx="1">
+            <a:schemeClr val="accent1"/>
+          </a:lnRef>
+          <a:fillRef idx="3">
+            <a:schemeClr val="accent1"/>
+          </a:fillRef>
+          <a:effectRef idx="2">
+            <a:schemeClr val="accent1"/>
+          </a:effectRef>
+          <a:fontRef idx="minor">
+            <a:schemeClr val="lt1"/>
+          </a:fontRef>
+        </p:style>
+        <p:txBody>
+          <a:bodyPr vert="horz" wrap="square" lIns="91440" tIns="45720" rIns="91440" bIns="45720" numCol="1" anchor="t" anchorCtr="0" compatLnSpc="1">
+            <a:prstTxWarp prst="textNoShape">
+              <a:avLst/>
+            </a:prstTxWarp>
+            <a:noAutofit/>
+          </a:bodyPr>
+          <a:lstStyle/>
+          <a:p>
+            <a:endParaRPr lang="en-US" dirty="0"/>
+          </a:p>
+        </p:txBody>
+      </p:sp>
       <p:sp>
         <p:nvSpPr>
           <p:cNvPr id="2" name="Titlu 1">
             <a:extLst>
               <a:ext uri="{FF2B5EF4-FFF2-40B4-BE49-F238E27FC236}">
-                <a16:creationId xmlns:a16="http://schemas.microsoft.com/office/drawing/2014/main" id="{D7034D88-B5D7-4913-8481-E9BE5D87855E}"/>
+                <a16:creationId xmlns:a16="http://schemas.microsoft.com/office/drawing/2014/main" id="{FC33116A-955E-4F82-82B3-25A740AEFDAC}"/>
               </a:ext>
             </a:extLst>
           </p:cNvPr>
@@ -8509,25 +8798,102 @@
             <p:ph type="title"/>
           </p:nvPr>
         </p:nvSpPr>
-        <p:spPr/>
-        <p:txBody>
-          <a:bodyPr/>
+        <p:spPr>
+          <a:xfrm>
+            <a:off x="535525" y="624110"/>
+            <a:ext cx="4623955" cy="1280890"/>
+          </a:xfrm>
+        </p:spPr>
+        <p:txBody>
+          <a:bodyPr>
+            <a:normAutofit/>
+          </a:bodyPr>
           <a:lstStyle/>
           <a:p>
             <a:r>
-              <a:rPr lang="ro-RO" dirty="0" err="1"/>
-              <a:t>Demo</a:t>
-            </a:r>
-            <a:endParaRPr lang="en-US" dirty="0"/>
-          </a:p>
-        </p:txBody>
+              <a:rPr lang="en-US" err="1"/>
+              <a:t>Implementare</a:t>
+            </a:r>
+            <a:r>
+              <a:rPr lang="en-US"/>
+              <a:t> - </a:t>
+            </a:r>
+            <a:r>
+              <a:rPr lang="en-US" err="1"/>
+              <a:t>modul</a:t>
+            </a:r>
+            <a:r>
+              <a:rPr lang="en-US"/>
+              <a:t> </a:t>
+            </a:r>
+            <a:r>
+              <a:rPr lang="en-US" err="1"/>
+              <a:t>senzor</a:t>
+            </a:r>
+            <a:endParaRPr lang="en-US"/>
+          </a:p>
+        </p:txBody>
+      </p:sp>
+      <p:sp>
+        <p:nvSpPr>
+          <p:cNvPr id="14" name="Rectangle 13">
+            <a:extLst>
+              <a:ext uri="{FF2B5EF4-FFF2-40B4-BE49-F238E27FC236}">
+                <a16:creationId xmlns:a16="http://schemas.microsoft.com/office/drawing/2014/main" id="{433DF4D3-8A35-461A-ABE0-F56B78A1371F}"/>
+              </a:ext>
+              <a:ext uri="{C183D7F6-B498-43B3-948B-1728B52AA6E4}">
+                <adec:decorative xmlns:adec="http://schemas.microsoft.com/office/drawing/2017/decorative" val="1"/>
+              </a:ext>
+            </a:extLst>
+          </p:cNvPr>
+          <p:cNvSpPr>
+            <a:spLocks noGrp="1" noRot="1" noChangeAspect="1" noMove="1" noResize="1" noEditPoints="1" noAdjustHandles="1" noChangeArrowheads="1" noChangeShapeType="1" noTextEdit="1"/>
+          </p:cNvSpPr>
+          <p:nvPr>
+            <p:extLst>
+              <p:ext uri="{386F3935-93C4-4BCD-93E2-E3B085C9AB24}">
+                <p16:designElem xmlns:p16="http://schemas.microsoft.com/office/powerpoint/2015/main" val="1"/>
+              </p:ext>
+            </p:extLst>
+          </p:nvPr>
+        </p:nvSpPr>
+        <p:spPr>
+          <a:xfrm>
+            <a:off x="0" y="0"/>
+            <a:ext cx="182880" cy="6858000"/>
+          </a:xfrm>
+          <a:prstGeom prst="rect">
+            <a:avLst/>
+          </a:prstGeom>
+          <a:solidFill>
+            <a:schemeClr val="tx2"/>
+          </a:solidFill>
+          <a:ln>
+            <a:noFill/>
+          </a:ln>
+          <a:effectLst/>
+        </p:spPr>
+        <p:style>
+          <a:lnRef idx="1">
+            <a:schemeClr val="accent1"/>
+          </a:lnRef>
+          <a:fillRef idx="3">
+            <a:schemeClr val="accent1"/>
+          </a:fillRef>
+          <a:effectRef idx="2">
+            <a:schemeClr val="accent1"/>
+          </a:effectRef>
+          <a:fontRef idx="minor">
+            <a:schemeClr val="lt1"/>
+          </a:fontRef>
+        </p:style>
       </p:sp>
       <p:sp>
         <p:nvSpPr>
           <p:cNvPr id="3" name="Substituent conținut 2">
             <a:extLst>
               <a:ext uri="{FF2B5EF4-FFF2-40B4-BE49-F238E27FC236}">
-                <a16:creationId xmlns:a16="http://schemas.microsoft.com/office/drawing/2014/main" id="{FD1F6D74-9474-48DF-924D-97262B6DBB35}"/>
+                <a16:creationId xmlns:a16="http://schemas.microsoft.com/office/drawing/2014/main" id="{C4DCD2B8-1A48-4272-B123-CFAE55448BAD}"/>
               </a:ext>
             </a:extLst>
           </p:cNvPr>
@@ -8538,21 +8904,146 @@
             <p:ph idx="1"/>
           </p:nvPr>
         </p:nvSpPr>
-        <p:spPr/>
-        <p:txBody>
-          <a:bodyPr/>
+        <p:spPr>
+          <a:xfrm>
+            <a:off x="531812" y="2133600"/>
+            <a:ext cx="4625882" cy="3777622"/>
+          </a:xfrm>
+        </p:spPr>
+        <p:txBody>
+          <a:bodyPr>
+            <a:normAutofit/>
+          </a:bodyPr>
           <a:lstStyle/>
           <a:p>
-            <a:endParaRPr lang="en-US"/>
-          </a:p>
-        </p:txBody>
-      </p:sp>
-      <p:sp>
-        <p:nvSpPr>
-          <p:cNvPr id="6" name="Substituent număr diapozitiv 5">
+            <a:pPr>
+              <a:buFont typeface="Arial" panose="020B0604020202020204" pitchFamily="34" charset="0"/>
+              <a:buChar char="•"/>
+            </a:pPr>
+            <a:r>
+              <a:rPr lang="en-US" dirty="0" err="1"/>
+              <a:t>Principalele</a:t>
+            </a:r>
+            <a:r>
+              <a:rPr lang="en-US" dirty="0"/>
+              <a:t> </a:t>
+            </a:r>
+            <a:r>
+              <a:rPr lang="en-US" dirty="0" err="1"/>
+              <a:t>func</a:t>
+            </a:r>
+            <a:r>
+              <a:rPr lang="ro-RO" dirty="0" err="1"/>
+              <a:t>ționalități</a:t>
+            </a:r>
+            <a:r>
+              <a:rPr lang="en-US" dirty="0"/>
+              <a:t>:</a:t>
+            </a:r>
+          </a:p>
+          <a:p>
+            <a:pPr lvl="1">
+              <a:buFont typeface="Wingdings" panose="05000000000000000000" pitchFamily="2" charset="2"/>
+              <a:buChar char="Ø"/>
+            </a:pPr>
+            <a:r>
+              <a:rPr lang="en-US" dirty="0" err="1"/>
+              <a:t>Permite</a:t>
+            </a:r>
+            <a:r>
+              <a:rPr lang="en-US" dirty="0"/>
+              <a:t> </a:t>
+            </a:r>
+            <a:r>
+              <a:rPr lang="en-US" dirty="0" err="1"/>
+              <a:t>setarea</a:t>
+            </a:r>
+            <a:r>
+              <a:rPr lang="en-US" dirty="0"/>
+              <a:t> </a:t>
+            </a:r>
+            <a:r>
+              <a:rPr lang="en-US" dirty="0" err="1"/>
+              <a:t>temperaturii</a:t>
+            </a:r>
+            <a:endParaRPr lang="en-US" dirty="0"/>
+          </a:p>
+          <a:p>
+            <a:pPr lvl="1">
+              <a:buFont typeface="Wingdings" panose="05000000000000000000" pitchFamily="2" charset="2"/>
+              <a:buChar char="Ø"/>
+            </a:pPr>
+            <a:r>
+              <a:rPr lang="en-US" dirty="0"/>
+              <a:t>Cite</a:t>
+            </a:r>
+            <a:r>
+              <a:rPr lang="ro-RO" dirty="0" err="1"/>
+              <a:t>ște</a:t>
+            </a:r>
+            <a:r>
+              <a:rPr lang="ro-RO" dirty="0"/>
+              <a:t> valoarea umidității și temperaturii ambientale</a:t>
+            </a:r>
+          </a:p>
+          <a:p>
+            <a:pPr lvl="1">
+              <a:buFont typeface="Wingdings" panose="05000000000000000000" pitchFamily="2" charset="2"/>
+              <a:buChar char="Ø"/>
+            </a:pPr>
+            <a:r>
+              <a:rPr lang="ro-RO" dirty="0"/>
+              <a:t>Trimite valorile citite în baza de date</a:t>
+            </a:r>
+          </a:p>
+          <a:p>
+            <a:pPr lvl="1">
+              <a:buFont typeface="Wingdings" panose="05000000000000000000" pitchFamily="2" charset="2"/>
+              <a:buChar char="Ø"/>
+            </a:pPr>
+            <a:r>
+              <a:rPr lang="ro-RO" dirty="0"/>
+              <a:t>Afișează pe LCD valoarea temperaturii</a:t>
+            </a:r>
+          </a:p>
+          <a:p>
+            <a:pPr lvl="1">
+              <a:buFont typeface="Wingdings" panose="05000000000000000000" pitchFamily="2" charset="2"/>
+              <a:buChar char="Ø"/>
+            </a:pPr>
+            <a:r>
+              <a:rPr lang="ro-RO" dirty="0"/>
+              <a:t>Controlează închiderea sau deschiderea electrovalvei</a:t>
+            </a:r>
+          </a:p>
+          <a:p>
+            <a:pPr lvl="1">
+              <a:buFont typeface="Wingdings" panose="05000000000000000000" pitchFamily="2" charset="2"/>
+              <a:buChar char="Ø"/>
+            </a:pPr>
+            <a:r>
+              <a:rPr lang="ro-RO" dirty="0"/>
+              <a:t>Trimite comandă pentru pornirea sau oprirea centralei termice</a:t>
+            </a:r>
+            <a:endParaRPr lang="en-US" dirty="0"/>
+          </a:p>
+          <a:p>
+            <a:pPr marL="0" indent="0">
+              <a:buNone/>
+            </a:pPr>
+            <a:endParaRPr lang="ro-RO" dirty="0"/>
+          </a:p>
+          <a:p>
+            <a:endParaRPr lang="en-US" dirty="0"/>
+          </a:p>
+        </p:txBody>
+      </p:sp>
+      <p:sp>
+        <p:nvSpPr>
+          <p:cNvPr id="7" name="Substituent număr diapozitiv 6">
             <a:extLst>
               <a:ext uri="{FF2B5EF4-FFF2-40B4-BE49-F238E27FC236}">
-                <a16:creationId xmlns:a16="http://schemas.microsoft.com/office/drawing/2014/main" id="{8D8CFE0A-411B-4954-937F-52B7EC662B00}"/>
+                <a16:creationId xmlns:a16="http://schemas.microsoft.com/office/drawing/2014/main" id="{317F355C-64AF-488F-AC7D-412943D4C3F1}"/>
               </a:ext>
             </a:extLst>
           </p:cNvPr>
@@ -8563,24 +9054,54 @@
             <p:ph type="sldNum" sz="quarter" idx="12"/>
           </p:nvPr>
         </p:nvSpPr>
-        <p:spPr/>
-        <p:txBody>
-          <a:bodyPr/>
+        <p:spPr>
+          <a:xfrm>
+            <a:off x="6914688" y="3190323"/>
+            <a:ext cx="779767" cy="365125"/>
+          </a:xfrm>
+        </p:spPr>
+        <p:txBody>
+          <a:bodyPr>
+            <a:normAutofit/>
+          </a:bodyPr>
           <a:lstStyle/>
           <a:p>
+            <a:pPr>
+              <a:lnSpc>
+                <a:spcPct val="90000"/>
+              </a:lnSpc>
+              <a:spcAft>
+                <a:spcPts val="600"/>
+              </a:spcAft>
+            </a:pPr>
             <a:fld id="{FE899CAE-04D7-4AFC-956F-C57F365175A7}" type="slidenum">
-              <a:rPr lang="en-US" smtClean="0"/>
-              <a:pPr/>
+              <a:rPr lang="en-US" sz="1900">
+                <a:solidFill>
+                  <a:schemeClr val="tx1"/>
+                </a:solidFill>
+              </a:rPr>
+              <a:pPr>
+                <a:lnSpc>
+                  <a:spcPct val="90000"/>
+                </a:lnSpc>
+                <a:spcAft>
+                  <a:spcPts val="600"/>
+                </a:spcAft>
+              </a:pPr>
               <a:t>10</a:t>
             </a:fld>
-            <a:endParaRPr lang="en-US" dirty="0"/>
+            <a:endParaRPr lang="en-US" sz="1900">
+              <a:solidFill>
+                <a:schemeClr val="tx1"/>
+              </a:solidFill>
+            </a:endParaRPr>
           </a:p>
         </p:txBody>
       </p:sp>
     </p:spTree>
     <p:extLst>
       <p:ext uri="{BB962C8B-B14F-4D97-AF65-F5344CB8AC3E}">
-        <p14:creationId xmlns:p14="http://schemas.microsoft.com/office/powerpoint/2010/main" val="1490768084"/>
+        <p14:creationId xmlns:p14="http://schemas.microsoft.com/office/powerpoint/2010/main" val="1469082820"/>
       </p:ext>
     </p:extLst>
   </p:cSld>
@@ -8607,1235 +9128,12 @@
           <a:chExt cx="0" cy="0"/>
         </a:xfrm>
       </p:grpSpPr>
-      <p:sp>
-        <p:nvSpPr>
-          <p:cNvPr id="2" name="Titlu 1">
+      <p:pic>
+        <p:nvPicPr>
+          <p:cNvPr id="13" name="Imagine 12">
             <a:extLst>
               <a:ext uri="{FF2B5EF4-FFF2-40B4-BE49-F238E27FC236}">
-                <a16:creationId xmlns:a16="http://schemas.microsoft.com/office/drawing/2014/main" id="{750E80B6-3C7F-4B54-B8C2-B8F268B2D591}"/>
-              </a:ext>
-            </a:extLst>
-          </p:cNvPr>
-          <p:cNvSpPr>
-            <a:spLocks noGrp="1"/>
-          </p:cNvSpPr>
-          <p:nvPr>
-            <p:ph type="title"/>
-          </p:nvPr>
-        </p:nvSpPr>
-        <p:spPr>
-          <a:xfrm>
-            <a:off x="685800" y="624110"/>
-            <a:ext cx="10818813" cy="1280890"/>
-          </a:xfrm>
-        </p:spPr>
-        <p:txBody>
-          <a:bodyPr/>
-          <a:lstStyle/>
-          <a:p>
-            <a:r>
-              <a:rPr lang="ro-RO" dirty="0"/>
-              <a:t>Concluzii</a:t>
-            </a:r>
-            <a:endParaRPr lang="en-US" dirty="0"/>
-          </a:p>
-        </p:txBody>
-      </p:sp>
-      <p:sp>
-        <p:nvSpPr>
-          <p:cNvPr id="3" name="Substituent conținut 2">
-            <a:extLst>
-              <a:ext uri="{FF2B5EF4-FFF2-40B4-BE49-F238E27FC236}">
-                <a16:creationId xmlns:a16="http://schemas.microsoft.com/office/drawing/2014/main" id="{F7356411-5890-437C-802C-BC22D5D77C53}"/>
-              </a:ext>
-            </a:extLst>
-          </p:cNvPr>
-          <p:cNvSpPr>
-            <a:spLocks noGrp="1"/>
-          </p:cNvSpPr>
-          <p:nvPr>
-            <p:ph idx="1"/>
-          </p:nvPr>
-        </p:nvSpPr>
-        <p:spPr>
-          <a:xfrm>
-            <a:off x="685799" y="2133600"/>
-            <a:ext cx="10818813" cy="3777622"/>
-          </a:xfrm>
-        </p:spPr>
-        <p:txBody>
-          <a:bodyPr>
-            <a:normAutofit/>
-          </a:bodyPr>
-          <a:lstStyle/>
-          <a:p>
-            <a:pPr>
-              <a:buFont typeface="Arial" panose="020B0604020202020204" pitchFamily="34" charset="0"/>
-              <a:buChar char="•"/>
-            </a:pPr>
-            <a:r>
-              <a:rPr lang="ro-RO" sz="2200" dirty="0"/>
-              <a:t>Scopul proiectului este de a prezenta o soluție pentru controlul temperaturii în mai multe zone ale locuinței, dar și pentru reducerea consumului de energie</a:t>
-            </a:r>
-          </a:p>
-          <a:p>
-            <a:pPr>
-              <a:buFont typeface="Arial" panose="020B0604020202020204" pitchFamily="34" charset="0"/>
-              <a:buChar char="•"/>
-            </a:pPr>
-            <a:r>
-              <a:rPr lang="ro-RO" sz="2200" dirty="0"/>
-              <a:t>Există o serie de funcționalități al căror mod de operare poate fi îmbunătățit</a:t>
-            </a:r>
-          </a:p>
-          <a:p>
-            <a:pPr>
-              <a:buFont typeface="Arial" panose="020B0604020202020204" pitchFamily="34" charset="0"/>
-              <a:buChar char="•"/>
-            </a:pPr>
-            <a:r>
-              <a:rPr lang="ro-RO" sz="2200" dirty="0"/>
-              <a:t>Perspective de dezvoltare</a:t>
-            </a:r>
-            <a:r>
-              <a:rPr lang="en-US" sz="2200" dirty="0"/>
-              <a:t>:</a:t>
-            </a:r>
-          </a:p>
-          <a:p>
-            <a:pPr lvl="1">
-              <a:buFont typeface="Wingdings" panose="05000000000000000000" pitchFamily="2" charset="2"/>
-              <a:buChar char="Ø"/>
-            </a:pPr>
-            <a:r>
-              <a:rPr lang="ro-RO" sz="2000" dirty="0"/>
-              <a:t>Reducerea timpului necesar sistemului pentru a răspunde la comenzile vocale</a:t>
-            </a:r>
-          </a:p>
-          <a:p>
-            <a:pPr lvl="1">
-              <a:buFont typeface="Wingdings" panose="05000000000000000000" pitchFamily="2" charset="2"/>
-              <a:buChar char="Ø"/>
-            </a:pPr>
-            <a:r>
-              <a:rPr lang="ro-RO" sz="2000" dirty="0"/>
-              <a:t>Posibilitatea ca sistemul să adapteze temperatura în funcție de prezența sau absența locuitorilor</a:t>
-            </a:r>
-          </a:p>
-          <a:p>
-            <a:pPr lvl="1">
-              <a:buFont typeface="Wingdings" panose="05000000000000000000" pitchFamily="2" charset="2"/>
-              <a:buChar char="Ø"/>
-            </a:pPr>
-            <a:r>
-              <a:rPr lang="ro-RO" sz="2000" dirty="0"/>
-              <a:t>Atașarea unei tastaturi la plăcuța </a:t>
-            </a:r>
-            <a:r>
-              <a:rPr lang="ro-RO" sz="2000" dirty="0" err="1"/>
-              <a:t>WiFi</a:t>
-            </a:r>
-            <a:r>
-              <a:rPr lang="ro-RO" sz="2000" dirty="0"/>
-              <a:t> pentru a permite modificarea datelor de acces la rețeaua de internet	</a:t>
-            </a:r>
-          </a:p>
-          <a:p>
-            <a:pPr marL="0" indent="0">
-              <a:buNone/>
-            </a:pPr>
-            <a:endParaRPr lang="en-US" dirty="0"/>
-          </a:p>
-        </p:txBody>
-      </p:sp>
-      <p:sp>
-        <p:nvSpPr>
-          <p:cNvPr id="6" name="Substituent număr diapozitiv 5">
-            <a:extLst>
-              <a:ext uri="{FF2B5EF4-FFF2-40B4-BE49-F238E27FC236}">
-                <a16:creationId xmlns:a16="http://schemas.microsoft.com/office/drawing/2014/main" id="{6960E3D1-D97B-49DE-B830-2C7D370FE547}"/>
-              </a:ext>
-            </a:extLst>
-          </p:cNvPr>
-          <p:cNvSpPr>
-            <a:spLocks noGrp="1"/>
-          </p:cNvSpPr>
-          <p:nvPr>
-            <p:ph type="sldNum" sz="quarter" idx="12"/>
-          </p:nvPr>
-        </p:nvSpPr>
-        <p:spPr/>
-        <p:txBody>
-          <a:bodyPr/>
-          <a:lstStyle/>
-          <a:p>
-            <a:fld id="{FE899CAE-04D7-4AFC-956F-C57F365175A7}" type="slidenum">
-              <a:rPr lang="en-US" smtClean="0"/>
-              <a:pPr/>
-              <a:t>11</a:t>
-            </a:fld>
-            <a:endParaRPr lang="en-US" dirty="0"/>
-          </a:p>
-        </p:txBody>
-      </p:sp>
-    </p:spTree>
-    <p:extLst>
-      <p:ext uri="{BB962C8B-B14F-4D97-AF65-F5344CB8AC3E}">
-        <p14:creationId xmlns:p14="http://schemas.microsoft.com/office/powerpoint/2010/main" val="3473204888"/>
-      </p:ext>
-    </p:extLst>
-  </p:cSld>
-  <p:clrMapOvr>
-    <a:masterClrMapping/>
-  </p:clrMapOvr>
-</p:sld>
-</file>
-
-<file path=ppt/slides/slide12.xml><?xml version="1.0" encoding="utf-8"?>
-<p:sld xmlns:a="http://schemas.openxmlformats.org/drawingml/2006/main" xmlns:r="http://schemas.openxmlformats.org/officeDocument/2006/relationships" xmlns:p="http://schemas.openxmlformats.org/presentationml/2006/main" showMasterSp="0">
-  <p:cSld>
-    <p:spTree>
-      <p:nvGrpSpPr>
-        <p:cNvPr id="1" name=""/>
-        <p:cNvGrpSpPr/>
-        <p:nvPr/>
-      </p:nvGrpSpPr>
-      <p:grpSpPr>
-        <a:xfrm>
-          <a:off x="0" y="0"/>
-          <a:ext cx="0" cy="0"/>
-          <a:chOff x="0" y="0"/>
-          <a:chExt cx="0" cy="0"/>
-        </a:xfrm>
-      </p:grpSpPr>
-      <p:sp>
-        <p:nvSpPr>
-          <p:cNvPr id="2" name="Titlu 1">
-            <a:extLst>
-              <a:ext uri="{FF2B5EF4-FFF2-40B4-BE49-F238E27FC236}">
-                <a16:creationId xmlns:a16="http://schemas.microsoft.com/office/drawing/2014/main" id="{8F599AC0-73FE-4940-B82D-96B24E039E49}"/>
-              </a:ext>
-            </a:extLst>
-          </p:cNvPr>
-          <p:cNvSpPr>
-            <a:spLocks noGrp="1"/>
-          </p:cNvSpPr>
-          <p:nvPr>
-            <p:ph type="title"/>
-          </p:nvPr>
-        </p:nvSpPr>
-        <p:spPr>
-          <a:xfrm>
-            <a:off x="631372" y="624110"/>
-            <a:ext cx="10873242" cy="1280890"/>
-          </a:xfrm>
-        </p:spPr>
-        <p:txBody>
-          <a:bodyPr/>
-          <a:lstStyle/>
-          <a:p>
-            <a:r>
-              <a:rPr lang="en-US" dirty="0" err="1"/>
-              <a:t>Concluzii</a:t>
-            </a:r>
-            <a:endParaRPr lang="en-US" dirty="0"/>
-          </a:p>
-        </p:txBody>
-      </p:sp>
-      <p:sp>
-        <p:nvSpPr>
-          <p:cNvPr id="3" name="Substituent conținut 2">
-            <a:extLst>
-              <a:ext uri="{FF2B5EF4-FFF2-40B4-BE49-F238E27FC236}">
-                <a16:creationId xmlns:a16="http://schemas.microsoft.com/office/drawing/2014/main" id="{52FD1FAA-BBDF-4770-ABE6-46CFF1B76061}"/>
-              </a:ext>
-            </a:extLst>
-          </p:cNvPr>
-          <p:cNvSpPr>
-            <a:spLocks noGrp="1"/>
-          </p:cNvSpPr>
-          <p:nvPr>
-            <p:ph idx="1"/>
-          </p:nvPr>
-        </p:nvSpPr>
-        <p:spPr>
-          <a:xfrm>
-            <a:off x="631370" y="2133600"/>
-            <a:ext cx="10873242" cy="3777622"/>
-          </a:xfrm>
-        </p:spPr>
-        <p:txBody>
-          <a:bodyPr/>
-          <a:lstStyle/>
-          <a:p>
-            <a:pPr>
-              <a:buFont typeface="Arial" panose="020B0604020202020204" pitchFamily="34" charset="0"/>
-              <a:buChar char="•"/>
-            </a:pPr>
-            <a:r>
-              <a:rPr lang="ro-RO" sz="2200" dirty="0"/>
-              <a:t>Sinteza c</a:t>
-            </a:r>
-            <a:r>
-              <a:rPr lang="en-US" sz="2200" dirty="0" err="1"/>
-              <a:t>ontribu</a:t>
-            </a:r>
-            <a:r>
-              <a:rPr lang="ro-RO" sz="2200" dirty="0" err="1"/>
-              <a:t>țiilor</a:t>
-            </a:r>
-            <a:r>
-              <a:rPr lang="en-US" sz="2200" dirty="0"/>
-              <a:t>:</a:t>
-            </a:r>
-            <a:endParaRPr lang="ro-RO" sz="2200" dirty="0"/>
-          </a:p>
-          <a:p>
-            <a:pPr lvl="1">
-              <a:buFont typeface="Wingdings" panose="05000000000000000000" pitchFamily="2" charset="2"/>
-              <a:buChar char="Ø"/>
-            </a:pPr>
-            <a:r>
-              <a:rPr lang="ro-RO" sz="2000" dirty="0"/>
-              <a:t>Programarea plăcuțelor ESP8266 și </a:t>
-            </a:r>
-            <a:r>
-              <a:rPr lang="ro-RO" sz="2000" dirty="0" err="1"/>
-              <a:t>Arduino</a:t>
-            </a:r>
-            <a:endParaRPr lang="en-US" sz="2000" dirty="0"/>
-          </a:p>
-          <a:p>
-            <a:pPr lvl="1">
-              <a:buFont typeface="Wingdings" panose="05000000000000000000" pitchFamily="2" charset="2"/>
-              <a:buChar char="Ø"/>
-            </a:pPr>
-            <a:r>
-              <a:rPr lang="en-US" sz="2000" dirty="0" err="1"/>
-              <a:t>Implementare</a:t>
-            </a:r>
-            <a:r>
-              <a:rPr lang="ro-RO" sz="2000" dirty="0"/>
-              <a:t>a</a:t>
-            </a:r>
-            <a:r>
-              <a:rPr lang="en-US" sz="2000" dirty="0"/>
-              <a:t> </a:t>
-            </a:r>
-            <a:r>
-              <a:rPr lang="en-US" sz="2000" dirty="0" err="1"/>
-              <a:t>aplica</a:t>
-            </a:r>
-            <a:r>
-              <a:rPr lang="ro-RO" sz="2000" dirty="0" err="1"/>
-              <a:t>ției</a:t>
-            </a:r>
-            <a:r>
-              <a:rPr lang="ro-RO" sz="2000" dirty="0"/>
-              <a:t> web </a:t>
-            </a:r>
-          </a:p>
-          <a:p>
-            <a:pPr lvl="1">
-              <a:buFont typeface="Wingdings" panose="05000000000000000000" pitchFamily="2" charset="2"/>
-              <a:buChar char="Ø"/>
-            </a:pPr>
-            <a:r>
-              <a:rPr lang="ro-RO" sz="2000" dirty="0"/>
-              <a:t>Crearea testelor unitare pentru aplicația web</a:t>
-            </a:r>
-            <a:endParaRPr lang="en-US" sz="2000" dirty="0"/>
-          </a:p>
-          <a:p>
-            <a:pPr lvl="1">
-              <a:buFont typeface="Wingdings" panose="05000000000000000000" pitchFamily="2" charset="2"/>
-              <a:buChar char="Ø"/>
-            </a:pPr>
-            <a:r>
-              <a:rPr lang="ro-RO" sz="2000" dirty="0"/>
-              <a:t>Testarea circuitului de apă</a:t>
-            </a:r>
-            <a:endParaRPr lang="en-US" sz="2000" dirty="0"/>
-          </a:p>
-          <a:p>
-            <a:pPr lvl="1">
-              <a:buFont typeface="Wingdings" panose="05000000000000000000" pitchFamily="2" charset="2"/>
-              <a:buChar char="Ø"/>
-            </a:pPr>
-            <a:r>
-              <a:rPr lang="ro-RO" sz="2000" dirty="0"/>
-              <a:t>Realizarea circuitului electric și a filtrelor trece-jos</a:t>
-            </a:r>
-            <a:endParaRPr lang="en-US" sz="2000" dirty="0"/>
-          </a:p>
-          <a:p>
-            <a:pPr lvl="1">
-              <a:buFont typeface="Wingdings" panose="05000000000000000000" pitchFamily="2" charset="2"/>
-              <a:buChar char="Ø"/>
-            </a:pPr>
-            <a:r>
-              <a:rPr lang="ro-RO" sz="2000" dirty="0"/>
-              <a:t>Găzduirea aplicației pe un server, la distanță, utilizând platforma </a:t>
-            </a:r>
-            <a:r>
-              <a:rPr lang="ro-RO" sz="2000" dirty="0" err="1"/>
-              <a:t>Heroku</a:t>
-            </a:r>
-            <a:r>
-              <a:rPr lang="ro-RO" sz="2000" dirty="0"/>
-              <a:t> </a:t>
-            </a:r>
-            <a:endParaRPr lang="en-US" sz="2000" dirty="0"/>
-          </a:p>
-        </p:txBody>
-      </p:sp>
-      <p:sp>
-        <p:nvSpPr>
-          <p:cNvPr id="6" name="Substituent număr diapozitiv 5">
-            <a:extLst>
-              <a:ext uri="{FF2B5EF4-FFF2-40B4-BE49-F238E27FC236}">
-                <a16:creationId xmlns:a16="http://schemas.microsoft.com/office/drawing/2014/main" id="{D6940163-1A80-4B72-9D07-628B70044164}"/>
-              </a:ext>
-            </a:extLst>
-          </p:cNvPr>
-          <p:cNvSpPr>
-            <a:spLocks noGrp="1"/>
-          </p:cNvSpPr>
-          <p:nvPr>
-            <p:ph type="sldNum" sz="quarter" idx="12"/>
-          </p:nvPr>
-        </p:nvSpPr>
-        <p:spPr/>
-        <p:txBody>
-          <a:bodyPr/>
-          <a:lstStyle/>
-          <a:p>
-            <a:fld id="{FE899CAE-04D7-4AFC-956F-C57F365175A7}" type="slidenum">
-              <a:rPr lang="en-US" smtClean="0"/>
-              <a:pPr/>
-              <a:t>12</a:t>
-            </a:fld>
-            <a:endParaRPr lang="en-US" dirty="0"/>
-          </a:p>
-        </p:txBody>
-      </p:sp>
-    </p:spTree>
-    <p:extLst>
-      <p:ext uri="{BB962C8B-B14F-4D97-AF65-F5344CB8AC3E}">
-        <p14:creationId xmlns:p14="http://schemas.microsoft.com/office/powerpoint/2010/main" val="3682275979"/>
-      </p:ext>
-    </p:extLst>
-  </p:cSld>
-  <p:clrMapOvr>
-    <a:masterClrMapping/>
-  </p:clrMapOvr>
-</p:sld>
-</file>
-
-<file path=ppt/slides/slide2.xml><?xml version="1.0" encoding="utf-8"?>
-<p:sld xmlns:a="http://schemas.openxmlformats.org/drawingml/2006/main" xmlns:r="http://schemas.openxmlformats.org/officeDocument/2006/relationships" xmlns:p="http://schemas.openxmlformats.org/presentationml/2006/main" showMasterSp="0">
-  <p:cSld>
-    <p:spTree>
-      <p:nvGrpSpPr>
-        <p:cNvPr id="1" name=""/>
-        <p:cNvGrpSpPr/>
-        <p:nvPr/>
-      </p:nvGrpSpPr>
-      <p:grpSpPr>
-        <a:xfrm>
-          <a:off x="0" y="0"/>
-          <a:ext cx="0" cy="0"/>
-          <a:chOff x="0" y="0"/>
-          <a:chExt cx="0" cy="0"/>
-        </a:xfrm>
-      </p:grpSpPr>
-      <p:sp>
-        <p:nvSpPr>
-          <p:cNvPr id="2" name="Titlu 1">
-            <a:extLst>
-              <a:ext uri="{FF2B5EF4-FFF2-40B4-BE49-F238E27FC236}">
-                <a16:creationId xmlns:a16="http://schemas.microsoft.com/office/drawing/2014/main" id="{B129BC0B-D326-46C0-8715-226039959E6D}"/>
-              </a:ext>
-            </a:extLst>
-          </p:cNvPr>
-          <p:cNvSpPr>
-            <a:spLocks noGrp="1"/>
-          </p:cNvSpPr>
-          <p:nvPr>
-            <p:ph type="title"/>
-          </p:nvPr>
-        </p:nvSpPr>
-        <p:spPr>
-          <a:xfrm>
-            <a:off x="653144" y="624110"/>
-            <a:ext cx="10851470" cy="1280890"/>
-          </a:xfrm>
-        </p:spPr>
-        <p:txBody>
-          <a:bodyPr/>
-          <a:lstStyle/>
-          <a:p>
-            <a:r>
-              <a:rPr lang="en-US" dirty="0" err="1"/>
-              <a:t>Cuprins</a:t>
-            </a:r>
-            <a:endParaRPr lang="en-US" dirty="0"/>
-          </a:p>
-        </p:txBody>
-      </p:sp>
-      <p:sp>
-        <p:nvSpPr>
-          <p:cNvPr id="3" name="Substituent conținut 2">
-            <a:extLst>
-              <a:ext uri="{FF2B5EF4-FFF2-40B4-BE49-F238E27FC236}">
-                <a16:creationId xmlns:a16="http://schemas.microsoft.com/office/drawing/2014/main" id="{94BE2CDC-BC46-451D-9580-0D4766FA3006}"/>
-              </a:ext>
-            </a:extLst>
-          </p:cNvPr>
-          <p:cNvSpPr>
-            <a:spLocks noGrp="1"/>
-          </p:cNvSpPr>
-          <p:nvPr>
-            <p:ph idx="1"/>
-          </p:nvPr>
-        </p:nvSpPr>
-        <p:spPr>
-          <a:xfrm>
-            <a:off x="653142" y="2133600"/>
-            <a:ext cx="10851470" cy="3777622"/>
-          </a:xfrm>
-        </p:spPr>
-        <p:txBody>
-          <a:bodyPr/>
-          <a:lstStyle/>
-          <a:p>
-            <a:pPr>
-              <a:buFont typeface="Arial" panose="020B0604020202020204" pitchFamily="34" charset="0"/>
-              <a:buChar char="•"/>
-            </a:pPr>
-            <a:r>
-              <a:rPr lang="en-US" dirty="0" err="1">
-                <a:hlinkClick r:id="rId2" action="ppaction://hlinksldjump"/>
-              </a:rPr>
-              <a:t>Introducere</a:t>
-            </a:r>
-            <a:endParaRPr lang="en-US" dirty="0"/>
-          </a:p>
-          <a:p>
-            <a:pPr>
-              <a:buFont typeface="Arial" panose="020B0604020202020204" pitchFamily="34" charset="0"/>
-              <a:buChar char="•"/>
-            </a:pPr>
-            <a:r>
-              <a:rPr lang="en-US" dirty="0" err="1">
-                <a:hlinkClick r:id="rId3" action="ppaction://hlinksldjump"/>
-              </a:rPr>
-              <a:t>Competi</a:t>
-            </a:r>
-            <a:r>
-              <a:rPr lang="ro-RO" dirty="0">
-                <a:hlinkClick r:id="rId3" action="ppaction://hlinksldjump"/>
-              </a:rPr>
-              <a:t>ție</a:t>
-            </a:r>
-            <a:endParaRPr lang="en-US" dirty="0"/>
-          </a:p>
-          <a:p>
-            <a:pPr>
-              <a:buFont typeface="Arial" panose="020B0604020202020204" pitchFamily="34" charset="0"/>
-              <a:buChar char="•"/>
-            </a:pPr>
-            <a:r>
-              <a:rPr lang="ro-RO" dirty="0">
-                <a:hlinkClick r:id="rId4" action="ppaction://hlinksldjump"/>
-              </a:rPr>
-              <a:t>Arhitectura sistemului</a:t>
-            </a:r>
-            <a:endParaRPr lang="ro-RO" dirty="0"/>
-          </a:p>
-          <a:p>
-            <a:pPr>
-              <a:buFont typeface="Arial" panose="020B0604020202020204" pitchFamily="34" charset="0"/>
-              <a:buChar char="•"/>
-            </a:pPr>
-            <a:r>
-              <a:rPr lang="ro-RO" dirty="0">
-                <a:hlinkClick r:id="rId5" action="ppaction://hlinksldjump"/>
-              </a:rPr>
-              <a:t>Implementarea soluției</a:t>
-            </a:r>
-            <a:endParaRPr lang="ro-RO" dirty="0"/>
-          </a:p>
-          <a:p>
-            <a:pPr>
-              <a:buFont typeface="Arial" panose="020B0604020202020204" pitchFamily="34" charset="0"/>
-              <a:buChar char="•"/>
-            </a:pPr>
-            <a:r>
-              <a:rPr lang="ro-RO" dirty="0" err="1">
-                <a:hlinkClick r:id="rId6" action="ppaction://hlinksldjump"/>
-              </a:rPr>
-              <a:t>Demo</a:t>
-            </a:r>
-            <a:endParaRPr lang="ro-RO" dirty="0"/>
-          </a:p>
-          <a:p>
-            <a:pPr>
-              <a:buFont typeface="Arial" panose="020B0604020202020204" pitchFamily="34" charset="0"/>
-              <a:buChar char="•"/>
-            </a:pPr>
-            <a:r>
-              <a:rPr lang="ro-RO" dirty="0">
-                <a:hlinkClick r:id="rId7" action="ppaction://hlinksldjump"/>
-              </a:rPr>
-              <a:t>Concluzii și direcții de dezvoltare</a:t>
-            </a:r>
-            <a:endParaRPr lang="en-US" dirty="0"/>
-          </a:p>
-        </p:txBody>
-      </p:sp>
-      <p:sp>
-        <p:nvSpPr>
-          <p:cNvPr id="8" name="Substituent număr diapozitiv 7">
-            <a:extLst>
-              <a:ext uri="{FF2B5EF4-FFF2-40B4-BE49-F238E27FC236}">
-                <a16:creationId xmlns:a16="http://schemas.microsoft.com/office/drawing/2014/main" id="{06C12413-14FD-46E7-BA14-111530D54DDF}"/>
-              </a:ext>
-            </a:extLst>
-          </p:cNvPr>
-          <p:cNvSpPr>
-            <a:spLocks noGrp="1"/>
-          </p:cNvSpPr>
-          <p:nvPr>
-            <p:ph type="sldNum" sz="quarter" idx="12"/>
-          </p:nvPr>
-        </p:nvSpPr>
-        <p:spPr/>
-        <p:txBody>
-          <a:bodyPr/>
-          <a:lstStyle/>
-          <a:p>
-            <a:fld id="{FE899CAE-04D7-4AFC-956F-C57F365175A7}" type="slidenum">
-              <a:rPr lang="en-US" smtClean="0"/>
-              <a:pPr/>
-              <a:t>2</a:t>
-            </a:fld>
-            <a:endParaRPr lang="en-US" dirty="0"/>
-          </a:p>
-        </p:txBody>
-      </p:sp>
-    </p:spTree>
-    <p:extLst>
-      <p:ext uri="{BB962C8B-B14F-4D97-AF65-F5344CB8AC3E}">
-        <p14:creationId xmlns:p14="http://schemas.microsoft.com/office/powerpoint/2010/main" val="1862568680"/>
-      </p:ext>
-    </p:extLst>
-  </p:cSld>
-  <p:clrMapOvr>
-    <a:masterClrMapping/>
-  </p:clrMapOvr>
-</p:sld>
-</file>
-
-<file path=ppt/slides/slide3.xml><?xml version="1.0" encoding="utf-8"?>
-<p:sld xmlns:a="http://schemas.openxmlformats.org/drawingml/2006/main" xmlns:r="http://schemas.openxmlformats.org/officeDocument/2006/relationships" xmlns:p="http://schemas.openxmlformats.org/presentationml/2006/main" showMasterSp="0">
-  <p:cSld>
-    <p:spTree>
-      <p:nvGrpSpPr>
-        <p:cNvPr id="1" name=""/>
-        <p:cNvGrpSpPr/>
-        <p:nvPr/>
-      </p:nvGrpSpPr>
-      <p:grpSpPr>
-        <a:xfrm>
-          <a:off x="0" y="0"/>
-          <a:ext cx="0" cy="0"/>
-          <a:chOff x="0" y="0"/>
-          <a:chExt cx="0" cy="0"/>
-        </a:xfrm>
-      </p:grpSpPr>
-      <p:sp>
-        <p:nvSpPr>
-          <p:cNvPr id="2" name="Titlu 1">
-            <a:extLst>
-              <a:ext uri="{FF2B5EF4-FFF2-40B4-BE49-F238E27FC236}">
-                <a16:creationId xmlns:a16="http://schemas.microsoft.com/office/drawing/2014/main" id="{77F6E2A2-BA96-4CCD-A652-1B5CF11EA290}"/>
-              </a:ext>
-            </a:extLst>
-          </p:cNvPr>
-          <p:cNvSpPr>
-            <a:spLocks noGrp="1"/>
-          </p:cNvSpPr>
-          <p:nvPr>
-            <p:ph type="title"/>
-          </p:nvPr>
-        </p:nvSpPr>
-        <p:spPr>
-          <a:xfrm>
-            <a:off x="838200" y="559307"/>
-            <a:ext cx="10515600" cy="1325563"/>
-          </a:xfrm>
-        </p:spPr>
-        <p:txBody>
-          <a:bodyPr/>
-          <a:lstStyle/>
-          <a:p>
-            <a:r>
-              <a:rPr lang="ro-RO" dirty="0"/>
-              <a:t>Introducere</a:t>
-            </a:r>
-            <a:endParaRPr lang="en-US" dirty="0"/>
-          </a:p>
-        </p:txBody>
-      </p:sp>
-      <p:sp>
-        <p:nvSpPr>
-          <p:cNvPr id="3" name="Substituent conținut 2">
-            <a:extLst>
-              <a:ext uri="{FF2B5EF4-FFF2-40B4-BE49-F238E27FC236}">
-                <a16:creationId xmlns:a16="http://schemas.microsoft.com/office/drawing/2014/main" id="{2756938C-F9B9-47F9-A091-00639A376482}"/>
-              </a:ext>
-            </a:extLst>
-          </p:cNvPr>
-          <p:cNvSpPr>
-            <a:spLocks noGrp="1"/>
-          </p:cNvSpPr>
-          <p:nvPr>
-            <p:ph idx="1"/>
-          </p:nvPr>
-        </p:nvSpPr>
-        <p:spPr>
-          <a:xfrm>
-            <a:off x="838200" y="2133600"/>
-            <a:ext cx="10666412" cy="3777622"/>
-          </a:xfrm>
-        </p:spPr>
-        <p:txBody>
-          <a:bodyPr>
-            <a:normAutofit/>
-          </a:bodyPr>
-          <a:lstStyle/>
-          <a:p>
-            <a:pPr>
-              <a:buFont typeface="Arial" panose="020B0604020202020204" pitchFamily="34" charset="0"/>
-              <a:buChar char="•"/>
-            </a:pPr>
-            <a:r>
-              <a:rPr lang="ro-RO" sz="2200" dirty="0"/>
-              <a:t>Motivație</a:t>
-            </a:r>
-            <a:r>
-              <a:rPr lang="en-US" sz="2200" dirty="0"/>
-              <a:t>:</a:t>
-            </a:r>
-          </a:p>
-          <a:p>
-            <a:pPr lvl="1">
-              <a:buFont typeface="Wingdings" panose="05000000000000000000" pitchFamily="2" charset="2"/>
-              <a:buChar char="Ø"/>
-            </a:pPr>
-            <a:r>
-              <a:rPr lang="en-US" sz="2000" dirty="0" err="1"/>
-              <a:t>Dorin</a:t>
-            </a:r>
-            <a:r>
-              <a:rPr lang="ro-RO" sz="2000" dirty="0"/>
-              <a:t>ța de a putea controla temperatura în mai multe zone ale imobilului</a:t>
-            </a:r>
-            <a:endParaRPr lang="en-US" sz="2000" dirty="0"/>
-          </a:p>
-          <a:p>
-            <a:pPr marL="0" indent="0">
-              <a:buNone/>
-            </a:pPr>
-            <a:endParaRPr lang="en-US" sz="2200" dirty="0"/>
-          </a:p>
-          <a:p>
-            <a:pPr>
-              <a:buFont typeface="Arial" panose="020B0604020202020204" pitchFamily="34" charset="0"/>
-              <a:buChar char="•"/>
-            </a:pPr>
-            <a:r>
-              <a:rPr lang="en-US" sz="2200" dirty="0"/>
-              <a:t>Scop:</a:t>
-            </a:r>
-          </a:p>
-          <a:p>
-            <a:pPr lvl="1">
-              <a:buFont typeface="Wingdings" panose="05000000000000000000" pitchFamily="2" charset="2"/>
-              <a:buChar char="Ø"/>
-            </a:pPr>
-            <a:r>
-              <a:rPr lang="en-US" sz="2000" dirty="0" err="1"/>
-              <a:t>Reducerea</a:t>
-            </a:r>
-            <a:r>
-              <a:rPr lang="en-US" sz="2000" dirty="0"/>
-              <a:t> </a:t>
-            </a:r>
-            <a:r>
-              <a:rPr lang="en-US" sz="2000" dirty="0" err="1"/>
-              <a:t>consumului</a:t>
-            </a:r>
-            <a:r>
-              <a:rPr lang="en-US" sz="2000" dirty="0"/>
-              <a:t> de </a:t>
-            </a:r>
-            <a:r>
-              <a:rPr lang="en-US" sz="2000" dirty="0" err="1"/>
-              <a:t>gaz</a:t>
-            </a:r>
-            <a:endParaRPr lang="en-US" sz="2000" dirty="0"/>
-          </a:p>
-          <a:p>
-            <a:pPr lvl="1">
-              <a:buFont typeface="Wingdings" panose="05000000000000000000" pitchFamily="2" charset="2"/>
-              <a:buChar char="Ø"/>
-            </a:pPr>
-            <a:r>
-              <a:rPr lang="en-US" sz="2000" dirty="0" err="1"/>
-              <a:t>Monitorizarea</a:t>
-            </a:r>
-            <a:r>
-              <a:rPr lang="en-US" sz="2000" dirty="0"/>
-              <a:t> </a:t>
-            </a:r>
-            <a:r>
-              <a:rPr lang="ro-RO" sz="2000" dirty="0"/>
-              <a:t>și controlul de la distanță al temperaturii</a:t>
-            </a:r>
-            <a:endParaRPr lang="en-US" sz="2000" dirty="0"/>
-          </a:p>
-          <a:p>
-            <a:pPr lvl="1">
-              <a:buFont typeface="Wingdings" panose="05000000000000000000" pitchFamily="2" charset="2"/>
-              <a:buChar char="Ø"/>
-            </a:pPr>
-            <a:r>
-              <a:rPr lang="ro-RO" sz="2000" dirty="0"/>
-              <a:t>Egalizarea temperaturii în fiecare cameră a imobilului</a:t>
-            </a:r>
-          </a:p>
-          <a:p>
-            <a:endParaRPr lang="ro-RO" dirty="0"/>
-          </a:p>
-          <a:p>
-            <a:endParaRPr lang="ro-RO" dirty="0"/>
-          </a:p>
-        </p:txBody>
-      </p:sp>
-      <p:sp>
-        <p:nvSpPr>
-          <p:cNvPr id="6" name="Substituent număr diapozitiv 5">
-            <a:extLst>
-              <a:ext uri="{FF2B5EF4-FFF2-40B4-BE49-F238E27FC236}">
-                <a16:creationId xmlns:a16="http://schemas.microsoft.com/office/drawing/2014/main" id="{D7028702-EE1F-471C-93D0-CAFA8FFDF91E}"/>
-              </a:ext>
-            </a:extLst>
-          </p:cNvPr>
-          <p:cNvSpPr>
-            <a:spLocks noGrp="1"/>
-          </p:cNvSpPr>
-          <p:nvPr>
-            <p:ph type="sldNum" sz="quarter" idx="12"/>
-          </p:nvPr>
-        </p:nvSpPr>
-        <p:spPr/>
-        <p:txBody>
-          <a:bodyPr/>
-          <a:lstStyle/>
-          <a:p>
-            <a:fld id="{FE899CAE-04D7-4AFC-956F-C57F365175A7}" type="slidenum">
-              <a:rPr lang="en-US" smtClean="0"/>
-              <a:pPr/>
-              <a:t>3</a:t>
-            </a:fld>
-            <a:endParaRPr lang="en-US" dirty="0"/>
-          </a:p>
-        </p:txBody>
-      </p:sp>
-    </p:spTree>
-    <p:extLst>
-      <p:ext uri="{BB962C8B-B14F-4D97-AF65-F5344CB8AC3E}">
-        <p14:creationId xmlns:p14="http://schemas.microsoft.com/office/powerpoint/2010/main" val="3231738998"/>
-      </p:ext>
-    </p:extLst>
-  </p:cSld>
-  <p:clrMapOvr>
-    <a:masterClrMapping/>
-  </p:clrMapOvr>
-</p:sld>
-</file>
-
-<file path=ppt/slides/slide4.xml><?xml version="1.0" encoding="utf-8"?>
-<p:sld xmlns:a="http://schemas.openxmlformats.org/drawingml/2006/main" xmlns:r="http://schemas.openxmlformats.org/officeDocument/2006/relationships" xmlns:p="http://schemas.openxmlformats.org/presentationml/2006/main" showMasterSp="0">
-  <p:cSld>
-    <p:spTree>
-      <p:nvGrpSpPr>
-        <p:cNvPr id="1" name=""/>
-        <p:cNvGrpSpPr/>
-        <p:nvPr/>
-      </p:nvGrpSpPr>
-      <p:grpSpPr>
-        <a:xfrm>
-          <a:off x="0" y="0"/>
-          <a:ext cx="0" cy="0"/>
-          <a:chOff x="0" y="0"/>
-          <a:chExt cx="0" cy="0"/>
-        </a:xfrm>
-      </p:grpSpPr>
-      <p:sp>
-        <p:nvSpPr>
-          <p:cNvPr id="2" name="Titlu 1">
-            <a:extLst>
-              <a:ext uri="{FF2B5EF4-FFF2-40B4-BE49-F238E27FC236}">
-                <a16:creationId xmlns:a16="http://schemas.microsoft.com/office/drawing/2014/main" id="{7129B54D-B381-4CFC-B445-9776A7B9D11F}"/>
-              </a:ext>
-            </a:extLst>
-          </p:cNvPr>
-          <p:cNvSpPr>
-            <a:spLocks noGrp="1"/>
-          </p:cNvSpPr>
-          <p:nvPr>
-            <p:ph type="title"/>
-          </p:nvPr>
-        </p:nvSpPr>
-        <p:spPr>
-          <a:xfrm>
-            <a:off x="642258" y="624110"/>
-            <a:ext cx="10862356" cy="1280890"/>
-          </a:xfrm>
-        </p:spPr>
-        <p:txBody>
-          <a:bodyPr/>
-          <a:lstStyle/>
-          <a:p>
-            <a:r>
-              <a:rPr lang="ro-RO" dirty="0"/>
-              <a:t>Competiție</a:t>
-            </a:r>
-            <a:endParaRPr lang="en-US" dirty="0"/>
-          </a:p>
-        </p:txBody>
-      </p:sp>
-      <p:sp>
-        <p:nvSpPr>
-          <p:cNvPr id="3" name="Substituent conținut 2">
-            <a:extLst>
-              <a:ext uri="{FF2B5EF4-FFF2-40B4-BE49-F238E27FC236}">
-                <a16:creationId xmlns:a16="http://schemas.microsoft.com/office/drawing/2014/main" id="{EE387055-6351-42BF-A2D6-129379B78CDD}"/>
-              </a:ext>
-            </a:extLst>
-          </p:cNvPr>
-          <p:cNvSpPr>
-            <a:spLocks noGrp="1"/>
-          </p:cNvSpPr>
-          <p:nvPr>
-            <p:ph idx="1"/>
-          </p:nvPr>
-        </p:nvSpPr>
-        <p:spPr>
-          <a:xfrm>
-            <a:off x="642256" y="2133600"/>
-            <a:ext cx="10862356" cy="3777622"/>
-          </a:xfrm>
-        </p:spPr>
-        <p:txBody>
-          <a:bodyPr>
-            <a:normAutofit/>
-          </a:bodyPr>
-          <a:lstStyle/>
-          <a:p>
-            <a:pPr algn="just">
-              <a:buFont typeface="Arial" panose="020B0604020202020204" pitchFamily="34" charset="0"/>
-              <a:buChar char="•"/>
-            </a:pPr>
-            <a:r>
-              <a:rPr lang="ro-RO" sz="2200" dirty="0"/>
-              <a:t>Se produc și comercializează o serie de sisteme asemănătoare.</a:t>
-            </a:r>
-          </a:p>
-          <a:p>
-            <a:pPr algn="just">
-              <a:buFont typeface="Arial" panose="020B0604020202020204" pitchFamily="34" charset="0"/>
-              <a:buChar char="•"/>
-            </a:pPr>
-            <a:r>
-              <a:rPr lang="ro-RO" sz="2200" dirty="0"/>
-              <a:t>Printre cele mai importante se enumeră</a:t>
-            </a:r>
-            <a:r>
-              <a:rPr lang="en-US" sz="2200" dirty="0"/>
-              <a:t>:</a:t>
-            </a:r>
-          </a:p>
-          <a:p>
-            <a:pPr lvl="1" algn="just">
-              <a:buFont typeface="Wingdings" panose="05000000000000000000" pitchFamily="2" charset="2"/>
-              <a:buChar char="Ø"/>
-            </a:pPr>
-            <a:r>
-              <a:rPr lang="en-US" sz="2000" dirty="0" err="1"/>
-              <a:t>Ecobee</a:t>
-            </a:r>
-            <a:endParaRPr lang="en-US" sz="2000" dirty="0"/>
-          </a:p>
-          <a:p>
-            <a:pPr lvl="1" algn="just">
-              <a:buFont typeface="Wingdings" panose="05000000000000000000" pitchFamily="2" charset="2"/>
-              <a:buChar char="Ø"/>
-            </a:pPr>
-            <a:r>
-              <a:rPr lang="en-US" sz="2000" dirty="0"/>
-              <a:t>Nest</a:t>
-            </a:r>
-            <a:r>
-              <a:rPr lang="ro-RO" sz="2000" dirty="0"/>
-              <a:t>  </a:t>
-            </a:r>
-            <a:endParaRPr lang="en-US" sz="2000" dirty="0"/>
-          </a:p>
-          <a:p>
-            <a:pPr algn="just">
-              <a:buFont typeface="Arial" panose="020B0604020202020204" pitchFamily="34" charset="0"/>
-              <a:buChar char="•"/>
-            </a:pPr>
-            <a:r>
-              <a:rPr lang="ro-RO" sz="2200" dirty="0"/>
-              <a:t>Cum se diferențiază sistemul creat?</a:t>
-            </a:r>
-            <a:endParaRPr lang="en-US" sz="2200" dirty="0"/>
-          </a:p>
-          <a:p>
-            <a:pPr lvl="1" algn="just">
-              <a:buFont typeface="Wingdings" panose="05000000000000000000" pitchFamily="2" charset="2"/>
-              <a:buChar char="Ø"/>
-            </a:pPr>
-            <a:r>
-              <a:rPr lang="ro-RO" sz="2000" dirty="0"/>
-              <a:t>Cost scăzut</a:t>
-            </a:r>
-            <a:endParaRPr lang="en-US" sz="2000" dirty="0"/>
-          </a:p>
-          <a:p>
-            <a:pPr lvl="1" algn="just">
-              <a:buFont typeface="Wingdings" panose="05000000000000000000" pitchFamily="2" charset="2"/>
-              <a:buChar char="Ø"/>
-            </a:pPr>
-            <a:r>
-              <a:rPr lang="ro-RO" sz="2000" dirty="0"/>
-              <a:t>Posibilitatea de a regla temperatura pe diferite zone din imobil</a:t>
-            </a:r>
-            <a:endParaRPr lang="en-US" sz="2000" dirty="0"/>
-          </a:p>
-        </p:txBody>
-      </p:sp>
-      <p:sp>
-        <p:nvSpPr>
-          <p:cNvPr id="6" name="Substituent număr diapozitiv 5">
-            <a:extLst>
-              <a:ext uri="{FF2B5EF4-FFF2-40B4-BE49-F238E27FC236}">
-                <a16:creationId xmlns:a16="http://schemas.microsoft.com/office/drawing/2014/main" id="{549C937E-4289-4597-A04D-AACE5F022DFD}"/>
-              </a:ext>
-            </a:extLst>
-          </p:cNvPr>
-          <p:cNvSpPr>
-            <a:spLocks noGrp="1"/>
-          </p:cNvSpPr>
-          <p:nvPr>
-            <p:ph type="sldNum" sz="quarter" idx="12"/>
-          </p:nvPr>
-        </p:nvSpPr>
-        <p:spPr/>
-        <p:txBody>
-          <a:bodyPr/>
-          <a:lstStyle/>
-          <a:p>
-            <a:fld id="{FE899CAE-04D7-4AFC-956F-C57F365175A7}" type="slidenum">
-              <a:rPr lang="en-US" smtClean="0"/>
-              <a:pPr/>
-              <a:t>4</a:t>
-            </a:fld>
-            <a:endParaRPr lang="en-US" dirty="0"/>
-          </a:p>
-        </p:txBody>
-      </p:sp>
-    </p:spTree>
-    <p:extLst>
-      <p:ext uri="{BB962C8B-B14F-4D97-AF65-F5344CB8AC3E}">
-        <p14:creationId xmlns:p14="http://schemas.microsoft.com/office/powerpoint/2010/main" val="3281856759"/>
-      </p:ext>
-    </p:extLst>
-  </p:cSld>
-  <p:clrMapOvr>
-    <a:masterClrMapping/>
-  </p:clrMapOvr>
-</p:sld>
-</file>
-
-<file path=ppt/slides/slide5.xml><?xml version="1.0" encoding="utf-8"?>
-<p:sld xmlns:a="http://schemas.openxmlformats.org/drawingml/2006/main" xmlns:r="http://schemas.openxmlformats.org/officeDocument/2006/relationships" xmlns:p="http://schemas.openxmlformats.org/presentationml/2006/main" showMasterSp="0">
-  <p:cSld>
-    <p:spTree>
-      <p:nvGrpSpPr>
-        <p:cNvPr id="1" name=""/>
-        <p:cNvGrpSpPr/>
-        <p:nvPr/>
-      </p:nvGrpSpPr>
-      <p:grpSpPr>
-        <a:xfrm>
-          <a:off x="0" y="0"/>
-          <a:ext cx="0" cy="0"/>
-          <a:chOff x="0" y="0"/>
-          <a:chExt cx="0" cy="0"/>
-        </a:xfrm>
-      </p:grpSpPr>
-      <p:sp>
-        <p:nvSpPr>
-          <p:cNvPr id="2" name="Titlu 1">
-            <a:extLst>
-              <a:ext uri="{FF2B5EF4-FFF2-40B4-BE49-F238E27FC236}">
-                <a16:creationId xmlns:a16="http://schemas.microsoft.com/office/drawing/2014/main" id="{1A5A54C9-F645-492E-8424-8C72D794EF58}"/>
-              </a:ext>
-            </a:extLst>
-          </p:cNvPr>
-          <p:cNvSpPr>
-            <a:spLocks noGrp="1"/>
-          </p:cNvSpPr>
-          <p:nvPr>
-            <p:ph type="title"/>
-          </p:nvPr>
-        </p:nvSpPr>
-        <p:spPr>
-          <a:xfrm>
-            <a:off x="648930" y="629268"/>
-            <a:ext cx="4380270" cy="1622321"/>
-          </a:xfrm>
-        </p:spPr>
-        <p:txBody>
-          <a:bodyPr>
-            <a:normAutofit/>
-          </a:bodyPr>
-          <a:lstStyle/>
-          <a:p>
-            <a:r>
-              <a:rPr lang="ro-RO" dirty="0"/>
-              <a:t>Arhitectura sistemului</a:t>
-            </a:r>
-            <a:endParaRPr lang="en-US" dirty="0"/>
-          </a:p>
-        </p:txBody>
-      </p:sp>
-      <p:sp>
-        <p:nvSpPr>
-          <p:cNvPr id="9" name="Content Placeholder 8">
-            <a:extLst>
-              <a:ext uri="{FF2B5EF4-FFF2-40B4-BE49-F238E27FC236}">
-                <a16:creationId xmlns:a16="http://schemas.microsoft.com/office/drawing/2014/main" id="{104EE239-AADA-4AE9-BCD3-5E7460BA87D7}"/>
-              </a:ext>
-            </a:extLst>
-          </p:cNvPr>
-          <p:cNvSpPr>
-            <a:spLocks noGrp="1"/>
-          </p:cNvSpPr>
-          <p:nvPr>
-            <p:ph idx="1"/>
-          </p:nvPr>
-        </p:nvSpPr>
-        <p:spPr>
-          <a:xfrm>
-            <a:off x="648930" y="2113938"/>
-            <a:ext cx="3842531" cy="4114798"/>
-          </a:xfrm>
-        </p:spPr>
-        <p:txBody>
-          <a:bodyPr>
-            <a:noAutofit/>
-          </a:bodyPr>
-          <a:lstStyle/>
-          <a:p>
-            <a:pPr>
-              <a:buFont typeface="Arial" panose="020B0604020202020204" pitchFamily="34" charset="0"/>
-              <a:buChar char="•"/>
-            </a:pPr>
-            <a:r>
-              <a:rPr lang="ro-RO" sz="2000" dirty="0"/>
-              <a:t>Sistemul este alcătuit din</a:t>
-            </a:r>
-            <a:r>
-              <a:rPr lang="en-US" sz="2000" dirty="0"/>
-              <a:t>:</a:t>
-            </a:r>
-          </a:p>
-          <a:p>
-            <a:pPr lvl="1">
-              <a:buFont typeface="Wingdings" panose="05000000000000000000" pitchFamily="2" charset="2"/>
-              <a:buChar char="Ø"/>
-            </a:pPr>
-            <a:r>
-              <a:rPr lang="en-US" sz="1800" dirty="0"/>
-              <a:t>Dou</a:t>
-            </a:r>
-            <a:r>
-              <a:rPr lang="ro-RO" sz="1800" dirty="0"/>
-              <a:t>ă module senzor</a:t>
-            </a:r>
-          </a:p>
-          <a:p>
-            <a:pPr lvl="1">
-              <a:buFont typeface="Wingdings" panose="05000000000000000000" pitchFamily="2" charset="2"/>
-              <a:buChar char="Ø"/>
-            </a:pPr>
-            <a:r>
-              <a:rPr lang="ro-RO" sz="1800" dirty="0"/>
-              <a:t>Un modul de control</a:t>
-            </a:r>
-          </a:p>
-          <a:p>
-            <a:pPr marL="0" indent="0">
-              <a:buNone/>
-            </a:pPr>
-            <a:endParaRPr lang="ro-RO" sz="2000" dirty="0"/>
-          </a:p>
-          <a:p>
-            <a:pPr>
-              <a:buFont typeface="Arial" panose="020B0604020202020204" pitchFamily="34" charset="0"/>
-              <a:buChar char="•"/>
-            </a:pPr>
-            <a:r>
-              <a:rPr lang="ro-RO" sz="2000" dirty="0"/>
-              <a:t>Modulele senzor transferă date la modulul de control prin radio – frecvență</a:t>
-            </a:r>
-          </a:p>
-          <a:p>
-            <a:pPr marL="0" indent="0">
-              <a:buNone/>
-            </a:pPr>
-            <a:endParaRPr lang="ro-RO" sz="2000" dirty="0"/>
-          </a:p>
-          <a:p>
-            <a:pPr>
-              <a:buFont typeface="Arial" panose="020B0604020202020204" pitchFamily="34" charset="0"/>
-              <a:buChar char="•"/>
-            </a:pPr>
-            <a:r>
-              <a:rPr lang="ro-RO" sz="2000" dirty="0"/>
-              <a:t>Valorile citite de senzorul DHT11 sunt trimise în baza de date prin </a:t>
-            </a:r>
-            <a:r>
-              <a:rPr lang="ro-RO" sz="2000" dirty="0" err="1"/>
-              <a:t>WiFi</a:t>
-            </a:r>
-            <a:endParaRPr lang="ro-RO" sz="2000" dirty="0"/>
-          </a:p>
-        </p:txBody>
-      </p:sp>
-      <p:pic>
-        <p:nvPicPr>
-          <p:cNvPr id="5" name="Substituent conținut 4">
-            <a:extLst>
-              <a:ext uri="{FF2B5EF4-FFF2-40B4-BE49-F238E27FC236}">
-                <a16:creationId xmlns:a16="http://schemas.microsoft.com/office/drawing/2014/main" id="{886F01A4-145A-47C2-A7A6-ACBD499A83EB}"/>
+                <a16:creationId xmlns:a16="http://schemas.microsoft.com/office/drawing/2014/main" id="{254C28AB-84E5-404A-8FF2-BE67E7B09B18}"/>
               </a:ext>
             </a:extLst>
           </p:cNvPr>
@@ -9858,374 +9156,14 @@
         </p:blipFill>
         <p:spPr>
           <a:xfrm>
-            <a:off x="4491461" y="1440428"/>
-            <a:ext cx="7315200" cy="4114799"/>
+            <a:off x="6068243" y="0"/>
+            <a:ext cx="6123757" cy="3822700"/>
           </a:xfrm>
           <a:prstGeom prst="rect">
             <a:avLst/>
           </a:prstGeom>
-          <a:effectLst/>
         </p:spPr>
       </p:pic>
-      <p:sp>
-        <p:nvSpPr>
-          <p:cNvPr id="6" name="Substituent număr diapozitiv 5">
-            <a:extLst>
-              <a:ext uri="{FF2B5EF4-FFF2-40B4-BE49-F238E27FC236}">
-                <a16:creationId xmlns:a16="http://schemas.microsoft.com/office/drawing/2014/main" id="{67D06316-81D9-4A80-B33D-2F6F996D86AE}"/>
-              </a:ext>
-            </a:extLst>
-          </p:cNvPr>
-          <p:cNvSpPr>
-            <a:spLocks noGrp="1"/>
-          </p:cNvSpPr>
-          <p:nvPr>
-            <p:ph type="sldNum" sz="quarter" idx="12"/>
-          </p:nvPr>
-        </p:nvSpPr>
-        <p:spPr/>
-        <p:txBody>
-          <a:bodyPr/>
-          <a:lstStyle/>
-          <a:p>
-            <a:fld id="{FE899CAE-04D7-4AFC-956F-C57F365175A7}" type="slidenum">
-              <a:rPr lang="en-US" smtClean="0"/>
-              <a:pPr/>
-              <a:t>5</a:t>
-            </a:fld>
-            <a:endParaRPr lang="en-US" dirty="0"/>
-          </a:p>
-        </p:txBody>
-      </p:sp>
-    </p:spTree>
-    <p:extLst>
-      <p:ext uri="{BB962C8B-B14F-4D97-AF65-F5344CB8AC3E}">
-        <p14:creationId xmlns:p14="http://schemas.microsoft.com/office/powerpoint/2010/main" val="2371198885"/>
-      </p:ext>
-    </p:extLst>
-  </p:cSld>
-  <p:clrMapOvr>
-    <a:masterClrMapping/>
-  </p:clrMapOvr>
-</p:sld>
-</file>
-
-<file path=ppt/slides/slide6.xml><?xml version="1.0" encoding="utf-8"?>
-<p:sld xmlns:a="http://schemas.openxmlformats.org/drawingml/2006/main" xmlns:r="http://schemas.openxmlformats.org/officeDocument/2006/relationships" xmlns:p="http://schemas.openxmlformats.org/presentationml/2006/main" showMasterSp="0">
-  <p:cSld>
-    <p:spTree>
-      <p:nvGrpSpPr>
-        <p:cNvPr id="1" name=""/>
-        <p:cNvGrpSpPr/>
-        <p:nvPr/>
-      </p:nvGrpSpPr>
-      <p:grpSpPr>
-        <a:xfrm>
-          <a:off x="0" y="0"/>
-          <a:ext cx="0" cy="0"/>
-          <a:chOff x="0" y="0"/>
-          <a:chExt cx="0" cy="0"/>
-        </a:xfrm>
-      </p:grpSpPr>
-      <p:sp>
-        <p:nvSpPr>
-          <p:cNvPr id="2" name="Titlu 1">
-            <a:extLst>
-              <a:ext uri="{FF2B5EF4-FFF2-40B4-BE49-F238E27FC236}">
-                <a16:creationId xmlns:a16="http://schemas.microsoft.com/office/drawing/2014/main" id="{FC33116A-955E-4F82-82B3-25A740AEFDAC}"/>
-              </a:ext>
-            </a:extLst>
-          </p:cNvPr>
-          <p:cNvSpPr>
-            <a:spLocks noGrp="1"/>
-          </p:cNvSpPr>
-          <p:nvPr>
-            <p:ph type="title"/>
-          </p:nvPr>
-        </p:nvSpPr>
-        <p:spPr>
-          <a:xfrm>
-            <a:off x="648930" y="629268"/>
-            <a:ext cx="3505495" cy="1622321"/>
-          </a:xfrm>
-        </p:spPr>
-        <p:txBody>
-          <a:bodyPr>
-            <a:normAutofit/>
-          </a:bodyPr>
-          <a:lstStyle/>
-          <a:p>
-            <a:r>
-              <a:rPr lang="en-US" sz="4100" dirty="0" err="1"/>
-              <a:t>Implementare</a:t>
-            </a:r>
-            <a:r>
-              <a:rPr lang="en-US" sz="4100" dirty="0"/>
-              <a:t> - </a:t>
-            </a:r>
-            <a:r>
-              <a:rPr lang="en-US" sz="4100" dirty="0" err="1"/>
-              <a:t>modul</a:t>
-            </a:r>
-            <a:r>
-              <a:rPr lang="en-US" sz="4100" dirty="0"/>
-              <a:t> </a:t>
-            </a:r>
-            <a:r>
-              <a:rPr lang="en-US" sz="4100" dirty="0" err="1"/>
-              <a:t>senzor</a:t>
-            </a:r>
-            <a:endParaRPr lang="en-US" sz="4100" dirty="0"/>
-          </a:p>
-        </p:txBody>
-      </p:sp>
-      <p:sp>
-        <p:nvSpPr>
-          <p:cNvPr id="3" name="Substituent conținut 2">
-            <a:extLst>
-              <a:ext uri="{FF2B5EF4-FFF2-40B4-BE49-F238E27FC236}">
-                <a16:creationId xmlns:a16="http://schemas.microsoft.com/office/drawing/2014/main" id="{C4DCD2B8-1A48-4272-B123-CFAE55448BAD}"/>
-              </a:ext>
-            </a:extLst>
-          </p:cNvPr>
-          <p:cNvSpPr>
-            <a:spLocks noGrp="1"/>
-          </p:cNvSpPr>
-          <p:nvPr>
-            <p:ph idx="1"/>
-          </p:nvPr>
-        </p:nvSpPr>
-        <p:spPr>
-          <a:xfrm>
-            <a:off x="648931" y="2251589"/>
-            <a:ext cx="3825098" cy="3972231"/>
-          </a:xfrm>
-        </p:spPr>
-        <p:txBody>
-          <a:bodyPr>
-            <a:normAutofit fontScale="25000" lnSpcReduction="20000"/>
-          </a:bodyPr>
-          <a:lstStyle/>
-          <a:p>
-            <a:pPr>
-              <a:buFont typeface="Arial" panose="020B0604020202020204" pitchFamily="34" charset="0"/>
-              <a:buChar char="•"/>
-            </a:pPr>
-            <a:r>
-              <a:rPr lang="en-US" sz="8000" dirty="0" err="1"/>
-              <a:t>Principalele</a:t>
-            </a:r>
-            <a:r>
-              <a:rPr lang="en-US" sz="8000" dirty="0"/>
-              <a:t> </a:t>
-            </a:r>
-            <a:r>
-              <a:rPr lang="en-US" sz="8000" dirty="0" err="1"/>
-              <a:t>func</a:t>
-            </a:r>
-            <a:r>
-              <a:rPr lang="ro-RO" sz="8000" dirty="0" err="1"/>
-              <a:t>ționalități</a:t>
-            </a:r>
-            <a:r>
-              <a:rPr lang="en-US" sz="8000" dirty="0"/>
-              <a:t>:</a:t>
-            </a:r>
-          </a:p>
-          <a:p>
-            <a:pPr lvl="1">
-              <a:buFont typeface="Wingdings" panose="05000000000000000000" pitchFamily="2" charset="2"/>
-              <a:buChar char="Ø"/>
-            </a:pPr>
-            <a:r>
-              <a:rPr lang="en-US" sz="7200" dirty="0" err="1"/>
-              <a:t>Permite</a:t>
-            </a:r>
-            <a:r>
-              <a:rPr lang="en-US" sz="7200" dirty="0"/>
-              <a:t> </a:t>
-            </a:r>
-            <a:r>
-              <a:rPr lang="en-US" sz="7200" dirty="0" err="1"/>
-              <a:t>setarea</a:t>
-            </a:r>
-            <a:r>
-              <a:rPr lang="en-US" sz="7200" dirty="0"/>
-              <a:t> </a:t>
-            </a:r>
-            <a:r>
-              <a:rPr lang="en-US" sz="7200" dirty="0" err="1"/>
-              <a:t>temperaturii</a:t>
-            </a:r>
-            <a:endParaRPr lang="en-US" sz="7200" dirty="0"/>
-          </a:p>
-          <a:p>
-            <a:pPr lvl="1">
-              <a:buFont typeface="Wingdings" panose="05000000000000000000" pitchFamily="2" charset="2"/>
-              <a:buChar char="Ø"/>
-            </a:pPr>
-            <a:r>
-              <a:rPr lang="en-US" sz="7200" dirty="0"/>
-              <a:t>Cite</a:t>
-            </a:r>
-            <a:r>
-              <a:rPr lang="ro-RO" sz="7200" dirty="0" err="1"/>
-              <a:t>ște</a:t>
-            </a:r>
-            <a:r>
-              <a:rPr lang="ro-RO" sz="7200" dirty="0"/>
-              <a:t> valoarea umidității și temperaturii ambientale</a:t>
-            </a:r>
-          </a:p>
-          <a:p>
-            <a:pPr lvl="1">
-              <a:buFont typeface="Wingdings" panose="05000000000000000000" pitchFamily="2" charset="2"/>
-              <a:buChar char="Ø"/>
-            </a:pPr>
-            <a:r>
-              <a:rPr lang="ro-RO" sz="7200" dirty="0"/>
-              <a:t>Trimite valorile citite în baza de date</a:t>
-            </a:r>
-          </a:p>
-          <a:p>
-            <a:pPr lvl="1">
-              <a:buFont typeface="Wingdings" panose="05000000000000000000" pitchFamily="2" charset="2"/>
-              <a:buChar char="Ø"/>
-            </a:pPr>
-            <a:r>
-              <a:rPr lang="ro-RO" sz="7200" dirty="0"/>
-              <a:t>Afișează pe LCD valoarea temperaturii</a:t>
-            </a:r>
-          </a:p>
-          <a:p>
-            <a:pPr lvl="1">
-              <a:buFont typeface="Wingdings" panose="05000000000000000000" pitchFamily="2" charset="2"/>
-              <a:buChar char="Ø"/>
-            </a:pPr>
-            <a:r>
-              <a:rPr lang="ro-RO" sz="7200" dirty="0"/>
-              <a:t>Controlează închiderea sau deschiderea electrovalvei</a:t>
-            </a:r>
-          </a:p>
-          <a:p>
-            <a:pPr lvl="1">
-              <a:buFont typeface="Wingdings" panose="05000000000000000000" pitchFamily="2" charset="2"/>
-              <a:buChar char="Ø"/>
-            </a:pPr>
-            <a:r>
-              <a:rPr lang="ro-RO" sz="7200" dirty="0"/>
-              <a:t>Trimite comandă pentru pornirea sau oprirea centralei termice</a:t>
-            </a:r>
-            <a:endParaRPr lang="en-US" sz="7200" dirty="0"/>
-          </a:p>
-          <a:p>
-            <a:pPr marL="0" indent="0">
-              <a:buNone/>
-            </a:pPr>
-            <a:endParaRPr lang="ro-RO" sz="2200" dirty="0"/>
-          </a:p>
-          <a:p>
-            <a:endParaRPr lang="en-US" sz="1600" dirty="0"/>
-          </a:p>
-        </p:txBody>
-      </p:sp>
-      <p:pic>
-        <p:nvPicPr>
-          <p:cNvPr id="5" name="Imagine 4">
-            <a:extLst>
-              <a:ext uri="{FF2B5EF4-FFF2-40B4-BE49-F238E27FC236}">
-                <a16:creationId xmlns:a16="http://schemas.microsoft.com/office/drawing/2014/main" id="{0C690B21-DCBA-4D43-86AB-060FBE087548}"/>
-              </a:ext>
-            </a:extLst>
-          </p:cNvPr>
-          <p:cNvPicPr>
-            <a:picLocks noChangeAspect="1"/>
-          </p:cNvPicPr>
-          <p:nvPr/>
-        </p:nvPicPr>
-        <p:blipFill>
-          <a:blip r:embed="rId2">
-            <a:extLst>
-              <a:ext uri="{28A0092B-C50C-407E-A947-70E740481C1C}">
-                <a14:useLocalDpi xmlns:a14="http://schemas.microsoft.com/office/drawing/2010/main" val="0"/>
-              </a:ext>
-            </a:extLst>
-          </a:blip>
-          <a:stretch>
-            <a:fillRect/>
-          </a:stretch>
-        </p:blipFill>
-        <p:spPr>
-          <a:xfrm>
-            <a:off x="4474029" y="1440428"/>
-            <a:ext cx="7315200" cy="4114800"/>
-          </a:xfrm>
-          <a:prstGeom prst="rect">
-            <a:avLst/>
-          </a:prstGeom>
-          <a:effectLst/>
-        </p:spPr>
-      </p:pic>
-      <p:sp>
-        <p:nvSpPr>
-          <p:cNvPr id="7" name="Substituent număr diapozitiv 6">
-            <a:extLst>
-              <a:ext uri="{FF2B5EF4-FFF2-40B4-BE49-F238E27FC236}">
-                <a16:creationId xmlns:a16="http://schemas.microsoft.com/office/drawing/2014/main" id="{317F355C-64AF-488F-AC7D-412943D4C3F1}"/>
-              </a:ext>
-            </a:extLst>
-          </p:cNvPr>
-          <p:cNvSpPr>
-            <a:spLocks noGrp="1"/>
-          </p:cNvSpPr>
-          <p:nvPr>
-            <p:ph type="sldNum" sz="quarter" idx="12"/>
-          </p:nvPr>
-        </p:nvSpPr>
-        <p:spPr/>
-        <p:txBody>
-          <a:bodyPr/>
-          <a:lstStyle/>
-          <a:p>
-            <a:fld id="{FE899CAE-04D7-4AFC-956F-C57F365175A7}" type="slidenum">
-              <a:rPr lang="en-US" smtClean="0"/>
-              <a:pPr/>
-              <a:t>6</a:t>
-            </a:fld>
-            <a:endParaRPr lang="en-US" dirty="0"/>
-          </a:p>
-        </p:txBody>
-      </p:sp>
-    </p:spTree>
-    <p:extLst>
-      <p:ext uri="{BB962C8B-B14F-4D97-AF65-F5344CB8AC3E}">
-        <p14:creationId xmlns:p14="http://schemas.microsoft.com/office/powerpoint/2010/main" val="1469082820"/>
-      </p:ext>
-    </p:extLst>
-  </p:cSld>
-  <p:clrMapOvr>
-    <a:masterClrMapping/>
-  </p:clrMapOvr>
-</p:sld>
-</file>
-
-<file path=ppt/slides/slide7.xml><?xml version="1.0" encoding="utf-8"?>
-<p:sld xmlns:a="http://schemas.openxmlformats.org/drawingml/2006/main" xmlns:r="http://schemas.openxmlformats.org/officeDocument/2006/relationships" xmlns:p="http://schemas.openxmlformats.org/presentationml/2006/main" showMasterSp="0">
-  <p:cSld>
-    <p:spTree>
-      <p:nvGrpSpPr>
-        <p:cNvPr id="1" name=""/>
-        <p:cNvGrpSpPr/>
-        <p:nvPr/>
-      </p:nvGrpSpPr>
-      <p:grpSpPr>
-        <a:xfrm>
-          <a:off x="0" y="0"/>
-          <a:ext cx="0" cy="0"/>
-          <a:chOff x="0" y="0"/>
-          <a:chExt cx="0" cy="0"/>
-        </a:xfrm>
-      </p:grpSpPr>
       <p:sp>
         <p:nvSpPr>
           <p:cNvPr id="2" name="Titlu 1">
@@ -10244,12 +9182,14 @@
         </p:nvSpPr>
         <p:spPr>
           <a:xfrm>
-            <a:off x="664030" y="624110"/>
-            <a:ext cx="10840584" cy="1280890"/>
+            <a:off x="664031" y="624110"/>
+            <a:ext cx="5451628" cy="1280890"/>
           </a:xfrm>
         </p:spPr>
         <p:txBody>
-          <a:bodyPr/>
+          <a:bodyPr>
+            <a:normAutofit/>
+          </a:bodyPr>
           <a:lstStyle/>
           <a:p>
             <a:r>
@@ -10257,25 +9197,18 @@
               <a:t>Implementare</a:t>
             </a:r>
             <a:r>
-              <a:rPr lang="en-US" dirty="0"/>
-              <a:t> – </a:t>
-            </a:r>
-            <a:r>
-              <a:rPr lang="en-US" dirty="0" err="1"/>
-              <a:t>func</a:t>
-            </a:r>
-            <a:r>
-              <a:rPr lang="ro-RO" dirty="0" err="1"/>
-              <a:t>ționalitatea</a:t>
-            </a:r>
-            <a:r>
               <a:rPr lang="ro-RO" dirty="0"/>
-              <a:t> de setare a temperaturii</a:t>
+              <a:t>a</a:t>
             </a:r>
             <a:r>
               <a:rPr lang="en-US" dirty="0"/>
               <a:t> </a:t>
             </a:r>
+            <a:r>
+              <a:rPr lang="ro-RO" dirty="0"/>
+              <a:t>soluției</a:t>
+            </a:r>
+            <a:endParaRPr lang="en-US" dirty="0"/>
           </a:p>
         </p:txBody>
       </p:sp>
@@ -10297,8 +9230,8 @@
         </p:nvSpPr>
         <p:spPr>
           <a:xfrm>
-            <a:off x="664029" y="1926766"/>
-            <a:ext cx="10840583" cy="3777622"/>
+            <a:off x="664031" y="1883708"/>
+            <a:ext cx="5451628" cy="3456626"/>
           </a:xfrm>
         </p:spPr>
         <p:txBody>
@@ -10336,10 +9269,40 @@
       </p:sp>
       <p:sp>
         <p:nvSpPr>
-          <p:cNvPr id="4" name="Oval 3">
+          <p:cNvPr id="14" name="Substituent număr diapozitiv 13">
             <a:extLst>
               <a:ext uri="{FF2B5EF4-FFF2-40B4-BE49-F238E27FC236}">
-                <a16:creationId xmlns:a16="http://schemas.microsoft.com/office/drawing/2014/main" id="{C25A581D-5458-419D-8700-196223F03DAD}"/>
+                <a16:creationId xmlns:a16="http://schemas.microsoft.com/office/drawing/2014/main" id="{40CE3563-C9E7-4486-B324-B4897F6A50E9}"/>
+              </a:ext>
+            </a:extLst>
+          </p:cNvPr>
+          <p:cNvSpPr>
+            <a:spLocks noGrp="1"/>
+          </p:cNvSpPr>
+          <p:nvPr>
+            <p:ph type="sldNum" sz="quarter" idx="12"/>
+          </p:nvPr>
+        </p:nvSpPr>
+        <p:spPr/>
+        <p:txBody>
+          <a:bodyPr/>
+          <a:lstStyle/>
+          <a:p>
+            <a:fld id="{FE899CAE-04D7-4AFC-956F-C57F365175A7}" type="slidenum">
+              <a:rPr lang="en-US" smtClean="0"/>
+              <a:pPr/>
+              <a:t>11</a:t>
+            </a:fld>
+            <a:endParaRPr lang="en-US" dirty="0"/>
+          </a:p>
+        </p:txBody>
+      </p:sp>
+      <p:sp>
+        <p:nvSpPr>
+          <p:cNvPr id="50" name="Oval 49">
+            <a:extLst>
+              <a:ext uri="{FF2B5EF4-FFF2-40B4-BE49-F238E27FC236}">
+                <a16:creationId xmlns:a16="http://schemas.microsoft.com/office/drawing/2014/main" id="{70C084CC-D414-434E-8EA9-A1B75E41612A}"/>
               </a:ext>
             </a:extLst>
           </p:cNvPr>
@@ -10348,8 +9311,8 @@
         </p:nvSpPr>
         <p:spPr>
           <a:xfrm>
-            <a:off x="838202" y="3295649"/>
-            <a:ext cx="2390775" cy="1114427"/>
+            <a:off x="968222" y="4303513"/>
+            <a:ext cx="1898159" cy="680641"/>
           </a:xfrm>
           <a:prstGeom prst="ellipse">
             <a:avLst/>
@@ -10376,19 +9339,19 @@
           <a:p>
             <a:pPr algn="ctr"/>
             <a:r>
-              <a:rPr lang="ro-RO" dirty="0"/>
+              <a:rPr lang="ro-RO" sz="1400" dirty="0"/>
               <a:t>Eveniment declanșator</a:t>
             </a:r>
-            <a:endParaRPr lang="en-US" dirty="0"/>
-          </a:p>
-        </p:txBody>
-      </p:sp>
-      <p:sp>
-        <p:nvSpPr>
-          <p:cNvPr id="5" name="Oval 4">
+            <a:endParaRPr lang="en-US" sz="1400" dirty="0"/>
+          </a:p>
+        </p:txBody>
+      </p:sp>
+      <p:sp>
+        <p:nvSpPr>
+          <p:cNvPr id="52" name="Oval 51">
             <a:extLst>
               <a:ext uri="{FF2B5EF4-FFF2-40B4-BE49-F238E27FC236}">
-                <a16:creationId xmlns:a16="http://schemas.microsoft.com/office/drawing/2014/main" id="{E1AE36CC-CBFF-4864-859A-7075C1D13016}"/>
+                <a16:creationId xmlns:a16="http://schemas.microsoft.com/office/drawing/2014/main" id="{38A576C4-E780-429F-88B5-70BE889EDBF9}"/>
               </a:ext>
             </a:extLst>
           </p:cNvPr>
@@ -10397,8 +9360,8 @@
         </p:nvSpPr>
         <p:spPr>
           <a:xfrm>
-            <a:off x="4900614" y="3295649"/>
-            <a:ext cx="2390775" cy="1114427"/>
+            <a:off x="4980653" y="4303512"/>
+            <a:ext cx="1901329" cy="680641"/>
           </a:xfrm>
           <a:prstGeom prst="ellipse">
             <a:avLst/>
@@ -10428,35 +9391,35 @@
           <a:p>
             <a:pPr algn="ctr"/>
             <a:r>
-              <a:rPr lang="en-US" dirty="0"/>
+              <a:rPr lang="en-US" sz="1400" dirty="0"/>
               <a:t>Rutina de </a:t>
             </a:r>
             <a:r>
-              <a:rPr lang="en-US" dirty="0" err="1"/>
+              <a:rPr lang="en-US" sz="1400" dirty="0" err="1"/>
               <a:t>tratare</a:t>
             </a:r>
             <a:r>
-              <a:rPr lang="en-US" dirty="0"/>
+              <a:rPr lang="en-US" sz="1400" dirty="0"/>
               <a:t> a </a:t>
             </a:r>
             <a:r>
-              <a:rPr lang="ro-RO" dirty="0"/>
+              <a:rPr lang="ro-RO" sz="1400" dirty="0"/>
               <a:t>î</a:t>
             </a:r>
             <a:r>
-              <a:rPr lang="en-US" dirty="0" err="1"/>
+              <a:rPr lang="en-US" sz="1400" dirty="0" err="1"/>
               <a:t>ntreruperii</a:t>
             </a:r>
-            <a:endParaRPr lang="en-US" dirty="0"/>
-          </a:p>
-        </p:txBody>
-      </p:sp>
-      <p:sp>
-        <p:nvSpPr>
-          <p:cNvPr id="6" name="Oval 5">
+            <a:endParaRPr lang="en-US" sz="1400" dirty="0"/>
+          </a:p>
+        </p:txBody>
+      </p:sp>
+      <p:sp>
+        <p:nvSpPr>
+          <p:cNvPr id="54" name="Oval 53">
             <a:extLst>
               <a:ext uri="{FF2B5EF4-FFF2-40B4-BE49-F238E27FC236}">
-                <a16:creationId xmlns:a16="http://schemas.microsoft.com/office/drawing/2014/main" id="{B5886699-54E5-4B1F-B232-374369B648CF}"/>
+                <a16:creationId xmlns:a16="http://schemas.microsoft.com/office/drawing/2014/main" id="{79EBB992-919C-4368-80DD-4008D6140E41}"/>
               </a:ext>
             </a:extLst>
           </p:cNvPr>
@@ -10465,8 +9428,8 @@
         </p:nvSpPr>
         <p:spPr>
           <a:xfrm>
-            <a:off x="8963026" y="3295649"/>
-            <a:ext cx="2390775" cy="1114427"/>
+            <a:off x="8993084" y="4302822"/>
+            <a:ext cx="1901329" cy="680641"/>
           </a:xfrm>
           <a:prstGeom prst="ellipse">
             <a:avLst/>
@@ -10492,19 +9455,19 @@
           <a:p>
             <a:pPr algn="ctr"/>
             <a:r>
-              <a:rPr lang="ro-RO" dirty="0"/>
+              <a:rPr lang="ro-RO" sz="1400" dirty="0"/>
               <a:t>Procedura de modificare a temperaturii</a:t>
             </a:r>
-            <a:endParaRPr lang="en-US" dirty="0"/>
-          </a:p>
-        </p:txBody>
-      </p:sp>
-      <p:sp>
-        <p:nvSpPr>
-          <p:cNvPr id="7" name="Săgeată: dreapta 6">
+            <a:endParaRPr lang="en-US" sz="1400" dirty="0"/>
+          </a:p>
+        </p:txBody>
+      </p:sp>
+      <p:sp>
+        <p:nvSpPr>
+          <p:cNvPr id="55" name="Săgeată: dreapta 54">
             <a:extLst>
               <a:ext uri="{FF2B5EF4-FFF2-40B4-BE49-F238E27FC236}">
-                <a16:creationId xmlns:a16="http://schemas.microsoft.com/office/drawing/2014/main" id="{2F9FA55E-B634-45A5-B4F6-CB0A8D0C3873}"/>
+                <a16:creationId xmlns:a16="http://schemas.microsoft.com/office/drawing/2014/main" id="{0ED32EC6-001B-4AC9-83CF-2453D3A4C98B}"/>
               </a:ext>
             </a:extLst>
           </p:cNvPr>
@@ -10513,8 +9476,8 @@
         </p:nvSpPr>
         <p:spPr>
           <a:xfrm>
-            <a:off x="3228976" y="3729435"/>
-            <a:ext cx="1671637" cy="246856"/>
+            <a:off x="2858743" y="4536485"/>
+            <a:ext cx="2121910" cy="213316"/>
           </a:xfrm>
           <a:prstGeom prst="rightArrow">
             <a:avLst/>
@@ -10545,10 +9508,10 @@
       </p:sp>
       <p:sp>
         <p:nvSpPr>
-          <p:cNvPr id="8" name="Săgeată: dreapta 7">
+          <p:cNvPr id="57" name="Dreptunghi 56">
             <a:extLst>
               <a:ext uri="{FF2B5EF4-FFF2-40B4-BE49-F238E27FC236}">
-                <a16:creationId xmlns:a16="http://schemas.microsoft.com/office/drawing/2014/main" id="{74C5EAD6-E7BD-413B-A864-991EA47D4A19}"/>
+                <a16:creationId xmlns:a16="http://schemas.microsoft.com/office/drawing/2014/main" id="{A5577435-C0C7-45D5-8D24-8D4139780D8D}"/>
               </a:ext>
             </a:extLst>
           </p:cNvPr>
@@ -10557,52 +9520,8 @@
         </p:nvSpPr>
         <p:spPr>
           <a:xfrm>
-            <a:off x="7291388" y="3729435"/>
-            <a:ext cx="1671637" cy="246856"/>
-          </a:xfrm>
-          <a:prstGeom prst="rightArrow">
-            <a:avLst/>
-          </a:prstGeom>
-        </p:spPr>
-        <p:style>
-          <a:lnRef idx="1">
-            <a:schemeClr val="accent1"/>
-          </a:lnRef>
-          <a:fillRef idx="2">
-            <a:schemeClr val="accent1"/>
-          </a:fillRef>
-          <a:effectRef idx="1">
-            <a:schemeClr val="accent1"/>
-          </a:effectRef>
-          <a:fontRef idx="minor">
-            <a:schemeClr val="dk1"/>
-          </a:fontRef>
-        </p:style>
-        <p:txBody>
-          <a:bodyPr rtlCol="0" anchor="ctr"/>
-          <a:lstStyle/>
-          <a:p>
-            <a:pPr algn="ctr"/>
-            <a:endParaRPr lang="en-US"/>
-          </a:p>
-        </p:txBody>
-      </p:sp>
-      <p:sp>
-        <p:nvSpPr>
-          <p:cNvPr id="9" name="Dreptunghi 8">
-            <a:extLst>
-              <a:ext uri="{FF2B5EF4-FFF2-40B4-BE49-F238E27FC236}">
-                <a16:creationId xmlns:a16="http://schemas.microsoft.com/office/drawing/2014/main" id="{5693EB42-BAC8-4CF3-9D6E-AA905BFB13F7}"/>
-              </a:ext>
-            </a:extLst>
-          </p:cNvPr>
-          <p:cNvSpPr/>
-          <p:nvPr/>
-        </p:nvSpPr>
-        <p:spPr>
-          <a:xfrm>
-            <a:off x="762002" y="4545013"/>
-            <a:ext cx="2466975" cy="1884363"/>
+            <a:off x="742884" y="5375500"/>
+            <a:ext cx="2348833" cy="1067750"/>
           </a:xfrm>
           <a:prstGeom prst="rect">
             <a:avLst/>
@@ -10629,19 +9548,19 @@
           <a:p>
             <a:pPr algn="ctr"/>
             <a:r>
-              <a:rPr lang="ro-RO" dirty="0"/>
+              <a:rPr lang="ro-RO" sz="1400" dirty="0"/>
               <a:t>Apăsarea butonului</a:t>
             </a:r>
-            <a:endParaRPr lang="en-US" dirty="0"/>
-          </a:p>
-        </p:txBody>
-      </p:sp>
-      <p:sp>
-        <p:nvSpPr>
-          <p:cNvPr id="10" name="Dreptunghi 9">
+            <a:endParaRPr lang="en-US" sz="1400" dirty="0"/>
+          </a:p>
+        </p:txBody>
+      </p:sp>
+      <p:sp>
+        <p:nvSpPr>
+          <p:cNvPr id="58" name="Dreptunghi 57">
             <a:extLst>
               <a:ext uri="{FF2B5EF4-FFF2-40B4-BE49-F238E27FC236}">
-                <a16:creationId xmlns:a16="http://schemas.microsoft.com/office/drawing/2014/main" id="{317B3EB8-1597-4D09-9B31-B394ABE45360}"/>
+                <a16:creationId xmlns:a16="http://schemas.microsoft.com/office/drawing/2014/main" id="{A09BE2C4-4BD3-4FDB-AD7E-55CA3F67AD29}"/>
               </a:ext>
             </a:extLst>
           </p:cNvPr>
@@ -10650,8 +9569,8 @@
         </p:nvSpPr>
         <p:spPr>
           <a:xfrm>
-            <a:off x="4862513" y="4545013"/>
-            <a:ext cx="2466975" cy="1884363"/>
+            <a:off x="4756902" y="5361626"/>
+            <a:ext cx="2348833" cy="1067750"/>
           </a:xfrm>
           <a:prstGeom prst="rect">
             <a:avLst/>
@@ -10678,27 +9597,27 @@
           <a:p>
             <a:pPr algn="ctr"/>
             <a:r>
-              <a:rPr lang="ro-RO" dirty="0"/>
+              <a:rPr lang="ro-RO" sz="1400" dirty="0"/>
               <a:t>Setează un </a:t>
             </a:r>
             <a:r>
-              <a:rPr lang="ro-RO" dirty="0" err="1"/>
+              <a:rPr lang="ro-RO" sz="1400" dirty="0" err="1"/>
               <a:t>flag</a:t>
             </a:r>
             <a:r>
-              <a:rPr lang="ro-RO" dirty="0"/>
+              <a:rPr lang="ro-RO" sz="1400" dirty="0"/>
               <a:t>, indicând faptul că o întrerupere a fost declanșată</a:t>
             </a:r>
-            <a:endParaRPr lang="en-US" dirty="0"/>
-          </a:p>
-        </p:txBody>
-      </p:sp>
-      <p:sp>
-        <p:nvSpPr>
-          <p:cNvPr id="11" name="Dreptunghi 10">
+            <a:endParaRPr lang="en-US" sz="1400" dirty="0"/>
+          </a:p>
+        </p:txBody>
+      </p:sp>
+      <p:sp>
+        <p:nvSpPr>
+          <p:cNvPr id="59" name="Dreptunghi 58">
             <a:extLst>
               <a:ext uri="{FF2B5EF4-FFF2-40B4-BE49-F238E27FC236}">
-                <a16:creationId xmlns:a16="http://schemas.microsoft.com/office/drawing/2014/main" id="{C2DAD685-9E2E-4711-90AE-E5B4F52EEF0A}"/>
+                <a16:creationId xmlns:a16="http://schemas.microsoft.com/office/drawing/2014/main" id="{240B5272-F24F-49FD-95FE-EAC088632738}"/>
               </a:ext>
             </a:extLst>
           </p:cNvPr>
@@ -10707,8 +9626,8 @@
         </p:nvSpPr>
         <p:spPr>
           <a:xfrm>
-            <a:off x="8924926" y="4545013"/>
-            <a:ext cx="2466975" cy="1884363"/>
+            <a:off x="8770920" y="5340334"/>
+            <a:ext cx="2348833" cy="1067750"/>
           </a:xfrm>
           <a:prstGeom prst="rect">
             <a:avLst/>
@@ -10735,7 +9654,7 @@
           <a:p>
             <a:pPr algn="ctr"/>
             <a:r>
-              <a:rPr lang="ro-RO" dirty="0"/>
+              <a:rPr lang="ro-RO" sz="1400" dirty="0"/>
               <a:t>Se execută secvența de cod pentru modificarea temperaturii și salvarea acesteia în baza de date</a:t>
             </a:r>
           </a:p>
@@ -10743,31 +9662,45 @@
       </p:sp>
       <p:sp>
         <p:nvSpPr>
-          <p:cNvPr id="14" name="Substituent număr diapozitiv 13">
+          <p:cNvPr id="60" name="Săgeată: dreapta 59">
             <a:extLst>
               <a:ext uri="{FF2B5EF4-FFF2-40B4-BE49-F238E27FC236}">
-                <a16:creationId xmlns:a16="http://schemas.microsoft.com/office/drawing/2014/main" id="{40CE3563-C9E7-4486-B324-B4897F6A50E9}"/>
+                <a16:creationId xmlns:a16="http://schemas.microsoft.com/office/drawing/2014/main" id="{6080E768-2489-419F-A816-CD163AD8A900}"/>
               </a:ext>
             </a:extLst>
           </p:cNvPr>
-          <p:cNvSpPr>
-            <a:spLocks noGrp="1"/>
-          </p:cNvSpPr>
-          <p:nvPr>
-            <p:ph type="sldNum" sz="quarter" idx="12"/>
-          </p:nvPr>
-        </p:nvSpPr>
-        <p:spPr/>
-        <p:txBody>
-          <a:bodyPr/>
+          <p:cNvSpPr/>
+          <p:nvPr/>
+        </p:nvSpPr>
+        <p:spPr>
+          <a:xfrm>
+            <a:off x="6871174" y="4536485"/>
+            <a:ext cx="2121910" cy="213316"/>
+          </a:xfrm>
+          <a:prstGeom prst="rightArrow">
+            <a:avLst/>
+          </a:prstGeom>
+        </p:spPr>
+        <p:style>
+          <a:lnRef idx="1">
+            <a:schemeClr val="accent1"/>
+          </a:lnRef>
+          <a:fillRef idx="2">
+            <a:schemeClr val="accent1"/>
+          </a:fillRef>
+          <a:effectRef idx="1">
+            <a:schemeClr val="accent1"/>
+          </a:effectRef>
+          <a:fontRef idx="minor">
+            <a:schemeClr val="dk1"/>
+          </a:fontRef>
+        </p:style>
+        <p:txBody>
+          <a:bodyPr rtlCol="0" anchor="ctr"/>
           <a:lstStyle/>
           <a:p>
-            <a:fld id="{FE899CAE-04D7-4AFC-956F-C57F365175A7}" type="slidenum">
-              <a:rPr lang="en-US" smtClean="0"/>
-              <a:pPr/>
-              <a:t>7</a:t>
-            </a:fld>
-            <a:endParaRPr lang="en-US" dirty="0"/>
+            <a:pPr algn="ctr"/>
+            <a:endParaRPr lang="en-US"/>
           </a:p>
         </p:txBody>
       </p:sp>
@@ -10784,9 +9717,17 @@
 </p:sld>
 </file>
 
-<file path=ppt/slides/slide8.xml><?xml version="1.0" encoding="utf-8"?>
-<p:sld xmlns:a="http://schemas.openxmlformats.org/drawingml/2006/main" xmlns:r="http://schemas.openxmlformats.org/officeDocument/2006/relationships" xmlns:p="http://schemas.openxmlformats.org/presentationml/2006/main" showMasterSp="0">
+<file path=ppt/slides/slide12.xml><?xml version="1.0" encoding="utf-8"?>
+<p:sld xmlns:a="http://schemas.openxmlformats.org/drawingml/2006/main" xmlns:r="http://schemas.openxmlformats.org/officeDocument/2006/relationships" xmlns:p="http://schemas.openxmlformats.org/presentationml/2006/main">
   <p:cSld>
+    <p:bg>
+      <p:bgPr>
+        <a:solidFill>
+          <a:schemeClr val="bg1"/>
+        </a:solidFill>
+        <a:effectLst/>
+      </p:bgPr>
+    </p:bg>
     <p:spTree>
       <p:nvGrpSpPr>
         <p:cNvPr id="1" name=""/>
@@ -10801,6 +9742,66 @@
           <a:chExt cx="0" cy="0"/>
         </a:xfrm>
       </p:grpSpPr>
+      <p:sp useBgFill="1">
+        <p:nvSpPr>
+          <p:cNvPr id="14" name="Rectangle 13">
+            <a:extLst>
+              <a:ext uri="{FF2B5EF4-FFF2-40B4-BE49-F238E27FC236}">
+                <a16:creationId xmlns:a16="http://schemas.microsoft.com/office/drawing/2014/main" id="{763516C8-F227-4B77-9AA7-61B9A0B78253}"/>
+              </a:ext>
+              <a:ext uri="{C183D7F6-B498-43B3-948B-1728B52AA6E4}">
+                <adec:decorative xmlns:adec="http://schemas.microsoft.com/office/drawing/2017/decorative" val="1"/>
+              </a:ext>
+            </a:extLst>
+          </p:cNvPr>
+          <p:cNvSpPr>
+            <a:spLocks noGrp="1" noRot="1" noChangeAspect="1" noMove="1" noResize="1" noEditPoints="1" noAdjustHandles="1" noChangeArrowheads="1" noChangeShapeType="1" noTextEdit="1"/>
+          </p:cNvSpPr>
+          <p:nvPr>
+            <p:extLst>
+              <p:ext uri="{386F3935-93C4-4BCD-93E2-E3B085C9AB24}">
+                <p16:designElem xmlns:p16="http://schemas.microsoft.com/office/powerpoint/2015/main" val="1"/>
+              </p:ext>
+            </p:extLst>
+          </p:nvPr>
+        </p:nvSpPr>
+        <p:spPr>
+          <a:xfrm>
+            <a:off x="0" y="0"/>
+            <a:ext cx="12192000" cy="6854038"/>
+          </a:xfrm>
+          <a:prstGeom prst="rect">
+            <a:avLst/>
+          </a:prstGeom>
+          <a:ln>
+            <a:noFill/>
+          </a:ln>
+        </p:spPr>
+        <p:style>
+          <a:lnRef idx="2">
+            <a:schemeClr val="accent1">
+              <a:shade val="50000"/>
+            </a:schemeClr>
+          </a:lnRef>
+          <a:fillRef idx="1">
+            <a:schemeClr val="accent1"/>
+          </a:fillRef>
+          <a:effectRef idx="0">
+            <a:schemeClr val="accent1"/>
+          </a:effectRef>
+          <a:fontRef idx="minor">
+            <a:schemeClr val="lt1"/>
+          </a:fontRef>
+        </p:style>
+        <p:txBody>
+          <a:bodyPr rtlCol="0" anchor="ctr"/>
+          <a:lstStyle/>
+          <a:p>
+            <a:pPr algn="ctr"/>
+            <a:endParaRPr lang="en-US"/>
+          </a:p>
+        </p:txBody>
+      </p:sp>
       <p:sp>
         <p:nvSpPr>
           <p:cNvPr id="2" name="Titlu 1">
@@ -10819,86 +9820,84 @@
         </p:nvSpPr>
         <p:spPr>
           <a:xfrm>
-            <a:off x="576944" y="624110"/>
-            <a:ext cx="10927670" cy="1280890"/>
+            <a:off x="2592925" y="3979877"/>
+            <a:ext cx="8911687" cy="778589"/>
           </a:xfrm>
         </p:spPr>
         <p:txBody>
-          <a:bodyPr/>
+          <a:bodyPr anchor="b">
+            <a:normAutofit/>
+          </a:bodyPr>
           <a:lstStyle/>
           <a:p>
             <a:r>
-              <a:rPr lang="ro-RO" dirty="0"/>
-              <a:t>Tratarea problemei vibrațiilor contactelor</a:t>
-            </a:r>
-            <a:endParaRPr lang="en-US" dirty="0"/>
-          </a:p>
-        </p:txBody>
-      </p:sp>
-      <p:sp>
-        <p:nvSpPr>
-          <p:cNvPr id="3" name="Substituent conținut 2">
+              <a:rPr lang="ro-RO" sz="2800"/>
+              <a:t>Implementarea soluției</a:t>
+            </a:r>
+            <a:endParaRPr lang="en-US" sz="2800"/>
+          </a:p>
+        </p:txBody>
+      </p:sp>
+      <p:sp>
+        <p:nvSpPr>
+          <p:cNvPr id="21" name="Rectangle 15">
             <a:extLst>
               <a:ext uri="{FF2B5EF4-FFF2-40B4-BE49-F238E27FC236}">
-                <a16:creationId xmlns:a16="http://schemas.microsoft.com/office/drawing/2014/main" id="{FA44BB8A-170A-4BD6-AE57-69C3741C327E}"/>
+                <a16:creationId xmlns:a16="http://schemas.microsoft.com/office/drawing/2014/main" id="{D91B420C-C4C8-44DF-96B2-FBD1014646FE}"/>
+              </a:ext>
+              <a:ext uri="{C183D7F6-B498-43B3-948B-1728B52AA6E4}">
+                <adec:decorative xmlns:adec="http://schemas.microsoft.com/office/drawing/2017/decorative" val="1"/>
               </a:ext>
             </a:extLst>
           </p:cNvPr>
           <p:cNvSpPr>
-            <a:spLocks noGrp="1"/>
-          </p:cNvSpPr>
-          <p:nvPr>
-            <p:ph idx="1"/>
+            <a:spLocks noGrp="1" noRot="1" noChangeAspect="1" noMove="1" noResize="1" noEditPoints="1" noAdjustHandles="1" noChangeArrowheads="1" noChangeShapeType="1" noTextEdit="1"/>
+          </p:cNvSpPr>
+          <p:nvPr>
+            <p:extLst>
+              <p:ext uri="{386F3935-93C4-4BCD-93E2-E3B085C9AB24}">
+                <p16:designElem xmlns:p16="http://schemas.microsoft.com/office/powerpoint/2015/main" val="1"/>
+              </p:ext>
+            </p:extLst>
           </p:nvPr>
         </p:nvSpPr>
         <p:spPr>
           <a:xfrm>
-            <a:off x="576942" y="2133600"/>
-            <a:ext cx="10927670" cy="3777622"/>
+            <a:off x="0" y="0"/>
+            <a:ext cx="182880" cy="6858000"/>
           </a:xfrm>
+          <a:prstGeom prst="rect">
+            <a:avLst/>
+          </a:prstGeom>
+          <a:solidFill>
+            <a:srgbClr val="315037"/>
+          </a:solidFill>
+          <a:ln>
+            <a:noFill/>
+          </a:ln>
+          <a:effectLst/>
         </p:spPr>
-        <p:txBody>
-          <a:bodyPr>
-            <a:normAutofit/>
-          </a:bodyPr>
-          <a:lstStyle/>
-          <a:p>
-            <a:pPr>
-              <a:buFont typeface="Arial" panose="020B0604020202020204" pitchFamily="34" charset="0"/>
-              <a:buChar char="•"/>
-            </a:pPr>
-            <a:r>
-              <a:rPr lang="ro-RO" sz="2200" dirty="0"/>
-              <a:t>În momentul în care un buton este apăsat, între contactele metalice ale acestuia pot apărea vibrații fine. </a:t>
-            </a:r>
-          </a:p>
-          <a:p>
-            <a:pPr>
-              <a:buFont typeface="Arial" panose="020B0604020202020204" pitchFamily="34" charset="0"/>
-              <a:buChar char="•"/>
-            </a:pPr>
-            <a:r>
-              <a:rPr lang="ro-RO" sz="2200" dirty="0"/>
-              <a:t>De cele mai multe ori, </a:t>
-            </a:r>
-            <a:r>
-              <a:rPr lang="ro-RO" sz="2200" dirty="0" err="1"/>
-              <a:t>microcotrolerul</a:t>
-            </a:r>
-            <a:r>
-              <a:rPr lang="ro-RO" sz="2200" dirty="0"/>
-              <a:t> interpretează aceste vibrații ca fiind apăsări multiple ale butonului.</a:t>
-            </a:r>
-            <a:endParaRPr lang="en-US" sz="2200" dirty="0"/>
-          </a:p>
-        </p:txBody>
+        <p:style>
+          <a:lnRef idx="1">
+            <a:schemeClr val="accent1"/>
+          </a:lnRef>
+          <a:fillRef idx="3">
+            <a:schemeClr val="accent1"/>
+          </a:fillRef>
+          <a:effectRef idx="2">
+            <a:schemeClr val="accent1"/>
+          </a:effectRef>
+          <a:fontRef idx="minor">
+            <a:schemeClr val="lt1"/>
+          </a:fontRef>
+        </p:style>
       </p:sp>
       <p:pic>
         <p:nvPicPr>
-          <p:cNvPr id="4" name="Imagine 3">
+          <p:cNvPr id="6" name="Substituent conținut 5">
             <a:extLst>
               <a:ext uri="{FF2B5EF4-FFF2-40B4-BE49-F238E27FC236}">
-                <a16:creationId xmlns:a16="http://schemas.microsoft.com/office/drawing/2014/main" id="{5CA0F294-70D0-46E0-B287-1EA2AAC8DAD0}"/>
+                <a16:creationId xmlns:a16="http://schemas.microsoft.com/office/drawing/2014/main" id="{BCF7690F-AA65-4F4B-9901-5B72008FC7A3}"/>
               </a:ext>
             </a:extLst>
           </p:cNvPr>
@@ -10921,14 +9920,113 @@
         </p:blipFill>
         <p:spPr>
           <a:xfrm>
-            <a:off x="1" y="0"/>
-            <a:ext cx="12191999" cy="6858000"/>
+            <a:off x="2580799" y="3962"/>
+            <a:ext cx="7045801" cy="3829251"/>
           </a:xfrm>
           <a:prstGeom prst="rect">
             <a:avLst/>
           </a:prstGeom>
         </p:spPr>
       </p:pic>
+      <p:sp>
+        <p:nvSpPr>
+          <p:cNvPr id="22" name="Freeform 33">
+            <a:extLst>
+              <a:ext uri="{FF2B5EF4-FFF2-40B4-BE49-F238E27FC236}">
+                <a16:creationId xmlns:a16="http://schemas.microsoft.com/office/drawing/2014/main" id="{070928B1-3E69-44AC-A1EE-B4E4270A7A51}"/>
+              </a:ext>
+              <a:ext uri="{C183D7F6-B498-43B3-948B-1728B52AA6E4}">
+                <adec:decorative xmlns:adec="http://schemas.microsoft.com/office/drawing/2017/decorative" val="1"/>
+              </a:ext>
+            </a:extLst>
+          </p:cNvPr>
+          <p:cNvSpPr>
+            <a:spLocks noGrp="1" noRot="1" noChangeAspect="1" noMove="1" noResize="1" noEditPoints="1" noAdjustHandles="1" noChangeArrowheads="1" noChangeShapeType="1" noTextEdit="1"/>
+          </p:cNvSpPr>
+          <p:nvPr>
+            <p:extLst>
+              <p:ext uri="{386F3935-93C4-4BCD-93E2-E3B085C9AB24}">
+                <p16:designElem xmlns:p16="http://schemas.microsoft.com/office/powerpoint/2015/main" val="1"/>
+              </p:ext>
+            </p:extLst>
+          </p:nvPr>
+        </p:nvSpPr>
+        <p:spPr bwMode="auto">
+          <a:xfrm>
+            <a:off x="0" y="4369172"/>
+            <a:ext cx="1744652" cy="778589"/>
+          </a:xfrm>
+          <a:custGeom>
+            <a:avLst/>
+            <a:gdLst/>
+            <a:ahLst/>
+            <a:cxnLst/>
+            <a:rect l="0" t="0" r="r" b="b"/>
+            <a:pathLst>
+              <a:path w="372" h="166">
+                <a:moveTo>
+                  <a:pt x="287" y="166"/>
+                </a:moveTo>
+                <a:cubicBezTo>
+                  <a:pt x="290" y="166"/>
+                  <a:pt x="292" y="165"/>
+                  <a:pt x="293" y="164"/>
+                </a:cubicBezTo>
+                <a:cubicBezTo>
+                  <a:pt x="293" y="163"/>
+                  <a:pt x="294" y="163"/>
+                  <a:pt x="294" y="163"/>
+                </a:cubicBezTo>
+                <a:cubicBezTo>
+                  <a:pt x="370" y="87"/>
+                  <a:pt x="370" y="87"/>
+                  <a:pt x="370" y="87"/>
+                </a:cubicBezTo>
+                <a:cubicBezTo>
+                  <a:pt x="372" y="85"/>
+                  <a:pt x="372" y="81"/>
+                  <a:pt x="370" y="78"/>
+                </a:cubicBezTo>
+                <a:cubicBezTo>
+                  <a:pt x="294" y="3"/>
+                  <a:pt x="294" y="3"/>
+                  <a:pt x="294" y="3"/>
+                </a:cubicBezTo>
+                <a:cubicBezTo>
+                  <a:pt x="294" y="2"/>
+                  <a:pt x="293" y="2"/>
+                  <a:pt x="293" y="2"/>
+                </a:cubicBezTo>
+                <a:cubicBezTo>
+                  <a:pt x="292" y="1"/>
+                  <a:pt x="290" y="0"/>
+                  <a:pt x="287" y="0"/>
+                </a:cubicBezTo>
+                <a:cubicBezTo>
+                  <a:pt x="0" y="0"/>
+                  <a:pt x="0" y="0"/>
+                  <a:pt x="0" y="0"/>
+                </a:cubicBezTo>
+                <a:cubicBezTo>
+                  <a:pt x="0" y="166"/>
+                  <a:pt x="0" y="166"/>
+                  <a:pt x="0" y="166"/>
+                </a:cubicBezTo>
+                <a:lnTo>
+                  <a:pt x="287" y="166"/>
+                </a:lnTo>
+                <a:close/>
+              </a:path>
+            </a:pathLst>
+          </a:custGeom>
+          <a:solidFill>
+            <a:schemeClr val="accent1"/>
+          </a:solidFill>
+          <a:ln>
+            <a:noFill/>
+          </a:ln>
+        </p:spPr>
+      </p:sp>
       <p:sp>
         <p:nvSpPr>
           <p:cNvPr id="7" name="Substituent număr diapozitiv 6">
@@ -10945,16 +10043,76 @@
             <p:ph type="sldNum" sz="quarter" idx="12"/>
           </p:nvPr>
         </p:nvSpPr>
-        <p:spPr/>
-        <p:txBody>
-          <a:bodyPr/>
+        <p:spPr>
+          <a:xfrm>
+            <a:off x="531812" y="4575903"/>
+            <a:ext cx="779767" cy="365125"/>
+          </a:xfrm>
+        </p:spPr>
+        <p:txBody>
+          <a:bodyPr>
+            <a:normAutofit/>
+          </a:bodyPr>
           <a:lstStyle/>
           <a:p>
+            <a:pPr>
+              <a:lnSpc>
+                <a:spcPct val="90000"/>
+              </a:lnSpc>
+              <a:spcAft>
+                <a:spcPts val="600"/>
+              </a:spcAft>
+            </a:pPr>
             <a:fld id="{FE899CAE-04D7-4AFC-956F-C57F365175A7}" type="slidenum">
-              <a:rPr lang="en-US" smtClean="0"/>
-              <a:pPr/>
-              <a:t>8</a:t>
+              <a:rPr lang="en-US" sz="1900" smtClean="0"/>
+              <a:pPr>
+                <a:lnSpc>
+                  <a:spcPct val="90000"/>
+                </a:lnSpc>
+                <a:spcAft>
+                  <a:spcPts val="600"/>
+                </a:spcAft>
+              </a:pPr>
+              <a:t>12</a:t>
             </a:fld>
+            <a:endParaRPr lang="en-US" sz="1900" dirty="0"/>
+          </a:p>
+        </p:txBody>
+      </p:sp>
+      <p:sp>
+        <p:nvSpPr>
+          <p:cNvPr id="11" name="Content Placeholder 10">
+            <a:extLst>
+              <a:ext uri="{FF2B5EF4-FFF2-40B4-BE49-F238E27FC236}">
+                <a16:creationId xmlns:a16="http://schemas.microsoft.com/office/drawing/2014/main" id="{B8C2B17C-FC0F-458F-8D6D-9101BA16588C}"/>
+              </a:ext>
+            </a:extLst>
+          </p:cNvPr>
+          <p:cNvSpPr>
+            <a:spLocks noGrp="1"/>
+          </p:cNvSpPr>
+          <p:nvPr>
+            <p:ph idx="1"/>
+          </p:nvPr>
+        </p:nvSpPr>
+        <p:spPr>
+          <a:xfrm>
+            <a:off x="2589212" y="4845585"/>
+            <a:ext cx="8915400" cy="1280890"/>
+          </a:xfrm>
+        </p:spPr>
+        <p:txBody>
+          <a:bodyPr>
+            <a:normAutofit/>
+          </a:bodyPr>
+          <a:lstStyle/>
+          <a:p>
+            <a:r>
+              <a:rPr lang="ro-RO" dirty="0"/>
+              <a:t>An</a:t>
+            </a:r>
+          </a:p>
+          <a:p>
             <a:endParaRPr lang="en-US" dirty="0"/>
           </a:p>
         </p:txBody>
@@ -10969,93 +10127,10 @@
   <p:clrMapOvr>
     <a:masterClrMapping/>
   </p:clrMapOvr>
-  <p:timing>
-    <p:tnLst>
-      <p:par>
-        <p:cTn id="1" dur="indefinite" restart="never" nodeType="tmRoot">
-          <p:childTnLst>
-            <p:seq concurrent="1" nextAc="seek">
-              <p:cTn id="2" dur="indefinite" nodeType="mainSeq">
-                <p:childTnLst>
-                  <p:par>
-                    <p:cTn id="3" fill="hold">
-                      <p:stCondLst>
-                        <p:cond delay="indefinite"/>
-                      </p:stCondLst>
-                      <p:childTnLst>
-                        <p:par>
-                          <p:cTn id="4" fill="hold">
-                            <p:stCondLst>
-                              <p:cond delay="0"/>
-                            </p:stCondLst>
-                            <p:childTnLst>
-                              <p:par>
-                                <p:cTn id="5" presetID="10" presetClass="entr" presetSubtype="0" fill="hold" nodeType="clickEffect">
-                                  <p:stCondLst>
-                                    <p:cond delay="0"/>
-                                  </p:stCondLst>
-                                  <p:childTnLst>
-                                    <p:set>
-                                      <p:cBhvr>
-                                        <p:cTn id="6" dur="1" fill="hold">
-                                          <p:stCondLst>
-                                            <p:cond delay="0"/>
-                                          </p:stCondLst>
-                                        </p:cTn>
-                                        <p:tgtEl>
-                                          <p:spTgt spid="4"/>
-                                        </p:tgtEl>
-                                        <p:attrNameLst>
-                                          <p:attrName>style.visibility</p:attrName>
-                                        </p:attrNameLst>
-                                      </p:cBhvr>
-                                      <p:to>
-                                        <p:strVal val="visible"/>
-                                      </p:to>
-                                    </p:set>
-                                    <p:animEffect transition="in" filter="fade">
-                                      <p:cBhvr>
-                                        <p:cTn id="7" dur="500"/>
-                                        <p:tgtEl>
-                                          <p:spTgt spid="4"/>
-                                        </p:tgtEl>
-                                      </p:cBhvr>
-                                    </p:animEffect>
-                                  </p:childTnLst>
-                                </p:cTn>
-                              </p:par>
-                            </p:childTnLst>
-                          </p:cTn>
-                        </p:par>
-                      </p:childTnLst>
-                    </p:cTn>
-                  </p:par>
-                </p:childTnLst>
-              </p:cTn>
-              <p:prevCondLst>
-                <p:cond evt="onPrev" delay="0">
-                  <p:tgtEl>
-                    <p:sldTgt/>
-                  </p:tgtEl>
-                </p:cond>
-              </p:prevCondLst>
-              <p:nextCondLst>
-                <p:cond evt="onNext" delay="0">
-                  <p:tgtEl>
-                    <p:sldTgt/>
-                  </p:tgtEl>
-                </p:cond>
-              </p:nextCondLst>
-            </p:seq>
-          </p:childTnLst>
-        </p:cTn>
-      </p:par>
-    </p:tnLst>
-  </p:timing>
 </p:sld>
 </file>
 
-<file path=ppt/slides/slide9.xml><?xml version="1.0" encoding="utf-8"?>
+<file path=ppt/slides/slide13.xml><?xml version="1.0" encoding="utf-8"?>
 <p:sld xmlns:a="http://schemas.openxmlformats.org/drawingml/2006/main" xmlns:r="http://schemas.openxmlformats.org/officeDocument/2006/relationships" xmlns:p="http://schemas.openxmlformats.org/presentationml/2006/main" showMasterSp="0">
   <p:cSld>
     <p:spTree>
@@ -11102,13 +10177,18 @@
           <a:p>
             <a:pPr algn="ctr"/>
             <a:r>
-              <a:rPr lang="en-US" sz="6400">
+              <a:rPr lang="en-US" sz="6400" dirty="0" err="1">
                 <a:solidFill>
                   <a:schemeClr val="tx1"/>
                 </a:solidFill>
               </a:rPr>
               <a:t>Soluție</a:t>
             </a:r>
+            <a:endParaRPr lang="en-US" sz="6400" dirty="0">
+              <a:solidFill>
+                <a:schemeClr val="tx1"/>
+              </a:solidFill>
+            </a:endParaRPr>
           </a:p>
         </p:txBody>
       </p:sp>
@@ -11144,15 +10224,182 @@
               <a:buNone/>
             </a:pPr>
             <a:r>
-              <a:rPr lang="en-US" sz="2000">
+              <a:rPr lang="en-US" sz="2000" dirty="0" err="1">
                 <a:solidFill>
                   <a:schemeClr val="tx1">
                     <a:alpha val="60000"/>
                   </a:schemeClr>
                 </a:solidFill>
               </a:rPr>
-              <a:t>Adăugarea unor filtre trece-jos pentru fiecare buton în parte</a:t>
-            </a:r>
+              <a:t>Adăugarea</a:t>
+            </a:r>
+            <a:r>
+              <a:rPr lang="en-US" sz="2000" dirty="0">
+                <a:solidFill>
+                  <a:schemeClr val="tx1">
+                    <a:alpha val="60000"/>
+                  </a:schemeClr>
+                </a:solidFill>
+              </a:rPr>
+              <a:t> </a:t>
+            </a:r>
+            <a:r>
+              <a:rPr lang="en-US" sz="2000" dirty="0" err="1">
+                <a:solidFill>
+                  <a:schemeClr val="tx1">
+                    <a:alpha val="60000"/>
+                  </a:schemeClr>
+                </a:solidFill>
+              </a:rPr>
+              <a:t>unor</a:t>
+            </a:r>
+            <a:r>
+              <a:rPr lang="en-US" sz="2000" dirty="0">
+                <a:solidFill>
+                  <a:schemeClr val="tx1">
+                    <a:alpha val="60000"/>
+                  </a:schemeClr>
+                </a:solidFill>
+              </a:rPr>
+              <a:t> </a:t>
+            </a:r>
+            <a:r>
+              <a:rPr lang="en-US" sz="2000" dirty="0" err="1">
+                <a:solidFill>
+                  <a:schemeClr val="tx1">
+                    <a:alpha val="60000"/>
+                  </a:schemeClr>
+                </a:solidFill>
+              </a:rPr>
+              <a:t>filtre</a:t>
+            </a:r>
+            <a:r>
+              <a:rPr lang="en-US" sz="2000" dirty="0">
+                <a:solidFill>
+                  <a:schemeClr val="tx1">
+                    <a:alpha val="60000"/>
+                  </a:schemeClr>
+                </a:solidFill>
+              </a:rPr>
+              <a:t> </a:t>
+            </a:r>
+            <a:r>
+              <a:rPr lang="en-US" sz="2000" dirty="0" err="1">
+                <a:solidFill>
+                  <a:schemeClr val="tx1">
+                    <a:alpha val="60000"/>
+                  </a:schemeClr>
+                </a:solidFill>
+              </a:rPr>
+              <a:t>trece-jos</a:t>
+            </a:r>
+            <a:r>
+              <a:rPr lang="en-US" sz="2000" dirty="0">
+                <a:solidFill>
+                  <a:schemeClr val="tx1">
+                    <a:alpha val="60000"/>
+                  </a:schemeClr>
+                </a:solidFill>
+              </a:rPr>
+              <a:t> </a:t>
+            </a:r>
+            <a:r>
+              <a:rPr lang="en-US" sz="2000" dirty="0" err="1">
+                <a:solidFill>
+                  <a:schemeClr val="tx1">
+                    <a:alpha val="60000"/>
+                  </a:schemeClr>
+                </a:solidFill>
+              </a:rPr>
+              <a:t>pentru</a:t>
+            </a:r>
+            <a:r>
+              <a:rPr lang="en-US" sz="2000" dirty="0">
+                <a:solidFill>
+                  <a:schemeClr val="tx1">
+                    <a:alpha val="60000"/>
+                  </a:schemeClr>
+                </a:solidFill>
+              </a:rPr>
+              <a:t> </a:t>
+            </a:r>
+            <a:r>
+              <a:rPr lang="en-US" sz="2000" dirty="0" err="1">
+                <a:solidFill>
+                  <a:schemeClr val="tx1">
+                    <a:alpha val="60000"/>
+                  </a:schemeClr>
+                </a:solidFill>
+              </a:rPr>
+              <a:t>fiecare</a:t>
+            </a:r>
+            <a:r>
+              <a:rPr lang="en-US" sz="2000" dirty="0">
+                <a:solidFill>
+                  <a:schemeClr val="tx1">
+                    <a:alpha val="60000"/>
+                  </a:schemeClr>
+                </a:solidFill>
+              </a:rPr>
+              <a:t> </a:t>
+            </a:r>
+            <a:r>
+              <a:rPr lang="en-US" sz="2000" dirty="0" err="1">
+                <a:solidFill>
+                  <a:schemeClr val="tx1">
+                    <a:alpha val="60000"/>
+                  </a:schemeClr>
+                </a:solidFill>
+              </a:rPr>
+              <a:t>buton</a:t>
+            </a:r>
+            <a:r>
+              <a:rPr lang="en-US" sz="2000" dirty="0">
+                <a:solidFill>
+                  <a:schemeClr val="tx1">
+                    <a:alpha val="60000"/>
+                  </a:schemeClr>
+                </a:solidFill>
+              </a:rPr>
+              <a:t> </a:t>
+            </a:r>
+            <a:r>
+              <a:rPr lang="en-US" sz="2000" dirty="0" err="1">
+                <a:solidFill>
+                  <a:schemeClr val="tx1">
+                    <a:alpha val="60000"/>
+                  </a:schemeClr>
+                </a:solidFill>
+              </a:rPr>
+              <a:t>în</a:t>
+            </a:r>
+            <a:r>
+              <a:rPr lang="en-US" sz="2000" dirty="0">
+                <a:solidFill>
+                  <a:schemeClr val="tx1">
+                    <a:alpha val="60000"/>
+                  </a:schemeClr>
+                </a:solidFill>
+              </a:rPr>
+              <a:t> </a:t>
+            </a:r>
+            <a:r>
+              <a:rPr lang="en-US" sz="2000" dirty="0" err="1">
+                <a:solidFill>
+                  <a:schemeClr val="tx1">
+                    <a:alpha val="60000"/>
+                  </a:schemeClr>
+                </a:solidFill>
+              </a:rPr>
+              <a:t>parte</a:t>
+            </a:r>
+            <a:endParaRPr lang="en-US" sz="2000" dirty="0">
+              <a:solidFill>
+                <a:schemeClr val="tx1">
+                  <a:alpha val="60000"/>
+                </a:schemeClr>
+              </a:solidFill>
+            </a:endParaRPr>
           </a:p>
         </p:txBody>
       </p:sp>
@@ -11184,7 +10431,7 @@
         </p:blipFill>
         <p:spPr>
           <a:xfrm>
-            <a:off x="4916252" y="942249"/>
+            <a:off x="4916252" y="942247"/>
             <a:ext cx="6631341" cy="4973505"/>
           </a:xfrm>
           <a:prstGeom prst="rect">
@@ -11216,7 +10463,7 @@
             <a:fld id="{FE899CAE-04D7-4AFC-956F-C57F365175A7}" type="slidenum">
               <a:rPr lang="en-US" smtClean="0"/>
               <a:pPr/>
-              <a:t>9</a:t>
+              <a:t>13</a:t>
             </a:fld>
             <a:endParaRPr lang="en-US" dirty="0"/>
           </a:p>
@@ -11318,6 +10565,2031 @@
       </p:par>
     </p:tnLst>
   </p:timing>
+</p:sld>
+</file>
+
+<file path=ppt/slides/slide14.xml><?xml version="1.0" encoding="utf-8"?>
+<p:sld xmlns:a="http://schemas.openxmlformats.org/drawingml/2006/main" xmlns:r="http://schemas.openxmlformats.org/officeDocument/2006/relationships" xmlns:p="http://schemas.openxmlformats.org/presentationml/2006/main" showMasterSp="0">
+  <p:cSld>
+    <p:spTree>
+      <p:nvGrpSpPr>
+        <p:cNvPr id="1" name=""/>
+        <p:cNvGrpSpPr/>
+        <p:nvPr/>
+      </p:nvGrpSpPr>
+      <p:grpSpPr>
+        <a:xfrm>
+          <a:off x="0" y="0"/>
+          <a:ext cx="0" cy="0"/>
+          <a:chOff x="0" y="0"/>
+          <a:chExt cx="0" cy="0"/>
+        </a:xfrm>
+      </p:grpSpPr>
+      <p:sp>
+        <p:nvSpPr>
+          <p:cNvPr id="2" name="Titlu 1">
+            <a:extLst>
+              <a:ext uri="{FF2B5EF4-FFF2-40B4-BE49-F238E27FC236}">
+                <a16:creationId xmlns:a16="http://schemas.microsoft.com/office/drawing/2014/main" id="{D7034D88-B5D7-4913-8481-E9BE5D87855E}"/>
+              </a:ext>
+            </a:extLst>
+          </p:cNvPr>
+          <p:cNvSpPr>
+            <a:spLocks noGrp="1"/>
+          </p:cNvSpPr>
+          <p:nvPr>
+            <p:ph type="title"/>
+          </p:nvPr>
+        </p:nvSpPr>
+        <p:spPr/>
+        <p:txBody>
+          <a:bodyPr/>
+          <a:lstStyle/>
+          <a:p>
+            <a:r>
+              <a:rPr lang="ro-RO" dirty="0" err="1"/>
+              <a:t>Demo</a:t>
+            </a:r>
+            <a:endParaRPr lang="en-US" dirty="0"/>
+          </a:p>
+        </p:txBody>
+      </p:sp>
+      <p:sp>
+        <p:nvSpPr>
+          <p:cNvPr id="3" name="Substituent conținut 2">
+            <a:extLst>
+              <a:ext uri="{FF2B5EF4-FFF2-40B4-BE49-F238E27FC236}">
+                <a16:creationId xmlns:a16="http://schemas.microsoft.com/office/drawing/2014/main" id="{FD1F6D74-9474-48DF-924D-97262B6DBB35}"/>
+              </a:ext>
+            </a:extLst>
+          </p:cNvPr>
+          <p:cNvSpPr>
+            <a:spLocks noGrp="1"/>
+          </p:cNvSpPr>
+          <p:nvPr>
+            <p:ph idx="1"/>
+          </p:nvPr>
+        </p:nvSpPr>
+        <p:spPr/>
+        <p:txBody>
+          <a:bodyPr/>
+          <a:lstStyle/>
+          <a:p>
+            <a:endParaRPr lang="en-US"/>
+          </a:p>
+        </p:txBody>
+      </p:sp>
+      <p:sp>
+        <p:nvSpPr>
+          <p:cNvPr id="6" name="Substituent număr diapozitiv 5">
+            <a:extLst>
+              <a:ext uri="{FF2B5EF4-FFF2-40B4-BE49-F238E27FC236}">
+                <a16:creationId xmlns:a16="http://schemas.microsoft.com/office/drawing/2014/main" id="{8D8CFE0A-411B-4954-937F-52B7EC662B00}"/>
+              </a:ext>
+            </a:extLst>
+          </p:cNvPr>
+          <p:cNvSpPr>
+            <a:spLocks noGrp="1"/>
+          </p:cNvSpPr>
+          <p:nvPr>
+            <p:ph type="sldNum" sz="quarter" idx="12"/>
+          </p:nvPr>
+        </p:nvSpPr>
+        <p:spPr/>
+        <p:txBody>
+          <a:bodyPr/>
+          <a:lstStyle/>
+          <a:p>
+            <a:fld id="{FE899CAE-04D7-4AFC-956F-C57F365175A7}" type="slidenum">
+              <a:rPr lang="en-US" smtClean="0"/>
+              <a:pPr/>
+              <a:t>14</a:t>
+            </a:fld>
+            <a:endParaRPr lang="en-US" dirty="0"/>
+          </a:p>
+        </p:txBody>
+      </p:sp>
+    </p:spTree>
+    <p:extLst>
+      <p:ext uri="{BB962C8B-B14F-4D97-AF65-F5344CB8AC3E}">
+        <p14:creationId xmlns:p14="http://schemas.microsoft.com/office/powerpoint/2010/main" val="1490768084"/>
+      </p:ext>
+    </p:extLst>
+  </p:cSld>
+  <p:clrMapOvr>
+    <a:masterClrMapping/>
+  </p:clrMapOvr>
+</p:sld>
+</file>
+
+<file path=ppt/slides/slide15.xml><?xml version="1.0" encoding="utf-8"?>
+<p:sld xmlns:a="http://schemas.openxmlformats.org/drawingml/2006/main" xmlns:r="http://schemas.openxmlformats.org/officeDocument/2006/relationships" xmlns:p="http://schemas.openxmlformats.org/presentationml/2006/main" showMasterSp="0">
+  <p:cSld>
+    <p:spTree>
+      <p:nvGrpSpPr>
+        <p:cNvPr id="1" name=""/>
+        <p:cNvGrpSpPr/>
+        <p:nvPr/>
+      </p:nvGrpSpPr>
+      <p:grpSpPr>
+        <a:xfrm>
+          <a:off x="0" y="0"/>
+          <a:ext cx="0" cy="0"/>
+          <a:chOff x="0" y="0"/>
+          <a:chExt cx="0" cy="0"/>
+        </a:xfrm>
+      </p:grpSpPr>
+      <p:sp>
+        <p:nvSpPr>
+          <p:cNvPr id="2" name="Titlu 1">
+            <a:extLst>
+              <a:ext uri="{FF2B5EF4-FFF2-40B4-BE49-F238E27FC236}">
+                <a16:creationId xmlns:a16="http://schemas.microsoft.com/office/drawing/2014/main" id="{750E80B6-3C7F-4B54-B8C2-B8F268B2D591}"/>
+              </a:ext>
+            </a:extLst>
+          </p:cNvPr>
+          <p:cNvSpPr>
+            <a:spLocks noGrp="1"/>
+          </p:cNvSpPr>
+          <p:nvPr>
+            <p:ph type="title"/>
+          </p:nvPr>
+        </p:nvSpPr>
+        <p:spPr>
+          <a:xfrm>
+            <a:off x="685800" y="624110"/>
+            <a:ext cx="10818813" cy="1280890"/>
+          </a:xfrm>
+        </p:spPr>
+        <p:txBody>
+          <a:bodyPr/>
+          <a:lstStyle/>
+          <a:p>
+            <a:r>
+              <a:rPr lang="ro-RO" dirty="0"/>
+              <a:t>Concluzii</a:t>
+            </a:r>
+            <a:endParaRPr lang="en-US" dirty="0"/>
+          </a:p>
+        </p:txBody>
+      </p:sp>
+      <p:sp>
+        <p:nvSpPr>
+          <p:cNvPr id="3" name="Substituent conținut 2">
+            <a:extLst>
+              <a:ext uri="{FF2B5EF4-FFF2-40B4-BE49-F238E27FC236}">
+                <a16:creationId xmlns:a16="http://schemas.microsoft.com/office/drawing/2014/main" id="{F7356411-5890-437C-802C-BC22D5D77C53}"/>
+              </a:ext>
+            </a:extLst>
+          </p:cNvPr>
+          <p:cNvSpPr>
+            <a:spLocks noGrp="1"/>
+          </p:cNvSpPr>
+          <p:nvPr>
+            <p:ph idx="1"/>
+          </p:nvPr>
+        </p:nvSpPr>
+        <p:spPr>
+          <a:xfrm>
+            <a:off x="685799" y="2133600"/>
+            <a:ext cx="10818813" cy="3777622"/>
+          </a:xfrm>
+        </p:spPr>
+        <p:txBody>
+          <a:bodyPr>
+            <a:normAutofit/>
+          </a:bodyPr>
+          <a:lstStyle/>
+          <a:p>
+            <a:pPr>
+              <a:buFont typeface="Arial" panose="020B0604020202020204" pitchFamily="34" charset="0"/>
+              <a:buChar char="•"/>
+            </a:pPr>
+            <a:r>
+              <a:rPr lang="ro-RO" sz="2200" dirty="0"/>
+              <a:t>Scopul proiectului este de a prezenta o soluție pentru controlul temperaturii în mai multe zone ale locuinței, dar și pentru reducerea consumului de energie</a:t>
+            </a:r>
+          </a:p>
+          <a:p>
+            <a:pPr>
+              <a:buFont typeface="Arial" panose="020B0604020202020204" pitchFamily="34" charset="0"/>
+              <a:buChar char="•"/>
+            </a:pPr>
+            <a:r>
+              <a:rPr lang="ro-RO" sz="2200" dirty="0"/>
+              <a:t>Există o serie de funcționalități al căror mod de operare poate fi îmbunătățit</a:t>
+            </a:r>
+          </a:p>
+          <a:p>
+            <a:pPr>
+              <a:buFont typeface="Arial" panose="020B0604020202020204" pitchFamily="34" charset="0"/>
+              <a:buChar char="•"/>
+            </a:pPr>
+            <a:r>
+              <a:rPr lang="ro-RO" sz="2200" dirty="0"/>
+              <a:t>Perspective de dezvoltare</a:t>
+            </a:r>
+            <a:r>
+              <a:rPr lang="en-US" sz="2200" dirty="0"/>
+              <a:t>:</a:t>
+            </a:r>
+          </a:p>
+          <a:p>
+            <a:pPr lvl="1">
+              <a:buFont typeface="Wingdings" panose="05000000000000000000" pitchFamily="2" charset="2"/>
+              <a:buChar char="Ø"/>
+            </a:pPr>
+            <a:r>
+              <a:rPr lang="ro-RO" sz="2000" dirty="0"/>
+              <a:t>Reducerea timpului necesar sistemului pentru a răspunde la comenzile vocale</a:t>
+            </a:r>
+          </a:p>
+          <a:p>
+            <a:pPr lvl="1">
+              <a:buFont typeface="Wingdings" panose="05000000000000000000" pitchFamily="2" charset="2"/>
+              <a:buChar char="Ø"/>
+            </a:pPr>
+            <a:r>
+              <a:rPr lang="ro-RO" sz="2000" dirty="0"/>
+              <a:t>Posibilitatea ca sistemul să adapteze temperatura în funcție de prezența sau absența locuitorilor</a:t>
+            </a:r>
+          </a:p>
+          <a:p>
+            <a:pPr lvl="1">
+              <a:buFont typeface="Wingdings" panose="05000000000000000000" pitchFamily="2" charset="2"/>
+              <a:buChar char="Ø"/>
+            </a:pPr>
+            <a:r>
+              <a:rPr lang="ro-RO" sz="2000" dirty="0"/>
+              <a:t>Atașarea unei tastaturi la plăcuța </a:t>
+            </a:r>
+            <a:r>
+              <a:rPr lang="ro-RO" sz="2000" dirty="0" err="1"/>
+              <a:t>WiFi</a:t>
+            </a:r>
+            <a:r>
+              <a:rPr lang="ro-RO" sz="2000" dirty="0"/>
+              <a:t> pentru a permite modificarea datelor de acces la rețeaua de internet	</a:t>
+            </a:r>
+          </a:p>
+          <a:p>
+            <a:pPr marL="0" indent="0">
+              <a:buNone/>
+            </a:pPr>
+            <a:endParaRPr lang="en-US" dirty="0"/>
+          </a:p>
+        </p:txBody>
+      </p:sp>
+      <p:sp>
+        <p:nvSpPr>
+          <p:cNvPr id="6" name="Substituent număr diapozitiv 5">
+            <a:extLst>
+              <a:ext uri="{FF2B5EF4-FFF2-40B4-BE49-F238E27FC236}">
+                <a16:creationId xmlns:a16="http://schemas.microsoft.com/office/drawing/2014/main" id="{6960E3D1-D97B-49DE-B830-2C7D370FE547}"/>
+              </a:ext>
+            </a:extLst>
+          </p:cNvPr>
+          <p:cNvSpPr>
+            <a:spLocks noGrp="1"/>
+          </p:cNvSpPr>
+          <p:nvPr>
+            <p:ph type="sldNum" sz="quarter" idx="12"/>
+          </p:nvPr>
+        </p:nvSpPr>
+        <p:spPr/>
+        <p:txBody>
+          <a:bodyPr/>
+          <a:lstStyle/>
+          <a:p>
+            <a:fld id="{FE899CAE-04D7-4AFC-956F-C57F365175A7}" type="slidenum">
+              <a:rPr lang="en-US" smtClean="0"/>
+              <a:pPr/>
+              <a:t>15</a:t>
+            </a:fld>
+            <a:endParaRPr lang="en-US" dirty="0"/>
+          </a:p>
+        </p:txBody>
+      </p:sp>
+    </p:spTree>
+    <p:extLst>
+      <p:ext uri="{BB962C8B-B14F-4D97-AF65-F5344CB8AC3E}">
+        <p14:creationId xmlns:p14="http://schemas.microsoft.com/office/powerpoint/2010/main" val="3473204888"/>
+      </p:ext>
+    </p:extLst>
+  </p:cSld>
+  <p:clrMapOvr>
+    <a:masterClrMapping/>
+  </p:clrMapOvr>
+</p:sld>
+</file>
+
+<file path=ppt/slides/slide16.xml><?xml version="1.0" encoding="utf-8"?>
+<p:sld xmlns:a="http://schemas.openxmlformats.org/drawingml/2006/main" xmlns:r="http://schemas.openxmlformats.org/officeDocument/2006/relationships" xmlns:p="http://schemas.openxmlformats.org/presentationml/2006/main" showMasterSp="0">
+  <p:cSld>
+    <p:spTree>
+      <p:nvGrpSpPr>
+        <p:cNvPr id="1" name=""/>
+        <p:cNvGrpSpPr/>
+        <p:nvPr/>
+      </p:nvGrpSpPr>
+      <p:grpSpPr>
+        <a:xfrm>
+          <a:off x="0" y="0"/>
+          <a:ext cx="0" cy="0"/>
+          <a:chOff x="0" y="0"/>
+          <a:chExt cx="0" cy="0"/>
+        </a:xfrm>
+      </p:grpSpPr>
+      <p:sp>
+        <p:nvSpPr>
+          <p:cNvPr id="2" name="Titlu 1">
+            <a:extLst>
+              <a:ext uri="{FF2B5EF4-FFF2-40B4-BE49-F238E27FC236}">
+                <a16:creationId xmlns:a16="http://schemas.microsoft.com/office/drawing/2014/main" id="{8F599AC0-73FE-4940-B82D-96B24E039E49}"/>
+              </a:ext>
+            </a:extLst>
+          </p:cNvPr>
+          <p:cNvSpPr>
+            <a:spLocks noGrp="1"/>
+          </p:cNvSpPr>
+          <p:nvPr>
+            <p:ph type="title"/>
+          </p:nvPr>
+        </p:nvSpPr>
+        <p:spPr>
+          <a:xfrm>
+            <a:off x="631372" y="624110"/>
+            <a:ext cx="10873242" cy="1280890"/>
+          </a:xfrm>
+        </p:spPr>
+        <p:txBody>
+          <a:bodyPr/>
+          <a:lstStyle/>
+          <a:p>
+            <a:r>
+              <a:rPr lang="en-US" dirty="0" err="1"/>
+              <a:t>Concluzii</a:t>
+            </a:r>
+            <a:endParaRPr lang="en-US" dirty="0"/>
+          </a:p>
+        </p:txBody>
+      </p:sp>
+      <p:sp>
+        <p:nvSpPr>
+          <p:cNvPr id="3" name="Substituent conținut 2">
+            <a:extLst>
+              <a:ext uri="{FF2B5EF4-FFF2-40B4-BE49-F238E27FC236}">
+                <a16:creationId xmlns:a16="http://schemas.microsoft.com/office/drawing/2014/main" id="{52FD1FAA-BBDF-4770-ABE6-46CFF1B76061}"/>
+              </a:ext>
+            </a:extLst>
+          </p:cNvPr>
+          <p:cNvSpPr>
+            <a:spLocks noGrp="1"/>
+          </p:cNvSpPr>
+          <p:nvPr>
+            <p:ph idx="1"/>
+          </p:nvPr>
+        </p:nvSpPr>
+        <p:spPr>
+          <a:xfrm>
+            <a:off x="631370" y="2133600"/>
+            <a:ext cx="10873242" cy="3777622"/>
+          </a:xfrm>
+        </p:spPr>
+        <p:txBody>
+          <a:bodyPr/>
+          <a:lstStyle/>
+          <a:p>
+            <a:pPr>
+              <a:buFont typeface="Arial" panose="020B0604020202020204" pitchFamily="34" charset="0"/>
+              <a:buChar char="•"/>
+            </a:pPr>
+            <a:r>
+              <a:rPr lang="ro-RO" sz="2200" dirty="0"/>
+              <a:t>Sinteza c</a:t>
+            </a:r>
+            <a:r>
+              <a:rPr lang="en-US" sz="2200" dirty="0" err="1"/>
+              <a:t>ontribu</a:t>
+            </a:r>
+            <a:r>
+              <a:rPr lang="ro-RO" sz="2200" dirty="0" err="1"/>
+              <a:t>țiilor</a:t>
+            </a:r>
+            <a:r>
+              <a:rPr lang="en-US" sz="2200" dirty="0"/>
+              <a:t>:</a:t>
+            </a:r>
+            <a:endParaRPr lang="ro-RO" sz="2200" dirty="0"/>
+          </a:p>
+          <a:p>
+            <a:pPr lvl="1">
+              <a:buFont typeface="Wingdings" panose="05000000000000000000" pitchFamily="2" charset="2"/>
+              <a:buChar char="Ø"/>
+            </a:pPr>
+            <a:r>
+              <a:rPr lang="ro-RO" sz="2000" dirty="0"/>
+              <a:t>Programarea plăcuțelor ESP8266 și </a:t>
+            </a:r>
+            <a:r>
+              <a:rPr lang="ro-RO" sz="2000" dirty="0" err="1"/>
+              <a:t>Arduino</a:t>
+            </a:r>
+            <a:endParaRPr lang="en-US" sz="2000" dirty="0"/>
+          </a:p>
+          <a:p>
+            <a:pPr lvl="1">
+              <a:buFont typeface="Wingdings" panose="05000000000000000000" pitchFamily="2" charset="2"/>
+              <a:buChar char="Ø"/>
+            </a:pPr>
+            <a:r>
+              <a:rPr lang="en-US" sz="2000" dirty="0" err="1"/>
+              <a:t>Implementare</a:t>
+            </a:r>
+            <a:r>
+              <a:rPr lang="ro-RO" sz="2000" dirty="0"/>
+              <a:t>a</a:t>
+            </a:r>
+            <a:r>
+              <a:rPr lang="en-US" sz="2000" dirty="0"/>
+              <a:t> </a:t>
+            </a:r>
+            <a:r>
+              <a:rPr lang="en-US" sz="2000" dirty="0" err="1"/>
+              <a:t>aplica</a:t>
+            </a:r>
+            <a:r>
+              <a:rPr lang="ro-RO" sz="2000" dirty="0" err="1"/>
+              <a:t>ției</a:t>
+            </a:r>
+            <a:r>
+              <a:rPr lang="ro-RO" sz="2000" dirty="0"/>
+              <a:t> web </a:t>
+            </a:r>
+          </a:p>
+          <a:p>
+            <a:pPr lvl="1">
+              <a:buFont typeface="Wingdings" panose="05000000000000000000" pitchFamily="2" charset="2"/>
+              <a:buChar char="Ø"/>
+            </a:pPr>
+            <a:r>
+              <a:rPr lang="ro-RO" sz="2000" dirty="0"/>
+              <a:t>Crearea testelor unitare pentru aplicația web</a:t>
+            </a:r>
+            <a:endParaRPr lang="en-US" sz="2000" dirty="0"/>
+          </a:p>
+          <a:p>
+            <a:pPr lvl="1">
+              <a:buFont typeface="Wingdings" panose="05000000000000000000" pitchFamily="2" charset="2"/>
+              <a:buChar char="Ø"/>
+            </a:pPr>
+            <a:r>
+              <a:rPr lang="ro-RO" sz="2000" dirty="0"/>
+              <a:t>Testarea circuitului de apă</a:t>
+            </a:r>
+            <a:endParaRPr lang="en-US" sz="2000" dirty="0"/>
+          </a:p>
+          <a:p>
+            <a:pPr lvl="1">
+              <a:buFont typeface="Wingdings" panose="05000000000000000000" pitchFamily="2" charset="2"/>
+              <a:buChar char="Ø"/>
+            </a:pPr>
+            <a:r>
+              <a:rPr lang="ro-RO" sz="2000" dirty="0"/>
+              <a:t>Realizarea circuitului electric și a filtrelor trece-jos</a:t>
+            </a:r>
+            <a:endParaRPr lang="en-US" sz="2000" dirty="0"/>
+          </a:p>
+          <a:p>
+            <a:pPr lvl="1">
+              <a:buFont typeface="Wingdings" panose="05000000000000000000" pitchFamily="2" charset="2"/>
+              <a:buChar char="Ø"/>
+            </a:pPr>
+            <a:r>
+              <a:rPr lang="ro-RO" sz="2000" dirty="0"/>
+              <a:t>Găzduirea aplicației pe un server, la distanță, utilizând platforma </a:t>
+            </a:r>
+            <a:r>
+              <a:rPr lang="ro-RO" sz="2000" dirty="0" err="1"/>
+              <a:t>Heroku</a:t>
+            </a:r>
+            <a:r>
+              <a:rPr lang="ro-RO" sz="2000" dirty="0"/>
+              <a:t> </a:t>
+            </a:r>
+            <a:endParaRPr lang="en-US" sz="2000" dirty="0"/>
+          </a:p>
+        </p:txBody>
+      </p:sp>
+      <p:sp>
+        <p:nvSpPr>
+          <p:cNvPr id="6" name="Substituent număr diapozitiv 5">
+            <a:extLst>
+              <a:ext uri="{FF2B5EF4-FFF2-40B4-BE49-F238E27FC236}">
+                <a16:creationId xmlns:a16="http://schemas.microsoft.com/office/drawing/2014/main" id="{D6940163-1A80-4B72-9D07-628B70044164}"/>
+              </a:ext>
+            </a:extLst>
+          </p:cNvPr>
+          <p:cNvSpPr>
+            <a:spLocks noGrp="1"/>
+          </p:cNvSpPr>
+          <p:nvPr>
+            <p:ph type="sldNum" sz="quarter" idx="12"/>
+          </p:nvPr>
+        </p:nvSpPr>
+        <p:spPr/>
+        <p:txBody>
+          <a:bodyPr/>
+          <a:lstStyle/>
+          <a:p>
+            <a:fld id="{FE899CAE-04D7-4AFC-956F-C57F365175A7}" type="slidenum">
+              <a:rPr lang="en-US" smtClean="0"/>
+              <a:pPr/>
+              <a:t>16</a:t>
+            </a:fld>
+            <a:endParaRPr lang="en-US" dirty="0"/>
+          </a:p>
+        </p:txBody>
+      </p:sp>
+    </p:spTree>
+    <p:extLst>
+      <p:ext uri="{BB962C8B-B14F-4D97-AF65-F5344CB8AC3E}">
+        <p14:creationId xmlns:p14="http://schemas.microsoft.com/office/powerpoint/2010/main" val="3682275979"/>
+      </p:ext>
+    </p:extLst>
+  </p:cSld>
+  <p:clrMapOvr>
+    <a:masterClrMapping/>
+  </p:clrMapOvr>
+</p:sld>
+</file>
+
+<file path=ppt/slides/slide2.xml><?xml version="1.0" encoding="utf-8"?>
+<p:sld xmlns:a="http://schemas.openxmlformats.org/drawingml/2006/main" xmlns:r="http://schemas.openxmlformats.org/officeDocument/2006/relationships" xmlns:p="http://schemas.openxmlformats.org/presentationml/2006/main" showMasterSp="0">
+  <p:cSld>
+    <p:spTree>
+      <p:nvGrpSpPr>
+        <p:cNvPr id="1" name=""/>
+        <p:cNvGrpSpPr/>
+        <p:nvPr/>
+      </p:nvGrpSpPr>
+      <p:grpSpPr>
+        <a:xfrm>
+          <a:off x="0" y="0"/>
+          <a:ext cx="0" cy="0"/>
+          <a:chOff x="0" y="0"/>
+          <a:chExt cx="0" cy="0"/>
+        </a:xfrm>
+      </p:grpSpPr>
+      <p:sp>
+        <p:nvSpPr>
+          <p:cNvPr id="2" name="Titlu 1">
+            <a:extLst>
+              <a:ext uri="{FF2B5EF4-FFF2-40B4-BE49-F238E27FC236}">
+                <a16:creationId xmlns:a16="http://schemas.microsoft.com/office/drawing/2014/main" id="{B129BC0B-D326-46C0-8715-226039959E6D}"/>
+              </a:ext>
+            </a:extLst>
+          </p:cNvPr>
+          <p:cNvSpPr>
+            <a:spLocks noGrp="1"/>
+          </p:cNvSpPr>
+          <p:nvPr>
+            <p:ph type="title"/>
+          </p:nvPr>
+        </p:nvSpPr>
+        <p:spPr>
+          <a:xfrm>
+            <a:off x="653144" y="624110"/>
+            <a:ext cx="10851470" cy="1280890"/>
+          </a:xfrm>
+        </p:spPr>
+        <p:txBody>
+          <a:bodyPr/>
+          <a:lstStyle/>
+          <a:p>
+            <a:r>
+              <a:rPr lang="en-US" dirty="0" err="1"/>
+              <a:t>Cuprins</a:t>
+            </a:r>
+            <a:endParaRPr lang="en-US" dirty="0"/>
+          </a:p>
+        </p:txBody>
+      </p:sp>
+      <p:sp>
+        <p:nvSpPr>
+          <p:cNvPr id="3" name="Substituent conținut 2">
+            <a:extLst>
+              <a:ext uri="{FF2B5EF4-FFF2-40B4-BE49-F238E27FC236}">
+                <a16:creationId xmlns:a16="http://schemas.microsoft.com/office/drawing/2014/main" id="{94BE2CDC-BC46-451D-9580-0D4766FA3006}"/>
+              </a:ext>
+            </a:extLst>
+          </p:cNvPr>
+          <p:cNvSpPr>
+            <a:spLocks noGrp="1"/>
+          </p:cNvSpPr>
+          <p:nvPr>
+            <p:ph idx="1"/>
+          </p:nvPr>
+        </p:nvSpPr>
+        <p:spPr>
+          <a:xfrm>
+            <a:off x="653142" y="2133600"/>
+            <a:ext cx="10851470" cy="3777622"/>
+          </a:xfrm>
+        </p:spPr>
+        <p:txBody>
+          <a:bodyPr/>
+          <a:lstStyle/>
+          <a:p>
+            <a:pPr>
+              <a:buFont typeface="Arial" panose="020B0604020202020204" pitchFamily="34" charset="0"/>
+              <a:buChar char="•"/>
+            </a:pPr>
+            <a:r>
+              <a:rPr lang="en-US" dirty="0" err="1">
+                <a:hlinkClick r:id="rId2" action="ppaction://hlinksldjump"/>
+              </a:rPr>
+              <a:t>Introducere</a:t>
+            </a:r>
+            <a:endParaRPr lang="en-US" dirty="0"/>
+          </a:p>
+          <a:p>
+            <a:pPr>
+              <a:buFont typeface="Arial" panose="020B0604020202020204" pitchFamily="34" charset="0"/>
+              <a:buChar char="•"/>
+            </a:pPr>
+            <a:r>
+              <a:rPr lang="en-US" dirty="0" err="1">
+                <a:hlinkClick r:id="rId3" action="ppaction://hlinksldjump"/>
+              </a:rPr>
+              <a:t>Competi</a:t>
+            </a:r>
+            <a:r>
+              <a:rPr lang="ro-RO" dirty="0">
+                <a:hlinkClick r:id="rId3" action="ppaction://hlinksldjump"/>
+              </a:rPr>
+              <a:t>ție</a:t>
+            </a:r>
+            <a:endParaRPr lang="en-US" dirty="0"/>
+          </a:p>
+          <a:p>
+            <a:pPr>
+              <a:buFont typeface="Arial" panose="020B0604020202020204" pitchFamily="34" charset="0"/>
+              <a:buChar char="•"/>
+            </a:pPr>
+            <a:r>
+              <a:rPr lang="ro-RO" dirty="0">
+                <a:hlinkClick r:id="rId4" action="ppaction://hlinksldjump"/>
+              </a:rPr>
+              <a:t>Arhitectura sistemului</a:t>
+            </a:r>
+            <a:endParaRPr lang="ro-RO" dirty="0"/>
+          </a:p>
+          <a:p>
+            <a:pPr>
+              <a:buFont typeface="Arial" panose="020B0604020202020204" pitchFamily="34" charset="0"/>
+              <a:buChar char="•"/>
+            </a:pPr>
+            <a:r>
+              <a:rPr lang="ro-RO" dirty="0">
+                <a:hlinkClick r:id="rId5" action="ppaction://hlinksldjump"/>
+              </a:rPr>
+              <a:t>Implementarea soluției</a:t>
+            </a:r>
+            <a:endParaRPr lang="ro-RO" dirty="0"/>
+          </a:p>
+          <a:p>
+            <a:pPr>
+              <a:buFont typeface="Arial" panose="020B0604020202020204" pitchFamily="34" charset="0"/>
+              <a:buChar char="•"/>
+            </a:pPr>
+            <a:r>
+              <a:rPr lang="ro-RO" dirty="0" err="1">
+                <a:hlinkClick r:id="rId6" action="ppaction://hlinksldjump"/>
+              </a:rPr>
+              <a:t>Demo</a:t>
+            </a:r>
+            <a:endParaRPr lang="ro-RO" dirty="0"/>
+          </a:p>
+          <a:p>
+            <a:pPr>
+              <a:buFont typeface="Arial" panose="020B0604020202020204" pitchFamily="34" charset="0"/>
+              <a:buChar char="•"/>
+            </a:pPr>
+            <a:r>
+              <a:rPr lang="ro-RO" dirty="0">
+                <a:hlinkClick r:id="rId7" action="ppaction://hlinksldjump"/>
+              </a:rPr>
+              <a:t>Concluzii și direcții de dezvoltare</a:t>
+            </a:r>
+            <a:endParaRPr lang="en-US" dirty="0"/>
+          </a:p>
+        </p:txBody>
+      </p:sp>
+      <p:sp>
+        <p:nvSpPr>
+          <p:cNvPr id="8" name="Substituent număr diapozitiv 7">
+            <a:extLst>
+              <a:ext uri="{FF2B5EF4-FFF2-40B4-BE49-F238E27FC236}">
+                <a16:creationId xmlns:a16="http://schemas.microsoft.com/office/drawing/2014/main" id="{06C12413-14FD-46E7-BA14-111530D54DDF}"/>
+              </a:ext>
+            </a:extLst>
+          </p:cNvPr>
+          <p:cNvSpPr>
+            <a:spLocks noGrp="1"/>
+          </p:cNvSpPr>
+          <p:nvPr>
+            <p:ph type="sldNum" sz="quarter" idx="12"/>
+          </p:nvPr>
+        </p:nvSpPr>
+        <p:spPr/>
+        <p:txBody>
+          <a:bodyPr/>
+          <a:lstStyle/>
+          <a:p>
+            <a:fld id="{FE899CAE-04D7-4AFC-956F-C57F365175A7}" type="slidenum">
+              <a:rPr lang="en-US" smtClean="0"/>
+              <a:pPr/>
+              <a:t>2</a:t>
+            </a:fld>
+            <a:endParaRPr lang="en-US" dirty="0"/>
+          </a:p>
+        </p:txBody>
+      </p:sp>
+    </p:spTree>
+    <p:extLst>
+      <p:ext uri="{BB962C8B-B14F-4D97-AF65-F5344CB8AC3E}">
+        <p14:creationId xmlns:p14="http://schemas.microsoft.com/office/powerpoint/2010/main" val="1862568680"/>
+      </p:ext>
+    </p:extLst>
+  </p:cSld>
+  <p:clrMapOvr>
+    <a:masterClrMapping/>
+  </p:clrMapOvr>
+</p:sld>
+</file>
+
+<file path=ppt/slides/slide3.xml><?xml version="1.0" encoding="utf-8"?>
+<p:sld xmlns:a="http://schemas.openxmlformats.org/drawingml/2006/main" xmlns:r="http://schemas.openxmlformats.org/officeDocument/2006/relationships" xmlns:p="http://schemas.openxmlformats.org/presentationml/2006/main" showMasterSp="0">
+  <p:cSld>
+    <p:spTree>
+      <p:nvGrpSpPr>
+        <p:cNvPr id="1" name=""/>
+        <p:cNvGrpSpPr/>
+        <p:nvPr/>
+      </p:nvGrpSpPr>
+      <p:grpSpPr>
+        <a:xfrm>
+          <a:off x="0" y="0"/>
+          <a:ext cx="0" cy="0"/>
+          <a:chOff x="0" y="0"/>
+          <a:chExt cx="0" cy="0"/>
+        </a:xfrm>
+      </p:grpSpPr>
+      <p:sp>
+        <p:nvSpPr>
+          <p:cNvPr id="6" name="Substituent număr diapozitiv 5">
+            <a:extLst>
+              <a:ext uri="{FF2B5EF4-FFF2-40B4-BE49-F238E27FC236}">
+                <a16:creationId xmlns:a16="http://schemas.microsoft.com/office/drawing/2014/main" id="{D7028702-EE1F-471C-93D0-CAFA8FFDF91E}"/>
+              </a:ext>
+            </a:extLst>
+          </p:cNvPr>
+          <p:cNvSpPr>
+            <a:spLocks noGrp="1"/>
+          </p:cNvSpPr>
+          <p:nvPr>
+            <p:ph type="sldNum" sz="quarter" idx="12"/>
+          </p:nvPr>
+        </p:nvSpPr>
+        <p:spPr/>
+        <p:txBody>
+          <a:bodyPr/>
+          <a:lstStyle/>
+          <a:p>
+            <a:fld id="{FE899CAE-04D7-4AFC-956F-C57F365175A7}" type="slidenum">
+              <a:rPr lang="en-US" smtClean="0"/>
+              <a:pPr/>
+              <a:t>3</a:t>
+            </a:fld>
+            <a:endParaRPr lang="en-US" dirty="0"/>
+          </a:p>
+        </p:txBody>
+      </p:sp>
+      <p:sp>
+        <p:nvSpPr>
+          <p:cNvPr id="5" name="Titlu 4">
+            <a:extLst>
+              <a:ext uri="{FF2B5EF4-FFF2-40B4-BE49-F238E27FC236}">
+                <a16:creationId xmlns:a16="http://schemas.microsoft.com/office/drawing/2014/main" id="{7414C98A-615C-47C5-9A25-B7646996C36A}"/>
+              </a:ext>
+            </a:extLst>
+          </p:cNvPr>
+          <p:cNvSpPr>
+            <a:spLocks noGrp="1"/>
+          </p:cNvSpPr>
+          <p:nvPr>
+            <p:ph type="title"/>
+          </p:nvPr>
+        </p:nvSpPr>
+        <p:spPr/>
+        <p:txBody>
+          <a:bodyPr/>
+          <a:lstStyle/>
+          <a:p>
+            <a:endParaRPr lang="en-US"/>
+          </a:p>
+        </p:txBody>
+      </p:sp>
+      <p:sp>
+        <p:nvSpPr>
+          <p:cNvPr id="8" name="Substituent conținut 7">
+            <a:extLst>
+              <a:ext uri="{FF2B5EF4-FFF2-40B4-BE49-F238E27FC236}">
+                <a16:creationId xmlns:a16="http://schemas.microsoft.com/office/drawing/2014/main" id="{86C6B67F-02A9-4BEE-98B5-376ABD2B87A4}"/>
+              </a:ext>
+            </a:extLst>
+          </p:cNvPr>
+          <p:cNvSpPr>
+            <a:spLocks noGrp="1"/>
+          </p:cNvSpPr>
+          <p:nvPr>
+            <p:ph idx="1"/>
+          </p:nvPr>
+        </p:nvSpPr>
+        <p:spPr/>
+        <p:txBody>
+          <a:bodyPr/>
+          <a:lstStyle/>
+          <a:p>
+            <a:endParaRPr lang="en-US"/>
+          </a:p>
+        </p:txBody>
+      </p:sp>
+    </p:spTree>
+    <p:extLst>
+      <p:ext uri="{BB962C8B-B14F-4D97-AF65-F5344CB8AC3E}">
+        <p14:creationId xmlns:p14="http://schemas.microsoft.com/office/powerpoint/2010/main" val="3231738998"/>
+      </p:ext>
+    </p:extLst>
+  </p:cSld>
+  <p:clrMapOvr>
+    <a:masterClrMapping/>
+  </p:clrMapOvr>
+</p:sld>
+</file>
+
+<file path=ppt/slides/slide4.xml><?xml version="1.0" encoding="utf-8"?>
+<p:sld xmlns:a="http://schemas.openxmlformats.org/drawingml/2006/main" xmlns:r="http://schemas.openxmlformats.org/officeDocument/2006/relationships" xmlns:p="http://schemas.openxmlformats.org/presentationml/2006/main" showMasterSp="0">
+  <p:cSld>
+    <p:spTree>
+      <p:nvGrpSpPr>
+        <p:cNvPr id="1" name=""/>
+        <p:cNvGrpSpPr/>
+        <p:nvPr/>
+      </p:nvGrpSpPr>
+      <p:grpSpPr>
+        <a:xfrm>
+          <a:off x="0" y="0"/>
+          <a:ext cx="0" cy="0"/>
+          <a:chOff x="0" y="0"/>
+          <a:chExt cx="0" cy="0"/>
+        </a:xfrm>
+      </p:grpSpPr>
+      <p:sp>
+        <p:nvSpPr>
+          <p:cNvPr id="2" name="Titlu 1">
+            <a:extLst>
+              <a:ext uri="{FF2B5EF4-FFF2-40B4-BE49-F238E27FC236}">
+                <a16:creationId xmlns:a16="http://schemas.microsoft.com/office/drawing/2014/main" id="{7129B54D-B381-4CFC-B445-9776A7B9D11F}"/>
+              </a:ext>
+            </a:extLst>
+          </p:cNvPr>
+          <p:cNvSpPr>
+            <a:spLocks noGrp="1"/>
+          </p:cNvSpPr>
+          <p:nvPr>
+            <p:ph type="title"/>
+          </p:nvPr>
+        </p:nvSpPr>
+        <p:spPr>
+          <a:xfrm>
+            <a:off x="642258" y="624110"/>
+            <a:ext cx="10862356" cy="1280890"/>
+          </a:xfrm>
+        </p:spPr>
+        <p:txBody>
+          <a:bodyPr/>
+          <a:lstStyle/>
+          <a:p>
+            <a:r>
+              <a:rPr lang="ro-RO" dirty="0"/>
+              <a:t>Competiție</a:t>
+            </a:r>
+            <a:endParaRPr lang="en-US" dirty="0"/>
+          </a:p>
+        </p:txBody>
+      </p:sp>
+      <p:sp>
+        <p:nvSpPr>
+          <p:cNvPr id="3" name="Substituent conținut 2">
+            <a:extLst>
+              <a:ext uri="{FF2B5EF4-FFF2-40B4-BE49-F238E27FC236}">
+                <a16:creationId xmlns:a16="http://schemas.microsoft.com/office/drawing/2014/main" id="{EE387055-6351-42BF-A2D6-129379B78CDD}"/>
+              </a:ext>
+            </a:extLst>
+          </p:cNvPr>
+          <p:cNvSpPr>
+            <a:spLocks noGrp="1"/>
+          </p:cNvSpPr>
+          <p:nvPr>
+            <p:ph idx="1"/>
+          </p:nvPr>
+        </p:nvSpPr>
+        <p:spPr>
+          <a:xfrm>
+            <a:off x="642256" y="2133600"/>
+            <a:ext cx="10862356" cy="3777622"/>
+          </a:xfrm>
+        </p:spPr>
+        <p:txBody>
+          <a:bodyPr>
+            <a:normAutofit/>
+          </a:bodyPr>
+          <a:lstStyle/>
+          <a:p>
+            <a:pPr algn="just">
+              <a:buFont typeface="Arial" panose="020B0604020202020204" pitchFamily="34" charset="0"/>
+              <a:buChar char="•"/>
+            </a:pPr>
+            <a:r>
+              <a:rPr lang="ro-RO" sz="2200" dirty="0"/>
+              <a:t>Se produc și comercializează o serie de sisteme asemănătoare.</a:t>
+            </a:r>
+          </a:p>
+          <a:p>
+            <a:pPr algn="just">
+              <a:buFont typeface="Arial" panose="020B0604020202020204" pitchFamily="34" charset="0"/>
+              <a:buChar char="•"/>
+            </a:pPr>
+            <a:r>
+              <a:rPr lang="ro-RO" sz="2200" dirty="0"/>
+              <a:t>Printre cele mai importante se enumeră</a:t>
+            </a:r>
+            <a:r>
+              <a:rPr lang="en-US" sz="2200" dirty="0"/>
+              <a:t>:</a:t>
+            </a:r>
+          </a:p>
+          <a:p>
+            <a:pPr lvl="1" algn="just">
+              <a:buFont typeface="Wingdings" panose="05000000000000000000" pitchFamily="2" charset="2"/>
+              <a:buChar char="Ø"/>
+            </a:pPr>
+            <a:r>
+              <a:rPr lang="en-US" sz="2000" dirty="0" err="1"/>
+              <a:t>Ecobee</a:t>
+            </a:r>
+            <a:endParaRPr lang="en-US" sz="2000" dirty="0"/>
+          </a:p>
+          <a:p>
+            <a:pPr lvl="1" algn="just">
+              <a:buFont typeface="Wingdings" panose="05000000000000000000" pitchFamily="2" charset="2"/>
+              <a:buChar char="Ø"/>
+            </a:pPr>
+            <a:r>
+              <a:rPr lang="en-US" sz="2000" dirty="0"/>
+              <a:t>Nest</a:t>
+            </a:r>
+            <a:r>
+              <a:rPr lang="ro-RO" sz="2000" dirty="0"/>
+              <a:t>  </a:t>
+            </a:r>
+            <a:endParaRPr lang="en-US" sz="2000" dirty="0"/>
+          </a:p>
+          <a:p>
+            <a:pPr algn="just">
+              <a:buFont typeface="Arial" panose="020B0604020202020204" pitchFamily="34" charset="0"/>
+              <a:buChar char="•"/>
+            </a:pPr>
+            <a:r>
+              <a:rPr lang="ro-RO" sz="2200" dirty="0"/>
+              <a:t>Cum se diferențiază sistemul creat?</a:t>
+            </a:r>
+            <a:endParaRPr lang="en-US" sz="2200" dirty="0"/>
+          </a:p>
+          <a:p>
+            <a:pPr lvl="1" algn="just">
+              <a:buFont typeface="Wingdings" panose="05000000000000000000" pitchFamily="2" charset="2"/>
+              <a:buChar char="Ø"/>
+            </a:pPr>
+            <a:r>
+              <a:rPr lang="ro-RO" sz="2000" dirty="0"/>
+              <a:t>Cost scăzut</a:t>
+            </a:r>
+            <a:endParaRPr lang="en-US" sz="2000" dirty="0"/>
+          </a:p>
+          <a:p>
+            <a:pPr lvl="1" algn="just">
+              <a:buFont typeface="Wingdings" panose="05000000000000000000" pitchFamily="2" charset="2"/>
+              <a:buChar char="Ø"/>
+            </a:pPr>
+            <a:r>
+              <a:rPr lang="ro-RO" sz="2000" dirty="0"/>
+              <a:t>Posibilitatea de a regla temperatura pe diferite zone din imobil</a:t>
+            </a:r>
+            <a:endParaRPr lang="en-US" sz="2000" dirty="0"/>
+          </a:p>
+        </p:txBody>
+      </p:sp>
+      <p:sp>
+        <p:nvSpPr>
+          <p:cNvPr id="6" name="Substituent număr diapozitiv 5">
+            <a:extLst>
+              <a:ext uri="{FF2B5EF4-FFF2-40B4-BE49-F238E27FC236}">
+                <a16:creationId xmlns:a16="http://schemas.microsoft.com/office/drawing/2014/main" id="{549C937E-4289-4597-A04D-AACE5F022DFD}"/>
+              </a:ext>
+            </a:extLst>
+          </p:cNvPr>
+          <p:cNvSpPr>
+            <a:spLocks noGrp="1"/>
+          </p:cNvSpPr>
+          <p:nvPr>
+            <p:ph type="sldNum" sz="quarter" idx="12"/>
+          </p:nvPr>
+        </p:nvSpPr>
+        <p:spPr/>
+        <p:txBody>
+          <a:bodyPr/>
+          <a:lstStyle/>
+          <a:p>
+            <a:fld id="{FE899CAE-04D7-4AFC-956F-C57F365175A7}" type="slidenum">
+              <a:rPr lang="en-US" smtClean="0"/>
+              <a:pPr/>
+              <a:t>4</a:t>
+            </a:fld>
+            <a:endParaRPr lang="en-US" dirty="0"/>
+          </a:p>
+        </p:txBody>
+      </p:sp>
+    </p:spTree>
+    <p:extLst>
+      <p:ext uri="{BB962C8B-B14F-4D97-AF65-F5344CB8AC3E}">
+        <p14:creationId xmlns:p14="http://schemas.microsoft.com/office/powerpoint/2010/main" val="3281856759"/>
+      </p:ext>
+    </p:extLst>
+  </p:cSld>
+  <p:clrMapOvr>
+    <a:masterClrMapping/>
+  </p:clrMapOvr>
+</p:sld>
+</file>
+
+<file path=ppt/slides/slide5.xml><?xml version="1.0" encoding="utf-8"?>
+<p:sld xmlns:a="http://schemas.openxmlformats.org/drawingml/2006/main" xmlns:r="http://schemas.openxmlformats.org/officeDocument/2006/relationships" xmlns:p="http://schemas.openxmlformats.org/presentationml/2006/main" showMasterSp="0">
+  <p:cSld>
+    <p:spTree>
+      <p:nvGrpSpPr>
+        <p:cNvPr id="1" name=""/>
+        <p:cNvGrpSpPr/>
+        <p:nvPr/>
+      </p:nvGrpSpPr>
+      <p:grpSpPr>
+        <a:xfrm>
+          <a:off x="0" y="0"/>
+          <a:ext cx="0" cy="0"/>
+          <a:chOff x="0" y="0"/>
+          <a:chExt cx="0" cy="0"/>
+        </a:xfrm>
+      </p:grpSpPr>
+      <p:sp>
+        <p:nvSpPr>
+          <p:cNvPr id="2" name="Titlu 1">
+            <a:extLst>
+              <a:ext uri="{FF2B5EF4-FFF2-40B4-BE49-F238E27FC236}">
+                <a16:creationId xmlns:a16="http://schemas.microsoft.com/office/drawing/2014/main" id="{1A5A54C9-F645-492E-8424-8C72D794EF58}"/>
+              </a:ext>
+            </a:extLst>
+          </p:cNvPr>
+          <p:cNvSpPr>
+            <a:spLocks noGrp="1"/>
+          </p:cNvSpPr>
+          <p:nvPr>
+            <p:ph type="title"/>
+          </p:nvPr>
+        </p:nvSpPr>
+        <p:spPr>
+          <a:xfrm>
+            <a:off x="648930" y="629268"/>
+            <a:ext cx="4380270" cy="1622321"/>
+          </a:xfrm>
+        </p:spPr>
+        <p:txBody>
+          <a:bodyPr>
+            <a:normAutofit/>
+          </a:bodyPr>
+          <a:lstStyle/>
+          <a:p>
+            <a:r>
+              <a:rPr lang="ro-RO" dirty="0"/>
+              <a:t>Arhitectura sistemului</a:t>
+            </a:r>
+            <a:endParaRPr lang="en-US" dirty="0"/>
+          </a:p>
+        </p:txBody>
+      </p:sp>
+      <p:sp>
+        <p:nvSpPr>
+          <p:cNvPr id="9" name="Content Placeholder 8">
+            <a:extLst>
+              <a:ext uri="{FF2B5EF4-FFF2-40B4-BE49-F238E27FC236}">
+                <a16:creationId xmlns:a16="http://schemas.microsoft.com/office/drawing/2014/main" id="{104EE239-AADA-4AE9-BCD3-5E7460BA87D7}"/>
+              </a:ext>
+            </a:extLst>
+          </p:cNvPr>
+          <p:cNvSpPr>
+            <a:spLocks noGrp="1"/>
+          </p:cNvSpPr>
+          <p:nvPr>
+            <p:ph idx="1"/>
+          </p:nvPr>
+        </p:nvSpPr>
+        <p:spPr>
+          <a:xfrm>
+            <a:off x="648930" y="2113938"/>
+            <a:ext cx="3842531" cy="4114798"/>
+          </a:xfrm>
+        </p:spPr>
+        <p:txBody>
+          <a:bodyPr>
+            <a:noAutofit/>
+          </a:bodyPr>
+          <a:lstStyle/>
+          <a:p>
+            <a:pPr>
+              <a:buFont typeface="Arial" panose="020B0604020202020204" pitchFamily="34" charset="0"/>
+              <a:buChar char="•"/>
+            </a:pPr>
+            <a:r>
+              <a:rPr lang="ro-RO" sz="2000" dirty="0"/>
+              <a:t>Sistemul este alcătuit din</a:t>
+            </a:r>
+            <a:r>
+              <a:rPr lang="en-US" sz="2000" dirty="0"/>
+              <a:t>:</a:t>
+            </a:r>
+          </a:p>
+          <a:p>
+            <a:pPr lvl="1">
+              <a:buFont typeface="Wingdings" panose="05000000000000000000" pitchFamily="2" charset="2"/>
+              <a:buChar char="Ø"/>
+            </a:pPr>
+            <a:r>
+              <a:rPr lang="en-US" sz="1800" dirty="0"/>
+              <a:t>Dou</a:t>
+            </a:r>
+            <a:r>
+              <a:rPr lang="ro-RO" sz="1800" dirty="0"/>
+              <a:t>ă module senzor</a:t>
+            </a:r>
+          </a:p>
+          <a:p>
+            <a:pPr lvl="1">
+              <a:buFont typeface="Wingdings" panose="05000000000000000000" pitchFamily="2" charset="2"/>
+              <a:buChar char="Ø"/>
+            </a:pPr>
+            <a:r>
+              <a:rPr lang="ro-RO" sz="1800" dirty="0"/>
+              <a:t>Un modul de control</a:t>
+            </a:r>
+          </a:p>
+          <a:p>
+            <a:pPr marL="0" indent="0">
+              <a:buNone/>
+            </a:pPr>
+            <a:endParaRPr lang="ro-RO" sz="2000" dirty="0"/>
+          </a:p>
+          <a:p>
+            <a:pPr>
+              <a:buFont typeface="Arial" panose="020B0604020202020204" pitchFamily="34" charset="0"/>
+              <a:buChar char="•"/>
+            </a:pPr>
+            <a:r>
+              <a:rPr lang="ro-RO" sz="2000" dirty="0"/>
+              <a:t>Modulele senzor transferă date la modulul de control prin radio – frecvență</a:t>
+            </a:r>
+          </a:p>
+          <a:p>
+            <a:pPr marL="0" indent="0">
+              <a:buNone/>
+            </a:pPr>
+            <a:endParaRPr lang="ro-RO" sz="2000" dirty="0"/>
+          </a:p>
+          <a:p>
+            <a:pPr>
+              <a:buFont typeface="Arial" panose="020B0604020202020204" pitchFamily="34" charset="0"/>
+              <a:buChar char="•"/>
+            </a:pPr>
+            <a:r>
+              <a:rPr lang="ro-RO" sz="2000" dirty="0"/>
+              <a:t>Valorile citite de senzorul DHT11 sunt trimise în baza de date prin </a:t>
+            </a:r>
+            <a:r>
+              <a:rPr lang="ro-RO" sz="2000" dirty="0" err="1"/>
+              <a:t>WiFi</a:t>
+            </a:r>
+            <a:endParaRPr lang="ro-RO" sz="2000" dirty="0"/>
+          </a:p>
+        </p:txBody>
+      </p:sp>
+      <p:pic>
+        <p:nvPicPr>
+          <p:cNvPr id="5" name="Substituent conținut 4">
+            <a:extLst>
+              <a:ext uri="{FF2B5EF4-FFF2-40B4-BE49-F238E27FC236}">
+                <a16:creationId xmlns:a16="http://schemas.microsoft.com/office/drawing/2014/main" id="{886F01A4-145A-47C2-A7A6-ACBD499A83EB}"/>
+              </a:ext>
+            </a:extLst>
+          </p:cNvPr>
+          <p:cNvPicPr>
+            <a:picLocks noChangeAspect="1"/>
+          </p:cNvPicPr>
+          <p:nvPr/>
+        </p:nvPicPr>
+        <p:blipFill>
+          <a:blip r:embed="rId2">
+            <a:extLst>
+              <a:ext uri="{28A0092B-C50C-407E-A947-70E740481C1C}">
+                <a14:useLocalDpi xmlns:a14="http://schemas.microsoft.com/office/drawing/2010/main" val="0"/>
+              </a:ext>
+            </a:extLst>
+          </a:blip>
+          <a:stretch>
+            <a:fillRect/>
+          </a:stretch>
+        </p:blipFill>
+        <p:spPr>
+          <a:xfrm>
+            <a:off x="4491461" y="1440428"/>
+            <a:ext cx="7315200" cy="4114799"/>
+          </a:xfrm>
+          <a:prstGeom prst="rect">
+            <a:avLst/>
+          </a:prstGeom>
+          <a:effectLst/>
+        </p:spPr>
+      </p:pic>
+      <p:sp>
+        <p:nvSpPr>
+          <p:cNvPr id="6" name="Substituent număr diapozitiv 5">
+            <a:extLst>
+              <a:ext uri="{FF2B5EF4-FFF2-40B4-BE49-F238E27FC236}">
+                <a16:creationId xmlns:a16="http://schemas.microsoft.com/office/drawing/2014/main" id="{67D06316-81D9-4A80-B33D-2F6F996D86AE}"/>
+              </a:ext>
+            </a:extLst>
+          </p:cNvPr>
+          <p:cNvSpPr>
+            <a:spLocks noGrp="1"/>
+          </p:cNvSpPr>
+          <p:nvPr>
+            <p:ph type="sldNum" sz="quarter" idx="12"/>
+          </p:nvPr>
+        </p:nvSpPr>
+        <p:spPr/>
+        <p:txBody>
+          <a:bodyPr/>
+          <a:lstStyle/>
+          <a:p>
+            <a:fld id="{FE899CAE-04D7-4AFC-956F-C57F365175A7}" type="slidenum">
+              <a:rPr lang="en-US" smtClean="0"/>
+              <a:pPr/>
+              <a:t>5</a:t>
+            </a:fld>
+            <a:endParaRPr lang="en-US" dirty="0"/>
+          </a:p>
+        </p:txBody>
+      </p:sp>
+    </p:spTree>
+    <p:extLst>
+      <p:ext uri="{BB962C8B-B14F-4D97-AF65-F5344CB8AC3E}">
+        <p14:creationId xmlns:p14="http://schemas.microsoft.com/office/powerpoint/2010/main" val="2371198885"/>
+      </p:ext>
+    </p:extLst>
+  </p:cSld>
+  <p:clrMapOvr>
+    <a:masterClrMapping/>
+  </p:clrMapOvr>
+</p:sld>
+</file>
+
+<file path=ppt/slides/slide6.xml><?xml version="1.0" encoding="utf-8"?>
+<p:sld xmlns:a="http://schemas.openxmlformats.org/drawingml/2006/main" xmlns:r="http://schemas.openxmlformats.org/officeDocument/2006/relationships" xmlns:p="http://schemas.openxmlformats.org/presentationml/2006/main">
+  <p:cSld>
+    <p:spTree>
+      <p:nvGrpSpPr>
+        <p:cNvPr id="1" name=""/>
+        <p:cNvGrpSpPr/>
+        <p:nvPr/>
+      </p:nvGrpSpPr>
+      <p:grpSpPr>
+        <a:xfrm>
+          <a:off x="0" y="0"/>
+          <a:ext cx="0" cy="0"/>
+          <a:chOff x="0" y="0"/>
+          <a:chExt cx="0" cy="0"/>
+        </a:xfrm>
+      </p:grpSpPr>
+      <p:sp>
+        <p:nvSpPr>
+          <p:cNvPr id="2" name="Titlu 1">
+            <a:extLst>
+              <a:ext uri="{FF2B5EF4-FFF2-40B4-BE49-F238E27FC236}">
+                <a16:creationId xmlns:a16="http://schemas.microsoft.com/office/drawing/2014/main" id="{AA66DD85-E446-4449-BE37-1AEA5E1FD0FB}"/>
+              </a:ext>
+            </a:extLst>
+          </p:cNvPr>
+          <p:cNvSpPr>
+            <a:spLocks noGrp="1"/>
+          </p:cNvSpPr>
+          <p:nvPr>
+            <p:ph type="title"/>
+          </p:nvPr>
+        </p:nvSpPr>
+        <p:spPr>
+          <a:xfrm>
+            <a:off x="609600" y="624110"/>
+            <a:ext cx="10895013" cy="1280890"/>
+          </a:xfrm>
+        </p:spPr>
+        <p:txBody>
+          <a:bodyPr/>
+          <a:lstStyle/>
+          <a:p>
+            <a:r>
+              <a:rPr lang="ro-RO" dirty="0"/>
+              <a:t>Implementarea soluției</a:t>
+            </a:r>
+            <a:endParaRPr lang="en-US" dirty="0"/>
+          </a:p>
+        </p:txBody>
+      </p:sp>
+      <p:sp>
+        <p:nvSpPr>
+          <p:cNvPr id="3" name="Substituent conținut 2">
+            <a:extLst>
+              <a:ext uri="{FF2B5EF4-FFF2-40B4-BE49-F238E27FC236}">
+                <a16:creationId xmlns:a16="http://schemas.microsoft.com/office/drawing/2014/main" id="{C9C45E26-8A85-4A49-95E8-D2294E7303BD}"/>
+              </a:ext>
+            </a:extLst>
+          </p:cNvPr>
+          <p:cNvSpPr>
+            <a:spLocks noGrp="1"/>
+          </p:cNvSpPr>
+          <p:nvPr>
+            <p:ph idx="1"/>
+          </p:nvPr>
+        </p:nvSpPr>
+        <p:spPr>
+          <a:xfrm>
+            <a:off x="609599" y="2133600"/>
+            <a:ext cx="10895013" cy="3777622"/>
+          </a:xfrm>
+        </p:spPr>
+        <p:txBody>
+          <a:bodyPr/>
+          <a:lstStyle/>
+          <a:p>
+            <a:pPr>
+              <a:buFont typeface="Arial" panose="020B0604020202020204" pitchFamily="34" charset="0"/>
+              <a:buChar char="•"/>
+            </a:pPr>
+            <a:r>
+              <a:rPr lang="ro-RO" sz="2200" dirty="0"/>
+              <a:t>Principalele programe utilizate pentru realizarea acestui proiect sunt</a:t>
+            </a:r>
+            <a:r>
+              <a:rPr lang="en-US" sz="2200" dirty="0"/>
+              <a:t>:</a:t>
+            </a:r>
+          </a:p>
+          <a:p>
+            <a:pPr lvl="1">
+              <a:buFont typeface="Wingdings" panose="05000000000000000000" pitchFamily="2" charset="2"/>
+              <a:buChar char="Ø"/>
+            </a:pPr>
+            <a:r>
+              <a:rPr lang="en-US" sz="2000" dirty="0"/>
+              <a:t>Arduino IDE</a:t>
+            </a:r>
+          </a:p>
+          <a:p>
+            <a:pPr lvl="1">
+              <a:buFont typeface="Wingdings" panose="05000000000000000000" pitchFamily="2" charset="2"/>
+              <a:buChar char="Ø"/>
+            </a:pPr>
+            <a:r>
+              <a:rPr lang="en-US" sz="2000" dirty="0"/>
+              <a:t>PyCharm</a:t>
+            </a:r>
+          </a:p>
+          <a:p>
+            <a:pPr marL="0" indent="0">
+              <a:buNone/>
+            </a:pPr>
+            <a:r>
+              <a:rPr lang="en-US" dirty="0"/>
+              <a:t>	</a:t>
+            </a:r>
+            <a:endParaRPr lang="ro-RO" dirty="0"/>
+          </a:p>
+        </p:txBody>
+      </p:sp>
+      <p:sp>
+        <p:nvSpPr>
+          <p:cNvPr id="4" name="Substituent număr diapozitiv 3">
+            <a:extLst>
+              <a:ext uri="{FF2B5EF4-FFF2-40B4-BE49-F238E27FC236}">
+                <a16:creationId xmlns:a16="http://schemas.microsoft.com/office/drawing/2014/main" id="{80C7B3AB-E23D-4B22-B085-D53DEEFE5405}"/>
+              </a:ext>
+            </a:extLst>
+          </p:cNvPr>
+          <p:cNvSpPr>
+            <a:spLocks noGrp="1"/>
+          </p:cNvSpPr>
+          <p:nvPr>
+            <p:ph type="sldNum" sz="quarter" idx="12"/>
+          </p:nvPr>
+        </p:nvSpPr>
+        <p:spPr/>
+        <p:txBody>
+          <a:bodyPr/>
+          <a:lstStyle/>
+          <a:p>
+            <a:fld id="{FE899CAE-04D7-4AFC-956F-C57F365175A7}" type="slidenum">
+              <a:rPr lang="en-US" smtClean="0"/>
+              <a:pPr/>
+              <a:t>6</a:t>
+            </a:fld>
+            <a:endParaRPr lang="en-US" dirty="0"/>
+          </a:p>
+        </p:txBody>
+      </p:sp>
+    </p:spTree>
+    <p:extLst>
+      <p:ext uri="{BB962C8B-B14F-4D97-AF65-F5344CB8AC3E}">
+        <p14:creationId xmlns:p14="http://schemas.microsoft.com/office/powerpoint/2010/main" val="2604729822"/>
+      </p:ext>
+    </p:extLst>
+  </p:cSld>
+  <p:clrMapOvr>
+    <a:masterClrMapping/>
+  </p:clrMapOvr>
+</p:sld>
+</file>
+
+<file path=ppt/slides/slide7.xml><?xml version="1.0" encoding="utf-8"?>
+<p:sld xmlns:a="http://schemas.openxmlformats.org/drawingml/2006/main" xmlns:r="http://schemas.openxmlformats.org/officeDocument/2006/relationships" xmlns:p="http://schemas.openxmlformats.org/presentationml/2006/main">
+  <p:cSld>
+    <p:bg>
+      <p:bgPr>
+        <a:gradFill rotWithShape="1">
+          <a:gsLst>
+            <a:gs pos="0">
+              <a:schemeClr val="bg2">
+                <a:tint val="90000"/>
+                <a:satMod val="92000"/>
+                <a:lumMod val="120000"/>
+              </a:schemeClr>
+            </a:gs>
+            <a:gs pos="100000">
+              <a:schemeClr val="bg2">
+                <a:shade val="98000"/>
+                <a:satMod val="120000"/>
+                <a:lumMod val="98000"/>
+              </a:schemeClr>
+            </a:gs>
+          </a:gsLst>
+          <a:path path="circle">
+            <a:fillToRect l="50000" t="50000" r="100000" b="100000"/>
+          </a:path>
+        </a:gradFill>
+        <a:effectLst/>
+      </p:bgPr>
+    </p:bg>
+    <p:spTree>
+      <p:nvGrpSpPr>
+        <p:cNvPr id="1" name=""/>
+        <p:cNvGrpSpPr/>
+        <p:nvPr/>
+      </p:nvGrpSpPr>
+      <p:grpSpPr>
+        <a:xfrm>
+          <a:off x="0" y="0"/>
+          <a:ext cx="0" cy="0"/>
+          <a:chOff x="0" y="0"/>
+          <a:chExt cx="0" cy="0"/>
+        </a:xfrm>
+      </p:grpSpPr>
+      <p:sp>
+        <p:nvSpPr>
+          <p:cNvPr id="2" name="Titlu 1">
+            <a:extLst>
+              <a:ext uri="{FF2B5EF4-FFF2-40B4-BE49-F238E27FC236}">
+                <a16:creationId xmlns:a16="http://schemas.microsoft.com/office/drawing/2014/main" id="{2A832E54-094F-4108-AF08-11CB5D1F180A}"/>
+              </a:ext>
+            </a:extLst>
+          </p:cNvPr>
+          <p:cNvSpPr>
+            <a:spLocks noGrp="1"/>
+          </p:cNvSpPr>
+          <p:nvPr>
+            <p:ph type="title"/>
+          </p:nvPr>
+        </p:nvSpPr>
+        <p:spPr>
+          <a:xfrm>
+            <a:off x="2592925" y="624110"/>
+            <a:ext cx="8911687" cy="1280890"/>
+          </a:xfrm>
+        </p:spPr>
+        <p:txBody>
+          <a:bodyPr>
+            <a:normAutofit/>
+          </a:bodyPr>
+          <a:lstStyle/>
+          <a:p>
+            <a:endParaRPr lang="en-US" dirty="0"/>
+          </a:p>
+        </p:txBody>
+      </p:sp>
+      <p:sp>
+        <p:nvSpPr>
+          <p:cNvPr id="4" name="Substituent număr diapozitiv 3">
+            <a:extLst>
+              <a:ext uri="{FF2B5EF4-FFF2-40B4-BE49-F238E27FC236}">
+                <a16:creationId xmlns:a16="http://schemas.microsoft.com/office/drawing/2014/main" id="{108CACCB-EB09-4E36-83E6-2A74D999B2DE}"/>
+              </a:ext>
+            </a:extLst>
+          </p:cNvPr>
+          <p:cNvSpPr>
+            <a:spLocks noGrp="1"/>
+          </p:cNvSpPr>
+          <p:nvPr>
+            <p:ph type="sldNum" sz="quarter" idx="12"/>
+          </p:nvPr>
+        </p:nvSpPr>
+        <p:spPr>
+          <a:xfrm>
+            <a:off x="531812" y="787782"/>
+            <a:ext cx="779767" cy="365125"/>
+          </a:xfrm>
+        </p:spPr>
+        <p:txBody>
+          <a:bodyPr>
+            <a:normAutofit/>
+          </a:bodyPr>
+          <a:lstStyle/>
+          <a:p>
+            <a:pPr>
+              <a:lnSpc>
+                <a:spcPct val="90000"/>
+              </a:lnSpc>
+              <a:spcAft>
+                <a:spcPts val="600"/>
+              </a:spcAft>
+            </a:pPr>
+            <a:fld id="{FE899CAE-04D7-4AFC-956F-C57F365175A7}" type="slidenum">
+              <a:rPr lang="en-US" sz="1900" smtClean="0"/>
+              <a:pPr>
+                <a:lnSpc>
+                  <a:spcPct val="90000"/>
+                </a:lnSpc>
+                <a:spcAft>
+                  <a:spcPts val="600"/>
+                </a:spcAft>
+              </a:pPr>
+              <a:t>7</a:t>
+            </a:fld>
+            <a:endParaRPr lang="en-US" sz="1900"/>
+          </a:p>
+        </p:txBody>
+      </p:sp>
+      <p:sp>
+        <p:nvSpPr>
+          <p:cNvPr id="11" name="Content Placeholder 10">
+            <a:extLst>
+              <a:ext uri="{FF2B5EF4-FFF2-40B4-BE49-F238E27FC236}">
+                <a16:creationId xmlns:a16="http://schemas.microsoft.com/office/drawing/2014/main" id="{960C94A8-F861-438D-80A8-BD1005E10107}"/>
+              </a:ext>
+            </a:extLst>
+          </p:cNvPr>
+          <p:cNvSpPr>
+            <a:spLocks noGrp="1"/>
+          </p:cNvSpPr>
+          <p:nvPr>
+            <p:ph idx="1"/>
+          </p:nvPr>
+        </p:nvSpPr>
+        <p:spPr>
+          <a:xfrm>
+            <a:off x="2589212" y="2125362"/>
+            <a:ext cx="5835121" cy="3785860"/>
+          </a:xfrm>
+        </p:spPr>
+        <p:txBody>
+          <a:bodyPr>
+            <a:normAutofit/>
+          </a:bodyPr>
+          <a:lstStyle/>
+          <a:p>
+            <a:endParaRPr lang="en-US"/>
+          </a:p>
+        </p:txBody>
+      </p:sp>
+      <p:pic>
+        <p:nvPicPr>
+          <p:cNvPr id="7" name="Substituent conținut 6">
+            <a:extLst>
+              <a:ext uri="{FF2B5EF4-FFF2-40B4-BE49-F238E27FC236}">
+                <a16:creationId xmlns:a16="http://schemas.microsoft.com/office/drawing/2014/main" id="{3FA694AB-9013-4455-B737-F89563D814F1}"/>
+              </a:ext>
+            </a:extLst>
+          </p:cNvPr>
+          <p:cNvPicPr>
+            <a:picLocks noChangeAspect="1"/>
+          </p:cNvPicPr>
+          <p:nvPr/>
+        </p:nvPicPr>
+        <p:blipFill>
+          <a:blip r:embed="rId2">
+            <a:extLst>
+              <a:ext uri="{28A0092B-C50C-407E-A947-70E740481C1C}">
+                <a14:useLocalDpi xmlns:a14="http://schemas.microsoft.com/office/drawing/2010/main" val="0"/>
+              </a:ext>
+            </a:extLst>
+          </a:blip>
+          <a:stretch>
+            <a:fillRect/>
+          </a:stretch>
+        </p:blipFill>
+        <p:spPr>
+          <a:xfrm>
+            <a:off x="8631452" y="3190417"/>
+            <a:ext cx="2873159" cy="1616151"/>
+          </a:xfrm>
+          <a:prstGeom prst="rect">
+            <a:avLst/>
+          </a:prstGeom>
+        </p:spPr>
+      </p:pic>
+    </p:spTree>
+    <p:extLst>
+      <p:ext uri="{BB962C8B-B14F-4D97-AF65-F5344CB8AC3E}">
+        <p14:creationId xmlns:p14="http://schemas.microsoft.com/office/powerpoint/2010/main" val="14029654"/>
+      </p:ext>
+    </p:extLst>
+  </p:cSld>
+  <p:clrMapOvr>
+    <a:masterClrMapping/>
+  </p:clrMapOvr>
+</p:sld>
+</file>
+
+<file path=ppt/slides/slide8.xml><?xml version="1.0" encoding="utf-8"?>
+<p:sld xmlns:a="http://schemas.openxmlformats.org/drawingml/2006/main" xmlns:r="http://schemas.openxmlformats.org/officeDocument/2006/relationships" xmlns:p="http://schemas.openxmlformats.org/presentationml/2006/main">
+  <p:cSld>
+    <p:bg>
+      <p:bgPr>
+        <a:gradFill rotWithShape="1">
+          <a:gsLst>
+            <a:gs pos="0">
+              <a:schemeClr val="bg2">
+                <a:tint val="90000"/>
+                <a:satMod val="92000"/>
+                <a:lumMod val="120000"/>
+              </a:schemeClr>
+            </a:gs>
+            <a:gs pos="100000">
+              <a:schemeClr val="bg2">
+                <a:shade val="98000"/>
+                <a:satMod val="120000"/>
+                <a:lumMod val="98000"/>
+              </a:schemeClr>
+            </a:gs>
+          </a:gsLst>
+          <a:path path="circle">
+            <a:fillToRect l="50000" t="50000" r="100000" b="100000"/>
+          </a:path>
+        </a:gradFill>
+        <a:effectLst/>
+      </p:bgPr>
+    </p:bg>
+    <p:spTree>
+      <p:nvGrpSpPr>
+        <p:cNvPr id="1" name=""/>
+        <p:cNvGrpSpPr/>
+        <p:nvPr/>
+      </p:nvGrpSpPr>
+      <p:grpSpPr>
+        <a:xfrm>
+          <a:off x="0" y="0"/>
+          <a:ext cx="0" cy="0"/>
+          <a:chOff x="0" y="0"/>
+          <a:chExt cx="0" cy="0"/>
+        </a:xfrm>
+      </p:grpSpPr>
+      <p:sp>
+        <p:nvSpPr>
+          <p:cNvPr id="2" name="Titlu 1">
+            <a:extLst>
+              <a:ext uri="{FF2B5EF4-FFF2-40B4-BE49-F238E27FC236}">
+                <a16:creationId xmlns:a16="http://schemas.microsoft.com/office/drawing/2014/main" id="{00E73B58-116E-412A-9FD9-952DCBADAC46}"/>
+              </a:ext>
+            </a:extLst>
+          </p:cNvPr>
+          <p:cNvSpPr>
+            <a:spLocks noGrp="1"/>
+          </p:cNvSpPr>
+          <p:nvPr>
+            <p:ph type="title"/>
+          </p:nvPr>
+        </p:nvSpPr>
+        <p:spPr>
+          <a:xfrm>
+            <a:off x="1687669" y="624110"/>
+            <a:ext cx="4137059" cy="1280890"/>
+          </a:xfrm>
+        </p:spPr>
+        <p:txBody>
+          <a:bodyPr>
+            <a:normAutofit/>
+          </a:bodyPr>
+          <a:lstStyle/>
+          <a:p>
+            <a:r>
+              <a:rPr lang="ro-RO" sz="3200"/>
+              <a:t>Implementarea soluției</a:t>
+            </a:r>
+            <a:r>
+              <a:rPr lang="en-US" sz="3200"/>
+              <a:t> – modul senzor</a:t>
+            </a:r>
+          </a:p>
+        </p:txBody>
+      </p:sp>
+      <p:sp>
+        <p:nvSpPr>
+          <p:cNvPr id="4" name="Substituent număr diapozitiv 3">
+            <a:extLst>
+              <a:ext uri="{FF2B5EF4-FFF2-40B4-BE49-F238E27FC236}">
+                <a16:creationId xmlns:a16="http://schemas.microsoft.com/office/drawing/2014/main" id="{332E251F-3203-48AB-9D74-BC3D1173E6CA}"/>
+              </a:ext>
+            </a:extLst>
+          </p:cNvPr>
+          <p:cNvSpPr>
+            <a:spLocks noGrp="1"/>
+          </p:cNvSpPr>
+          <p:nvPr>
+            <p:ph type="sldNum" sz="quarter" idx="12"/>
+          </p:nvPr>
+        </p:nvSpPr>
+        <p:spPr>
+          <a:xfrm>
+            <a:off x="531812" y="787782"/>
+            <a:ext cx="779767" cy="365125"/>
+          </a:xfrm>
+        </p:spPr>
+        <p:txBody>
+          <a:bodyPr>
+            <a:normAutofit/>
+          </a:bodyPr>
+          <a:lstStyle/>
+          <a:p>
+            <a:pPr>
+              <a:lnSpc>
+                <a:spcPct val="90000"/>
+              </a:lnSpc>
+              <a:spcAft>
+                <a:spcPts val="600"/>
+              </a:spcAft>
+            </a:pPr>
+            <a:fld id="{FE899CAE-04D7-4AFC-956F-C57F365175A7}" type="slidenum">
+              <a:rPr lang="en-US" sz="1900" smtClean="0"/>
+              <a:pPr>
+                <a:lnSpc>
+                  <a:spcPct val="90000"/>
+                </a:lnSpc>
+                <a:spcAft>
+                  <a:spcPts val="600"/>
+                </a:spcAft>
+              </a:pPr>
+              <a:t>8</a:t>
+            </a:fld>
+            <a:endParaRPr lang="en-US" sz="1900"/>
+          </a:p>
+        </p:txBody>
+      </p:sp>
+      <p:sp>
+        <p:nvSpPr>
+          <p:cNvPr id="3" name="Substituent conținut 2">
+            <a:extLst>
+              <a:ext uri="{FF2B5EF4-FFF2-40B4-BE49-F238E27FC236}">
+                <a16:creationId xmlns:a16="http://schemas.microsoft.com/office/drawing/2014/main" id="{C291CD19-7642-4E4E-8FF7-0318868711E2}"/>
+              </a:ext>
+            </a:extLst>
+          </p:cNvPr>
+          <p:cNvSpPr>
+            <a:spLocks noGrp="1"/>
+          </p:cNvSpPr>
+          <p:nvPr>
+            <p:ph idx="1"/>
+          </p:nvPr>
+        </p:nvSpPr>
+        <p:spPr>
+          <a:xfrm>
+            <a:off x="1683956" y="2133600"/>
+            <a:ext cx="4140772" cy="3777622"/>
+          </a:xfrm>
+        </p:spPr>
+        <p:txBody>
+          <a:bodyPr>
+            <a:normAutofit/>
+          </a:bodyPr>
+          <a:lstStyle/>
+          <a:p>
+            <a:pPr>
+              <a:buFont typeface="Arial" panose="020B0604020202020204" pitchFamily="34" charset="0"/>
+              <a:buChar char="•"/>
+            </a:pPr>
+            <a:r>
+              <a:rPr lang="ro-RO">
+                <a:solidFill>
+                  <a:srgbClr val="000000"/>
+                </a:solidFill>
+              </a:rPr>
+              <a:t>Se utilizează butoanele conectate la plăcuța WiFi</a:t>
+            </a:r>
+          </a:p>
+          <a:p>
+            <a:pPr>
+              <a:buFont typeface="Arial" panose="020B0604020202020204" pitchFamily="34" charset="0"/>
+              <a:buChar char="•"/>
+            </a:pPr>
+            <a:r>
+              <a:rPr lang="ro-RO">
+                <a:solidFill>
+                  <a:srgbClr val="000000"/>
+                </a:solidFill>
+              </a:rPr>
+              <a:t>La fiecare apăsare de buton se generează o întrerupere</a:t>
+            </a:r>
+            <a:endParaRPr lang="en-US">
+              <a:solidFill>
+                <a:srgbClr val="000000"/>
+              </a:solidFill>
+            </a:endParaRPr>
+          </a:p>
+          <a:p>
+            <a:pPr marL="0" indent="0">
+              <a:buNone/>
+            </a:pPr>
+            <a:endParaRPr lang="en-US">
+              <a:solidFill>
+                <a:srgbClr val="000000"/>
+              </a:solidFill>
+            </a:endParaRPr>
+          </a:p>
+        </p:txBody>
+      </p:sp>
+    </p:spTree>
+    <p:extLst>
+      <p:ext uri="{BB962C8B-B14F-4D97-AF65-F5344CB8AC3E}">
+        <p14:creationId xmlns:p14="http://schemas.microsoft.com/office/powerpoint/2010/main" val="1007321379"/>
+      </p:ext>
+    </p:extLst>
+  </p:cSld>
+  <p:clrMapOvr>
+    <a:masterClrMapping/>
+  </p:clrMapOvr>
+</p:sld>
+</file>
+
+<file path=ppt/slides/slide9.xml><?xml version="1.0" encoding="utf-8"?>
+<p:sld xmlns:a="http://schemas.openxmlformats.org/drawingml/2006/main" xmlns:r="http://schemas.openxmlformats.org/officeDocument/2006/relationships" xmlns:p="http://schemas.openxmlformats.org/presentationml/2006/main">
+  <p:cSld>
+    <p:spTree>
+      <p:nvGrpSpPr>
+        <p:cNvPr id="1" name=""/>
+        <p:cNvGrpSpPr/>
+        <p:nvPr/>
+      </p:nvGrpSpPr>
+      <p:grpSpPr>
+        <a:xfrm>
+          <a:off x="0" y="0"/>
+          <a:ext cx="0" cy="0"/>
+          <a:chOff x="0" y="0"/>
+          <a:chExt cx="0" cy="0"/>
+        </a:xfrm>
+      </p:grpSpPr>
+      <p:sp>
+        <p:nvSpPr>
+          <p:cNvPr id="2" name="Titlu 1">
+            <a:extLst>
+              <a:ext uri="{FF2B5EF4-FFF2-40B4-BE49-F238E27FC236}">
+                <a16:creationId xmlns:a16="http://schemas.microsoft.com/office/drawing/2014/main" id="{16F1E032-BB17-4D99-A7CB-C57439D0017F}"/>
+              </a:ext>
+            </a:extLst>
+          </p:cNvPr>
+          <p:cNvSpPr>
+            <a:spLocks noGrp="1"/>
+          </p:cNvSpPr>
+          <p:nvPr>
+            <p:ph type="title"/>
+          </p:nvPr>
+        </p:nvSpPr>
+        <p:spPr>
+          <a:xfrm>
+            <a:off x="600075" y="624110"/>
+            <a:ext cx="10904539" cy="1280890"/>
+          </a:xfrm>
+        </p:spPr>
+        <p:txBody>
+          <a:bodyPr/>
+          <a:lstStyle/>
+          <a:p>
+            <a:r>
+              <a:rPr lang="ro-RO"/>
+              <a:t>Implementarea soluției</a:t>
+            </a:r>
+            <a:endParaRPr lang="en-US" dirty="0"/>
+          </a:p>
+        </p:txBody>
+      </p:sp>
+      <p:sp>
+        <p:nvSpPr>
+          <p:cNvPr id="4" name="Substituent număr diapozitiv 3">
+            <a:extLst>
+              <a:ext uri="{FF2B5EF4-FFF2-40B4-BE49-F238E27FC236}">
+                <a16:creationId xmlns:a16="http://schemas.microsoft.com/office/drawing/2014/main" id="{1BB178F1-F2D5-42E0-AB2C-CC967EF3616E}"/>
+              </a:ext>
+            </a:extLst>
+          </p:cNvPr>
+          <p:cNvSpPr>
+            <a:spLocks noGrp="1"/>
+          </p:cNvSpPr>
+          <p:nvPr>
+            <p:ph type="sldNum" sz="quarter" idx="12"/>
+          </p:nvPr>
+        </p:nvSpPr>
+        <p:spPr/>
+        <p:txBody>
+          <a:bodyPr/>
+          <a:lstStyle/>
+          <a:p>
+            <a:fld id="{FE899CAE-04D7-4AFC-956F-C57F365175A7}" type="slidenum">
+              <a:rPr lang="en-US" smtClean="0"/>
+              <a:pPr/>
+              <a:t>9</a:t>
+            </a:fld>
+            <a:endParaRPr lang="en-US" dirty="0"/>
+          </a:p>
+        </p:txBody>
+      </p:sp>
+      <p:sp>
+        <p:nvSpPr>
+          <p:cNvPr id="11" name="Substituent conținut 10">
+            <a:extLst>
+              <a:ext uri="{FF2B5EF4-FFF2-40B4-BE49-F238E27FC236}">
+                <a16:creationId xmlns:a16="http://schemas.microsoft.com/office/drawing/2014/main" id="{51193E8B-5D49-4B15-B83A-117336D65407}"/>
+              </a:ext>
+            </a:extLst>
+          </p:cNvPr>
+          <p:cNvSpPr>
+            <a:spLocks noGrp="1"/>
+          </p:cNvSpPr>
+          <p:nvPr>
+            <p:ph idx="1"/>
+          </p:nvPr>
+        </p:nvSpPr>
+        <p:spPr/>
+        <p:txBody>
+          <a:bodyPr/>
+          <a:lstStyle/>
+          <a:p>
+            <a:endParaRPr lang="en-US"/>
+          </a:p>
+        </p:txBody>
+      </p:sp>
+    </p:spTree>
+    <p:extLst>
+      <p:ext uri="{BB962C8B-B14F-4D97-AF65-F5344CB8AC3E}">
+        <p14:creationId xmlns:p14="http://schemas.microsoft.com/office/powerpoint/2010/main" val="3553930980"/>
+      </p:ext>
+    </p:extLst>
+  </p:cSld>
+  <p:clrMapOvr>
+    <a:masterClrMapping/>
+  </p:clrMapOvr>
 </p:sld>
 </file>
 

--- a/Prezentare/Termostat inteligent controlat printr-o aplicație web.pptx
+++ b/Prezentare/Termostat inteligent controlat printr-o aplicație web.pptx
@@ -9156,7 +9156,7 @@
         </p:blipFill>
         <p:spPr>
           <a:xfrm>
-            <a:off x="6068243" y="0"/>
+            <a:off x="6132412" y="0"/>
             <a:ext cx="6123757" cy="3822700"/>
           </a:xfrm>
           <a:prstGeom prst="rect">
@@ -9264,36 +9264,6 @@
               <a:t>La fiecare apăsare de buton se generează o întrerupere</a:t>
             </a:r>
             <a:endParaRPr lang="en-US" sz="2200" dirty="0"/>
-          </a:p>
-        </p:txBody>
-      </p:sp>
-      <p:sp>
-        <p:nvSpPr>
-          <p:cNvPr id="14" name="Substituent număr diapozitiv 13">
-            <a:extLst>
-              <a:ext uri="{FF2B5EF4-FFF2-40B4-BE49-F238E27FC236}">
-                <a16:creationId xmlns:a16="http://schemas.microsoft.com/office/drawing/2014/main" id="{40CE3563-C9E7-4486-B324-B4897F6A50E9}"/>
-              </a:ext>
-            </a:extLst>
-          </p:cNvPr>
-          <p:cNvSpPr>
-            <a:spLocks noGrp="1"/>
-          </p:cNvSpPr>
-          <p:nvPr>
-            <p:ph type="sldNum" sz="quarter" idx="12"/>
-          </p:nvPr>
-        </p:nvSpPr>
-        <p:spPr/>
-        <p:txBody>
-          <a:bodyPr/>
-          <a:lstStyle/>
-          <a:p>
-            <a:fld id="{FE899CAE-04D7-4AFC-956F-C57F365175A7}" type="slidenum">
-              <a:rPr lang="en-US" smtClean="0"/>
-              <a:pPr/>
-              <a:t>11</a:t>
-            </a:fld>
-            <a:endParaRPr lang="en-US" dirty="0"/>
           </a:p>
         </p:txBody>
       </p:sp>
@@ -11917,7 +11887,7 @@
         </p:nvSpPr>
         <p:spPr>
           <a:xfrm>
-            <a:off x="609600" y="624110"/>
+            <a:off x="609600" y="640152"/>
             <a:ext cx="10895013" cy="1280890"/>
           </a:xfrm>
         </p:spPr>
@@ -11951,7 +11921,7 @@
         </p:nvSpPr>
         <p:spPr>
           <a:xfrm>
-            <a:off x="609599" y="2133600"/>
+            <a:off x="609599" y="2149642"/>
             <a:ext cx="10895013" cy="3777622"/>
           </a:xfrm>
         </p:spPr>

--- a/Prezentare/Termostat inteligent controlat printr-o aplicație web.pptx
+++ b/Prezentare/Termostat inteligent controlat printr-o aplicație web.pptx
@@ -5,10 +5,10 @@
     <p:sldMasterId id="2147483757" r:id="rId1"/>
   </p:sldMasterIdLst>
   <p:notesMasterIdLst>
-    <p:notesMasterId r:id="rId18"/>
+    <p:notesMasterId r:id="rId14"/>
   </p:notesMasterIdLst>
   <p:handoutMasterIdLst>
-    <p:handoutMasterId r:id="rId19"/>
+    <p:handoutMasterId r:id="rId15"/>
   </p:handoutMasterIdLst>
   <p:sldIdLst>
     <p:sldId id="256" r:id="rId2"/>
@@ -16,17 +16,13 @@
     <p:sldId id="258" r:id="rId4"/>
     <p:sldId id="259" r:id="rId5"/>
     <p:sldId id="260" r:id="rId6"/>
-    <p:sldId id="272" r:id="rId7"/>
-    <p:sldId id="275" r:id="rId8"/>
-    <p:sldId id="273" r:id="rId9"/>
-    <p:sldId id="274" r:id="rId10"/>
-    <p:sldId id="265" r:id="rId11"/>
-    <p:sldId id="266" r:id="rId12"/>
-    <p:sldId id="267" r:id="rId13"/>
-    <p:sldId id="268" r:id="rId14"/>
-    <p:sldId id="269" r:id="rId15"/>
-    <p:sldId id="270" r:id="rId16"/>
-    <p:sldId id="271" r:id="rId17"/>
+    <p:sldId id="265" r:id="rId7"/>
+    <p:sldId id="266" r:id="rId8"/>
+    <p:sldId id="267" r:id="rId9"/>
+    <p:sldId id="268" r:id="rId10"/>
+    <p:sldId id="269" r:id="rId11"/>
+    <p:sldId id="270" r:id="rId12"/>
+    <p:sldId id="271" r:id="rId13"/>
   </p:sldIdLst>
   <p:sldSz cx="12192000" cy="6858000"/>
   <p:notesSz cx="6858000" cy="9144000"/>
@@ -227,7 +223,7 @@
           <a:p>
             <a:fld id="{B8F87DBE-C843-456A-9381-003F0E3F9C44}" type="datetimeFigureOut">
               <a:rPr lang="en-US" smtClean="0"/>
-              <a:t>5/26/2021</a:t>
+              <a:t>5/31/2021</a:t>
             </a:fld>
             <a:endParaRPr lang="en-US"/>
           </a:p>
@@ -405,7 +401,7 @@
           <a:p>
             <a:fld id="{FB146702-3091-4893-9580-351D3F327990}" type="datetimeFigureOut">
               <a:rPr lang="en-US" smtClean="0"/>
-              <a:t>5/26/2021</a:t>
+              <a:t>5/31/2021</a:t>
             </a:fld>
             <a:endParaRPr lang="en-US"/>
           </a:p>
@@ -862,7 +858,7 @@
           <a:p>
             <a:fld id="{30F82038-E678-4ECF-BEDB-85A5C5D4839D}" type="datetime1">
               <a:rPr lang="en-US" smtClean="0"/>
-              <a:t>5/26/2021</a:t>
+              <a:t>5/31/2021</a:t>
             </a:fld>
             <a:endParaRPr lang="en-US"/>
           </a:p>
@@ -1200,7 +1196,7 @@
           <a:p>
             <a:fld id="{98FEAE57-41B8-4424-9352-E75A9291ED21}" type="datetime1">
               <a:rPr lang="en-US" smtClean="0"/>
-              <a:t>5/26/2021</a:t>
+              <a:t>5/31/2021</a:t>
             </a:fld>
             <a:endParaRPr lang="en-US"/>
           </a:p>
@@ -1601,7 +1597,7 @@
           <a:p>
             <a:fld id="{8B5AB100-4FF4-4F37-A93F-ABC989278D09}" type="datetime1">
               <a:rPr lang="en-US" smtClean="0"/>
-              <a:t>5/26/2021</a:t>
+              <a:t>5/31/2021</a:t>
             </a:fld>
             <a:endParaRPr lang="en-US"/>
           </a:p>
@@ -1937,7 +1933,7 @@
           <a:p>
             <a:fld id="{4A42E1C9-DE8F-45CF-9014-53AF507E26B6}" type="datetime1">
               <a:rPr lang="en-US" smtClean="0"/>
-              <a:t>5/26/2021</a:t>
+              <a:t>5/31/2021</a:t>
             </a:fld>
             <a:endParaRPr lang="en-US"/>
           </a:p>
@@ -2257,7 +2253,7 @@
           <a:p>
             <a:fld id="{691321E4-876A-446D-805C-931D38442A39}" type="datetime1">
               <a:rPr lang="en-US" smtClean="0"/>
-              <a:t>5/26/2021</a:t>
+              <a:t>5/31/2021</a:t>
             </a:fld>
             <a:endParaRPr lang="en-US"/>
           </a:p>
@@ -2653,7 +2649,7 @@
           <a:p>
             <a:fld id="{FE8C92CE-1D3F-4EAC-8D07-6011AB081639}" type="datetime1">
               <a:rPr lang="en-US" smtClean="0"/>
-              <a:t>5/26/2021</a:t>
+              <a:t>5/31/2021</a:t>
             </a:fld>
             <a:endParaRPr lang="en-US"/>
           </a:p>
@@ -2910,7 +2906,7 @@
           <a:p>
             <a:fld id="{BE952FF4-6C99-4BB7-8B86-45E6A3CD6E25}" type="datetime1">
               <a:rPr lang="en-US" smtClean="0"/>
-              <a:t>5/26/2021</a:t>
+              <a:t>5/31/2021</a:t>
             </a:fld>
             <a:endParaRPr lang="en-US"/>
           </a:p>
@@ -3172,7 +3168,7 @@
           <a:p>
             <a:fld id="{3793CB2C-024F-4230-8160-47AC7F613CD6}" type="datetime1">
               <a:rPr lang="en-US" smtClean="0"/>
-              <a:t>5/26/2021</a:t>
+              <a:t>5/31/2021</a:t>
             </a:fld>
             <a:endParaRPr lang="en-US"/>
           </a:p>
@@ -3439,7 +3435,7 @@
           <a:p>
             <a:fld id="{EF2F0734-55FC-4D31-BBAC-CFD270F97A82}" type="datetime1">
               <a:rPr lang="en-US" smtClean="0"/>
-              <a:t>5/26/2021</a:t>
+              <a:t>5/31/2021</a:t>
             </a:fld>
             <a:endParaRPr lang="en-US" dirty="0"/>
           </a:p>
@@ -3708,7 +3704,7 @@
           <a:p>
             <a:fld id="{A8035693-5B48-46BA-8731-C60905FDB4BB}" type="datetime1">
               <a:rPr lang="en-US" smtClean="0"/>
-              <a:t>5/26/2021</a:t>
+              <a:t>5/31/2021</a:t>
             </a:fld>
             <a:endParaRPr lang="en-US"/>
           </a:p>
@@ -4031,7 +4027,7 @@
           <a:p>
             <a:fld id="{4ED3114C-4F90-498B-9102-5DD35911FEC7}" type="datetime1">
               <a:rPr lang="en-US" smtClean="0"/>
-              <a:t>5/26/2021</a:t>
+              <a:t>5/31/2021</a:t>
             </a:fld>
             <a:endParaRPr lang="en-US"/>
           </a:p>
@@ -4488,7 +4484,7 @@
           <a:p>
             <a:fld id="{9043E49F-08D7-4685-B777-AA41236FB79C}" type="datetime1">
               <a:rPr lang="en-US" smtClean="0"/>
-              <a:t>5/26/2021</a:t>
+              <a:t>5/31/2021</a:t>
             </a:fld>
             <a:endParaRPr lang="en-US"/>
           </a:p>
@@ -4693,7 +4689,7 @@
           <a:p>
             <a:fld id="{A11EB4FF-AC58-4F96-BF45-BAC7049BEFBC}" type="datetime1">
               <a:rPr lang="en-US" smtClean="0"/>
-              <a:t>5/26/2021</a:t>
+              <a:t>5/31/2021</a:t>
             </a:fld>
             <a:endParaRPr lang="en-US"/>
           </a:p>
@@ -4870,7 +4866,7 @@
           <a:p>
             <a:fld id="{BFDC7A8E-631A-4994-9E85-C431A7496471}" type="datetime1">
               <a:rPr lang="en-US" smtClean="0"/>
-              <a:t>5/26/2021</a:t>
+              <a:t>5/31/2021</a:t>
             </a:fld>
             <a:endParaRPr lang="en-US"/>
           </a:p>
@@ -5203,7 +5199,7 @@
           <a:p>
             <a:fld id="{0DCF6632-148F-4474-BA59-DB71F1721872}" type="datetime1">
               <a:rPr lang="en-US" smtClean="0"/>
-              <a:t>5/26/2021</a:t>
+              <a:t>5/31/2021</a:t>
             </a:fld>
             <a:endParaRPr lang="en-US"/>
           </a:p>
@@ -5548,7 +5544,7 @@
           <a:p>
             <a:fld id="{7A070EAA-60D7-42AA-8723-1B0860A455E4}" type="datetime1">
               <a:rPr lang="en-US" smtClean="0"/>
-              <a:t>5/26/2021</a:t>
+              <a:t>5/31/2021</a:t>
             </a:fld>
             <a:endParaRPr lang="en-US"/>
           </a:p>
@@ -7687,7 +7683,7 @@
           <a:p>
             <a:fld id="{77CAE326-6785-470D-B4C6-EC533BA72C64}" type="datetime1">
               <a:rPr lang="en-US" smtClean="0"/>
-              <a:t>5/26/2021</a:t>
+              <a:t>5/31/2021</a:t>
             </a:fld>
             <a:endParaRPr lang="en-US"/>
           </a:p>
@@ -8481,6 +8477,1392 @@
 </file>
 
 <file path=ppt/slides/slide10.xml><?xml version="1.0" encoding="utf-8"?>
+<p:sld xmlns:a="http://schemas.openxmlformats.org/drawingml/2006/main" xmlns:r="http://schemas.openxmlformats.org/officeDocument/2006/relationships" xmlns:p="http://schemas.openxmlformats.org/presentationml/2006/main" showMasterSp="0">
+  <p:cSld>
+    <p:spTree>
+      <p:nvGrpSpPr>
+        <p:cNvPr id="1" name=""/>
+        <p:cNvGrpSpPr/>
+        <p:nvPr/>
+      </p:nvGrpSpPr>
+      <p:grpSpPr>
+        <a:xfrm>
+          <a:off x="0" y="0"/>
+          <a:ext cx="0" cy="0"/>
+          <a:chOff x="0" y="0"/>
+          <a:chExt cx="0" cy="0"/>
+        </a:xfrm>
+      </p:grpSpPr>
+      <p:sp>
+        <p:nvSpPr>
+          <p:cNvPr id="2" name="Titlu 1">
+            <a:extLst>
+              <a:ext uri="{FF2B5EF4-FFF2-40B4-BE49-F238E27FC236}">
+                <a16:creationId xmlns:a16="http://schemas.microsoft.com/office/drawing/2014/main" id="{D7034D88-B5D7-4913-8481-E9BE5D87855E}"/>
+              </a:ext>
+            </a:extLst>
+          </p:cNvPr>
+          <p:cNvSpPr>
+            <a:spLocks noGrp="1"/>
+          </p:cNvSpPr>
+          <p:nvPr>
+            <p:ph type="title"/>
+          </p:nvPr>
+        </p:nvSpPr>
+        <p:spPr/>
+        <p:txBody>
+          <a:bodyPr/>
+          <a:lstStyle/>
+          <a:p>
+            <a:r>
+              <a:rPr lang="ro-RO" dirty="0" err="1"/>
+              <a:t>Demo</a:t>
+            </a:r>
+            <a:endParaRPr lang="en-US" dirty="0"/>
+          </a:p>
+        </p:txBody>
+      </p:sp>
+      <p:sp>
+        <p:nvSpPr>
+          <p:cNvPr id="3" name="Substituent conținut 2">
+            <a:extLst>
+              <a:ext uri="{FF2B5EF4-FFF2-40B4-BE49-F238E27FC236}">
+                <a16:creationId xmlns:a16="http://schemas.microsoft.com/office/drawing/2014/main" id="{FD1F6D74-9474-48DF-924D-97262B6DBB35}"/>
+              </a:ext>
+            </a:extLst>
+          </p:cNvPr>
+          <p:cNvSpPr>
+            <a:spLocks noGrp="1"/>
+          </p:cNvSpPr>
+          <p:nvPr>
+            <p:ph idx="1"/>
+          </p:nvPr>
+        </p:nvSpPr>
+        <p:spPr/>
+        <p:txBody>
+          <a:bodyPr/>
+          <a:lstStyle/>
+          <a:p>
+            <a:endParaRPr lang="en-US"/>
+          </a:p>
+        </p:txBody>
+      </p:sp>
+      <p:sp>
+        <p:nvSpPr>
+          <p:cNvPr id="6" name="Substituent număr diapozitiv 5">
+            <a:extLst>
+              <a:ext uri="{FF2B5EF4-FFF2-40B4-BE49-F238E27FC236}">
+                <a16:creationId xmlns:a16="http://schemas.microsoft.com/office/drawing/2014/main" id="{8D8CFE0A-411B-4954-937F-52B7EC662B00}"/>
+              </a:ext>
+            </a:extLst>
+          </p:cNvPr>
+          <p:cNvSpPr>
+            <a:spLocks noGrp="1"/>
+          </p:cNvSpPr>
+          <p:nvPr>
+            <p:ph type="sldNum" sz="quarter" idx="12"/>
+          </p:nvPr>
+        </p:nvSpPr>
+        <p:spPr/>
+        <p:txBody>
+          <a:bodyPr/>
+          <a:lstStyle/>
+          <a:p>
+            <a:fld id="{FE899CAE-04D7-4AFC-956F-C57F365175A7}" type="slidenum">
+              <a:rPr lang="en-US" smtClean="0"/>
+              <a:pPr/>
+              <a:t>10</a:t>
+            </a:fld>
+            <a:endParaRPr lang="en-US" dirty="0"/>
+          </a:p>
+        </p:txBody>
+      </p:sp>
+    </p:spTree>
+    <p:extLst>
+      <p:ext uri="{BB962C8B-B14F-4D97-AF65-F5344CB8AC3E}">
+        <p14:creationId xmlns:p14="http://schemas.microsoft.com/office/powerpoint/2010/main" val="1490768084"/>
+      </p:ext>
+    </p:extLst>
+  </p:cSld>
+  <p:clrMapOvr>
+    <a:masterClrMapping/>
+  </p:clrMapOvr>
+</p:sld>
+</file>
+
+<file path=ppt/slides/slide11.xml><?xml version="1.0" encoding="utf-8"?>
+<p:sld xmlns:a="http://schemas.openxmlformats.org/drawingml/2006/main" xmlns:r="http://schemas.openxmlformats.org/officeDocument/2006/relationships" xmlns:p="http://schemas.openxmlformats.org/presentationml/2006/main" showMasterSp="0">
+  <p:cSld>
+    <p:spTree>
+      <p:nvGrpSpPr>
+        <p:cNvPr id="1" name=""/>
+        <p:cNvGrpSpPr/>
+        <p:nvPr/>
+      </p:nvGrpSpPr>
+      <p:grpSpPr>
+        <a:xfrm>
+          <a:off x="0" y="0"/>
+          <a:ext cx="0" cy="0"/>
+          <a:chOff x="0" y="0"/>
+          <a:chExt cx="0" cy="0"/>
+        </a:xfrm>
+      </p:grpSpPr>
+      <p:sp>
+        <p:nvSpPr>
+          <p:cNvPr id="2" name="Titlu 1">
+            <a:extLst>
+              <a:ext uri="{FF2B5EF4-FFF2-40B4-BE49-F238E27FC236}">
+                <a16:creationId xmlns:a16="http://schemas.microsoft.com/office/drawing/2014/main" id="{750E80B6-3C7F-4B54-B8C2-B8F268B2D591}"/>
+              </a:ext>
+            </a:extLst>
+          </p:cNvPr>
+          <p:cNvSpPr>
+            <a:spLocks noGrp="1"/>
+          </p:cNvSpPr>
+          <p:nvPr>
+            <p:ph type="title"/>
+          </p:nvPr>
+        </p:nvSpPr>
+        <p:spPr>
+          <a:xfrm>
+            <a:off x="685800" y="624110"/>
+            <a:ext cx="10818813" cy="1280890"/>
+          </a:xfrm>
+        </p:spPr>
+        <p:txBody>
+          <a:bodyPr/>
+          <a:lstStyle/>
+          <a:p>
+            <a:r>
+              <a:rPr lang="ro-RO" dirty="0"/>
+              <a:t>Concluzii</a:t>
+            </a:r>
+            <a:endParaRPr lang="en-US" dirty="0"/>
+          </a:p>
+        </p:txBody>
+      </p:sp>
+      <p:sp>
+        <p:nvSpPr>
+          <p:cNvPr id="3" name="Substituent conținut 2">
+            <a:extLst>
+              <a:ext uri="{FF2B5EF4-FFF2-40B4-BE49-F238E27FC236}">
+                <a16:creationId xmlns:a16="http://schemas.microsoft.com/office/drawing/2014/main" id="{F7356411-5890-437C-802C-BC22D5D77C53}"/>
+              </a:ext>
+            </a:extLst>
+          </p:cNvPr>
+          <p:cNvSpPr>
+            <a:spLocks noGrp="1"/>
+          </p:cNvSpPr>
+          <p:nvPr>
+            <p:ph idx="1"/>
+          </p:nvPr>
+        </p:nvSpPr>
+        <p:spPr>
+          <a:xfrm>
+            <a:off x="685799" y="2133600"/>
+            <a:ext cx="10818813" cy="3777622"/>
+          </a:xfrm>
+        </p:spPr>
+        <p:txBody>
+          <a:bodyPr>
+            <a:normAutofit/>
+          </a:bodyPr>
+          <a:lstStyle/>
+          <a:p>
+            <a:pPr>
+              <a:buFont typeface="Arial" panose="020B0604020202020204" pitchFamily="34" charset="0"/>
+              <a:buChar char="•"/>
+            </a:pPr>
+            <a:r>
+              <a:rPr lang="ro-RO" sz="2200" dirty="0"/>
+              <a:t>Scopul proiectului este de a prezenta o soluție pentru controlul temperaturii în mai multe zone ale locuinței, dar și pentru reducerea consumului de energie</a:t>
+            </a:r>
+          </a:p>
+          <a:p>
+            <a:pPr>
+              <a:buFont typeface="Arial" panose="020B0604020202020204" pitchFamily="34" charset="0"/>
+              <a:buChar char="•"/>
+            </a:pPr>
+            <a:r>
+              <a:rPr lang="ro-RO" sz="2200" dirty="0"/>
+              <a:t>Există o serie de funcționalități al căror mod de operare poate fi îmbunătățit</a:t>
+            </a:r>
+          </a:p>
+          <a:p>
+            <a:pPr>
+              <a:buFont typeface="Arial" panose="020B0604020202020204" pitchFamily="34" charset="0"/>
+              <a:buChar char="•"/>
+            </a:pPr>
+            <a:r>
+              <a:rPr lang="ro-RO" sz="2200" dirty="0"/>
+              <a:t>Perspective de dezvoltare</a:t>
+            </a:r>
+            <a:r>
+              <a:rPr lang="en-US" sz="2200" dirty="0"/>
+              <a:t>:</a:t>
+            </a:r>
+          </a:p>
+          <a:p>
+            <a:pPr lvl="1">
+              <a:buFont typeface="Wingdings" panose="05000000000000000000" pitchFamily="2" charset="2"/>
+              <a:buChar char="Ø"/>
+            </a:pPr>
+            <a:r>
+              <a:rPr lang="ro-RO" sz="2000" dirty="0"/>
+              <a:t>Reducerea timpului necesar sistemului pentru a răspunde la comenzile vocale</a:t>
+            </a:r>
+          </a:p>
+          <a:p>
+            <a:pPr lvl="1">
+              <a:buFont typeface="Wingdings" panose="05000000000000000000" pitchFamily="2" charset="2"/>
+              <a:buChar char="Ø"/>
+            </a:pPr>
+            <a:r>
+              <a:rPr lang="ro-RO" sz="2000" dirty="0"/>
+              <a:t>Posibilitatea ca sistemul să adapteze temperatura în funcție de prezența sau absența locuitorilor</a:t>
+            </a:r>
+          </a:p>
+          <a:p>
+            <a:pPr lvl="1">
+              <a:buFont typeface="Wingdings" panose="05000000000000000000" pitchFamily="2" charset="2"/>
+              <a:buChar char="Ø"/>
+            </a:pPr>
+            <a:r>
+              <a:rPr lang="ro-RO" sz="2000" dirty="0"/>
+              <a:t>Atașarea unei tastaturi la plăcuța </a:t>
+            </a:r>
+            <a:r>
+              <a:rPr lang="ro-RO" sz="2000" dirty="0" err="1"/>
+              <a:t>WiFi</a:t>
+            </a:r>
+            <a:r>
+              <a:rPr lang="ro-RO" sz="2000" dirty="0"/>
+              <a:t> pentru a permite modificarea datelor de acces la rețeaua de internet	</a:t>
+            </a:r>
+          </a:p>
+          <a:p>
+            <a:pPr marL="0" indent="0">
+              <a:buNone/>
+            </a:pPr>
+            <a:endParaRPr lang="en-US" dirty="0"/>
+          </a:p>
+        </p:txBody>
+      </p:sp>
+      <p:sp>
+        <p:nvSpPr>
+          <p:cNvPr id="6" name="Substituent număr diapozitiv 5">
+            <a:extLst>
+              <a:ext uri="{FF2B5EF4-FFF2-40B4-BE49-F238E27FC236}">
+                <a16:creationId xmlns:a16="http://schemas.microsoft.com/office/drawing/2014/main" id="{6960E3D1-D97B-49DE-B830-2C7D370FE547}"/>
+              </a:ext>
+            </a:extLst>
+          </p:cNvPr>
+          <p:cNvSpPr>
+            <a:spLocks noGrp="1"/>
+          </p:cNvSpPr>
+          <p:nvPr>
+            <p:ph type="sldNum" sz="quarter" idx="12"/>
+          </p:nvPr>
+        </p:nvSpPr>
+        <p:spPr/>
+        <p:txBody>
+          <a:bodyPr/>
+          <a:lstStyle/>
+          <a:p>
+            <a:fld id="{FE899CAE-04D7-4AFC-956F-C57F365175A7}" type="slidenum">
+              <a:rPr lang="en-US" smtClean="0"/>
+              <a:pPr/>
+              <a:t>11</a:t>
+            </a:fld>
+            <a:endParaRPr lang="en-US" dirty="0"/>
+          </a:p>
+        </p:txBody>
+      </p:sp>
+    </p:spTree>
+    <p:extLst>
+      <p:ext uri="{BB962C8B-B14F-4D97-AF65-F5344CB8AC3E}">
+        <p14:creationId xmlns:p14="http://schemas.microsoft.com/office/powerpoint/2010/main" val="3473204888"/>
+      </p:ext>
+    </p:extLst>
+  </p:cSld>
+  <p:clrMapOvr>
+    <a:masterClrMapping/>
+  </p:clrMapOvr>
+</p:sld>
+</file>
+
+<file path=ppt/slides/slide12.xml><?xml version="1.0" encoding="utf-8"?>
+<p:sld xmlns:a="http://schemas.openxmlformats.org/drawingml/2006/main" xmlns:r="http://schemas.openxmlformats.org/officeDocument/2006/relationships" xmlns:p="http://schemas.openxmlformats.org/presentationml/2006/main" showMasterSp="0">
+  <p:cSld>
+    <p:spTree>
+      <p:nvGrpSpPr>
+        <p:cNvPr id="1" name=""/>
+        <p:cNvGrpSpPr/>
+        <p:nvPr/>
+      </p:nvGrpSpPr>
+      <p:grpSpPr>
+        <a:xfrm>
+          <a:off x="0" y="0"/>
+          <a:ext cx="0" cy="0"/>
+          <a:chOff x="0" y="0"/>
+          <a:chExt cx="0" cy="0"/>
+        </a:xfrm>
+      </p:grpSpPr>
+      <p:sp>
+        <p:nvSpPr>
+          <p:cNvPr id="2" name="Titlu 1">
+            <a:extLst>
+              <a:ext uri="{FF2B5EF4-FFF2-40B4-BE49-F238E27FC236}">
+                <a16:creationId xmlns:a16="http://schemas.microsoft.com/office/drawing/2014/main" id="{8F599AC0-73FE-4940-B82D-96B24E039E49}"/>
+              </a:ext>
+            </a:extLst>
+          </p:cNvPr>
+          <p:cNvSpPr>
+            <a:spLocks noGrp="1"/>
+          </p:cNvSpPr>
+          <p:nvPr>
+            <p:ph type="title"/>
+          </p:nvPr>
+        </p:nvSpPr>
+        <p:spPr>
+          <a:xfrm>
+            <a:off x="631370" y="624110"/>
+            <a:ext cx="10873242" cy="1280890"/>
+          </a:xfrm>
+        </p:spPr>
+        <p:txBody>
+          <a:bodyPr/>
+          <a:lstStyle/>
+          <a:p>
+            <a:r>
+              <a:rPr lang="en-US" dirty="0" err="1"/>
+              <a:t>Concluzii</a:t>
+            </a:r>
+            <a:endParaRPr lang="en-US" dirty="0"/>
+          </a:p>
+        </p:txBody>
+      </p:sp>
+      <p:sp>
+        <p:nvSpPr>
+          <p:cNvPr id="3" name="Substituent conținut 2">
+            <a:extLst>
+              <a:ext uri="{FF2B5EF4-FFF2-40B4-BE49-F238E27FC236}">
+                <a16:creationId xmlns:a16="http://schemas.microsoft.com/office/drawing/2014/main" id="{52FD1FAA-BBDF-4770-ABE6-46CFF1B76061}"/>
+              </a:ext>
+            </a:extLst>
+          </p:cNvPr>
+          <p:cNvSpPr>
+            <a:spLocks noGrp="1"/>
+          </p:cNvSpPr>
+          <p:nvPr>
+            <p:ph idx="1"/>
+          </p:nvPr>
+        </p:nvSpPr>
+        <p:spPr>
+          <a:xfrm>
+            <a:off x="631370" y="2133600"/>
+            <a:ext cx="10873242" cy="3777622"/>
+          </a:xfrm>
+        </p:spPr>
+        <p:txBody>
+          <a:bodyPr/>
+          <a:lstStyle/>
+          <a:p>
+            <a:pPr>
+              <a:buFont typeface="Arial" panose="020B0604020202020204" pitchFamily="34" charset="0"/>
+              <a:buChar char="•"/>
+            </a:pPr>
+            <a:r>
+              <a:rPr lang="ro-RO" sz="2200" dirty="0"/>
+              <a:t>Sinteza c</a:t>
+            </a:r>
+            <a:r>
+              <a:rPr lang="en-US" sz="2200" dirty="0" err="1"/>
+              <a:t>ontribu</a:t>
+            </a:r>
+            <a:r>
+              <a:rPr lang="ro-RO" sz="2200" dirty="0" err="1"/>
+              <a:t>țiilor</a:t>
+            </a:r>
+            <a:r>
+              <a:rPr lang="en-US" sz="2200" dirty="0"/>
+              <a:t>:</a:t>
+            </a:r>
+            <a:endParaRPr lang="ro-RO" sz="2200" dirty="0"/>
+          </a:p>
+          <a:p>
+            <a:pPr lvl="1">
+              <a:buFont typeface="Wingdings" panose="05000000000000000000" pitchFamily="2" charset="2"/>
+              <a:buChar char="Ø"/>
+            </a:pPr>
+            <a:r>
+              <a:rPr lang="ro-RO" sz="2000" dirty="0"/>
+              <a:t>Programarea plăcuțelor ESP8266 și </a:t>
+            </a:r>
+            <a:r>
+              <a:rPr lang="ro-RO" sz="2000" dirty="0" err="1"/>
+              <a:t>Arduino</a:t>
+            </a:r>
+            <a:endParaRPr lang="en-US" sz="2000" dirty="0"/>
+          </a:p>
+          <a:p>
+            <a:pPr lvl="1">
+              <a:buFont typeface="Wingdings" panose="05000000000000000000" pitchFamily="2" charset="2"/>
+              <a:buChar char="Ø"/>
+            </a:pPr>
+            <a:r>
+              <a:rPr lang="en-US" sz="2000" dirty="0" err="1"/>
+              <a:t>Implementare</a:t>
+            </a:r>
+            <a:r>
+              <a:rPr lang="ro-RO" sz="2000" dirty="0"/>
+              <a:t>a</a:t>
+            </a:r>
+            <a:r>
+              <a:rPr lang="en-US" sz="2000" dirty="0"/>
+              <a:t> </a:t>
+            </a:r>
+            <a:r>
+              <a:rPr lang="en-US" sz="2000" dirty="0" err="1"/>
+              <a:t>aplica</a:t>
+            </a:r>
+            <a:r>
+              <a:rPr lang="ro-RO" sz="2000" dirty="0" err="1"/>
+              <a:t>ției</a:t>
+            </a:r>
+            <a:r>
+              <a:rPr lang="ro-RO" sz="2000" dirty="0"/>
+              <a:t> web </a:t>
+            </a:r>
+          </a:p>
+          <a:p>
+            <a:pPr lvl="1">
+              <a:buFont typeface="Wingdings" panose="05000000000000000000" pitchFamily="2" charset="2"/>
+              <a:buChar char="Ø"/>
+            </a:pPr>
+            <a:r>
+              <a:rPr lang="ro-RO" sz="2000" dirty="0"/>
+              <a:t>Crearea testelor unitare pentru aplicația web</a:t>
+            </a:r>
+            <a:endParaRPr lang="en-US" sz="2000" dirty="0"/>
+          </a:p>
+          <a:p>
+            <a:pPr lvl="1">
+              <a:buFont typeface="Wingdings" panose="05000000000000000000" pitchFamily="2" charset="2"/>
+              <a:buChar char="Ø"/>
+            </a:pPr>
+            <a:r>
+              <a:rPr lang="ro-RO" sz="2000" dirty="0"/>
+              <a:t>Testarea circuitului de apă</a:t>
+            </a:r>
+            <a:endParaRPr lang="en-US" sz="2000" dirty="0"/>
+          </a:p>
+          <a:p>
+            <a:pPr lvl="1">
+              <a:buFont typeface="Wingdings" panose="05000000000000000000" pitchFamily="2" charset="2"/>
+              <a:buChar char="Ø"/>
+            </a:pPr>
+            <a:r>
+              <a:rPr lang="ro-RO" sz="2000" dirty="0"/>
+              <a:t>Realizarea circuitului electric și a filtrelor trece-jos</a:t>
+            </a:r>
+            <a:endParaRPr lang="en-US" sz="2000" dirty="0"/>
+          </a:p>
+          <a:p>
+            <a:pPr lvl="1">
+              <a:buFont typeface="Wingdings" panose="05000000000000000000" pitchFamily="2" charset="2"/>
+              <a:buChar char="Ø"/>
+            </a:pPr>
+            <a:r>
+              <a:rPr lang="ro-RO" sz="2000" dirty="0"/>
+              <a:t>Găzduirea aplicației pe un server, la distanță, utilizând platforma </a:t>
+            </a:r>
+            <a:r>
+              <a:rPr lang="ro-RO" sz="2000" dirty="0" err="1"/>
+              <a:t>Heroku</a:t>
+            </a:r>
+            <a:r>
+              <a:rPr lang="ro-RO" sz="2000" dirty="0"/>
+              <a:t> </a:t>
+            </a:r>
+            <a:endParaRPr lang="en-US" sz="2000" dirty="0"/>
+          </a:p>
+        </p:txBody>
+      </p:sp>
+      <p:sp>
+        <p:nvSpPr>
+          <p:cNvPr id="6" name="Substituent număr diapozitiv 5">
+            <a:extLst>
+              <a:ext uri="{FF2B5EF4-FFF2-40B4-BE49-F238E27FC236}">
+                <a16:creationId xmlns:a16="http://schemas.microsoft.com/office/drawing/2014/main" id="{D6940163-1A80-4B72-9D07-628B70044164}"/>
+              </a:ext>
+            </a:extLst>
+          </p:cNvPr>
+          <p:cNvSpPr>
+            <a:spLocks noGrp="1"/>
+          </p:cNvSpPr>
+          <p:nvPr>
+            <p:ph type="sldNum" sz="quarter" idx="12"/>
+          </p:nvPr>
+        </p:nvSpPr>
+        <p:spPr/>
+        <p:txBody>
+          <a:bodyPr/>
+          <a:lstStyle/>
+          <a:p>
+            <a:fld id="{FE899CAE-04D7-4AFC-956F-C57F365175A7}" type="slidenum">
+              <a:rPr lang="en-US" smtClean="0"/>
+              <a:pPr/>
+              <a:t>12</a:t>
+            </a:fld>
+            <a:endParaRPr lang="en-US" dirty="0"/>
+          </a:p>
+        </p:txBody>
+      </p:sp>
+    </p:spTree>
+    <p:extLst>
+      <p:ext uri="{BB962C8B-B14F-4D97-AF65-F5344CB8AC3E}">
+        <p14:creationId xmlns:p14="http://schemas.microsoft.com/office/powerpoint/2010/main" val="3682275979"/>
+      </p:ext>
+    </p:extLst>
+  </p:cSld>
+  <p:clrMapOvr>
+    <a:masterClrMapping/>
+  </p:clrMapOvr>
+</p:sld>
+</file>
+
+<file path=ppt/slides/slide2.xml><?xml version="1.0" encoding="utf-8"?>
+<p:sld xmlns:a="http://schemas.openxmlformats.org/drawingml/2006/main" xmlns:r="http://schemas.openxmlformats.org/officeDocument/2006/relationships" xmlns:p="http://schemas.openxmlformats.org/presentationml/2006/main" showMasterSp="0">
+  <p:cSld>
+    <p:spTree>
+      <p:nvGrpSpPr>
+        <p:cNvPr id="1" name=""/>
+        <p:cNvGrpSpPr/>
+        <p:nvPr/>
+      </p:nvGrpSpPr>
+      <p:grpSpPr>
+        <a:xfrm>
+          <a:off x="0" y="0"/>
+          <a:ext cx="0" cy="0"/>
+          <a:chOff x="0" y="0"/>
+          <a:chExt cx="0" cy="0"/>
+        </a:xfrm>
+      </p:grpSpPr>
+      <p:sp>
+        <p:nvSpPr>
+          <p:cNvPr id="2" name="Titlu 1">
+            <a:extLst>
+              <a:ext uri="{FF2B5EF4-FFF2-40B4-BE49-F238E27FC236}">
+                <a16:creationId xmlns:a16="http://schemas.microsoft.com/office/drawing/2014/main" id="{B129BC0B-D326-46C0-8715-226039959E6D}"/>
+              </a:ext>
+            </a:extLst>
+          </p:cNvPr>
+          <p:cNvSpPr>
+            <a:spLocks noGrp="1"/>
+          </p:cNvSpPr>
+          <p:nvPr>
+            <p:ph type="title"/>
+          </p:nvPr>
+        </p:nvSpPr>
+        <p:spPr>
+          <a:xfrm>
+            <a:off x="653144" y="624110"/>
+            <a:ext cx="10851470" cy="1280890"/>
+          </a:xfrm>
+        </p:spPr>
+        <p:txBody>
+          <a:bodyPr/>
+          <a:lstStyle/>
+          <a:p>
+            <a:r>
+              <a:rPr lang="en-US" dirty="0" err="1"/>
+              <a:t>Cuprins</a:t>
+            </a:r>
+            <a:endParaRPr lang="en-US" dirty="0"/>
+          </a:p>
+        </p:txBody>
+      </p:sp>
+      <p:sp>
+        <p:nvSpPr>
+          <p:cNvPr id="3" name="Substituent conținut 2">
+            <a:extLst>
+              <a:ext uri="{FF2B5EF4-FFF2-40B4-BE49-F238E27FC236}">
+                <a16:creationId xmlns:a16="http://schemas.microsoft.com/office/drawing/2014/main" id="{94BE2CDC-BC46-451D-9580-0D4766FA3006}"/>
+              </a:ext>
+            </a:extLst>
+          </p:cNvPr>
+          <p:cNvSpPr>
+            <a:spLocks noGrp="1"/>
+          </p:cNvSpPr>
+          <p:nvPr>
+            <p:ph idx="1"/>
+          </p:nvPr>
+        </p:nvSpPr>
+        <p:spPr>
+          <a:xfrm>
+            <a:off x="653142" y="2133600"/>
+            <a:ext cx="10851470" cy="3777622"/>
+          </a:xfrm>
+        </p:spPr>
+        <p:txBody>
+          <a:bodyPr/>
+          <a:lstStyle/>
+          <a:p>
+            <a:pPr>
+              <a:buFont typeface="Arial" panose="020B0604020202020204" pitchFamily="34" charset="0"/>
+              <a:buChar char="•"/>
+            </a:pPr>
+            <a:r>
+              <a:rPr lang="en-US" dirty="0" err="1">
+                <a:hlinkClick r:id="rId2" action="ppaction://hlinksldjump"/>
+              </a:rPr>
+              <a:t>Introducere</a:t>
+            </a:r>
+            <a:endParaRPr lang="en-US" dirty="0"/>
+          </a:p>
+          <a:p>
+            <a:pPr>
+              <a:buFont typeface="Arial" panose="020B0604020202020204" pitchFamily="34" charset="0"/>
+              <a:buChar char="•"/>
+            </a:pPr>
+            <a:r>
+              <a:rPr lang="en-US" u="sng" dirty="0" err="1">
+                <a:hlinkClick r:id="rId3" action="ppaction://hlinksldjump"/>
+              </a:rPr>
+              <a:t>Competi</a:t>
+            </a:r>
+            <a:r>
+              <a:rPr lang="ro-RO" u="sng" dirty="0">
+                <a:hlinkClick r:id="rId3" action="ppaction://hlinksldjump"/>
+              </a:rPr>
+              <a:t>ție</a:t>
+            </a:r>
+            <a:endParaRPr lang="en-US" u="sng" dirty="0"/>
+          </a:p>
+          <a:p>
+            <a:pPr>
+              <a:buFont typeface="Arial" panose="020B0604020202020204" pitchFamily="34" charset="0"/>
+              <a:buChar char="•"/>
+            </a:pPr>
+            <a:r>
+              <a:rPr lang="ro-RO" u="sng" dirty="0">
+                <a:hlinkClick r:id="rId4" action="ppaction://hlinksldjump"/>
+              </a:rPr>
+              <a:t>Arhitectura sistemului</a:t>
+            </a:r>
+            <a:endParaRPr lang="ro-RO" u="sng" dirty="0"/>
+          </a:p>
+          <a:p>
+            <a:pPr>
+              <a:buFont typeface="Arial" panose="020B0604020202020204" pitchFamily="34" charset="0"/>
+              <a:buChar char="•"/>
+            </a:pPr>
+            <a:r>
+              <a:rPr lang="ro-RO" u="sng" dirty="0">
+                <a:hlinkClick r:id="rId5" action="ppaction://hlinksldjump"/>
+              </a:rPr>
+              <a:t>Implementarea soluției</a:t>
+            </a:r>
+            <a:endParaRPr lang="ro-RO" u="sng" dirty="0"/>
+          </a:p>
+          <a:p>
+            <a:pPr>
+              <a:buFont typeface="Arial" panose="020B0604020202020204" pitchFamily="34" charset="0"/>
+              <a:buChar char="•"/>
+            </a:pPr>
+            <a:r>
+              <a:rPr lang="ro-RO" u="sng" dirty="0" err="1">
+                <a:hlinkClick r:id="rId6" action="ppaction://hlinksldjump"/>
+              </a:rPr>
+              <a:t>Demo</a:t>
+            </a:r>
+            <a:endParaRPr lang="ro-RO" u="sng" dirty="0"/>
+          </a:p>
+          <a:p>
+            <a:pPr>
+              <a:buFont typeface="Arial" panose="020B0604020202020204" pitchFamily="34" charset="0"/>
+              <a:buChar char="•"/>
+            </a:pPr>
+            <a:r>
+              <a:rPr lang="ro-RO" u="sng" dirty="0">
+                <a:hlinkClick r:id="rId7" action="ppaction://hlinksldjump"/>
+              </a:rPr>
+              <a:t>Concluzii și direcții de dezvoltare</a:t>
+            </a:r>
+            <a:endParaRPr lang="en-US" u="sng" dirty="0"/>
+          </a:p>
+        </p:txBody>
+      </p:sp>
+      <p:sp>
+        <p:nvSpPr>
+          <p:cNvPr id="8" name="Substituent număr diapozitiv 7">
+            <a:extLst>
+              <a:ext uri="{FF2B5EF4-FFF2-40B4-BE49-F238E27FC236}">
+                <a16:creationId xmlns:a16="http://schemas.microsoft.com/office/drawing/2014/main" id="{06C12413-14FD-46E7-BA14-111530D54DDF}"/>
+              </a:ext>
+            </a:extLst>
+          </p:cNvPr>
+          <p:cNvSpPr>
+            <a:spLocks noGrp="1"/>
+          </p:cNvSpPr>
+          <p:nvPr>
+            <p:ph type="sldNum" sz="quarter" idx="12"/>
+          </p:nvPr>
+        </p:nvSpPr>
+        <p:spPr/>
+        <p:txBody>
+          <a:bodyPr/>
+          <a:lstStyle/>
+          <a:p>
+            <a:fld id="{FE899CAE-04D7-4AFC-956F-C57F365175A7}" type="slidenum">
+              <a:rPr lang="en-US" smtClean="0"/>
+              <a:pPr/>
+              <a:t>2</a:t>
+            </a:fld>
+            <a:endParaRPr lang="en-US" dirty="0"/>
+          </a:p>
+        </p:txBody>
+      </p:sp>
+    </p:spTree>
+    <p:extLst>
+      <p:ext uri="{BB962C8B-B14F-4D97-AF65-F5344CB8AC3E}">
+        <p14:creationId xmlns:p14="http://schemas.microsoft.com/office/powerpoint/2010/main" val="1862568680"/>
+      </p:ext>
+    </p:extLst>
+  </p:cSld>
+  <p:clrMapOvr>
+    <a:masterClrMapping/>
+  </p:clrMapOvr>
+</p:sld>
+</file>
+
+<file path=ppt/slides/slide3.xml><?xml version="1.0" encoding="utf-8"?>
+<p:sld xmlns:a="http://schemas.openxmlformats.org/drawingml/2006/main" xmlns:r="http://schemas.openxmlformats.org/officeDocument/2006/relationships" xmlns:p="http://schemas.openxmlformats.org/presentationml/2006/main" showMasterSp="0">
+  <p:cSld>
+    <p:spTree>
+      <p:nvGrpSpPr>
+        <p:cNvPr id="1" name=""/>
+        <p:cNvGrpSpPr/>
+        <p:nvPr/>
+      </p:nvGrpSpPr>
+      <p:grpSpPr>
+        <a:xfrm>
+          <a:off x="0" y="0"/>
+          <a:ext cx="0" cy="0"/>
+          <a:chOff x="0" y="0"/>
+          <a:chExt cx="0" cy="0"/>
+        </a:xfrm>
+      </p:grpSpPr>
+      <p:sp>
+        <p:nvSpPr>
+          <p:cNvPr id="6" name="Substituent număr diapozitiv 5">
+            <a:extLst>
+              <a:ext uri="{FF2B5EF4-FFF2-40B4-BE49-F238E27FC236}">
+                <a16:creationId xmlns:a16="http://schemas.microsoft.com/office/drawing/2014/main" id="{D7028702-EE1F-471C-93D0-CAFA8FFDF91E}"/>
+              </a:ext>
+            </a:extLst>
+          </p:cNvPr>
+          <p:cNvSpPr>
+            <a:spLocks noGrp="1"/>
+          </p:cNvSpPr>
+          <p:nvPr>
+            <p:ph type="sldNum" sz="quarter" idx="12"/>
+          </p:nvPr>
+        </p:nvSpPr>
+        <p:spPr/>
+        <p:txBody>
+          <a:bodyPr/>
+          <a:lstStyle/>
+          <a:p>
+            <a:fld id="{FE899CAE-04D7-4AFC-956F-C57F365175A7}" type="slidenum">
+              <a:rPr lang="en-US" smtClean="0"/>
+              <a:pPr/>
+              <a:t>3</a:t>
+            </a:fld>
+            <a:endParaRPr lang="en-US" dirty="0"/>
+          </a:p>
+        </p:txBody>
+      </p:sp>
+      <p:sp>
+        <p:nvSpPr>
+          <p:cNvPr id="11" name="Titlu 1">
+            <a:extLst>
+              <a:ext uri="{FF2B5EF4-FFF2-40B4-BE49-F238E27FC236}">
+                <a16:creationId xmlns:a16="http://schemas.microsoft.com/office/drawing/2014/main" id="{A69BED1A-D8FA-471F-9805-B5FE27C5E4AB}"/>
+              </a:ext>
+            </a:extLst>
+          </p:cNvPr>
+          <p:cNvSpPr>
+            <a:spLocks noGrp="1"/>
+          </p:cNvSpPr>
+          <p:nvPr>
+            <p:ph type="title"/>
+          </p:nvPr>
+        </p:nvSpPr>
+        <p:spPr>
+          <a:xfrm>
+            <a:off x="762000" y="397382"/>
+            <a:ext cx="10515600" cy="1325563"/>
+          </a:xfrm>
+        </p:spPr>
+        <p:txBody>
+          <a:bodyPr/>
+          <a:lstStyle/>
+          <a:p>
+            <a:r>
+              <a:rPr lang="ro-RO" dirty="0"/>
+              <a:t>Introducere</a:t>
+            </a:r>
+            <a:endParaRPr lang="en-US" dirty="0"/>
+          </a:p>
+        </p:txBody>
+      </p:sp>
+      <p:sp>
+        <p:nvSpPr>
+          <p:cNvPr id="12" name="Substituent conținut 2">
+            <a:extLst>
+              <a:ext uri="{FF2B5EF4-FFF2-40B4-BE49-F238E27FC236}">
+                <a16:creationId xmlns:a16="http://schemas.microsoft.com/office/drawing/2014/main" id="{03792220-7BB4-4E2F-86E6-ECBB5D3D96CC}"/>
+              </a:ext>
+            </a:extLst>
+          </p:cNvPr>
+          <p:cNvSpPr>
+            <a:spLocks noGrp="1"/>
+          </p:cNvSpPr>
+          <p:nvPr>
+            <p:ph idx="1"/>
+          </p:nvPr>
+        </p:nvSpPr>
+        <p:spPr>
+          <a:xfrm>
+            <a:off x="762000" y="1609725"/>
+            <a:ext cx="10742612" cy="4838700"/>
+          </a:xfrm>
+        </p:spPr>
+        <p:txBody>
+          <a:bodyPr>
+            <a:normAutofit/>
+          </a:bodyPr>
+          <a:lstStyle/>
+          <a:p>
+            <a:pPr>
+              <a:buFont typeface="Arial" panose="020B0604020202020204" pitchFamily="34" charset="0"/>
+              <a:buChar char="•"/>
+            </a:pPr>
+            <a:r>
+              <a:rPr lang="en-US" sz="2200" dirty="0" err="1"/>
+              <a:t>Domeniu</a:t>
+            </a:r>
+            <a:r>
+              <a:rPr lang="en-US" sz="2200" dirty="0"/>
+              <a:t> </a:t>
+            </a:r>
+            <a:r>
+              <a:rPr lang="en-US" sz="2200" dirty="0" err="1"/>
+              <a:t>abordat</a:t>
+            </a:r>
+            <a:r>
+              <a:rPr lang="en-US" sz="2200" dirty="0"/>
+              <a:t>:</a:t>
+            </a:r>
+          </a:p>
+          <a:p>
+            <a:pPr lvl="1">
+              <a:buFont typeface="Wingdings" panose="05000000000000000000" pitchFamily="2" charset="2"/>
+              <a:buChar char="Ø"/>
+            </a:pPr>
+            <a:r>
+              <a:rPr lang="en-US" sz="2000" b="0" i="0" u="none" strike="noStrike" baseline="0" dirty="0" err="1"/>
+              <a:t>Scopul</a:t>
+            </a:r>
+            <a:r>
+              <a:rPr lang="en-US" sz="2000" b="0" i="0" u="none" strike="noStrike" baseline="0" dirty="0"/>
+              <a:t> primordial al </a:t>
+            </a:r>
+            <a:r>
+              <a:rPr lang="en-US" sz="2000" b="0" i="0" u="none" strike="noStrike" baseline="0" dirty="0" err="1"/>
+              <a:t>conceptului</a:t>
+            </a:r>
+            <a:r>
+              <a:rPr lang="en-US" sz="2000" b="0" i="0" u="none" strike="noStrike" baseline="0" dirty="0"/>
+              <a:t> de Internet Of Things </a:t>
+            </a:r>
+            <a:r>
+              <a:rPr lang="en-US" sz="2000" b="0" i="0" u="none" strike="noStrike" baseline="0" dirty="0" err="1"/>
+              <a:t>este</a:t>
+            </a:r>
+            <a:r>
+              <a:rPr lang="en-US" sz="2000" b="0" i="0" u="none" strike="noStrike" baseline="0" dirty="0"/>
+              <a:t> de a face </a:t>
+            </a:r>
+            <a:r>
+              <a:rPr lang="en-US" sz="2000" b="0" i="0" u="none" strike="noStrike" baseline="0" dirty="0" err="1"/>
+              <a:t>posibil</a:t>
+            </a:r>
+            <a:r>
+              <a:rPr lang="ro-RO" sz="2000" b="0" i="0" u="none" strike="noStrike" baseline="0" dirty="0"/>
+              <a:t>ă</a:t>
+            </a:r>
+            <a:r>
+              <a:rPr lang="en-US" sz="2000" b="0" i="0" u="none" strike="noStrike" baseline="0" dirty="0"/>
+              <a:t> </a:t>
+            </a:r>
+            <a:r>
+              <a:rPr lang="en-US" sz="2000" b="0" i="0" u="none" strike="noStrike" baseline="0" dirty="0" err="1"/>
+              <a:t>comunicarea</a:t>
+            </a:r>
+            <a:r>
+              <a:rPr lang="en-US" sz="2000" b="0" i="0" u="none" strike="noStrike" baseline="0" dirty="0"/>
+              <a:t> </a:t>
+            </a:r>
+            <a:r>
+              <a:rPr lang="en-US" sz="2000" b="0" i="0" u="none" strike="noStrike" baseline="0" dirty="0" err="1"/>
+              <a:t>între</a:t>
+            </a:r>
+            <a:r>
+              <a:rPr lang="en-US" sz="2000" b="0" i="0" u="none" strike="noStrike" baseline="0" dirty="0"/>
+              <a:t> </a:t>
+            </a:r>
+            <a:r>
+              <a:rPr lang="en-US" sz="2000" b="0" i="0" u="none" strike="noStrike" baseline="0" dirty="0" err="1"/>
+              <a:t>obiectele</a:t>
+            </a:r>
+            <a:r>
+              <a:rPr lang="en-US" sz="2000" b="0" i="0" u="none" strike="noStrike" baseline="0" dirty="0"/>
+              <a:t> care </a:t>
+            </a:r>
+            <a:r>
+              <a:rPr lang="en-US" sz="2000" b="0" i="0" u="none" strike="noStrike" baseline="0" dirty="0" err="1"/>
+              <a:t>prezint</a:t>
+            </a:r>
+            <a:r>
+              <a:rPr lang="ro-RO" sz="2000" dirty="0"/>
+              <a:t>ă</a:t>
+            </a:r>
+            <a:r>
+              <a:rPr lang="en-US" sz="2000" b="0" i="0" u="none" strike="noStrike" baseline="0" dirty="0"/>
+              <a:t> </a:t>
+            </a:r>
+            <a:r>
+              <a:rPr lang="en-US" sz="2000" b="0" i="0" u="none" strike="noStrike" baseline="0" dirty="0" err="1"/>
+              <a:t>utilitate</a:t>
+            </a:r>
+            <a:r>
+              <a:rPr lang="en-US" sz="2000" b="0" i="0" u="none" strike="noStrike" baseline="0" dirty="0"/>
+              <a:t> </a:t>
+            </a:r>
+            <a:r>
+              <a:rPr lang="en-US" sz="2000" b="0" i="0" u="none" strike="noStrike" baseline="0" dirty="0" err="1"/>
+              <a:t>în</a:t>
+            </a:r>
+            <a:r>
+              <a:rPr lang="en-US" sz="2000" b="0" i="0" u="none" strike="noStrike" baseline="0" dirty="0"/>
+              <a:t> via</a:t>
+            </a:r>
+            <a:r>
+              <a:rPr lang="ro-RO" sz="2000" b="0" i="0" u="none" strike="noStrike" baseline="0" dirty="0"/>
+              <a:t>ț</a:t>
+            </a:r>
+            <a:r>
+              <a:rPr lang="en-US" sz="2000" b="0" i="0" u="none" strike="noStrike" baseline="0" dirty="0"/>
+              <a:t>a de </a:t>
+            </a:r>
+            <a:r>
+              <a:rPr lang="en-US" sz="2000" b="0" i="0" u="none" strike="noStrike" baseline="0" dirty="0" err="1"/>
+              <a:t>zi</a:t>
+            </a:r>
+            <a:r>
+              <a:rPr lang="en-US" sz="2000" b="0" i="0" u="none" strike="noStrike" baseline="0" dirty="0"/>
+              <a:t> cu </a:t>
+            </a:r>
+            <a:r>
+              <a:rPr lang="en-US" sz="2000" b="0" i="0" u="none" strike="noStrike" baseline="0" dirty="0" err="1"/>
+              <a:t>zi</a:t>
+            </a:r>
+            <a:r>
+              <a:rPr lang="en-US" sz="2000" b="0" i="0" u="none" strike="noStrike" baseline="0" dirty="0"/>
+              <a:t>. </a:t>
+            </a:r>
+            <a:r>
+              <a:rPr lang="en-US" sz="2000" b="0" i="0" u="none" strike="noStrike" baseline="0" dirty="0" err="1"/>
+              <a:t>Acesta</a:t>
+            </a:r>
+            <a:r>
+              <a:rPr lang="en-US" sz="2000" b="0" i="0" u="none" strike="noStrike" baseline="0" dirty="0"/>
+              <a:t> </a:t>
+            </a:r>
+            <a:r>
+              <a:rPr lang="en-US" sz="2000" b="0" i="0" u="none" strike="noStrike" baseline="0" dirty="0" err="1"/>
+              <a:t>reprezint</a:t>
+            </a:r>
+            <a:r>
+              <a:rPr lang="ro-RO" sz="2000" b="0" i="0" u="none" strike="noStrike" baseline="0" dirty="0"/>
+              <a:t>ă</a:t>
+            </a:r>
+            <a:r>
+              <a:rPr lang="en-US" sz="2000" b="0" i="0" u="none" strike="noStrike" baseline="0" dirty="0"/>
+              <a:t> o</a:t>
+            </a:r>
+            <a:r>
+              <a:rPr lang="ro-RO" sz="2000" b="0" i="0" u="none" strike="noStrike" baseline="0" dirty="0"/>
+              <a:t> </a:t>
+            </a:r>
+            <a:r>
+              <a:rPr lang="en-US" sz="2000" b="0" i="0" u="none" strike="noStrike" baseline="0" dirty="0"/>
+              <a:t>re</a:t>
+            </a:r>
+            <a:r>
+              <a:rPr lang="ro-RO" sz="2000" b="0" i="0" u="none" strike="noStrike" baseline="0" dirty="0"/>
+              <a:t>ț</a:t>
+            </a:r>
+            <a:r>
+              <a:rPr lang="en-US" sz="2000" b="0" i="0" u="none" strike="noStrike" baseline="0" dirty="0" err="1"/>
+              <a:t>ea</a:t>
+            </a:r>
+            <a:r>
+              <a:rPr lang="en-US" sz="2000" b="0" i="0" u="none" strike="noStrike" baseline="0" dirty="0"/>
+              <a:t> vast</a:t>
+            </a:r>
+            <a:r>
+              <a:rPr lang="ro-RO" sz="2000" dirty="0"/>
+              <a:t>ă</a:t>
+            </a:r>
+            <a:r>
+              <a:rPr lang="en-US" sz="2000" b="0" i="0" u="none" strike="noStrike" baseline="0" dirty="0"/>
+              <a:t> de </a:t>
+            </a:r>
+            <a:r>
+              <a:rPr lang="en-US" sz="2000" b="0" i="0" u="none" strike="noStrike" baseline="0" dirty="0" err="1"/>
+              <a:t>dispozitive</a:t>
+            </a:r>
+            <a:r>
+              <a:rPr lang="en-US" sz="2000" b="0" i="0" u="none" strike="noStrike" baseline="0" dirty="0"/>
+              <a:t> </a:t>
+            </a:r>
+            <a:r>
+              <a:rPr lang="en-US" sz="2000" b="0" i="0" u="none" strike="noStrike" baseline="0" dirty="0" err="1"/>
+              <a:t>interconectate</a:t>
+            </a:r>
+            <a:r>
+              <a:rPr lang="en-US" sz="2000" b="0" i="0" u="none" strike="noStrike" baseline="0" dirty="0"/>
+              <a:t> care sunt </a:t>
+            </a:r>
+            <a:r>
+              <a:rPr lang="en-US" sz="2000" b="0" i="0" u="none" strike="noStrike" baseline="0" dirty="0" err="1"/>
+              <a:t>capabile</a:t>
+            </a:r>
+            <a:r>
+              <a:rPr lang="en-US" sz="2000" b="0" i="0" u="none" strike="noStrike" baseline="0" dirty="0"/>
+              <a:t> s</a:t>
+            </a:r>
+            <a:r>
+              <a:rPr lang="ro-RO" sz="2000" dirty="0"/>
+              <a:t>ă</a:t>
+            </a:r>
+            <a:r>
+              <a:rPr lang="en-US" sz="2000" b="0" i="0" u="none" strike="noStrike" baseline="0" dirty="0"/>
+              <a:t> </a:t>
+            </a:r>
+            <a:r>
+              <a:rPr lang="en-US" sz="2000" b="0" i="0" u="none" strike="noStrike" baseline="0" dirty="0" err="1"/>
+              <a:t>ia</a:t>
+            </a:r>
+            <a:r>
+              <a:rPr lang="en-US" sz="2000" b="0" i="0" u="none" strike="noStrike" baseline="0" dirty="0"/>
+              <a:t> </a:t>
+            </a:r>
+            <a:r>
+              <a:rPr lang="en-US" sz="2000" b="0" i="0" u="none" strike="noStrike" baseline="0" dirty="0" err="1"/>
+              <a:t>decizii</a:t>
+            </a:r>
+            <a:r>
+              <a:rPr lang="en-US" sz="2000" b="0" i="0" u="none" strike="noStrike" baseline="0" dirty="0"/>
+              <a:t> f</a:t>
+            </a:r>
+            <a:r>
+              <a:rPr lang="ro-RO" sz="2000" dirty="0"/>
+              <a:t>ă</a:t>
+            </a:r>
+            <a:r>
+              <a:rPr lang="en-US" sz="2000" b="0" i="0" u="none" strike="noStrike" baseline="0" dirty="0"/>
+              <a:t>r</a:t>
+            </a:r>
+            <a:r>
+              <a:rPr lang="ro-RO" sz="2000" b="0" i="0" u="none" strike="noStrike" baseline="0" dirty="0"/>
+              <a:t>ă</a:t>
+            </a:r>
+            <a:r>
+              <a:rPr lang="en-US" sz="2000" b="0" i="0" u="none" strike="noStrike" baseline="0" dirty="0"/>
+              <a:t> </a:t>
+            </a:r>
+            <a:r>
+              <a:rPr lang="en-US" sz="2000" b="0" i="0" u="none" strike="noStrike" baseline="0" dirty="0" err="1"/>
+              <a:t>interven</a:t>
+            </a:r>
+            <a:r>
+              <a:rPr lang="ro-RO" sz="2000" dirty="0"/>
+              <a:t>ț</a:t>
+            </a:r>
+            <a:r>
+              <a:rPr lang="en-US" sz="2000" b="0" i="0" u="none" strike="noStrike" baseline="0" dirty="0" err="1"/>
+              <a:t>ie</a:t>
+            </a:r>
+            <a:r>
+              <a:rPr lang="ro-RO" sz="2000" b="0" i="0" u="none" strike="noStrike" baseline="0" dirty="0"/>
+              <a:t> </a:t>
+            </a:r>
+            <a:r>
+              <a:rPr lang="en-US" sz="2000" b="0" i="0" u="none" strike="noStrike" baseline="0" dirty="0"/>
+              <a:t>din exterior. </a:t>
+            </a:r>
+            <a:r>
+              <a:rPr lang="en-US" sz="2000" b="0" i="0" u="none" strike="noStrike" baseline="0" dirty="0" err="1"/>
+              <a:t>Prin</a:t>
+            </a:r>
+            <a:r>
+              <a:rPr lang="en-US" sz="2000" b="0" i="0" u="none" strike="noStrike" baseline="0" dirty="0"/>
+              <a:t> </a:t>
+            </a:r>
+            <a:r>
+              <a:rPr lang="en-US" sz="2000" b="0" i="0" u="none" strike="noStrike" baseline="0" dirty="0" err="1"/>
+              <a:t>intermediul</a:t>
+            </a:r>
+            <a:r>
+              <a:rPr lang="en-US" sz="2000" b="0" i="0" u="none" strike="noStrike" baseline="0" dirty="0"/>
+              <a:t> </a:t>
+            </a:r>
+            <a:r>
+              <a:rPr lang="en-US" sz="2000" b="0" i="0" u="none" strike="noStrike" baseline="0" dirty="0" err="1"/>
+              <a:t>senzorilor</a:t>
+            </a:r>
+            <a:r>
+              <a:rPr lang="en-US" sz="2000" b="0" i="0" u="none" strike="noStrike" baseline="0" dirty="0"/>
+              <a:t> sunt </a:t>
+            </a:r>
+            <a:r>
+              <a:rPr lang="en-US" sz="2000" b="0" i="0" u="none" strike="noStrike" baseline="0" dirty="0" err="1"/>
+              <a:t>preluate</a:t>
+            </a:r>
+            <a:r>
+              <a:rPr lang="en-US" sz="2000" b="0" i="0" u="none" strike="noStrike" baseline="0" dirty="0"/>
+              <a:t> diverse date din </a:t>
+            </a:r>
+            <a:r>
+              <a:rPr lang="en-US" sz="2000" b="0" i="0" u="none" strike="noStrike" baseline="0" dirty="0" err="1"/>
+              <a:t>mediul</a:t>
+            </a:r>
+            <a:r>
+              <a:rPr lang="en-US" sz="2000" b="0" i="0" u="none" strike="noStrike" baseline="0" dirty="0"/>
+              <a:t> </a:t>
+            </a:r>
+            <a:r>
+              <a:rPr lang="en-US" sz="2000" b="0" i="0" u="none" strike="noStrike" baseline="0" dirty="0" err="1"/>
+              <a:t>înconjur</a:t>
+            </a:r>
+            <a:r>
+              <a:rPr lang="ro-RO" sz="2000" b="0" i="0" u="none" strike="noStrike" baseline="0" dirty="0"/>
+              <a:t>ă</a:t>
+            </a:r>
+            <a:r>
+              <a:rPr lang="en-US" sz="2000" b="0" i="0" u="none" strike="noStrike" baseline="0" dirty="0"/>
+              <a:t>tor, date care, </a:t>
+            </a:r>
+            <a:r>
+              <a:rPr lang="en-US" sz="2000" b="0" i="0" u="none" strike="noStrike" baseline="0" dirty="0" err="1"/>
+              <a:t>în</a:t>
+            </a:r>
+            <a:r>
+              <a:rPr lang="en-US" sz="2000" b="0" i="0" u="none" strike="noStrike" baseline="0" dirty="0"/>
+              <a:t> </a:t>
+            </a:r>
+            <a:r>
+              <a:rPr lang="en-US" sz="2000" b="0" i="0" u="none" strike="noStrike" baseline="0" dirty="0" err="1"/>
+              <a:t>urma</a:t>
+            </a:r>
+            <a:r>
+              <a:rPr lang="en-US" sz="2000" b="0" i="0" u="none" strike="noStrike" baseline="0" dirty="0"/>
+              <a:t> </a:t>
+            </a:r>
+            <a:r>
+              <a:rPr lang="en-US" sz="2000" b="0" i="0" u="none" strike="noStrike" baseline="0" dirty="0" err="1"/>
+              <a:t>prelucr</a:t>
+            </a:r>
+            <a:r>
+              <a:rPr lang="ro-RO" sz="2000" dirty="0"/>
+              <a:t>ă</a:t>
+            </a:r>
+            <a:r>
+              <a:rPr lang="en-US" sz="2000" b="0" i="0" u="none" strike="noStrike" baseline="0" dirty="0" err="1"/>
+              <a:t>rilor</a:t>
+            </a:r>
+            <a:r>
+              <a:rPr lang="en-US" sz="2000" b="0" i="0" u="none" strike="noStrike" baseline="0" dirty="0"/>
+              <a:t>, </a:t>
+            </a:r>
+            <a:r>
+              <a:rPr lang="en-US" sz="2000" b="0" i="0" u="none" strike="noStrike" baseline="0" dirty="0" err="1"/>
+              <a:t>determin</a:t>
+            </a:r>
+            <a:r>
+              <a:rPr lang="ro-RO" sz="2000" dirty="0"/>
+              <a:t>ă</a:t>
+            </a:r>
+            <a:r>
+              <a:rPr lang="en-US" sz="2000" b="0" i="0" u="none" strike="noStrike" baseline="0" dirty="0"/>
+              <a:t> </a:t>
+            </a:r>
+            <a:r>
+              <a:rPr lang="en-US" sz="2000" b="0" i="0" u="none" strike="noStrike" baseline="0" dirty="0" err="1"/>
+              <a:t>execu</a:t>
+            </a:r>
+            <a:r>
+              <a:rPr lang="ro-RO" sz="2000" dirty="0"/>
+              <a:t>ț</a:t>
+            </a:r>
+            <a:r>
+              <a:rPr lang="en-US" sz="2000" b="0" i="0" u="none" strike="noStrike" baseline="0" dirty="0" err="1"/>
+              <a:t>ia</a:t>
+            </a:r>
+            <a:r>
+              <a:rPr lang="en-US" sz="2000" b="0" i="0" u="none" strike="noStrike" baseline="0" dirty="0"/>
+              <a:t> </a:t>
+            </a:r>
+            <a:r>
+              <a:rPr lang="en-US" sz="2000" b="0" i="0" u="none" strike="noStrike" baseline="0" dirty="0" err="1"/>
+              <a:t>anumitor</a:t>
+            </a:r>
+            <a:r>
+              <a:rPr lang="en-US" sz="2000" b="0" i="0" u="none" strike="noStrike" baseline="0" dirty="0"/>
+              <a:t> ac</a:t>
+            </a:r>
+            <a:r>
+              <a:rPr lang="ro-RO" sz="2000" b="0" i="0" u="none" strike="noStrike" baseline="0" dirty="0"/>
+              <a:t>ț</a:t>
+            </a:r>
+            <a:r>
+              <a:rPr lang="en-US" sz="2000" b="0" i="0" u="none" strike="noStrike" baseline="0" dirty="0" err="1"/>
+              <a:t>iuni</a:t>
+            </a:r>
+            <a:endParaRPr lang="en-US" sz="2000" dirty="0"/>
+          </a:p>
+          <a:p>
+            <a:pPr>
+              <a:buFont typeface="Arial" panose="020B0604020202020204" pitchFamily="34" charset="0"/>
+              <a:buChar char="•"/>
+            </a:pPr>
+            <a:r>
+              <a:rPr lang="ro-RO" sz="2200" dirty="0"/>
+              <a:t>Motivație</a:t>
+            </a:r>
+            <a:r>
+              <a:rPr lang="en-US" sz="2200" dirty="0"/>
+              <a:t>:</a:t>
+            </a:r>
+          </a:p>
+          <a:p>
+            <a:pPr lvl="1">
+              <a:buFont typeface="Wingdings" panose="05000000000000000000" pitchFamily="2" charset="2"/>
+              <a:buChar char="Ø"/>
+            </a:pPr>
+            <a:r>
+              <a:rPr lang="en-US" sz="2000" dirty="0" err="1"/>
+              <a:t>Dorin</a:t>
+            </a:r>
+            <a:r>
+              <a:rPr lang="ro-RO" sz="2000" dirty="0"/>
+              <a:t>ța de a putea controla temperatura în mai multe zone ale imobilului</a:t>
+            </a:r>
+            <a:endParaRPr lang="en-US" sz="2000" dirty="0"/>
+          </a:p>
+          <a:p>
+            <a:pPr>
+              <a:buFont typeface="Arial" panose="020B0604020202020204" pitchFamily="34" charset="0"/>
+              <a:buChar char="•"/>
+            </a:pPr>
+            <a:r>
+              <a:rPr lang="en-US" sz="2200" dirty="0"/>
+              <a:t>Scop:</a:t>
+            </a:r>
+          </a:p>
+          <a:p>
+            <a:pPr lvl="1">
+              <a:buFont typeface="Wingdings" panose="05000000000000000000" pitchFamily="2" charset="2"/>
+              <a:buChar char="Ø"/>
+            </a:pPr>
+            <a:r>
+              <a:rPr lang="en-US" sz="2000" dirty="0" err="1"/>
+              <a:t>Reducerea</a:t>
+            </a:r>
+            <a:r>
+              <a:rPr lang="en-US" sz="2000" dirty="0"/>
+              <a:t> </a:t>
+            </a:r>
+            <a:r>
+              <a:rPr lang="en-US" sz="2000" dirty="0" err="1"/>
+              <a:t>consumului</a:t>
+            </a:r>
+            <a:r>
+              <a:rPr lang="en-US" sz="2000" dirty="0"/>
+              <a:t> de </a:t>
+            </a:r>
+            <a:r>
+              <a:rPr lang="en-US" sz="2000" dirty="0" err="1"/>
+              <a:t>gaz</a:t>
+            </a:r>
+            <a:endParaRPr lang="en-US" sz="2000" dirty="0"/>
+          </a:p>
+          <a:p>
+            <a:pPr lvl="1">
+              <a:buFont typeface="Wingdings" panose="05000000000000000000" pitchFamily="2" charset="2"/>
+              <a:buChar char="Ø"/>
+            </a:pPr>
+            <a:r>
+              <a:rPr lang="en-US" sz="2000" dirty="0" err="1"/>
+              <a:t>Monitorizarea</a:t>
+            </a:r>
+            <a:r>
+              <a:rPr lang="en-US" sz="2000" dirty="0"/>
+              <a:t> </a:t>
+            </a:r>
+            <a:r>
+              <a:rPr lang="ro-RO" sz="2000" dirty="0"/>
+              <a:t>și controlul de la distanță al temperaturii</a:t>
+            </a:r>
+            <a:endParaRPr lang="en-US" sz="2000" dirty="0"/>
+          </a:p>
+          <a:p>
+            <a:pPr lvl="1">
+              <a:buFont typeface="Wingdings" panose="05000000000000000000" pitchFamily="2" charset="2"/>
+              <a:buChar char="Ø"/>
+            </a:pPr>
+            <a:r>
+              <a:rPr lang="ro-RO" sz="2000" dirty="0"/>
+              <a:t>Egalizarea temperaturii în fiecare cameră a imobilului</a:t>
+            </a:r>
+          </a:p>
+          <a:p>
+            <a:endParaRPr lang="ro-RO" dirty="0"/>
+          </a:p>
+          <a:p>
+            <a:endParaRPr lang="ro-RO" dirty="0"/>
+          </a:p>
+        </p:txBody>
+      </p:sp>
+    </p:spTree>
+    <p:extLst>
+      <p:ext uri="{BB962C8B-B14F-4D97-AF65-F5344CB8AC3E}">
+        <p14:creationId xmlns:p14="http://schemas.microsoft.com/office/powerpoint/2010/main" val="3231738998"/>
+      </p:ext>
+    </p:extLst>
+  </p:cSld>
+  <p:clrMapOvr>
+    <a:masterClrMapping/>
+  </p:clrMapOvr>
+</p:sld>
+</file>
+
+<file path=ppt/slides/slide4.xml><?xml version="1.0" encoding="utf-8"?>
 <p:sld xmlns:a="http://schemas.openxmlformats.org/drawingml/2006/main" xmlns:r="http://schemas.openxmlformats.org/officeDocument/2006/relationships" xmlns:p="http://schemas.openxmlformats.org/presentationml/2006/main">
   <p:cSld>
     <p:bg>
@@ -8525,10 +9907,10 @@
       </p:grpSpPr>
       <p:sp useBgFill="1">
         <p:nvSpPr>
-          <p:cNvPr id="12" name="Freeform: Shape 11">
+          <p:cNvPr id="20" name="Rectangle 19">
             <a:extLst>
               <a:ext uri="{FF2B5EF4-FFF2-40B4-BE49-F238E27FC236}">
-                <a16:creationId xmlns:a16="http://schemas.microsoft.com/office/drawing/2014/main" id="{23C7736A-5A08-4021-9AB6-390DFF506AA8}"/>
+                <a16:creationId xmlns:a16="http://schemas.microsoft.com/office/drawing/2014/main" id="{A7AF9E2D-8F98-4755-895E-D65689F2A145}"/>
               </a:ext>
               <a:ext uri="{C183D7F6-B498-43B3-948B-1728B52AA6E4}">
                 <adec:decorative xmlns:adec="http://schemas.microsoft.com/office/drawing/2017/decorative" val="1"/>
@@ -8546,223 +9928,28 @@
             </p:extLst>
           </p:nvPr>
         </p:nvSpPr>
-        <p:spPr bwMode="grayWhite">
+        <p:spPr>
           <a:xfrm>
-            <a:off x="0" y="0"/>
-            <a:ext cx="8170246" cy="6858000"/>
+            <a:off x="-7620" y="-1"/>
+            <a:ext cx="12207240" cy="6858001"/>
           </a:xfrm>
-          <a:custGeom>
+          <a:prstGeom prst="rect">
             <a:avLst/>
-            <a:gdLst>
-              <a:gd name="connsiteX0" fmla="*/ 4738960 w 8170246"/>
-              <a:gd name="connsiteY0" fmla="*/ 0 h 6858000"/>
-              <a:gd name="connsiteX1" fmla="*/ 4862151 w 8170246"/>
-              <a:gd name="connsiteY1" fmla="*/ 0 h 6858000"/>
-              <a:gd name="connsiteX2" fmla="*/ 8088169 w 8170246"/>
-              <a:gd name="connsiteY2" fmla="*/ 3226735 h 6858000"/>
-              <a:gd name="connsiteX3" fmla="*/ 8088169 w 8170246"/>
-              <a:gd name="connsiteY3" fmla="*/ 3626507 h 6858000"/>
-              <a:gd name="connsiteX4" fmla="*/ 4857393 w 8170246"/>
-              <a:gd name="connsiteY4" fmla="*/ 6858000 h 6858000"/>
-              <a:gd name="connsiteX5" fmla="*/ 4783581 w 8170246"/>
-              <a:gd name="connsiteY5" fmla="*/ 6858000 h 6858000"/>
-              <a:gd name="connsiteX6" fmla="*/ 4734202 w 8170246"/>
-              <a:gd name="connsiteY6" fmla="*/ 6858000 h 6858000"/>
-              <a:gd name="connsiteX7" fmla="*/ 7964978 w 8170246"/>
-              <a:gd name="connsiteY7" fmla="*/ 3626507 h 6858000"/>
-              <a:gd name="connsiteX8" fmla="*/ 7964978 w 8170246"/>
-              <a:gd name="connsiteY8" fmla="*/ 3226735 h 6858000"/>
-              <a:gd name="connsiteX9" fmla="*/ 4738960 w 8170246"/>
-              <a:gd name="connsiteY9" fmla="*/ 0 h 6858000"/>
-              <a:gd name="connsiteX10" fmla="*/ 0 w 8170246"/>
-              <a:gd name="connsiteY10" fmla="*/ 0 h 6858000"/>
-              <a:gd name="connsiteX11" fmla="*/ 98791 w 8170246"/>
-              <a:gd name="connsiteY11" fmla="*/ 0 h 6858000"/>
-              <a:gd name="connsiteX12" fmla="*/ 4456718 w 8170246"/>
-              <a:gd name="connsiteY12" fmla="*/ 0 h 6858000"/>
-              <a:gd name="connsiteX13" fmla="*/ 4603489 w 8170246"/>
-              <a:gd name="connsiteY13" fmla="*/ 0 h 6858000"/>
-              <a:gd name="connsiteX14" fmla="*/ 7829507 w 8170246"/>
-              <a:gd name="connsiteY14" fmla="*/ 3226735 h 6858000"/>
-              <a:gd name="connsiteX15" fmla="*/ 7829507 w 8170246"/>
-              <a:gd name="connsiteY15" fmla="*/ 3626507 h 6858000"/>
-              <a:gd name="connsiteX16" fmla="*/ 4598731 w 8170246"/>
-              <a:gd name="connsiteY16" fmla="*/ 6858000 h 6858000"/>
-              <a:gd name="connsiteX17" fmla="*/ 4540663 w 8170246"/>
-              <a:gd name="connsiteY17" fmla="*/ 6858000 h 6858000"/>
-              <a:gd name="connsiteX18" fmla="*/ 133398 w 8170246"/>
-              <a:gd name="connsiteY18" fmla="*/ 6858000 h 6858000"/>
-              <a:gd name="connsiteX19" fmla="*/ 0 w 8170246"/>
-              <a:gd name="connsiteY19" fmla="*/ 6858000 h 6858000"/>
-            </a:gdLst>
-            <a:ahLst/>
-            <a:cxnLst>
-              <a:cxn ang="0">
-                <a:pos x="connsiteX0" y="connsiteY0"/>
-              </a:cxn>
-              <a:cxn ang="0">
-                <a:pos x="connsiteX1" y="connsiteY1"/>
-              </a:cxn>
-              <a:cxn ang="0">
-                <a:pos x="connsiteX2" y="connsiteY2"/>
-              </a:cxn>
-              <a:cxn ang="0">
-                <a:pos x="connsiteX3" y="connsiteY3"/>
-              </a:cxn>
-              <a:cxn ang="0">
-                <a:pos x="connsiteX4" y="connsiteY4"/>
-              </a:cxn>
-              <a:cxn ang="0">
-                <a:pos x="connsiteX5" y="connsiteY5"/>
-              </a:cxn>
-              <a:cxn ang="0">
-                <a:pos x="connsiteX6" y="connsiteY6"/>
-              </a:cxn>
-              <a:cxn ang="0">
-                <a:pos x="connsiteX7" y="connsiteY7"/>
-              </a:cxn>
-              <a:cxn ang="0">
-                <a:pos x="connsiteX8" y="connsiteY8"/>
-              </a:cxn>
-              <a:cxn ang="0">
-                <a:pos x="connsiteX9" y="connsiteY9"/>
-              </a:cxn>
-              <a:cxn ang="0">
-                <a:pos x="connsiteX10" y="connsiteY10"/>
-              </a:cxn>
-              <a:cxn ang="0">
-                <a:pos x="connsiteX11" y="connsiteY11"/>
-              </a:cxn>
-              <a:cxn ang="0">
-                <a:pos x="connsiteX12" y="connsiteY12"/>
-              </a:cxn>
-              <a:cxn ang="0">
-                <a:pos x="connsiteX13" y="connsiteY13"/>
-              </a:cxn>
-              <a:cxn ang="0">
-                <a:pos x="connsiteX14" y="connsiteY14"/>
-              </a:cxn>
-              <a:cxn ang="0">
-                <a:pos x="connsiteX15" y="connsiteY15"/>
-              </a:cxn>
-              <a:cxn ang="0">
-                <a:pos x="connsiteX16" y="connsiteY16"/>
-              </a:cxn>
-              <a:cxn ang="0">
-                <a:pos x="connsiteX17" y="connsiteY17"/>
-              </a:cxn>
-              <a:cxn ang="0">
-                <a:pos x="connsiteX18" y="connsiteY18"/>
-              </a:cxn>
-              <a:cxn ang="0">
-                <a:pos x="connsiteX19" y="connsiteY19"/>
-              </a:cxn>
-            </a:cxnLst>
-            <a:rect l="l" t="t" r="r" b="b"/>
-            <a:pathLst>
-              <a:path w="8170246" h="6858000">
-                <a:moveTo>
-                  <a:pt x="4738960" y="0"/>
-                </a:moveTo>
-                <a:lnTo>
-                  <a:pt x="4862151" y="0"/>
-                </a:lnTo>
-                <a:cubicBezTo>
-                  <a:pt x="4862151" y="0"/>
-                  <a:pt x="4862151" y="0"/>
-                  <a:pt x="8088169" y="3226735"/>
-                </a:cubicBezTo>
-                <a:cubicBezTo>
-                  <a:pt x="8197606" y="3336196"/>
-                  <a:pt x="8197606" y="3517045"/>
-                  <a:pt x="8088169" y="3626507"/>
-                </a:cubicBezTo>
-                <a:cubicBezTo>
-                  <a:pt x="8088169" y="3626507"/>
-                  <a:pt x="8088169" y="3626507"/>
-                  <a:pt x="4857393" y="6858000"/>
-                </a:cubicBezTo>
-                <a:cubicBezTo>
-                  <a:pt x="4857393" y="6858000"/>
-                  <a:pt x="4857393" y="6858000"/>
-                  <a:pt x="4783581" y="6858000"/>
-                </a:cubicBezTo>
-                <a:lnTo>
-                  <a:pt x="4734202" y="6858000"/>
-                </a:lnTo>
-                <a:cubicBezTo>
-                  <a:pt x="7964978" y="3626507"/>
-                  <a:pt x="7964978" y="3626507"/>
-                  <a:pt x="7964978" y="3626507"/>
-                </a:cubicBezTo>
-                <a:cubicBezTo>
-                  <a:pt x="8074415" y="3517045"/>
-                  <a:pt x="8074415" y="3336196"/>
-                  <a:pt x="7964978" y="3226735"/>
-                </a:cubicBezTo>
-                <a:cubicBezTo>
-                  <a:pt x="4738960" y="0"/>
-                  <a:pt x="4738960" y="0"/>
-                  <a:pt x="4738960" y="0"/>
-                </a:cubicBezTo>
-                <a:close/>
-                <a:moveTo>
-                  <a:pt x="0" y="0"/>
-                </a:moveTo>
-                <a:lnTo>
-                  <a:pt x="98791" y="0"/>
-                </a:lnTo>
-                <a:cubicBezTo>
-                  <a:pt x="1075904" y="0"/>
-                  <a:pt x="2469401" y="0"/>
-                  <a:pt x="4456718" y="0"/>
-                </a:cubicBezTo>
-                <a:lnTo>
-                  <a:pt x="4603489" y="0"/>
-                </a:lnTo>
-                <a:cubicBezTo>
-                  <a:pt x="4603489" y="0"/>
-                  <a:pt x="4603489" y="0"/>
-                  <a:pt x="7829507" y="3226735"/>
-                </a:cubicBezTo>
-                <a:cubicBezTo>
-                  <a:pt x="7938944" y="3336196"/>
-                  <a:pt x="7938944" y="3517045"/>
-                  <a:pt x="7829507" y="3626507"/>
-                </a:cubicBezTo>
-                <a:cubicBezTo>
-                  <a:pt x="7829507" y="3626507"/>
-                  <a:pt x="7829507" y="3626507"/>
-                  <a:pt x="4598731" y="6858000"/>
-                </a:cubicBezTo>
-                <a:lnTo>
-                  <a:pt x="4540663" y="6858000"/>
-                </a:lnTo>
-                <a:cubicBezTo>
-                  <a:pt x="4077749" y="6858000"/>
-                  <a:pt x="2938270" y="6858000"/>
-                  <a:pt x="133398" y="6858000"/>
-                </a:cubicBezTo>
-                <a:lnTo>
-                  <a:pt x="0" y="6858000"/>
-                </a:lnTo>
-                <a:close/>
-              </a:path>
-            </a:pathLst>
-          </a:custGeom>
+          </a:prstGeom>
           <a:ln>
             <a:noFill/>
           </a:ln>
-          <a:effectLst/>
         </p:spPr>
         <p:style>
-          <a:lnRef idx="1">
-            <a:schemeClr val="accent1"/>
+          <a:lnRef idx="2">
+            <a:schemeClr val="accent1">
+              <a:shade val="50000"/>
+            </a:schemeClr>
           </a:lnRef>
-          <a:fillRef idx="3">
+          <a:fillRef idx="1">
             <a:schemeClr val="accent1"/>
           </a:fillRef>
-          <a:effectRef idx="2">
+          <a:effectRef idx="0">
             <a:schemeClr val="accent1"/>
           </a:effectRef>
           <a:fontRef idx="minor">
@@ -8770,24 +9957,2293 @@
           </a:fontRef>
         </p:style>
         <p:txBody>
-          <a:bodyPr vert="horz" wrap="square" lIns="91440" tIns="45720" rIns="91440" bIns="45720" numCol="1" anchor="t" anchorCtr="0" compatLnSpc="1">
+          <a:bodyPr rot="0" spcFirstLastPara="0" vert="horz" wrap="square" lIns="91440" tIns="45720" rIns="91440" bIns="45720" numCol="1" spcCol="0" rtlCol="0" fromWordArt="0" anchor="ctr" anchorCtr="0" forceAA="0" compatLnSpc="1">
             <a:prstTxWarp prst="textNoShape">
               <a:avLst/>
             </a:prstTxWarp>
             <a:noAutofit/>
           </a:bodyPr>
-          <a:lstStyle/>
-          <a:p>
-            <a:endParaRPr lang="en-US" dirty="0"/>
+          <a:lstStyle>
+            <a:defPPr>
+              <a:defRPr lang="en-US"/>
+            </a:defPPr>
+            <a:lvl1pPr marL="0" algn="l" defTabSz="914400" rtl="0" eaLnBrk="1" latinLnBrk="0" hangingPunct="1">
+              <a:defRPr sz="1800" kern="1200">
+                <a:solidFill>
+                  <a:schemeClr val="lt1"/>
+                </a:solidFill>
+                <a:latin typeface="+mn-lt"/>
+                <a:ea typeface="+mn-ea"/>
+                <a:cs typeface="+mn-cs"/>
+              </a:defRPr>
+            </a:lvl1pPr>
+            <a:lvl2pPr marL="457200" algn="l" defTabSz="914400" rtl="0" eaLnBrk="1" latinLnBrk="0" hangingPunct="1">
+              <a:defRPr sz="1800" kern="1200">
+                <a:solidFill>
+                  <a:schemeClr val="lt1"/>
+                </a:solidFill>
+                <a:latin typeface="+mn-lt"/>
+                <a:ea typeface="+mn-ea"/>
+                <a:cs typeface="+mn-cs"/>
+              </a:defRPr>
+            </a:lvl2pPr>
+            <a:lvl3pPr marL="914400" algn="l" defTabSz="914400" rtl="0" eaLnBrk="1" latinLnBrk="0" hangingPunct="1">
+              <a:defRPr sz="1800" kern="1200">
+                <a:solidFill>
+                  <a:schemeClr val="lt1"/>
+                </a:solidFill>
+                <a:latin typeface="+mn-lt"/>
+                <a:ea typeface="+mn-ea"/>
+                <a:cs typeface="+mn-cs"/>
+              </a:defRPr>
+            </a:lvl3pPr>
+            <a:lvl4pPr marL="1371600" algn="l" defTabSz="914400" rtl="0" eaLnBrk="1" latinLnBrk="0" hangingPunct="1">
+              <a:defRPr sz="1800" kern="1200">
+                <a:solidFill>
+                  <a:schemeClr val="lt1"/>
+                </a:solidFill>
+                <a:latin typeface="+mn-lt"/>
+                <a:ea typeface="+mn-ea"/>
+                <a:cs typeface="+mn-cs"/>
+              </a:defRPr>
+            </a:lvl4pPr>
+            <a:lvl5pPr marL="1828800" algn="l" defTabSz="914400" rtl="0" eaLnBrk="1" latinLnBrk="0" hangingPunct="1">
+              <a:defRPr sz="1800" kern="1200">
+                <a:solidFill>
+                  <a:schemeClr val="lt1"/>
+                </a:solidFill>
+                <a:latin typeface="+mn-lt"/>
+                <a:ea typeface="+mn-ea"/>
+                <a:cs typeface="+mn-cs"/>
+              </a:defRPr>
+            </a:lvl5pPr>
+            <a:lvl6pPr marL="2286000" algn="l" defTabSz="914400" rtl="0" eaLnBrk="1" latinLnBrk="0" hangingPunct="1">
+              <a:defRPr sz="1800" kern="1200">
+                <a:solidFill>
+                  <a:schemeClr val="lt1"/>
+                </a:solidFill>
+                <a:latin typeface="+mn-lt"/>
+                <a:ea typeface="+mn-ea"/>
+                <a:cs typeface="+mn-cs"/>
+              </a:defRPr>
+            </a:lvl6pPr>
+            <a:lvl7pPr marL="2743200" algn="l" defTabSz="914400" rtl="0" eaLnBrk="1" latinLnBrk="0" hangingPunct="1">
+              <a:defRPr sz="1800" kern="1200">
+                <a:solidFill>
+                  <a:schemeClr val="lt1"/>
+                </a:solidFill>
+                <a:latin typeface="+mn-lt"/>
+                <a:ea typeface="+mn-ea"/>
+                <a:cs typeface="+mn-cs"/>
+              </a:defRPr>
+            </a:lvl7pPr>
+            <a:lvl8pPr marL="3200400" algn="l" defTabSz="914400" rtl="0" eaLnBrk="1" latinLnBrk="0" hangingPunct="1">
+              <a:defRPr sz="1800" kern="1200">
+                <a:solidFill>
+                  <a:schemeClr val="lt1"/>
+                </a:solidFill>
+                <a:latin typeface="+mn-lt"/>
+                <a:ea typeface="+mn-ea"/>
+                <a:cs typeface="+mn-cs"/>
+              </a:defRPr>
+            </a:lvl8pPr>
+            <a:lvl9pPr marL="3657600" algn="l" defTabSz="914400" rtl="0" eaLnBrk="1" latinLnBrk="0" hangingPunct="1">
+              <a:defRPr sz="1800" kern="1200">
+                <a:solidFill>
+                  <a:schemeClr val="lt1"/>
+                </a:solidFill>
+                <a:latin typeface="+mn-lt"/>
+                <a:ea typeface="+mn-ea"/>
+                <a:cs typeface="+mn-cs"/>
+              </a:defRPr>
+            </a:lvl9pPr>
+          </a:lstStyle>
+          <a:p>
+            <a:pPr algn="ctr"/>
+            <a:endParaRPr lang="en-US"/>
           </a:p>
         </p:txBody>
       </p:sp>
+      <p:grpSp>
+        <p:nvGrpSpPr>
+          <p:cNvPr id="22" name="Group 21">
+            <a:extLst>
+              <a:ext uri="{FF2B5EF4-FFF2-40B4-BE49-F238E27FC236}">
+                <a16:creationId xmlns:a16="http://schemas.microsoft.com/office/drawing/2014/main" id="{94D3C8C4-8367-4524-B9C5-2B3ACA682C06}"/>
+              </a:ext>
+              <a:ext uri="{C183D7F6-B498-43B3-948B-1728B52AA6E4}">
+                <adec:decorative xmlns:adec="http://schemas.microsoft.com/office/drawing/2017/decorative" val="1"/>
+              </a:ext>
+            </a:extLst>
+          </p:cNvPr>
+          <p:cNvGrpSpPr>
+            <a:grpSpLocks noGrp="1" noUngrp="1" noRot="1" noChangeAspect="1" noMove="1" noResize="1"/>
+          </p:cNvGrpSpPr>
+          <p:nvPr>
+            <p:extLst>
+              <p:ext uri="{386F3935-93C4-4BCD-93E2-E3B085C9AB24}">
+                <p16:designElem xmlns:p16="http://schemas.microsoft.com/office/powerpoint/2015/main" val="1"/>
+              </p:ext>
+            </p:extLst>
+          </p:nvPr>
+        </p:nvGrpSpPr>
+        <p:grpSpPr>
+          <a:xfrm>
+            <a:off x="4836169" y="228600"/>
+            <a:ext cx="2851523" cy="6638625"/>
+            <a:chOff x="2487613" y="285750"/>
+            <a:chExt cx="2428875" cy="5654676"/>
+          </a:xfrm>
+        </p:grpSpPr>
+        <p:sp>
+          <p:nvSpPr>
+            <p:cNvPr id="23" name="Freeform 11">
+              <a:extLst>
+                <a:ext uri="{FF2B5EF4-FFF2-40B4-BE49-F238E27FC236}">
+                  <a16:creationId xmlns:a16="http://schemas.microsoft.com/office/drawing/2014/main" id="{38BDB546-CAFB-429D-8D82-4F3AA28914C5}"/>
+                </a:ext>
+                <a:ext uri="{C183D7F6-B498-43B3-948B-1728B52AA6E4}">
+                  <adec:decorative xmlns:adec="http://schemas.microsoft.com/office/drawing/2017/decorative" val="1"/>
+                </a:ext>
+              </a:extLst>
+            </p:cNvPr>
+            <p:cNvSpPr/>
+            <p:nvPr>
+              <p:extLst>
+                <p:ext uri="{386F3935-93C4-4BCD-93E2-E3B085C9AB24}">
+                  <p16:designElem xmlns:p16="http://schemas.microsoft.com/office/powerpoint/2015/main" val="1"/>
+                </p:ext>
+              </p:extLst>
+            </p:nvPr>
+          </p:nvSpPr>
+          <p:spPr bwMode="auto">
+            <a:xfrm>
+              <a:off x="2487613" y="2284413"/>
+              <a:ext cx="85725" cy="533400"/>
+            </a:xfrm>
+            <a:custGeom>
+              <a:avLst/>
+              <a:gdLst/>
+              <a:ahLst/>
+              <a:cxnLst/>
+              <a:rect l="0" t="0" r="r" b="b"/>
+              <a:pathLst>
+                <a:path w="22" h="136">
+                  <a:moveTo>
+                    <a:pt x="22" y="136"/>
+                  </a:moveTo>
+                  <a:cubicBezTo>
+                    <a:pt x="20" y="117"/>
+                    <a:pt x="19" y="99"/>
+                    <a:pt x="17" y="80"/>
+                  </a:cubicBezTo>
+                  <a:cubicBezTo>
+                    <a:pt x="11" y="54"/>
+                    <a:pt x="6" y="27"/>
+                    <a:pt x="0" y="0"/>
+                  </a:cubicBezTo>
+                  <a:cubicBezTo>
+                    <a:pt x="0" y="35"/>
+                    <a:pt x="0" y="35"/>
+                    <a:pt x="0" y="35"/>
+                  </a:cubicBezTo>
+                  <a:cubicBezTo>
+                    <a:pt x="6" y="64"/>
+                    <a:pt x="13" y="94"/>
+                    <a:pt x="20" y="124"/>
+                  </a:cubicBezTo>
+                  <a:cubicBezTo>
+                    <a:pt x="20" y="128"/>
+                    <a:pt x="21" y="132"/>
+                    <a:pt x="22" y="136"/>
+                  </a:cubicBezTo>
+                  <a:close/>
+                </a:path>
+              </a:pathLst>
+            </a:custGeom>
+            <a:solidFill>
+              <a:schemeClr val="tx2">
+                <a:alpha val="20000"/>
+              </a:schemeClr>
+            </a:solidFill>
+            <a:ln>
+              <a:noFill/>
+            </a:ln>
+          </p:spPr>
+        </p:sp>
+        <p:sp>
+          <p:nvSpPr>
+            <p:cNvPr id="24" name="Freeform 12">
+              <a:extLst>
+                <a:ext uri="{FF2B5EF4-FFF2-40B4-BE49-F238E27FC236}">
+                  <a16:creationId xmlns:a16="http://schemas.microsoft.com/office/drawing/2014/main" id="{8F202AFF-3597-4A70-9149-0AA2AACBB9E6}"/>
+                </a:ext>
+                <a:ext uri="{C183D7F6-B498-43B3-948B-1728B52AA6E4}">
+                  <adec:decorative xmlns:adec="http://schemas.microsoft.com/office/drawing/2017/decorative" val="1"/>
+                </a:ext>
+              </a:extLst>
+            </p:cNvPr>
+            <p:cNvSpPr/>
+            <p:nvPr>
+              <p:extLst>
+                <p:ext uri="{386F3935-93C4-4BCD-93E2-E3B085C9AB24}">
+                  <p16:designElem xmlns:p16="http://schemas.microsoft.com/office/powerpoint/2015/main" val="1"/>
+                </p:ext>
+              </p:extLst>
+            </p:nvPr>
+          </p:nvSpPr>
+          <p:spPr bwMode="auto">
+            <a:xfrm>
+              <a:off x="2597151" y="2779713"/>
+              <a:ext cx="550863" cy="1978025"/>
+            </a:xfrm>
+            <a:custGeom>
+              <a:avLst/>
+              <a:gdLst/>
+              <a:ahLst/>
+              <a:cxnLst/>
+              <a:rect l="0" t="0" r="r" b="b"/>
+              <a:pathLst>
+                <a:path w="140" h="504">
+                  <a:moveTo>
+                    <a:pt x="86" y="350"/>
+                  </a:moveTo>
+                  <a:cubicBezTo>
+                    <a:pt x="103" y="402"/>
+                    <a:pt x="120" y="453"/>
+                    <a:pt x="139" y="504"/>
+                  </a:cubicBezTo>
+                  <a:cubicBezTo>
+                    <a:pt x="139" y="495"/>
+                    <a:pt x="139" y="487"/>
+                    <a:pt x="140" y="478"/>
+                  </a:cubicBezTo>
+                  <a:cubicBezTo>
+                    <a:pt x="124" y="435"/>
+                    <a:pt x="109" y="391"/>
+                    <a:pt x="95" y="347"/>
+                  </a:cubicBezTo>
+                  <a:cubicBezTo>
+                    <a:pt x="58" y="233"/>
+                    <a:pt x="27" y="117"/>
+                    <a:pt x="0" y="0"/>
+                  </a:cubicBezTo>
+                  <a:cubicBezTo>
+                    <a:pt x="2" y="20"/>
+                    <a:pt x="4" y="41"/>
+                    <a:pt x="6" y="61"/>
+                  </a:cubicBezTo>
+                  <a:cubicBezTo>
+                    <a:pt x="30" y="158"/>
+                    <a:pt x="56" y="255"/>
+                    <a:pt x="86" y="350"/>
+                  </a:cubicBezTo>
+                  <a:close/>
+                </a:path>
+              </a:pathLst>
+            </a:custGeom>
+            <a:solidFill>
+              <a:schemeClr val="tx2">
+                <a:alpha val="20000"/>
+              </a:schemeClr>
+            </a:solidFill>
+            <a:ln>
+              <a:noFill/>
+            </a:ln>
+          </p:spPr>
+        </p:sp>
+        <p:sp>
+          <p:nvSpPr>
+            <p:cNvPr id="25" name="Freeform 13">
+              <a:extLst>
+                <a:ext uri="{FF2B5EF4-FFF2-40B4-BE49-F238E27FC236}">
+                  <a16:creationId xmlns:a16="http://schemas.microsoft.com/office/drawing/2014/main" id="{5B91C985-1FBD-4FEE-8FB4-FBD47CF0A37F}"/>
+                </a:ext>
+                <a:ext uri="{C183D7F6-B498-43B3-948B-1728B52AA6E4}">
+                  <adec:decorative xmlns:adec="http://schemas.microsoft.com/office/drawing/2017/decorative" val="1"/>
+                </a:ext>
+              </a:extLst>
+            </p:cNvPr>
+            <p:cNvSpPr/>
+            <p:nvPr>
+              <p:extLst>
+                <p:ext uri="{386F3935-93C4-4BCD-93E2-E3B085C9AB24}">
+                  <p16:designElem xmlns:p16="http://schemas.microsoft.com/office/powerpoint/2015/main" val="1"/>
+                </p:ext>
+              </p:extLst>
+            </p:nvPr>
+          </p:nvSpPr>
+          <p:spPr bwMode="auto">
+            <a:xfrm>
+              <a:off x="3175001" y="4730750"/>
+              <a:ext cx="519113" cy="1209675"/>
+            </a:xfrm>
+            <a:custGeom>
+              <a:avLst/>
+              <a:gdLst/>
+              <a:ahLst/>
+              <a:cxnLst/>
+              <a:rect l="0" t="0" r="r" b="b"/>
+              <a:pathLst>
+                <a:path w="132" h="308">
+                  <a:moveTo>
+                    <a:pt x="8" y="22"/>
+                  </a:moveTo>
+                  <a:cubicBezTo>
+                    <a:pt x="5" y="15"/>
+                    <a:pt x="2" y="8"/>
+                    <a:pt x="0" y="0"/>
+                  </a:cubicBezTo>
+                  <a:cubicBezTo>
+                    <a:pt x="0" y="10"/>
+                    <a:pt x="0" y="19"/>
+                    <a:pt x="0" y="29"/>
+                  </a:cubicBezTo>
+                  <a:cubicBezTo>
+                    <a:pt x="21" y="85"/>
+                    <a:pt x="44" y="140"/>
+                    <a:pt x="68" y="194"/>
+                  </a:cubicBezTo>
+                  <a:cubicBezTo>
+                    <a:pt x="85" y="232"/>
+                    <a:pt x="104" y="270"/>
+                    <a:pt x="123" y="308"/>
+                  </a:cubicBezTo>
+                  <a:cubicBezTo>
+                    <a:pt x="132" y="308"/>
+                    <a:pt x="132" y="308"/>
+                    <a:pt x="132" y="308"/>
+                  </a:cubicBezTo>
+                  <a:cubicBezTo>
+                    <a:pt x="113" y="269"/>
+                    <a:pt x="94" y="230"/>
+                    <a:pt x="77" y="190"/>
+                  </a:cubicBezTo>
+                  <a:cubicBezTo>
+                    <a:pt x="52" y="135"/>
+                    <a:pt x="29" y="79"/>
+                    <a:pt x="8" y="22"/>
+                  </a:cubicBezTo>
+                  <a:close/>
+                </a:path>
+              </a:pathLst>
+            </a:custGeom>
+            <a:solidFill>
+              <a:schemeClr val="tx2">
+                <a:alpha val="20000"/>
+              </a:schemeClr>
+            </a:solidFill>
+            <a:ln>
+              <a:noFill/>
+            </a:ln>
+          </p:spPr>
+        </p:sp>
+        <p:sp>
+          <p:nvSpPr>
+            <p:cNvPr id="26" name="Freeform 14">
+              <a:extLst>
+                <a:ext uri="{FF2B5EF4-FFF2-40B4-BE49-F238E27FC236}">
+                  <a16:creationId xmlns:a16="http://schemas.microsoft.com/office/drawing/2014/main" id="{E045B090-8B4D-4553-997E-D7A7A2B93571}"/>
+                </a:ext>
+                <a:ext uri="{C183D7F6-B498-43B3-948B-1728B52AA6E4}">
+                  <adec:decorative xmlns:adec="http://schemas.microsoft.com/office/drawing/2017/decorative" val="1"/>
+                </a:ext>
+              </a:extLst>
+            </p:cNvPr>
+            <p:cNvSpPr/>
+            <p:nvPr>
+              <p:extLst>
+                <p:ext uri="{386F3935-93C4-4BCD-93E2-E3B085C9AB24}">
+                  <p16:designElem xmlns:p16="http://schemas.microsoft.com/office/powerpoint/2015/main" val="1"/>
+                </p:ext>
+              </p:extLst>
+            </p:nvPr>
+          </p:nvSpPr>
+          <p:spPr bwMode="auto">
+            <a:xfrm>
+              <a:off x="3305176" y="5630863"/>
+              <a:ext cx="146050" cy="309563"/>
+            </a:xfrm>
+            <a:custGeom>
+              <a:avLst/>
+              <a:gdLst/>
+              <a:ahLst/>
+              <a:cxnLst/>
+              <a:rect l="0" t="0" r="r" b="b"/>
+              <a:pathLst>
+                <a:path w="37" h="79">
+                  <a:moveTo>
+                    <a:pt x="28" y="79"/>
+                  </a:moveTo>
+                  <a:cubicBezTo>
+                    <a:pt x="37" y="79"/>
+                    <a:pt x="37" y="79"/>
+                    <a:pt x="37" y="79"/>
+                  </a:cubicBezTo>
+                  <a:cubicBezTo>
+                    <a:pt x="24" y="53"/>
+                    <a:pt x="12" y="27"/>
+                    <a:pt x="0" y="0"/>
+                  </a:cubicBezTo>
+                  <a:cubicBezTo>
+                    <a:pt x="8" y="27"/>
+                    <a:pt x="17" y="53"/>
+                    <a:pt x="28" y="79"/>
+                  </a:cubicBezTo>
+                  <a:close/>
+                </a:path>
+              </a:pathLst>
+            </a:custGeom>
+            <a:solidFill>
+              <a:schemeClr val="tx2">
+                <a:alpha val="20000"/>
+              </a:schemeClr>
+            </a:solidFill>
+            <a:ln>
+              <a:noFill/>
+            </a:ln>
+          </p:spPr>
+        </p:sp>
+        <p:sp>
+          <p:nvSpPr>
+            <p:cNvPr id="27" name="Freeform 15">
+              <a:extLst>
+                <a:ext uri="{FF2B5EF4-FFF2-40B4-BE49-F238E27FC236}">
+                  <a16:creationId xmlns:a16="http://schemas.microsoft.com/office/drawing/2014/main" id="{79661459-591F-41BD-85A7-882DF2E548BF}"/>
+                </a:ext>
+                <a:ext uri="{C183D7F6-B498-43B3-948B-1728B52AA6E4}">
+                  <adec:decorative xmlns:adec="http://schemas.microsoft.com/office/drawing/2017/decorative" val="1"/>
+                </a:ext>
+              </a:extLst>
+            </p:cNvPr>
+            <p:cNvSpPr/>
+            <p:nvPr>
+              <p:extLst>
+                <p:ext uri="{386F3935-93C4-4BCD-93E2-E3B085C9AB24}">
+                  <p16:designElem xmlns:p16="http://schemas.microsoft.com/office/powerpoint/2015/main" val="1"/>
+                </p:ext>
+              </p:extLst>
+            </p:nvPr>
+          </p:nvSpPr>
+          <p:spPr bwMode="auto">
+            <a:xfrm>
+              <a:off x="2573338" y="2817813"/>
+              <a:ext cx="700088" cy="2835275"/>
+            </a:xfrm>
+            <a:custGeom>
+              <a:avLst/>
+              <a:gdLst/>
+              <a:ahLst/>
+              <a:cxnLst/>
+              <a:rect l="0" t="0" r="r" b="b"/>
+              <a:pathLst>
+                <a:path w="178" h="722">
+                  <a:moveTo>
+                    <a:pt x="162" y="660"/>
+                  </a:moveTo>
+                  <a:cubicBezTo>
+                    <a:pt x="145" y="618"/>
+                    <a:pt x="130" y="576"/>
+                    <a:pt x="116" y="534"/>
+                  </a:cubicBezTo>
+                  <a:cubicBezTo>
+                    <a:pt x="84" y="437"/>
+                    <a:pt x="59" y="337"/>
+                    <a:pt x="40" y="236"/>
+                  </a:cubicBezTo>
+                  <a:cubicBezTo>
+                    <a:pt x="29" y="175"/>
+                    <a:pt x="20" y="113"/>
+                    <a:pt x="12" y="51"/>
+                  </a:cubicBezTo>
+                  <a:cubicBezTo>
+                    <a:pt x="8" y="34"/>
+                    <a:pt x="4" y="17"/>
+                    <a:pt x="0" y="0"/>
+                  </a:cubicBezTo>
+                  <a:cubicBezTo>
+                    <a:pt x="8" y="79"/>
+                    <a:pt x="19" y="159"/>
+                    <a:pt x="33" y="237"/>
+                  </a:cubicBezTo>
+                  <a:cubicBezTo>
+                    <a:pt x="51" y="339"/>
+                    <a:pt x="76" y="439"/>
+                    <a:pt x="107" y="537"/>
+                  </a:cubicBezTo>
+                  <a:cubicBezTo>
+                    <a:pt x="123" y="586"/>
+                    <a:pt x="141" y="634"/>
+                    <a:pt x="160" y="681"/>
+                  </a:cubicBezTo>
+                  <a:cubicBezTo>
+                    <a:pt x="166" y="695"/>
+                    <a:pt x="172" y="708"/>
+                    <a:pt x="178" y="722"/>
+                  </a:cubicBezTo>
+                  <a:cubicBezTo>
+                    <a:pt x="176" y="717"/>
+                    <a:pt x="175" y="713"/>
+                    <a:pt x="174" y="708"/>
+                  </a:cubicBezTo>
+                  <a:cubicBezTo>
+                    <a:pt x="169" y="692"/>
+                    <a:pt x="165" y="676"/>
+                    <a:pt x="162" y="660"/>
+                  </a:cubicBezTo>
+                  <a:close/>
+                </a:path>
+              </a:pathLst>
+            </a:custGeom>
+            <a:solidFill>
+              <a:schemeClr val="tx2">
+                <a:alpha val="20000"/>
+              </a:schemeClr>
+            </a:solidFill>
+            <a:ln>
+              <a:noFill/>
+            </a:ln>
+          </p:spPr>
+        </p:sp>
+        <p:sp>
+          <p:nvSpPr>
+            <p:cNvPr id="28" name="Freeform 16">
+              <a:extLst>
+                <a:ext uri="{FF2B5EF4-FFF2-40B4-BE49-F238E27FC236}">
+                  <a16:creationId xmlns:a16="http://schemas.microsoft.com/office/drawing/2014/main" id="{172E6458-D7F5-4E0B-8098-F3A9B744636B}"/>
+                </a:ext>
+                <a:ext uri="{C183D7F6-B498-43B3-948B-1728B52AA6E4}">
+                  <adec:decorative xmlns:adec="http://schemas.microsoft.com/office/drawing/2017/decorative" val="1"/>
+                </a:ext>
+              </a:extLst>
+            </p:cNvPr>
+            <p:cNvSpPr/>
+            <p:nvPr>
+              <p:extLst>
+                <p:ext uri="{386F3935-93C4-4BCD-93E2-E3B085C9AB24}">
+                  <p16:designElem xmlns:p16="http://schemas.microsoft.com/office/powerpoint/2015/main" val="1"/>
+                </p:ext>
+              </p:extLst>
+            </p:nvPr>
+          </p:nvSpPr>
+          <p:spPr bwMode="auto">
+            <a:xfrm>
+              <a:off x="2506663" y="285750"/>
+              <a:ext cx="90488" cy="2493963"/>
+            </a:xfrm>
+            <a:custGeom>
+              <a:avLst/>
+              <a:gdLst/>
+              <a:ahLst/>
+              <a:cxnLst/>
+              <a:rect l="0" t="0" r="r" b="b"/>
+              <a:pathLst>
+                <a:path w="23" h="635">
+                  <a:moveTo>
+                    <a:pt x="11" y="577"/>
+                  </a:moveTo>
+                  <a:cubicBezTo>
+                    <a:pt x="12" y="581"/>
+                    <a:pt x="12" y="585"/>
+                    <a:pt x="12" y="589"/>
+                  </a:cubicBezTo>
+                  <a:cubicBezTo>
+                    <a:pt x="15" y="603"/>
+                    <a:pt x="19" y="617"/>
+                    <a:pt x="22" y="632"/>
+                  </a:cubicBezTo>
+                  <a:cubicBezTo>
+                    <a:pt x="22" y="633"/>
+                    <a:pt x="22" y="634"/>
+                    <a:pt x="23" y="635"/>
+                  </a:cubicBezTo>
+                  <a:cubicBezTo>
+                    <a:pt x="21" y="615"/>
+                    <a:pt x="19" y="596"/>
+                    <a:pt x="17" y="576"/>
+                  </a:cubicBezTo>
+                  <a:cubicBezTo>
+                    <a:pt x="9" y="474"/>
+                    <a:pt x="5" y="372"/>
+                    <a:pt x="5" y="269"/>
+                  </a:cubicBezTo>
+                  <a:cubicBezTo>
+                    <a:pt x="6" y="179"/>
+                    <a:pt x="9" y="90"/>
+                    <a:pt x="15" y="0"/>
+                  </a:cubicBezTo>
+                  <a:cubicBezTo>
+                    <a:pt x="12" y="0"/>
+                    <a:pt x="12" y="0"/>
+                    <a:pt x="12" y="0"/>
+                  </a:cubicBezTo>
+                  <a:cubicBezTo>
+                    <a:pt x="5" y="89"/>
+                    <a:pt x="2" y="179"/>
+                    <a:pt x="1" y="269"/>
+                  </a:cubicBezTo>
+                  <a:cubicBezTo>
+                    <a:pt x="0" y="372"/>
+                    <a:pt x="3" y="474"/>
+                    <a:pt x="11" y="577"/>
+                  </a:cubicBezTo>
+                  <a:close/>
+                </a:path>
+              </a:pathLst>
+            </a:custGeom>
+            <a:solidFill>
+              <a:schemeClr val="tx2">
+                <a:alpha val="20000"/>
+              </a:schemeClr>
+            </a:solidFill>
+            <a:ln>
+              <a:noFill/>
+            </a:ln>
+          </p:spPr>
+        </p:sp>
+        <p:sp>
+          <p:nvSpPr>
+            <p:cNvPr id="29" name="Freeform 17">
+              <a:extLst>
+                <a:ext uri="{FF2B5EF4-FFF2-40B4-BE49-F238E27FC236}">
+                  <a16:creationId xmlns:a16="http://schemas.microsoft.com/office/drawing/2014/main" id="{5D1FE182-350A-4951-99FA-123B15A19EEC}"/>
+                </a:ext>
+                <a:ext uri="{C183D7F6-B498-43B3-948B-1728B52AA6E4}">
+                  <adec:decorative xmlns:adec="http://schemas.microsoft.com/office/drawing/2017/decorative" val="1"/>
+                </a:ext>
+              </a:extLst>
+            </p:cNvPr>
+            <p:cNvSpPr/>
+            <p:nvPr>
+              <p:extLst>
+                <p:ext uri="{386F3935-93C4-4BCD-93E2-E3B085C9AB24}">
+                  <p16:designElem xmlns:p16="http://schemas.microsoft.com/office/powerpoint/2015/main" val="1"/>
+                </p:ext>
+              </p:extLst>
+            </p:nvPr>
+          </p:nvSpPr>
+          <p:spPr bwMode="auto">
+            <a:xfrm>
+              <a:off x="2554288" y="2598738"/>
+              <a:ext cx="66675" cy="420688"/>
+            </a:xfrm>
+            <a:custGeom>
+              <a:avLst/>
+              <a:gdLst/>
+              <a:ahLst/>
+              <a:cxnLst/>
+              <a:rect l="0" t="0" r="r" b="b"/>
+              <a:pathLst>
+                <a:path w="17" h="107">
+                  <a:moveTo>
+                    <a:pt x="0" y="0"/>
+                  </a:moveTo>
+                  <a:cubicBezTo>
+                    <a:pt x="2" y="19"/>
+                    <a:pt x="3" y="37"/>
+                    <a:pt x="5" y="56"/>
+                  </a:cubicBezTo>
+                  <a:cubicBezTo>
+                    <a:pt x="9" y="73"/>
+                    <a:pt x="13" y="90"/>
+                    <a:pt x="17" y="107"/>
+                  </a:cubicBezTo>
+                  <a:cubicBezTo>
+                    <a:pt x="15" y="87"/>
+                    <a:pt x="13" y="66"/>
+                    <a:pt x="11" y="46"/>
+                  </a:cubicBezTo>
+                  <a:cubicBezTo>
+                    <a:pt x="10" y="45"/>
+                    <a:pt x="10" y="44"/>
+                    <a:pt x="10" y="43"/>
+                  </a:cubicBezTo>
+                  <a:cubicBezTo>
+                    <a:pt x="7" y="28"/>
+                    <a:pt x="3" y="14"/>
+                    <a:pt x="0" y="0"/>
+                  </a:cubicBezTo>
+                  <a:close/>
+                </a:path>
+              </a:pathLst>
+            </a:custGeom>
+            <a:solidFill>
+              <a:schemeClr val="tx2">
+                <a:alpha val="20000"/>
+              </a:schemeClr>
+            </a:solidFill>
+            <a:ln>
+              <a:noFill/>
+            </a:ln>
+          </p:spPr>
+        </p:sp>
+        <p:sp>
+          <p:nvSpPr>
+            <p:cNvPr id="30" name="Freeform 18">
+              <a:extLst>
+                <a:ext uri="{FF2B5EF4-FFF2-40B4-BE49-F238E27FC236}">
+                  <a16:creationId xmlns:a16="http://schemas.microsoft.com/office/drawing/2014/main" id="{CBFDC3F8-18F5-41F0-9926-097682CEEAD2}"/>
+                </a:ext>
+                <a:ext uri="{C183D7F6-B498-43B3-948B-1728B52AA6E4}">
+                  <adec:decorative xmlns:adec="http://schemas.microsoft.com/office/drawing/2017/decorative" val="1"/>
+                </a:ext>
+              </a:extLst>
+            </p:cNvPr>
+            <p:cNvSpPr/>
+            <p:nvPr>
+              <p:extLst>
+                <p:ext uri="{386F3935-93C4-4BCD-93E2-E3B085C9AB24}">
+                  <p16:designElem xmlns:p16="http://schemas.microsoft.com/office/powerpoint/2015/main" val="1"/>
+                </p:ext>
+              </p:extLst>
+            </p:nvPr>
+          </p:nvSpPr>
+          <p:spPr bwMode="auto">
+            <a:xfrm>
+              <a:off x="3143251" y="4757738"/>
+              <a:ext cx="161925" cy="873125"/>
+            </a:xfrm>
+            <a:custGeom>
+              <a:avLst/>
+              <a:gdLst/>
+              <a:ahLst/>
+              <a:cxnLst/>
+              <a:rect l="0" t="0" r="r" b="b"/>
+              <a:pathLst>
+                <a:path w="41" h="222">
+                  <a:moveTo>
+                    <a:pt x="0" y="0"/>
+                  </a:moveTo>
+                  <a:cubicBezTo>
+                    <a:pt x="0" y="31"/>
+                    <a:pt x="2" y="62"/>
+                    <a:pt x="5" y="93"/>
+                  </a:cubicBezTo>
+                  <a:cubicBezTo>
+                    <a:pt x="8" y="117"/>
+                    <a:pt x="12" y="142"/>
+                    <a:pt x="17" y="166"/>
+                  </a:cubicBezTo>
+                  <a:cubicBezTo>
+                    <a:pt x="19" y="172"/>
+                    <a:pt x="22" y="178"/>
+                    <a:pt x="24" y="184"/>
+                  </a:cubicBezTo>
+                  <a:cubicBezTo>
+                    <a:pt x="30" y="197"/>
+                    <a:pt x="35" y="209"/>
+                    <a:pt x="41" y="222"/>
+                  </a:cubicBezTo>
+                  <a:cubicBezTo>
+                    <a:pt x="40" y="219"/>
+                    <a:pt x="39" y="215"/>
+                    <a:pt x="38" y="212"/>
+                  </a:cubicBezTo>
+                  <a:cubicBezTo>
+                    <a:pt x="26" y="172"/>
+                    <a:pt x="18" y="132"/>
+                    <a:pt x="13" y="92"/>
+                  </a:cubicBezTo>
+                  <a:cubicBezTo>
+                    <a:pt x="11" y="68"/>
+                    <a:pt x="9" y="45"/>
+                    <a:pt x="8" y="22"/>
+                  </a:cubicBezTo>
+                  <a:cubicBezTo>
+                    <a:pt x="8" y="21"/>
+                    <a:pt x="7" y="20"/>
+                    <a:pt x="7" y="18"/>
+                  </a:cubicBezTo>
+                  <a:cubicBezTo>
+                    <a:pt x="5" y="12"/>
+                    <a:pt x="2" y="6"/>
+                    <a:pt x="0" y="0"/>
+                  </a:cubicBezTo>
+                  <a:close/>
+                </a:path>
+              </a:pathLst>
+            </a:custGeom>
+            <a:solidFill>
+              <a:schemeClr val="tx2">
+                <a:alpha val="20000"/>
+              </a:schemeClr>
+            </a:solidFill>
+            <a:ln>
+              <a:noFill/>
+            </a:ln>
+          </p:spPr>
+        </p:sp>
+        <p:sp>
+          <p:nvSpPr>
+            <p:cNvPr id="31" name="Freeform 19">
+              <a:extLst>
+                <a:ext uri="{FF2B5EF4-FFF2-40B4-BE49-F238E27FC236}">
+                  <a16:creationId xmlns:a16="http://schemas.microsoft.com/office/drawing/2014/main" id="{F4B5A695-E6ED-4C81-A965-0461489F8B68}"/>
+                </a:ext>
+                <a:ext uri="{C183D7F6-B498-43B3-948B-1728B52AA6E4}">
+                  <adec:decorative xmlns:adec="http://schemas.microsoft.com/office/drawing/2017/decorative" val="1"/>
+                </a:ext>
+              </a:extLst>
+            </p:cNvPr>
+            <p:cNvSpPr/>
+            <p:nvPr>
+              <p:extLst>
+                <p:ext uri="{386F3935-93C4-4BCD-93E2-E3B085C9AB24}">
+                  <p16:designElem xmlns:p16="http://schemas.microsoft.com/office/powerpoint/2015/main" val="1"/>
+                </p:ext>
+              </p:extLst>
+            </p:nvPr>
+          </p:nvSpPr>
+          <p:spPr bwMode="auto">
+            <a:xfrm>
+              <a:off x="3148013" y="1282700"/>
+              <a:ext cx="1768475" cy="3448050"/>
+            </a:xfrm>
+            <a:custGeom>
+              <a:avLst/>
+              <a:gdLst/>
+              <a:ahLst/>
+              <a:cxnLst/>
+              <a:rect l="0" t="0" r="r" b="b"/>
+              <a:pathLst>
+                <a:path w="450" h="878">
+                  <a:moveTo>
+                    <a:pt x="7" y="854"/>
+                  </a:moveTo>
+                  <a:cubicBezTo>
+                    <a:pt x="10" y="772"/>
+                    <a:pt x="26" y="691"/>
+                    <a:pt x="50" y="613"/>
+                  </a:cubicBezTo>
+                  <a:cubicBezTo>
+                    <a:pt x="75" y="535"/>
+                    <a:pt x="109" y="460"/>
+                    <a:pt x="149" y="388"/>
+                  </a:cubicBezTo>
+                  <a:cubicBezTo>
+                    <a:pt x="189" y="316"/>
+                    <a:pt x="235" y="248"/>
+                    <a:pt x="285" y="183"/>
+                  </a:cubicBezTo>
+                  <a:cubicBezTo>
+                    <a:pt x="310" y="151"/>
+                    <a:pt x="337" y="119"/>
+                    <a:pt x="364" y="89"/>
+                  </a:cubicBezTo>
+                  <a:cubicBezTo>
+                    <a:pt x="378" y="74"/>
+                    <a:pt x="392" y="58"/>
+                    <a:pt x="406" y="44"/>
+                  </a:cubicBezTo>
+                  <a:cubicBezTo>
+                    <a:pt x="421" y="29"/>
+                    <a:pt x="435" y="15"/>
+                    <a:pt x="450" y="1"/>
+                  </a:cubicBezTo>
+                  <a:cubicBezTo>
+                    <a:pt x="450" y="0"/>
+                    <a:pt x="450" y="0"/>
+                    <a:pt x="450" y="0"/>
+                  </a:cubicBezTo>
+                  <a:cubicBezTo>
+                    <a:pt x="434" y="14"/>
+                    <a:pt x="420" y="28"/>
+                    <a:pt x="405" y="43"/>
+                  </a:cubicBezTo>
+                  <a:cubicBezTo>
+                    <a:pt x="391" y="57"/>
+                    <a:pt x="377" y="72"/>
+                    <a:pt x="363" y="88"/>
+                  </a:cubicBezTo>
+                  <a:cubicBezTo>
+                    <a:pt x="335" y="118"/>
+                    <a:pt x="308" y="149"/>
+                    <a:pt x="283" y="181"/>
+                  </a:cubicBezTo>
+                  <a:cubicBezTo>
+                    <a:pt x="232" y="246"/>
+                    <a:pt x="185" y="314"/>
+                    <a:pt x="145" y="386"/>
+                  </a:cubicBezTo>
+                  <a:cubicBezTo>
+                    <a:pt x="104" y="457"/>
+                    <a:pt x="70" y="533"/>
+                    <a:pt x="45" y="611"/>
+                  </a:cubicBezTo>
+                  <a:cubicBezTo>
+                    <a:pt x="19" y="690"/>
+                    <a:pt x="3" y="771"/>
+                    <a:pt x="0" y="854"/>
+                  </a:cubicBezTo>
+                  <a:cubicBezTo>
+                    <a:pt x="0" y="856"/>
+                    <a:pt x="0" y="857"/>
+                    <a:pt x="0" y="859"/>
+                  </a:cubicBezTo>
+                  <a:cubicBezTo>
+                    <a:pt x="2" y="865"/>
+                    <a:pt x="4" y="872"/>
+                    <a:pt x="7" y="878"/>
+                  </a:cubicBezTo>
+                  <a:cubicBezTo>
+                    <a:pt x="7" y="870"/>
+                    <a:pt x="7" y="862"/>
+                    <a:pt x="7" y="854"/>
+                  </a:cubicBezTo>
+                  <a:close/>
+                </a:path>
+              </a:pathLst>
+            </a:custGeom>
+            <a:solidFill>
+              <a:schemeClr val="tx2">
+                <a:alpha val="20000"/>
+              </a:schemeClr>
+            </a:solidFill>
+            <a:ln>
+              <a:noFill/>
+            </a:ln>
+          </p:spPr>
+        </p:sp>
+        <p:sp>
+          <p:nvSpPr>
+            <p:cNvPr id="32" name="Freeform 20">
+              <a:extLst>
+                <a:ext uri="{FF2B5EF4-FFF2-40B4-BE49-F238E27FC236}">
+                  <a16:creationId xmlns:a16="http://schemas.microsoft.com/office/drawing/2014/main" id="{CF31B175-CBC2-449D-8998-0BA7711EA3A5}"/>
+                </a:ext>
+                <a:ext uri="{C183D7F6-B498-43B3-948B-1728B52AA6E4}">
+                  <adec:decorative xmlns:adec="http://schemas.microsoft.com/office/drawing/2017/decorative" val="1"/>
+                </a:ext>
+              </a:extLst>
+            </p:cNvPr>
+            <p:cNvSpPr/>
+            <p:nvPr>
+              <p:extLst>
+                <p:ext uri="{386F3935-93C4-4BCD-93E2-E3B085C9AB24}">
+                  <p16:designElem xmlns:p16="http://schemas.microsoft.com/office/powerpoint/2015/main" val="1"/>
+                </p:ext>
+              </p:extLst>
+            </p:nvPr>
+          </p:nvSpPr>
+          <p:spPr bwMode="auto">
+            <a:xfrm>
+              <a:off x="3273426" y="5653088"/>
+              <a:ext cx="138113" cy="287338"/>
+            </a:xfrm>
+            <a:custGeom>
+              <a:avLst/>
+              <a:gdLst/>
+              <a:ahLst/>
+              <a:cxnLst/>
+              <a:rect l="0" t="0" r="r" b="b"/>
+              <a:pathLst>
+                <a:path w="35" h="73">
+                  <a:moveTo>
+                    <a:pt x="0" y="0"/>
+                  </a:moveTo>
+                  <a:cubicBezTo>
+                    <a:pt x="7" y="24"/>
+                    <a:pt x="16" y="49"/>
+                    <a:pt x="26" y="73"/>
+                  </a:cubicBezTo>
+                  <a:cubicBezTo>
+                    <a:pt x="35" y="73"/>
+                    <a:pt x="35" y="73"/>
+                    <a:pt x="35" y="73"/>
+                  </a:cubicBezTo>
+                  <a:cubicBezTo>
+                    <a:pt x="23" y="49"/>
+                    <a:pt x="11" y="24"/>
+                    <a:pt x="0" y="0"/>
+                  </a:cubicBezTo>
+                  <a:close/>
+                </a:path>
+              </a:pathLst>
+            </a:custGeom>
+            <a:solidFill>
+              <a:schemeClr val="tx2">
+                <a:alpha val="20000"/>
+              </a:schemeClr>
+            </a:solidFill>
+            <a:ln>
+              <a:noFill/>
+            </a:ln>
+          </p:spPr>
+        </p:sp>
+        <p:sp>
+          <p:nvSpPr>
+            <p:cNvPr id="33" name="Freeform 21">
+              <a:extLst>
+                <a:ext uri="{FF2B5EF4-FFF2-40B4-BE49-F238E27FC236}">
+                  <a16:creationId xmlns:a16="http://schemas.microsoft.com/office/drawing/2014/main" id="{47A691C8-6328-4014-BB1A-CB4824DEB5C7}"/>
+                </a:ext>
+                <a:ext uri="{C183D7F6-B498-43B3-948B-1728B52AA6E4}">
+                  <adec:decorative xmlns:adec="http://schemas.microsoft.com/office/drawing/2017/decorative" val="1"/>
+                </a:ext>
+              </a:extLst>
+            </p:cNvPr>
+            <p:cNvSpPr/>
+            <p:nvPr>
+              <p:extLst>
+                <p:ext uri="{386F3935-93C4-4BCD-93E2-E3B085C9AB24}">
+                  <p16:designElem xmlns:p16="http://schemas.microsoft.com/office/powerpoint/2015/main" val="1"/>
+                </p:ext>
+              </p:extLst>
+            </p:nvPr>
+          </p:nvSpPr>
+          <p:spPr bwMode="auto">
+            <a:xfrm>
+              <a:off x="3143251" y="4656138"/>
+              <a:ext cx="31750" cy="188913"/>
+            </a:xfrm>
+            <a:custGeom>
+              <a:avLst/>
+              <a:gdLst/>
+              <a:ahLst/>
+              <a:cxnLst/>
+              <a:rect l="0" t="0" r="r" b="b"/>
+              <a:pathLst>
+                <a:path w="8" h="48">
+                  <a:moveTo>
+                    <a:pt x="7" y="44"/>
+                  </a:moveTo>
+                  <a:cubicBezTo>
+                    <a:pt x="7" y="46"/>
+                    <a:pt x="8" y="47"/>
+                    <a:pt x="8" y="48"/>
+                  </a:cubicBezTo>
+                  <a:cubicBezTo>
+                    <a:pt x="8" y="38"/>
+                    <a:pt x="8" y="29"/>
+                    <a:pt x="8" y="19"/>
+                  </a:cubicBezTo>
+                  <a:cubicBezTo>
+                    <a:pt x="5" y="13"/>
+                    <a:pt x="3" y="6"/>
+                    <a:pt x="1" y="0"/>
+                  </a:cubicBezTo>
+                  <a:cubicBezTo>
+                    <a:pt x="0" y="9"/>
+                    <a:pt x="0" y="17"/>
+                    <a:pt x="0" y="26"/>
+                  </a:cubicBezTo>
+                  <a:cubicBezTo>
+                    <a:pt x="2" y="32"/>
+                    <a:pt x="5" y="38"/>
+                    <a:pt x="7" y="44"/>
+                  </a:cubicBezTo>
+                  <a:close/>
+                </a:path>
+              </a:pathLst>
+            </a:custGeom>
+            <a:solidFill>
+              <a:schemeClr val="tx2">
+                <a:alpha val="20000"/>
+              </a:schemeClr>
+            </a:solidFill>
+            <a:ln>
+              <a:noFill/>
+            </a:ln>
+          </p:spPr>
+        </p:sp>
+        <p:sp>
+          <p:nvSpPr>
+            <p:cNvPr id="34" name="Freeform 22">
+              <a:extLst>
+                <a:ext uri="{FF2B5EF4-FFF2-40B4-BE49-F238E27FC236}">
+                  <a16:creationId xmlns:a16="http://schemas.microsoft.com/office/drawing/2014/main" id="{94EADC73-ECA3-447E-8D07-AE215A3C4386}"/>
+                </a:ext>
+                <a:ext uri="{C183D7F6-B498-43B3-948B-1728B52AA6E4}">
+                  <adec:decorative xmlns:adec="http://schemas.microsoft.com/office/drawing/2017/decorative" val="1"/>
+                </a:ext>
+              </a:extLst>
+            </p:cNvPr>
+            <p:cNvSpPr/>
+            <p:nvPr>
+              <p:extLst>
+                <p:ext uri="{386F3935-93C4-4BCD-93E2-E3B085C9AB24}">
+                  <p16:designElem xmlns:p16="http://schemas.microsoft.com/office/powerpoint/2015/main" val="1"/>
+                </p:ext>
+              </p:extLst>
+            </p:nvPr>
+          </p:nvSpPr>
+          <p:spPr bwMode="auto">
+            <a:xfrm>
+              <a:off x="3211513" y="5410200"/>
+              <a:ext cx="203200" cy="530225"/>
+            </a:xfrm>
+            <a:custGeom>
+              <a:avLst/>
+              <a:gdLst/>
+              <a:ahLst/>
+              <a:cxnLst/>
+              <a:rect l="0" t="0" r="r" b="b"/>
+              <a:pathLst>
+                <a:path w="52" h="135">
+                  <a:moveTo>
+                    <a:pt x="7" y="18"/>
+                  </a:moveTo>
+                  <a:cubicBezTo>
+                    <a:pt x="5" y="12"/>
+                    <a:pt x="2" y="6"/>
+                    <a:pt x="0" y="0"/>
+                  </a:cubicBezTo>
+                  <a:cubicBezTo>
+                    <a:pt x="3" y="16"/>
+                    <a:pt x="7" y="32"/>
+                    <a:pt x="12" y="48"/>
+                  </a:cubicBezTo>
+                  <a:cubicBezTo>
+                    <a:pt x="13" y="53"/>
+                    <a:pt x="14" y="57"/>
+                    <a:pt x="16" y="62"/>
+                  </a:cubicBezTo>
+                  <a:cubicBezTo>
+                    <a:pt x="27" y="86"/>
+                    <a:pt x="39" y="111"/>
+                    <a:pt x="51" y="135"/>
+                  </a:cubicBezTo>
+                  <a:cubicBezTo>
+                    <a:pt x="52" y="135"/>
+                    <a:pt x="52" y="135"/>
+                    <a:pt x="52" y="135"/>
+                  </a:cubicBezTo>
+                  <a:cubicBezTo>
+                    <a:pt x="41" y="109"/>
+                    <a:pt x="32" y="83"/>
+                    <a:pt x="24" y="56"/>
+                  </a:cubicBezTo>
+                  <a:cubicBezTo>
+                    <a:pt x="18" y="43"/>
+                    <a:pt x="13" y="31"/>
+                    <a:pt x="7" y="18"/>
+                  </a:cubicBezTo>
+                  <a:close/>
+                </a:path>
+              </a:pathLst>
+            </a:custGeom>
+            <a:solidFill>
+              <a:schemeClr val="tx2">
+                <a:alpha val="20000"/>
+              </a:schemeClr>
+            </a:solidFill>
+            <a:ln>
+              <a:noFill/>
+            </a:ln>
+          </p:spPr>
+        </p:sp>
+      </p:grpSp>
+      <p:grpSp>
+        <p:nvGrpSpPr>
+          <p:cNvPr id="36" name="Group 35">
+            <a:extLst>
+              <a:ext uri="{FF2B5EF4-FFF2-40B4-BE49-F238E27FC236}">
+                <a16:creationId xmlns:a16="http://schemas.microsoft.com/office/drawing/2014/main" id="{CDA2558E-94AE-4C16-8CD0-DCF447C9876B}"/>
+              </a:ext>
+              <a:ext uri="{C183D7F6-B498-43B3-948B-1728B52AA6E4}">
+                <adec:decorative xmlns:adec="http://schemas.microsoft.com/office/drawing/2017/decorative" val="1"/>
+              </a:ext>
+            </a:extLst>
+          </p:cNvPr>
+          <p:cNvGrpSpPr>
+            <a:grpSpLocks noGrp="1" noUngrp="1" noRot="1" noChangeAspect="1" noMove="1" noResize="1"/>
+          </p:cNvGrpSpPr>
+          <p:nvPr>
+            <p:extLst>
+              <p:ext uri="{386F3935-93C4-4BCD-93E2-E3B085C9AB24}">
+                <p16:designElem xmlns:p16="http://schemas.microsoft.com/office/powerpoint/2015/main" val="1"/>
+              </p:ext>
+            </p:extLst>
+          </p:nvPr>
+        </p:nvGrpSpPr>
+        <p:grpSpPr>
+          <a:xfrm>
+            <a:off x="4677117" y="-786"/>
+            <a:ext cx="2356675" cy="6854040"/>
+            <a:chOff x="6627813" y="194833"/>
+            <a:chExt cx="1952625" cy="5678918"/>
+          </a:xfrm>
+        </p:grpSpPr>
+        <p:sp>
+          <p:nvSpPr>
+            <p:cNvPr id="37" name="Freeform 27">
+              <a:extLst>
+                <a:ext uri="{FF2B5EF4-FFF2-40B4-BE49-F238E27FC236}">
+                  <a16:creationId xmlns:a16="http://schemas.microsoft.com/office/drawing/2014/main" id="{6928DF6B-A616-4A71-B951-9D8EAA775650}"/>
+                </a:ext>
+                <a:ext uri="{C183D7F6-B498-43B3-948B-1728B52AA6E4}">
+                  <adec:decorative xmlns:adec="http://schemas.microsoft.com/office/drawing/2017/decorative" val="1"/>
+                </a:ext>
+              </a:extLst>
+            </p:cNvPr>
+            <p:cNvSpPr/>
+            <p:nvPr>
+              <p:extLst>
+                <p:ext uri="{386F3935-93C4-4BCD-93E2-E3B085C9AB24}">
+                  <p16:designElem xmlns:p16="http://schemas.microsoft.com/office/powerpoint/2015/main" val="1"/>
+                </p:ext>
+              </p:extLst>
+            </p:nvPr>
+          </p:nvSpPr>
+          <p:spPr bwMode="auto">
+            <a:xfrm>
+              <a:off x="6627813" y="194833"/>
+              <a:ext cx="409575" cy="3646488"/>
+            </a:xfrm>
+            <a:custGeom>
+              <a:avLst/>
+              <a:gdLst/>
+              <a:ahLst/>
+              <a:cxnLst/>
+              <a:rect l="0" t="0" r="r" b="b"/>
+              <a:pathLst>
+                <a:path w="103" h="920">
+                  <a:moveTo>
+                    <a:pt x="7" y="210"/>
+                  </a:moveTo>
+                  <a:cubicBezTo>
+                    <a:pt x="11" y="288"/>
+                    <a:pt x="17" y="367"/>
+                    <a:pt x="26" y="445"/>
+                  </a:cubicBezTo>
+                  <a:cubicBezTo>
+                    <a:pt x="34" y="523"/>
+                    <a:pt x="44" y="601"/>
+                    <a:pt x="57" y="679"/>
+                  </a:cubicBezTo>
+                  <a:cubicBezTo>
+                    <a:pt x="69" y="757"/>
+                    <a:pt x="84" y="834"/>
+                    <a:pt x="101" y="911"/>
+                  </a:cubicBezTo>
+                  <a:cubicBezTo>
+                    <a:pt x="102" y="914"/>
+                    <a:pt x="103" y="917"/>
+                    <a:pt x="103" y="920"/>
+                  </a:cubicBezTo>
+                  <a:cubicBezTo>
+                    <a:pt x="102" y="905"/>
+                    <a:pt x="100" y="889"/>
+                    <a:pt x="99" y="874"/>
+                  </a:cubicBezTo>
+                  <a:cubicBezTo>
+                    <a:pt x="99" y="871"/>
+                    <a:pt x="99" y="868"/>
+                    <a:pt x="99" y="866"/>
+                  </a:cubicBezTo>
+                  <a:cubicBezTo>
+                    <a:pt x="85" y="803"/>
+                    <a:pt x="73" y="741"/>
+                    <a:pt x="63" y="678"/>
+                  </a:cubicBezTo>
+                  <a:cubicBezTo>
+                    <a:pt x="50" y="600"/>
+                    <a:pt x="39" y="523"/>
+                    <a:pt x="30" y="444"/>
+                  </a:cubicBezTo>
+                  <a:cubicBezTo>
+                    <a:pt x="21" y="366"/>
+                    <a:pt x="14" y="288"/>
+                    <a:pt x="9" y="209"/>
+                  </a:cubicBezTo>
+                  <a:cubicBezTo>
+                    <a:pt x="7" y="170"/>
+                    <a:pt x="5" y="131"/>
+                    <a:pt x="3" y="92"/>
+                  </a:cubicBezTo>
+                  <a:cubicBezTo>
+                    <a:pt x="2" y="61"/>
+                    <a:pt x="1" y="31"/>
+                    <a:pt x="1" y="0"/>
+                  </a:cubicBezTo>
+                  <a:cubicBezTo>
+                    <a:pt x="0" y="0"/>
+                    <a:pt x="0" y="0"/>
+                    <a:pt x="0" y="0"/>
+                  </a:cubicBezTo>
+                  <a:cubicBezTo>
+                    <a:pt x="0" y="31"/>
+                    <a:pt x="1" y="61"/>
+                    <a:pt x="1" y="92"/>
+                  </a:cubicBezTo>
+                  <a:cubicBezTo>
+                    <a:pt x="3" y="131"/>
+                    <a:pt x="4" y="170"/>
+                    <a:pt x="7" y="210"/>
+                  </a:cubicBezTo>
+                  <a:close/>
+                </a:path>
+              </a:pathLst>
+            </a:custGeom>
+            <a:solidFill>
+              <a:schemeClr val="tx2"/>
+            </a:solidFill>
+            <a:ln>
+              <a:noFill/>
+            </a:ln>
+          </p:spPr>
+        </p:sp>
+        <p:sp>
+          <p:nvSpPr>
+            <p:cNvPr id="38" name="Freeform 28">
+              <a:extLst>
+                <a:ext uri="{FF2B5EF4-FFF2-40B4-BE49-F238E27FC236}">
+                  <a16:creationId xmlns:a16="http://schemas.microsoft.com/office/drawing/2014/main" id="{CD6B4E15-CED4-45FA-874A-EA347C912036}"/>
+                </a:ext>
+                <a:ext uri="{C183D7F6-B498-43B3-948B-1728B52AA6E4}">
+                  <adec:decorative xmlns:adec="http://schemas.microsoft.com/office/drawing/2017/decorative" val="1"/>
+                </a:ext>
+              </a:extLst>
+            </p:cNvPr>
+            <p:cNvSpPr/>
+            <p:nvPr>
+              <p:extLst>
+                <p:ext uri="{386F3935-93C4-4BCD-93E2-E3B085C9AB24}">
+                  <p16:designElem xmlns:p16="http://schemas.microsoft.com/office/powerpoint/2015/main" val="1"/>
+                </p:ext>
+              </p:extLst>
+            </p:nvPr>
+          </p:nvSpPr>
+          <p:spPr bwMode="auto">
+            <a:xfrm>
+              <a:off x="7061201" y="3771900"/>
+              <a:ext cx="350838" cy="1309688"/>
+            </a:xfrm>
+            <a:custGeom>
+              <a:avLst/>
+              <a:gdLst/>
+              <a:ahLst/>
+              <a:cxnLst/>
+              <a:rect l="0" t="0" r="r" b="b"/>
+              <a:pathLst>
+                <a:path w="88" h="330">
+                  <a:moveTo>
+                    <a:pt x="53" y="229"/>
+                  </a:moveTo>
+                  <a:cubicBezTo>
+                    <a:pt x="64" y="263"/>
+                    <a:pt x="75" y="297"/>
+                    <a:pt x="88" y="330"/>
+                  </a:cubicBezTo>
+                  <a:cubicBezTo>
+                    <a:pt x="88" y="323"/>
+                    <a:pt x="88" y="315"/>
+                    <a:pt x="88" y="308"/>
+                  </a:cubicBezTo>
+                  <a:cubicBezTo>
+                    <a:pt x="88" y="307"/>
+                    <a:pt x="88" y="305"/>
+                    <a:pt x="88" y="304"/>
+                  </a:cubicBezTo>
+                  <a:cubicBezTo>
+                    <a:pt x="79" y="278"/>
+                    <a:pt x="70" y="252"/>
+                    <a:pt x="62" y="226"/>
+                  </a:cubicBezTo>
+                  <a:cubicBezTo>
+                    <a:pt x="38" y="152"/>
+                    <a:pt x="17" y="76"/>
+                    <a:pt x="0" y="0"/>
+                  </a:cubicBezTo>
+                  <a:cubicBezTo>
+                    <a:pt x="2" y="21"/>
+                    <a:pt x="4" y="42"/>
+                    <a:pt x="7" y="63"/>
+                  </a:cubicBezTo>
+                  <a:cubicBezTo>
+                    <a:pt x="21" y="119"/>
+                    <a:pt x="36" y="174"/>
+                    <a:pt x="53" y="229"/>
+                  </a:cubicBezTo>
+                  <a:close/>
+                </a:path>
+              </a:pathLst>
+            </a:custGeom>
+            <a:solidFill>
+              <a:schemeClr val="tx2"/>
+            </a:solidFill>
+            <a:ln>
+              <a:noFill/>
+            </a:ln>
+          </p:spPr>
+        </p:sp>
+        <p:sp>
+          <p:nvSpPr>
+            <p:cNvPr id="39" name="Freeform 29">
+              <a:extLst>
+                <a:ext uri="{FF2B5EF4-FFF2-40B4-BE49-F238E27FC236}">
+                  <a16:creationId xmlns:a16="http://schemas.microsoft.com/office/drawing/2014/main" id="{A4EE38F8-BF90-4D7F-8691-89ED516D76CA}"/>
+                </a:ext>
+                <a:ext uri="{C183D7F6-B498-43B3-948B-1728B52AA6E4}">
+                  <adec:decorative xmlns:adec="http://schemas.microsoft.com/office/drawing/2017/decorative" val="1"/>
+                </a:ext>
+              </a:extLst>
+            </p:cNvPr>
+            <p:cNvSpPr/>
+            <p:nvPr>
+              <p:extLst>
+                <p:ext uri="{386F3935-93C4-4BCD-93E2-E3B085C9AB24}">
+                  <p16:designElem xmlns:p16="http://schemas.microsoft.com/office/powerpoint/2015/main" val="1"/>
+                </p:ext>
+              </p:extLst>
+            </p:nvPr>
+          </p:nvSpPr>
+          <p:spPr bwMode="auto">
+            <a:xfrm>
+              <a:off x="7439026" y="5053013"/>
+              <a:ext cx="357188" cy="820738"/>
+            </a:xfrm>
+            <a:custGeom>
+              <a:avLst/>
+              <a:gdLst/>
+              <a:ahLst/>
+              <a:cxnLst/>
+              <a:rect l="0" t="0" r="r" b="b"/>
+              <a:pathLst>
+                <a:path w="90" h="207">
+                  <a:moveTo>
+                    <a:pt x="6" y="15"/>
+                  </a:moveTo>
+                  <a:cubicBezTo>
+                    <a:pt x="4" y="10"/>
+                    <a:pt x="2" y="5"/>
+                    <a:pt x="0" y="0"/>
+                  </a:cubicBezTo>
+                  <a:cubicBezTo>
+                    <a:pt x="0" y="9"/>
+                    <a:pt x="0" y="19"/>
+                    <a:pt x="1" y="29"/>
+                  </a:cubicBezTo>
+                  <a:cubicBezTo>
+                    <a:pt x="14" y="62"/>
+                    <a:pt x="27" y="95"/>
+                    <a:pt x="42" y="127"/>
+                  </a:cubicBezTo>
+                  <a:cubicBezTo>
+                    <a:pt x="54" y="154"/>
+                    <a:pt x="67" y="181"/>
+                    <a:pt x="80" y="207"/>
+                  </a:cubicBezTo>
+                  <a:cubicBezTo>
+                    <a:pt x="90" y="207"/>
+                    <a:pt x="90" y="207"/>
+                    <a:pt x="90" y="207"/>
+                  </a:cubicBezTo>
+                  <a:cubicBezTo>
+                    <a:pt x="76" y="180"/>
+                    <a:pt x="63" y="152"/>
+                    <a:pt x="50" y="123"/>
+                  </a:cubicBezTo>
+                  <a:cubicBezTo>
+                    <a:pt x="34" y="88"/>
+                    <a:pt x="20" y="51"/>
+                    <a:pt x="6" y="15"/>
+                  </a:cubicBezTo>
+                  <a:close/>
+                </a:path>
+              </a:pathLst>
+            </a:custGeom>
+            <a:solidFill>
+              <a:schemeClr val="tx2"/>
+            </a:solidFill>
+            <a:ln>
+              <a:noFill/>
+            </a:ln>
+          </p:spPr>
+        </p:sp>
+        <p:sp>
+          <p:nvSpPr>
+            <p:cNvPr id="40" name="Freeform 30">
+              <a:extLst>
+                <a:ext uri="{FF2B5EF4-FFF2-40B4-BE49-F238E27FC236}">
+                  <a16:creationId xmlns:a16="http://schemas.microsoft.com/office/drawing/2014/main" id="{2889210F-D6E4-4311-8BF3-DAD3FF49A783}"/>
+                </a:ext>
+                <a:ext uri="{C183D7F6-B498-43B3-948B-1728B52AA6E4}">
+                  <adec:decorative xmlns:adec="http://schemas.microsoft.com/office/drawing/2017/decorative" val="1"/>
+                </a:ext>
+              </a:extLst>
+            </p:cNvPr>
+            <p:cNvSpPr/>
+            <p:nvPr>
+              <p:extLst>
+                <p:ext uri="{386F3935-93C4-4BCD-93E2-E3B085C9AB24}">
+                  <p16:designElem xmlns:p16="http://schemas.microsoft.com/office/powerpoint/2015/main" val="1"/>
+                </p:ext>
+              </p:extLst>
+            </p:nvPr>
+          </p:nvSpPr>
+          <p:spPr bwMode="auto">
+            <a:xfrm>
+              <a:off x="7037388" y="3811588"/>
+              <a:ext cx="457200" cy="1852613"/>
+            </a:xfrm>
+            <a:custGeom>
+              <a:avLst/>
+              <a:gdLst/>
+              <a:ahLst/>
+              <a:cxnLst/>
+              <a:rect l="0" t="0" r="r" b="b"/>
+              <a:pathLst>
+                <a:path w="115" h="467">
+                  <a:moveTo>
+                    <a:pt x="101" y="409"/>
+                  </a:moveTo>
+                  <a:cubicBezTo>
+                    <a:pt x="93" y="388"/>
+                    <a:pt x="85" y="366"/>
+                    <a:pt x="78" y="344"/>
+                  </a:cubicBezTo>
+                  <a:cubicBezTo>
+                    <a:pt x="57" y="281"/>
+                    <a:pt x="41" y="216"/>
+                    <a:pt x="29" y="151"/>
+                  </a:cubicBezTo>
+                  <a:cubicBezTo>
+                    <a:pt x="22" y="119"/>
+                    <a:pt x="17" y="86"/>
+                    <a:pt x="13" y="53"/>
+                  </a:cubicBezTo>
+                  <a:cubicBezTo>
+                    <a:pt x="9" y="35"/>
+                    <a:pt x="4" y="18"/>
+                    <a:pt x="0" y="0"/>
+                  </a:cubicBezTo>
+                  <a:cubicBezTo>
+                    <a:pt x="5" y="51"/>
+                    <a:pt x="12" y="102"/>
+                    <a:pt x="21" y="152"/>
+                  </a:cubicBezTo>
+                  <a:cubicBezTo>
+                    <a:pt x="33" y="218"/>
+                    <a:pt x="49" y="283"/>
+                    <a:pt x="69" y="347"/>
+                  </a:cubicBezTo>
+                  <a:cubicBezTo>
+                    <a:pt x="79" y="378"/>
+                    <a:pt x="90" y="410"/>
+                    <a:pt x="103" y="441"/>
+                  </a:cubicBezTo>
+                  <a:cubicBezTo>
+                    <a:pt x="107" y="449"/>
+                    <a:pt x="111" y="458"/>
+                    <a:pt x="115" y="467"/>
+                  </a:cubicBezTo>
+                  <a:cubicBezTo>
+                    <a:pt x="114" y="464"/>
+                    <a:pt x="113" y="461"/>
+                    <a:pt x="112" y="458"/>
+                  </a:cubicBezTo>
+                  <a:cubicBezTo>
+                    <a:pt x="108" y="442"/>
+                    <a:pt x="104" y="425"/>
+                    <a:pt x="101" y="409"/>
+                  </a:cubicBezTo>
+                  <a:close/>
+                </a:path>
+              </a:pathLst>
+            </a:custGeom>
+            <a:solidFill>
+              <a:schemeClr val="tx2"/>
+            </a:solidFill>
+            <a:ln>
+              <a:noFill/>
+            </a:ln>
+          </p:spPr>
+        </p:sp>
+        <p:sp>
+          <p:nvSpPr>
+            <p:cNvPr id="41" name="Freeform 31">
+              <a:extLst>
+                <a:ext uri="{FF2B5EF4-FFF2-40B4-BE49-F238E27FC236}">
+                  <a16:creationId xmlns:a16="http://schemas.microsoft.com/office/drawing/2014/main" id="{44641BAA-087D-4656-8D6F-EA70FB67F05B}"/>
+                </a:ext>
+                <a:ext uri="{C183D7F6-B498-43B3-948B-1728B52AA6E4}">
+                  <adec:decorative xmlns:adec="http://schemas.microsoft.com/office/drawing/2017/decorative" val="1"/>
+                </a:ext>
+              </a:extLst>
+            </p:cNvPr>
+            <p:cNvSpPr/>
+            <p:nvPr>
+              <p:extLst>
+                <p:ext uri="{386F3935-93C4-4BCD-93E2-E3B085C9AB24}">
+                  <p16:designElem xmlns:p16="http://schemas.microsoft.com/office/powerpoint/2015/main" val="1"/>
+                </p:ext>
+              </p:extLst>
+            </p:nvPr>
+          </p:nvSpPr>
+          <p:spPr bwMode="auto">
+            <a:xfrm>
+              <a:off x="6992938" y="1263650"/>
+              <a:ext cx="144463" cy="2508250"/>
+            </a:xfrm>
+            <a:custGeom>
+              <a:avLst/>
+              <a:gdLst/>
+              <a:ahLst/>
+              <a:cxnLst/>
+              <a:rect l="0" t="0" r="r" b="b"/>
+              <a:pathLst>
+                <a:path w="36" h="633">
+                  <a:moveTo>
+                    <a:pt x="17" y="633"/>
+                  </a:moveTo>
+                  <a:cubicBezTo>
+                    <a:pt x="15" y="621"/>
+                    <a:pt x="14" y="609"/>
+                    <a:pt x="13" y="597"/>
+                  </a:cubicBezTo>
+                  <a:cubicBezTo>
+                    <a:pt x="8" y="530"/>
+                    <a:pt x="5" y="464"/>
+                    <a:pt x="5" y="398"/>
+                  </a:cubicBezTo>
+                  <a:cubicBezTo>
+                    <a:pt x="5" y="331"/>
+                    <a:pt x="8" y="265"/>
+                    <a:pt x="13" y="198"/>
+                  </a:cubicBezTo>
+                  <a:cubicBezTo>
+                    <a:pt x="15" y="165"/>
+                    <a:pt x="18" y="132"/>
+                    <a:pt x="22" y="99"/>
+                  </a:cubicBezTo>
+                  <a:cubicBezTo>
+                    <a:pt x="26" y="66"/>
+                    <a:pt x="30" y="33"/>
+                    <a:pt x="36" y="0"/>
+                  </a:cubicBezTo>
+                  <a:cubicBezTo>
+                    <a:pt x="35" y="0"/>
+                    <a:pt x="35" y="0"/>
+                    <a:pt x="35" y="0"/>
+                  </a:cubicBezTo>
+                  <a:cubicBezTo>
+                    <a:pt x="29" y="33"/>
+                    <a:pt x="24" y="66"/>
+                    <a:pt x="20" y="99"/>
+                  </a:cubicBezTo>
+                  <a:cubicBezTo>
+                    <a:pt x="16" y="132"/>
+                    <a:pt x="13" y="165"/>
+                    <a:pt x="10" y="198"/>
+                  </a:cubicBezTo>
+                  <a:cubicBezTo>
+                    <a:pt x="4" y="264"/>
+                    <a:pt x="1" y="331"/>
+                    <a:pt x="1" y="398"/>
+                  </a:cubicBezTo>
+                  <a:cubicBezTo>
+                    <a:pt x="0" y="461"/>
+                    <a:pt x="2" y="525"/>
+                    <a:pt x="7" y="589"/>
+                  </a:cubicBezTo>
+                  <a:cubicBezTo>
+                    <a:pt x="10" y="603"/>
+                    <a:pt x="13" y="618"/>
+                    <a:pt x="16" y="632"/>
+                  </a:cubicBezTo>
+                  <a:cubicBezTo>
+                    <a:pt x="16" y="632"/>
+                    <a:pt x="17" y="633"/>
+                    <a:pt x="17" y="633"/>
+                  </a:cubicBezTo>
+                  <a:close/>
+                </a:path>
+              </a:pathLst>
+            </a:custGeom>
+            <a:solidFill>
+              <a:schemeClr val="tx2"/>
+            </a:solidFill>
+            <a:ln>
+              <a:noFill/>
+            </a:ln>
+          </p:spPr>
+        </p:sp>
+        <p:sp>
+          <p:nvSpPr>
+            <p:cNvPr id="42" name="Freeform 32">
+              <a:extLst>
+                <a:ext uri="{FF2B5EF4-FFF2-40B4-BE49-F238E27FC236}">
+                  <a16:creationId xmlns:a16="http://schemas.microsoft.com/office/drawing/2014/main" id="{DCEB55E2-FCCA-48F5-917E-8B3F26EC8324}"/>
+                </a:ext>
+                <a:ext uri="{C183D7F6-B498-43B3-948B-1728B52AA6E4}">
+                  <adec:decorative xmlns:adec="http://schemas.microsoft.com/office/drawing/2017/decorative" val="1"/>
+                </a:ext>
+              </a:extLst>
+            </p:cNvPr>
+            <p:cNvSpPr/>
+            <p:nvPr>
+              <p:extLst>
+                <p:ext uri="{386F3935-93C4-4BCD-93E2-E3B085C9AB24}">
+                  <p16:designElem xmlns:p16="http://schemas.microsoft.com/office/powerpoint/2015/main" val="1"/>
+                </p:ext>
+              </p:extLst>
+            </p:nvPr>
+          </p:nvSpPr>
+          <p:spPr bwMode="auto">
+            <a:xfrm>
+              <a:off x="7526338" y="5640388"/>
+              <a:ext cx="111125" cy="233363"/>
+            </a:xfrm>
+            <a:custGeom>
+              <a:avLst/>
+              <a:gdLst/>
+              <a:ahLst/>
+              <a:cxnLst/>
+              <a:rect l="0" t="0" r="r" b="b"/>
+              <a:pathLst>
+                <a:path w="28" h="59">
+                  <a:moveTo>
+                    <a:pt x="22" y="59"/>
+                  </a:moveTo>
+                  <a:cubicBezTo>
+                    <a:pt x="28" y="59"/>
+                    <a:pt x="28" y="59"/>
+                    <a:pt x="28" y="59"/>
+                  </a:cubicBezTo>
+                  <a:cubicBezTo>
+                    <a:pt x="18" y="40"/>
+                    <a:pt x="9" y="20"/>
+                    <a:pt x="0" y="0"/>
+                  </a:cubicBezTo>
+                  <a:cubicBezTo>
+                    <a:pt x="6" y="20"/>
+                    <a:pt x="13" y="40"/>
+                    <a:pt x="22" y="59"/>
+                  </a:cubicBezTo>
+                  <a:close/>
+                </a:path>
+              </a:pathLst>
+            </a:custGeom>
+            <a:solidFill>
+              <a:schemeClr val="tx2"/>
+            </a:solidFill>
+            <a:ln>
+              <a:noFill/>
+            </a:ln>
+          </p:spPr>
+        </p:sp>
+        <p:sp>
+          <p:nvSpPr>
+            <p:cNvPr id="43" name="Freeform 33">
+              <a:extLst>
+                <a:ext uri="{FF2B5EF4-FFF2-40B4-BE49-F238E27FC236}">
+                  <a16:creationId xmlns:a16="http://schemas.microsoft.com/office/drawing/2014/main" id="{45869B9E-3378-49CB-8EE1-FECA7D7809F0}"/>
+                </a:ext>
+                <a:ext uri="{C183D7F6-B498-43B3-948B-1728B52AA6E4}">
+                  <adec:decorative xmlns:adec="http://schemas.microsoft.com/office/drawing/2017/decorative" val="1"/>
+                </a:ext>
+              </a:extLst>
+            </p:cNvPr>
+            <p:cNvSpPr/>
+            <p:nvPr>
+              <p:extLst>
+                <p:ext uri="{386F3935-93C4-4BCD-93E2-E3B085C9AB24}">
+                  <p16:designElem xmlns:p16="http://schemas.microsoft.com/office/powerpoint/2015/main" val="1"/>
+                </p:ext>
+              </p:extLst>
+            </p:nvPr>
+          </p:nvSpPr>
+          <p:spPr bwMode="auto">
+            <a:xfrm>
+              <a:off x="7021513" y="3598863"/>
+              <a:ext cx="68263" cy="423863"/>
+            </a:xfrm>
+            <a:custGeom>
+              <a:avLst/>
+              <a:gdLst/>
+              <a:ahLst/>
+              <a:cxnLst/>
+              <a:rect l="0" t="0" r="r" b="b"/>
+              <a:pathLst>
+                <a:path w="17" h="107">
+                  <a:moveTo>
+                    <a:pt x="4" y="54"/>
+                  </a:moveTo>
+                  <a:cubicBezTo>
+                    <a:pt x="8" y="72"/>
+                    <a:pt x="13" y="89"/>
+                    <a:pt x="17" y="107"/>
+                  </a:cubicBezTo>
+                  <a:cubicBezTo>
+                    <a:pt x="14" y="86"/>
+                    <a:pt x="12" y="65"/>
+                    <a:pt x="10" y="44"/>
+                  </a:cubicBezTo>
+                  <a:cubicBezTo>
+                    <a:pt x="10" y="44"/>
+                    <a:pt x="9" y="43"/>
+                    <a:pt x="9" y="43"/>
+                  </a:cubicBezTo>
+                  <a:cubicBezTo>
+                    <a:pt x="6" y="29"/>
+                    <a:pt x="3" y="14"/>
+                    <a:pt x="0" y="0"/>
+                  </a:cubicBezTo>
+                  <a:cubicBezTo>
+                    <a:pt x="0" y="2"/>
+                    <a:pt x="0" y="5"/>
+                    <a:pt x="0" y="8"/>
+                  </a:cubicBezTo>
+                  <a:cubicBezTo>
+                    <a:pt x="1" y="23"/>
+                    <a:pt x="3" y="39"/>
+                    <a:pt x="4" y="54"/>
+                  </a:cubicBezTo>
+                  <a:close/>
+                </a:path>
+              </a:pathLst>
+            </a:custGeom>
+            <a:solidFill>
+              <a:schemeClr val="tx2"/>
+            </a:solidFill>
+            <a:ln>
+              <a:noFill/>
+            </a:ln>
+          </p:spPr>
+        </p:sp>
+        <p:sp>
+          <p:nvSpPr>
+            <p:cNvPr id="44" name="Freeform 34">
+              <a:extLst>
+                <a:ext uri="{FF2B5EF4-FFF2-40B4-BE49-F238E27FC236}">
+                  <a16:creationId xmlns:a16="http://schemas.microsoft.com/office/drawing/2014/main" id="{3497B8C7-AB4A-40B7-A86E-112D90CC6A71}"/>
+                </a:ext>
+                <a:ext uri="{C183D7F6-B498-43B3-948B-1728B52AA6E4}">
+                  <adec:decorative xmlns:adec="http://schemas.microsoft.com/office/drawing/2017/decorative" val="1"/>
+                </a:ext>
+              </a:extLst>
+            </p:cNvPr>
+            <p:cNvSpPr/>
+            <p:nvPr>
+              <p:extLst>
+                <p:ext uri="{386F3935-93C4-4BCD-93E2-E3B085C9AB24}">
+                  <p16:designElem xmlns:p16="http://schemas.microsoft.com/office/powerpoint/2015/main" val="1"/>
+                </p:ext>
+              </p:extLst>
+            </p:nvPr>
+          </p:nvSpPr>
+          <p:spPr bwMode="auto">
+            <a:xfrm>
+              <a:off x="7412038" y="2801938"/>
+              <a:ext cx="1168400" cy="2251075"/>
+            </a:xfrm>
+            <a:custGeom>
+              <a:avLst/>
+              <a:gdLst/>
+              <a:ahLst/>
+              <a:cxnLst/>
+              <a:rect l="0" t="0" r="r" b="b"/>
+              <a:pathLst>
+                <a:path w="294" h="568">
+                  <a:moveTo>
+                    <a:pt x="8" y="553"/>
+                  </a:moveTo>
+                  <a:cubicBezTo>
+                    <a:pt x="9" y="501"/>
+                    <a:pt x="19" y="448"/>
+                    <a:pt x="35" y="397"/>
+                  </a:cubicBezTo>
+                  <a:cubicBezTo>
+                    <a:pt x="51" y="347"/>
+                    <a:pt x="73" y="298"/>
+                    <a:pt x="99" y="252"/>
+                  </a:cubicBezTo>
+                  <a:cubicBezTo>
+                    <a:pt x="124" y="205"/>
+                    <a:pt x="154" y="161"/>
+                    <a:pt x="187" y="119"/>
+                  </a:cubicBezTo>
+                  <a:cubicBezTo>
+                    <a:pt x="203" y="98"/>
+                    <a:pt x="220" y="77"/>
+                    <a:pt x="238" y="58"/>
+                  </a:cubicBezTo>
+                  <a:cubicBezTo>
+                    <a:pt x="247" y="48"/>
+                    <a:pt x="256" y="38"/>
+                    <a:pt x="265" y="28"/>
+                  </a:cubicBezTo>
+                  <a:cubicBezTo>
+                    <a:pt x="274" y="19"/>
+                    <a:pt x="284" y="9"/>
+                    <a:pt x="294" y="0"/>
+                  </a:cubicBezTo>
+                  <a:cubicBezTo>
+                    <a:pt x="293" y="0"/>
+                    <a:pt x="293" y="0"/>
+                    <a:pt x="293" y="0"/>
+                  </a:cubicBezTo>
+                  <a:cubicBezTo>
+                    <a:pt x="283" y="9"/>
+                    <a:pt x="273" y="18"/>
+                    <a:pt x="264" y="27"/>
+                  </a:cubicBezTo>
+                  <a:cubicBezTo>
+                    <a:pt x="255" y="37"/>
+                    <a:pt x="246" y="47"/>
+                    <a:pt x="237" y="56"/>
+                  </a:cubicBezTo>
+                  <a:cubicBezTo>
+                    <a:pt x="218" y="76"/>
+                    <a:pt x="201" y="96"/>
+                    <a:pt x="185" y="117"/>
+                  </a:cubicBezTo>
+                  <a:cubicBezTo>
+                    <a:pt x="151" y="159"/>
+                    <a:pt x="121" y="203"/>
+                    <a:pt x="95" y="249"/>
+                  </a:cubicBezTo>
+                  <a:cubicBezTo>
+                    <a:pt x="68" y="296"/>
+                    <a:pt x="46" y="345"/>
+                    <a:pt x="30" y="396"/>
+                  </a:cubicBezTo>
+                  <a:cubicBezTo>
+                    <a:pt x="13" y="445"/>
+                    <a:pt x="3" y="497"/>
+                    <a:pt x="0" y="549"/>
+                  </a:cubicBezTo>
+                  <a:cubicBezTo>
+                    <a:pt x="3" y="555"/>
+                    <a:pt x="5" y="561"/>
+                    <a:pt x="7" y="568"/>
+                  </a:cubicBezTo>
+                  <a:cubicBezTo>
+                    <a:pt x="7" y="563"/>
+                    <a:pt x="7" y="558"/>
+                    <a:pt x="8" y="553"/>
+                  </a:cubicBezTo>
+                  <a:close/>
+                </a:path>
+              </a:pathLst>
+            </a:custGeom>
+            <a:solidFill>
+              <a:schemeClr val="tx2"/>
+            </a:solidFill>
+            <a:ln>
+              <a:noFill/>
+            </a:ln>
+          </p:spPr>
+        </p:sp>
+        <p:sp>
+          <p:nvSpPr>
+            <p:cNvPr id="45" name="Freeform 35">
+              <a:extLst>
+                <a:ext uri="{FF2B5EF4-FFF2-40B4-BE49-F238E27FC236}">
+                  <a16:creationId xmlns:a16="http://schemas.microsoft.com/office/drawing/2014/main" id="{D5A7E348-C28C-4626-9026-59B6B9F7A2E1}"/>
+                </a:ext>
+                <a:ext uri="{C183D7F6-B498-43B3-948B-1728B52AA6E4}">
+                  <adec:decorative xmlns:adec="http://schemas.microsoft.com/office/drawing/2017/decorative" val="1"/>
+                </a:ext>
+              </a:extLst>
+            </p:cNvPr>
+            <p:cNvSpPr/>
+            <p:nvPr>
+              <p:extLst>
+                <p:ext uri="{386F3935-93C4-4BCD-93E2-E3B085C9AB24}">
+                  <p16:designElem xmlns:p16="http://schemas.microsoft.com/office/powerpoint/2015/main" val="1"/>
+                </p:ext>
+              </p:extLst>
+            </p:nvPr>
+          </p:nvSpPr>
+          <p:spPr bwMode="auto">
+            <a:xfrm>
+              <a:off x="7494588" y="5664200"/>
+              <a:ext cx="100013" cy="209550"/>
+            </a:xfrm>
+            <a:custGeom>
+              <a:avLst/>
+              <a:gdLst/>
+              <a:ahLst/>
+              <a:cxnLst/>
+              <a:rect l="0" t="0" r="r" b="b"/>
+              <a:pathLst>
+                <a:path w="25" h="53">
+                  <a:moveTo>
+                    <a:pt x="0" y="0"/>
+                  </a:moveTo>
+                  <a:cubicBezTo>
+                    <a:pt x="5" y="18"/>
+                    <a:pt x="12" y="36"/>
+                    <a:pt x="19" y="53"/>
+                  </a:cubicBezTo>
+                  <a:cubicBezTo>
+                    <a:pt x="25" y="53"/>
+                    <a:pt x="25" y="53"/>
+                    <a:pt x="25" y="53"/>
+                  </a:cubicBezTo>
+                  <a:cubicBezTo>
+                    <a:pt x="16" y="36"/>
+                    <a:pt x="8" y="18"/>
+                    <a:pt x="0" y="0"/>
+                  </a:cubicBezTo>
+                  <a:close/>
+                </a:path>
+              </a:pathLst>
+            </a:custGeom>
+            <a:solidFill>
+              <a:schemeClr val="tx2"/>
+            </a:solidFill>
+            <a:ln>
+              <a:noFill/>
+            </a:ln>
+          </p:spPr>
+        </p:sp>
+        <p:sp>
+          <p:nvSpPr>
+            <p:cNvPr id="46" name="Freeform 36">
+              <a:extLst>
+                <a:ext uri="{FF2B5EF4-FFF2-40B4-BE49-F238E27FC236}">
+                  <a16:creationId xmlns:a16="http://schemas.microsoft.com/office/drawing/2014/main" id="{A4FF1CA0-E6B1-4861-A2CD-144E06299C22}"/>
+                </a:ext>
+                <a:ext uri="{C183D7F6-B498-43B3-948B-1728B52AA6E4}">
+                  <adec:decorative xmlns:adec="http://schemas.microsoft.com/office/drawing/2017/decorative" val="1"/>
+                </a:ext>
+              </a:extLst>
+            </p:cNvPr>
+            <p:cNvSpPr/>
+            <p:nvPr>
+              <p:extLst>
+                <p:ext uri="{386F3935-93C4-4BCD-93E2-E3B085C9AB24}">
+                  <p16:designElem xmlns:p16="http://schemas.microsoft.com/office/powerpoint/2015/main" val="1"/>
+                </p:ext>
+              </p:extLst>
+            </p:nvPr>
+          </p:nvSpPr>
+          <p:spPr bwMode="auto">
+            <a:xfrm>
+              <a:off x="7412038" y="5081588"/>
+              <a:ext cx="114300" cy="558800"/>
+            </a:xfrm>
+            <a:custGeom>
+              <a:avLst/>
+              <a:gdLst/>
+              <a:ahLst/>
+              <a:cxnLst/>
+              <a:rect l="0" t="0" r="r" b="b"/>
+              <a:pathLst>
+                <a:path w="29" h="141">
+                  <a:moveTo>
+                    <a:pt x="0" y="0"/>
+                  </a:moveTo>
+                  <a:cubicBezTo>
+                    <a:pt x="0" y="30"/>
+                    <a:pt x="2" y="60"/>
+                    <a:pt x="7" y="89"/>
+                  </a:cubicBezTo>
+                  <a:cubicBezTo>
+                    <a:pt x="11" y="98"/>
+                    <a:pt x="14" y="108"/>
+                    <a:pt x="18" y="117"/>
+                  </a:cubicBezTo>
+                  <a:cubicBezTo>
+                    <a:pt x="22" y="125"/>
+                    <a:pt x="25" y="133"/>
+                    <a:pt x="29" y="141"/>
+                  </a:cubicBezTo>
+                  <a:cubicBezTo>
+                    <a:pt x="28" y="139"/>
+                    <a:pt x="28" y="137"/>
+                    <a:pt x="27" y="135"/>
+                  </a:cubicBezTo>
+                  <a:cubicBezTo>
+                    <a:pt x="16" y="98"/>
+                    <a:pt x="10" y="60"/>
+                    <a:pt x="8" y="22"/>
+                  </a:cubicBezTo>
+                  <a:cubicBezTo>
+                    <a:pt x="7" y="18"/>
+                    <a:pt x="5" y="15"/>
+                    <a:pt x="4" y="11"/>
+                  </a:cubicBezTo>
+                  <a:cubicBezTo>
+                    <a:pt x="2" y="7"/>
+                    <a:pt x="1" y="3"/>
+                    <a:pt x="0" y="0"/>
+                  </a:cubicBezTo>
+                  <a:close/>
+                </a:path>
+              </a:pathLst>
+            </a:custGeom>
+            <a:solidFill>
+              <a:schemeClr val="tx2"/>
+            </a:solidFill>
+            <a:ln>
+              <a:noFill/>
+            </a:ln>
+          </p:spPr>
+        </p:sp>
+        <p:sp>
+          <p:nvSpPr>
+            <p:cNvPr id="47" name="Freeform 37">
+              <a:extLst>
+                <a:ext uri="{FF2B5EF4-FFF2-40B4-BE49-F238E27FC236}">
+                  <a16:creationId xmlns:a16="http://schemas.microsoft.com/office/drawing/2014/main" id="{774FF261-7109-4B0E-B24B-622F4209CE92}"/>
+                </a:ext>
+                <a:ext uri="{C183D7F6-B498-43B3-948B-1728B52AA6E4}">
+                  <adec:decorative xmlns:adec="http://schemas.microsoft.com/office/drawing/2017/decorative" val="1"/>
+                </a:ext>
+              </a:extLst>
+            </p:cNvPr>
+            <p:cNvSpPr/>
+            <p:nvPr>
+              <p:extLst>
+                <p:ext uri="{386F3935-93C4-4BCD-93E2-E3B085C9AB24}">
+                  <p16:designElem xmlns:p16="http://schemas.microsoft.com/office/powerpoint/2015/main" val="1"/>
+                </p:ext>
+              </p:extLst>
+            </p:nvPr>
+          </p:nvSpPr>
+          <p:spPr bwMode="auto">
+            <a:xfrm>
+              <a:off x="7412038" y="4978400"/>
+              <a:ext cx="31750" cy="188913"/>
+            </a:xfrm>
+            <a:custGeom>
+              <a:avLst/>
+              <a:gdLst/>
+              <a:ahLst/>
+              <a:cxnLst/>
+              <a:rect l="0" t="0" r="r" b="b"/>
+              <a:pathLst>
+                <a:path w="8" h="48">
+                  <a:moveTo>
+                    <a:pt x="0" y="26"/>
+                  </a:moveTo>
+                  <a:cubicBezTo>
+                    <a:pt x="1" y="29"/>
+                    <a:pt x="2" y="33"/>
+                    <a:pt x="4" y="37"/>
+                  </a:cubicBezTo>
+                  <a:cubicBezTo>
+                    <a:pt x="5" y="41"/>
+                    <a:pt x="7" y="44"/>
+                    <a:pt x="8" y="48"/>
+                  </a:cubicBezTo>
+                  <a:cubicBezTo>
+                    <a:pt x="7" y="38"/>
+                    <a:pt x="7" y="28"/>
+                    <a:pt x="7" y="19"/>
+                  </a:cubicBezTo>
+                  <a:cubicBezTo>
+                    <a:pt x="5" y="12"/>
+                    <a:pt x="3" y="6"/>
+                    <a:pt x="0" y="0"/>
+                  </a:cubicBezTo>
+                  <a:cubicBezTo>
+                    <a:pt x="0" y="1"/>
+                    <a:pt x="0" y="3"/>
+                    <a:pt x="0" y="4"/>
+                  </a:cubicBezTo>
+                  <a:cubicBezTo>
+                    <a:pt x="0" y="11"/>
+                    <a:pt x="0" y="19"/>
+                    <a:pt x="0" y="26"/>
+                  </a:cubicBezTo>
+                  <a:close/>
+                </a:path>
+              </a:pathLst>
+            </a:custGeom>
+            <a:solidFill>
+              <a:schemeClr val="tx2"/>
+            </a:solidFill>
+            <a:ln>
+              <a:noFill/>
+            </a:ln>
+          </p:spPr>
+        </p:sp>
+        <p:sp>
+          <p:nvSpPr>
+            <p:cNvPr id="48" name="Freeform 38">
+              <a:extLst>
+                <a:ext uri="{FF2B5EF4-FFF2-40B4-BE49-F238E27FC236}">
+                  <a16:creationId xmlns:a16="http://schemas.microsoft.com/office/drawing/2014/main" id="{3ECECA25-954F-4011-ADFF-BBFC4A00D3D7}"/>
+                </a:ext>
+                <a:ext uri="{C183D7F6-B498-43B3-948B-1728B52AA6E4}">
+                  <adec:decorative xmlns:adec="http://schemas.microsoft.com/office/drawing/2017/decorative" val="1"/>
+                </a:ext>
+              </a:extLst>
+            </p:cNvPr>
+            <p:cNvSpPr/>
+            <p:nvPr>
+              <p:extLst>
+                <p:ext uri="{386F3935-93C4-4BCD-93E2-E3B085C9AB24}">
+                  <p16:designElem xmlns:p16="http://schemas.microsoft.com/office/powerpoint/2015/main" val="1"/>
+                </p:ext>
+              </p:extLst>
+            </p:nvPr>
+          </p:nvSpPr>
+          <p:spPr bwMode="auto">
+            <a:xfrm>
+              <a:off x="7439026" y="5434013"/>
+              <a:ext cx="174625" cy="439738"/>
+            </a:xfrm>
+            <a:custGeom>
+              <a:avLst/>
+              <a:gdLst/>
+              <a:ahLst/>
+              <a:cxnLst/>
+              <a:rect l="0" t="0" r="r" b="b"/>
+              <a:pathLst>
+                <a:path w="44" h="111">
+                  <a:moveTo>
+                    <a:pt x="11" y="28"/>
+                  </a:moveTo>
+                  <a:cubicBezTo>
+                    <a:pt x="7" y="19"/>
+                    <a:pt x="4" y="9"/>
+                    <a:pt x="0" y="0"/>
+                  </a:cubicBezTo>
+                  <a:cubicBezTo>
+                    <a:pt x="3" y="16"/>
+                    <a:pt x="7" y="33"/>
+                    <a:pt x="11" y="49"/>
+                  </a:cubicBezTo>
+                  <a:cubicBezTo>
+                    <a:pt x="12" y="52"/>
+                    <a:pt x="13" y="55"/>
+                    <a:pt x="14" y="58"/>
+                  </a:cubicBezTo>
+                  <a:cubicBezTo>
+                    <a:pt x="22" y="76"/>
+                    <a:pt x="30" y="94"/>
+                    <a:pt x="39" y="111"/>
+                  </a:cubicBezTo>
+                  <a:cubicBezTo>
+                    <a:pt x="44" y="111"/>
+                    <a:pt x="44" y="111"/>
+                    <a:pt x="44" y="111"/>
+                  </a:cubicBezTo>
+                  <a:cubicBezTo>
+                    <a:pt x="35" y="92"/>
+                    <a:pt x="28" y="72"/>
+                    <a:pt x="22" y="52"/>
+                  </a:cubicBezTo>
+                  <a:cubicBezTo>
+                    <a:pt x="18" y="44"/>
+                    <a:pt x="15" y="36"/>
+                    <a:pt x="11" y="28"/>
+                  </a:cubicBezTo>
+                  <a:close/>
+                </a:path>
+              </a:pathLst>
+            </a:custGeom>
+            <a:solidFill>
+              <a:schemeClr val="tx2"/>
+            </a:solidFill>
+            <a:ln>
+              <a:noFill/>
+            </a:ln>
+          </p:spPr>
+        </p:sp>
+      </p:grpSp>
       <p:sp>
         <p:nvSpPr>
           <p:cNvPr id="2" name="Titlu 1">
             <a:extLst>
               <a:ext uri="{FF2B5EF4-FFF2-40B4-BE49-F238E27FC236}">
-                <a16:creationId xmlns:a16="http://schemas.microsoft.com/office/drawing/2014/main" id="{FC33116A-955E-4F82-82B3-25A740AEFDAC}"/>
+                <a16:creationId xmlns:a16="http://schemas.microsoft.com/office/drawing/2014/main" id="{7129B54D-B381-4CFC-B445-9776A7B9D11F}"/>
               </a:ext>
             </a:extLst>
           </p:cNvPr>
@@ -8800,8 +12256,8 @@
         </p:nvSpPr>
         <p:spPr>
           <a:xfrm>
-            <a:off x="535525" y="624110"/>
-            <a:ext cx="4623955" cy="1280890"/>
+            <a:off x="6483096" y="624110"/>
+            <a:ext cx="5021516" cy="1280890"/>
           </a:xfrm>
         </p:spPr>
         <p:txBody>
@@ -8811,35 +12267,54 @@
           <a:lstStyle/>
           <a:p>
             <a:r>
-              <a:rPr lang="en-US" err="1"/>
-              <a:t>Implementare</a:t>
-            </a:r>
-            <a:r>
-              <a:rPr lang="en-US"/>
-              <a:t> - </a:t>
-            </a:r>
-            <a:r>
-              <a:rPr lang="en-US" err="1"/>
-              <a:t>modul</a:t>
-            </a:r>
-            <a:r>
-              <a:rPr lang="en-US"/>
-              <a:t> </a:t>
-            </a:r>
-            <a:r>
-              <a:rPr lang="en-US" err="1"/>
-              <a:t>senzor</a:t>
-            </a:r>
-            <a:endParaRPr lang="en-US"/>
+              <a:rPr lang="ro-RO" dirty="0"/>
+              <a:t>Competiție</a:t>
+            </a:r>
+            <a:endParaRPr lang="en-US" dirty="0"/>
           </a:p>
         </p:txBody>
       </p:sp>
-      <p:sp>
-        <p:nvSpPr>
-          <p:cNvPr id="14" name="Rectangle 13">
+      <p:pic>
+        <p:nvPicPr>
+          <p:cNvPr id="8" name="Imagine 7" descr="O imagine care conține text, electronice&#10;&#10;Descriere generată automat">
             <a:extLst>
               <a:ext uri="{FF2B5EF4-FFF2-40B4-BE49-F238E27FC236}">
-                <a16:creationId xmlns:a16="http://schemas.microsoft.com/office/drawing/2014/main" id="{433DF4D3-8A35-461A-ABE0-F56B78A1371F}"/>
+                <a16:creationId xmlns:a16="http://schemas.microsoft.com/office/drawing/2014/main" id="{911222AB-1D67-4625-89CD-8B45678E51DB}"/>
+              </a:ext>
+            </a:extLst>
+          </p:cNvPr>
+          <p:cNvPicPr>
+            <a:picLocks noChangeAspect="1"/>
+          </p:cNvPicPr>
+          <p:nvPr/>
+        </p:nvPicPr>
+        <p:blipFill rotWithShape="1">
+          <a:blip r:embed="rId2">
+            <a:extLst>
+              <a:ext uri="{28A0092B-C50C-407E-A947-70E740481C1C}">
+                <a14:useLocalDpi xmlns:a14="http://schemas.microsoft.com/office/drawing/2010/main" val="0"/>
+              </a:ext>
+            </a:extLst>
+          </a:blip>
+          <a:srcRect r="-4" b="5090"/>
+          <a:stretch/>
+        </p:blipFill>
+        <p:spPr>
+          <a:xfrm>
+            <a:off x="20" y="10"/>
+            <a:ext cx="4646965" cy="3428990"/>
+          </a:xfrm>
+          <a:prstGeom prst="rect">
+            <a:avLst/>
+          </a:prstGeom>
+        </p:spPr>
+      </p:pic>
+      <p:sp>
+        <p:nvSpPr>
+          <p:cNvPr id="50" name="Rectangle 49">
+            <a:extLst>
+              <a:ext uri="{FF2B5EF4-FFF2-40B4-BE49-F238E27FC236}">
+                <a16:creationId xmlns:a16="http://schemas.microsoft.com/office/drawing/2014/main" id="{6D0FFBDB-89D1-4050-8FE5-AFC94C076569}"/>
               </a:ext>
               <a:ext uri="{C183D7F6-B498-43B3-948B-1728B52AA6E4}">
                 <adec:decorative xmlns:adec="http://schemas.microsoft.com/office/drawing/2017/decorative" val="1"/>
@@ -8859,7 +12334,7 @@
         </p:nvSpPr>
         <p:spPr>
           <a:xfrm>
-            <a:off x="0" y="0"/>
+            <a:off x="4645704" y="0"/>
             <a:ext cx="182880" cy="6858000"/>
           </a:xfrm>
           <a:prstGeom prst="rect">
@@ -8890,10 +12365,249 @@
       </p:sp>
       <p:sp>
         <p:nvSpPr>
+          <p:cNvPr id="52" name="Freeform 11">
+            <a:extLst>
+              <a:ext uri="{FF2B5EF4-FFF2-40B4-BE49-F238E27FC236}">
+                <a16:creationId xmlns:a16="http://schemas.microsoft.com/office/drawing/2014/main" id="{75823B85-53D1-46E0-BC58-872776B5A1FF}"/>
+              </a:ext>
+              <a:ext uri="{C183D7F6-B498-43B3-948B-1728B52AA6E4}">
+                <adec:decorative xmlns:adec="http://schemas.microsoft.com/office/drawing/2017/decorative" val="1"/>
+              </a:ext>
+            </a:extLst>
+          </p:cNvPr>
+          <p:cNvSpPr>
+            <a:spLocks noGrp="1" noRot="1" noChangeAspect="1" noMove="1" noResize="1" noEditPoints="1" noAdjustHandles="1" noChangeArrowheads="1" noChangeShapeType="1" noTextEdit="1"/>
+          </p:cNvSpPr>
+          <p:nvPr>
+            <p:extLst>
+              <p:ext uri="{386F3935-93C4-4BCD-93E2-E3B085C9AB24}">
+                <p16:designElem xmlns:p16="http://schemas.microsoft.com/office/powerpoint/2015/main" val="1"/>
+              </p:ext>
+            </p:extLst>
+          </p:nvPr>
+        </p:nvSpPr>
+        <p:spPr bwMode="auto">
+          <a:xfrm flipV="1">
+            <a:off x="4645704" y="714375"/>
+            <a:ext cx="1588527" cy="507297"/>
+          </a:xfrm>
+          <a:custGeom>
+            <a:avLst/>
+            <a:gdLst/>
+            <a:ahLst/>
+            <a:cxnLst/>
+            <a:rect l="l" t="t" r="r" b="b"/>
+            <a:pathLst>
+              <a:path w="9248" h="10000">
+                <a:moveTo>
+                  <a:pt x="9248" y="4701"/>
+                </a:moveTo>
+                <a:lnTo>
+                  <a:pt x="7915" y="188"/>
+                </a:lnTo>
+                <a:cubicBezTo>
+                  <a:pt x="7906" y="156"/>
+                  <a:pt x="7895" y="126"/>
+                  <a:pt x="7886" y="94"/>
+                </a:cubicBezTo>
+                <a:cubicBezTo>
+                  <a:pt x="7859" y="0"/>
+                  <a:pt x="7831" y="0"/>
+                  <a:pt x="7803" y="0"/>
+                </a:cubicBezTo>
+                <a:lnTo>
+                  <a:pt x="7275" y="0"/>
+                </a:lnTo>
+                <a:lnTo>
+                  <a:pt x="0" y="70"/>
+                </a:lnTo>
+                <a:cubicBezTo>
+                  <a:pt x="8" y="3380"/>
+                  <a:pt x="17" y="6690"/>
+                  <a:pt x="25" y="10000"/>
+                </a:cubicBezTo>
+                <a:lnTo>
+                  <a:pt x="7275" y="9966"/>
+                </a:lnTo>
+                <a:lnTo>
+                  <a:pt x="7803" y="9966"/>
+                </a:lnTo>
+                <a:cubicBezTo>
+                  <a:pt x="7831" y="9966"/>
+                  <a:pt x="7859" y="9872"/>
+                  <a:pt x="7886" y="9872"/>
+                </a:cubicBezTo>
+                <a:cubicBezTo>
+                  <a:pt x="7886" y="9778"/>
+                  <a:pt x="7915" y="9778"/>
+                  <a:pt x="7915" y="9778"/>
+                </a:cubicBezTo>
+                <a:lnTo>
+                  <a:pt x="9248" y="5265"/>
+                </a:lnTo>
+                <a:cubicBezTo>
+                  <a:pt x="9303" y="5077"/>
+                  <a:pt x="9303" y="4889"/>
+                  <a:pt x="9248" y="4701"/>
+                </a:cubicBezTo>
+                <a:close/>
+              </a:path>
+            </a:pathLst>
+          </a:custGeom>
+          <a:solidFill>
+            <a:schemeClr val="accent1"/>
+          </a:solidFill>
+          <a:ln>
+            <a:noFill/>
+          </a:ln>
+        </p:spPr>
+      </p:sp>
+      <p:sp>
+        <p:nvSpPr>
+          <p:cNvPr id="6" name="Substituent număr diapozitiv 5">
+            <a:extLst>
+              <a:ext uri="{FF2B5EF4-FFF2-40B4-BE49-F238E27FC236}">
+                <a16:creationId xmlns:a16="http://schemas.microsoft.com/office/drawing/2014/main" id="{549C937E-4289-4597-A04D-AACE5F022DFD}"/>
+              </a:ext>
+            </a:extLst>
+          </p:cNvPr>
+          <p:cNvSpPr>
+            <a:spLocks noGrp="1"/>
+          </p:cNvSpPr>
+          <p:nvPr>
+            <p:ph type="sldNum" sz="quarter" idx="12"/>
+          </p:nvPr>
+        </p:nvSpPr>
+        <p:spPr>
+          <a:xfrm>
+            <a:off x="11020425" y="6307638"/>
+            <a:ext cx="779767" cy="365125"/>
+          </a:xfrm>
+        </p:spPr>
+        <p:txBody>
+          <a:bodyPr>
+            <a:noAutofit/>
+          </a:bodyPr>
+          <a:lstStyle/>
+          <a:p>
+            <a:pPr>
+              <a:lnSpc>
+                <a:spcPct val="90000"/>
+              </a:lnSpc>
+              <a:spcAft>
+                <a:spcPts val="600"/>
+              </a:spcAft>
+            </a:pPr>
+            <a:fld id="{FE899CAE-04D7-4AFC-956F-C57F365175A7}" type="slidenum">
+              <a:rPr lang="en-US"/>
+              <a:pPr>
+                <a:lnSpc>
+                  <a:spcPct val="90000"/>
+                </a:lnSpc>
+                <a:spcAft>
+                  <a:spcPts val="600"/>
+                </a:spcAft>
+              </a:pPr>
+              <a:t>4</a:t>
+            </a:fld>
+            <a:endParaRPr lang="en-US" dirty="0"/>
+          </a:p>
+        </p:txBody>
+      </p:sp>
+      <p:pic>
+        <p:nvPicPr>
+          <p:cNvPr id="5" name="Imagine 4" descr="O imagine care conține text, electronice&#10;&#10;Descriere generată automat">
+            <a:extLst>
+              <a:ext uri="{FF2B5EF4-FFF2-40B4-BE49-F238E27FC236}">
+                <a16:creationId xmlns:a16="http://schemas.microsoft.com/office/drawing/2014/main" id="{10A218BC-AB35-411A-9DB8-4DB3B536869A}"/>
+              </a:ext>
+            </a:extLst>
+          </p:cNvPr>
+          <p:cNvPicPr>
+            <a:picLocks noChangeAspect="1"/>
+          </p:cNvPicPr>
+          <p:nvPr/>
+        </p:nvPicPr>
+        <p:blipFill rotWithShape="1">
+          <a:blip r:embed="rId3">
+            <a:extLst>
+              <a:ext uri="{28A0092B-C50C-407E-A947-70E740481C1C}">
+                <a14:useLocalDpi xmlns:a14="http://schemas.microsoft.com/office/drawing/2010/main" val="0"/>
+              </a:ext>
+            </a:extLst>
+          </a:blip>
+          <a:srcRect l="1748" r="-1" b="-1"/>
+          <a:stretch/>
+        </p:blipFill>
+        <p:spPr>
+          <a:xfrm>
+            <a:off x="20" y="3429000"/>
+            <a:ext cx="4646965" cy="3429000"/>
+          </a:xfrm>
+          <a:prstGeom prst="rect">
+            <a:avLst/>
+          </a:prstGeom>
+        </p:spPr>
+      </p:pic>
+      <p:cxnSp>
+        <p:nvCxnSpPr>
+          <p:cNvPr id="54" name="Straight Connector 53">
+            <a:extLst>
+              <a:ext uri="{FF2B5EF4-FFF2-40B4-BE49-F238E27FC236}">
+                <a16:creationId xmlns:a16="http://schemas.microsoft.com/office/drawing/2014/main" id="{81F86B2C-5FF7-48E0-B5B0-ABEA39A1E2C9}"/>
+              </a:ext>
+              <a:ext uri="{C183D7F6-B498-43B3-948B-1728B52AA6E4}">
+                <adec:decorative xmlns:adec="http://schemas.microsoft.com/office/drawing/2017/decorative" val="1"/>
+              </a:ext>
+            </a:extLst>
+          </p:cNvPr>
+          <p:cNvCxnSpPr>
+            <a:cxnSpLocks noGrp="1" noRot="1" noChangeAspect="1" noMove="1" noResize="1" noEditPoints="1" noAdjustHandles="1" noChangeArrowheads="1" noChangeShapeType="1"/>
+          </p:cNvCxnSpPr>
+          <p:nvPr>
+            <p:extLst>
+              <p:ext uri="{386F3935-93C4-4BCD-93E2-E3B085C9AB24}">
+                <p16:designElem xmlns:p16="http://schemas.microsoft.com/office/powerpoint/2015/main" val="1"/>
+              </p:ext>
+            </p:extLst>
+          </p:nvPr>
+        </p:nvCxnSpPr>
+        <p:spPr>
+          <a:xfrm>
+            <a:off x="0" y="3429000"/>
+            <a:ext cx="4662638" cy="0"/>
+          </a:xfrm>
+          <a:prstGeom prst="line">
+            <a:avLst/>
+          </a:prstGeom>
+          <a:ln w="50800" cap="flat">
+            <a:solidFill>
+              <a:schemeClr val="tx2"/>
+            </a:solidFill>
+            <a:miter lim="800000"/>
+          </a:ln>
+        </p:spPr>
+        <p:style>
+          <a:lnRef idx="1">
+            <a:schemeClr val="accent1"/>
+          </a:lnRef>
+          <a:fillRef idx="0">
+            <a:schemeClr val="accent1"/>
+          </a:fillRef>
+          <a:effectRef idx="0">
+            <a:schemeClr val="accent1"/>
+          </a:effectRef>
+          <a:fontRef idx="minor">
+            <a:schemeClr val="tx1"/>
+          </a:fontRef>
+        </p:style>
+      </p:cxnSp>
+      <p:sp>
+        <p:nvSpPr>
           <p:cNvPr id="3" name="Substituent conținut 2">
             <a:extLst>
               <a:ext uri="{FF2B5EF4-FFF2-40B4-BE49-F238E27FC236}">
-                <a16:creationId xmlns:a16="http://schemas.microsoft.com/office/drawing/2014/main" id="{C4DCD2B8-1A48-4272-B123-CFAE55448BAD}"/>
+                <a16:creationId xmlns:a16="http://schemas.microsoft.com/office/drawing/2014/main" id="{EE387055-6351-42BF-A2D6-129379B78CDD}"/>
               </a:ext>
             </a:extLst>
           </p:cNvPr>
@@ -8906,8 +12620,8 @@
         </p:nvSpPr>
         <p:spPr>
           <a:xfrm>
-            <a:off x="531812" y="2133600"/>
-            <a:ext cx="4625882" cy="3777622"/>
+            <a:off x="6438191" y="2133600"/>
+            <a:ext cx="5066419" cy="3777622"/>
           </a:xfrm>
         </p:spPr>
         <p:txBody>
@@ -8921,23 +12635,21 @@
               <a:buChar char="•"/>
             </a:pPr>
             <a:r>
-              <a:rPr lang="en-US" dirty="0" err="1"/>
-              <a:t>Principalele</a:t>
-            </a:r>
-            <a:r>
-              <a:rPr lang="en-US" dirty="0"/>
-              <a:t> </a:t>
-            </a:r>
-            <a:r>
-              <a:rPr lang="en-US" dirty="0" err="1"/>
-              <a:t>func</a:t>
-            </a:r>
-            <a:r>
-              <a:rPr lang="ro-RO" dirty="0" err="1"/>
-              <a:t>ționalități</a:t>
-            </a:r>
-            <a:r>
-              <a:rPr lang="en-US" dirty="0"/>
+              <a:rPr lang="ro-RO"/>
+              <a:t>Se produc și comercializează o serie de sisteme asemănătoare.</a:t>
+            </a:r>
+          </a:p>
+          <a:p>
+            <a:pPr>
+              <a:buFont typeface="Arial" panose="020B0604020202020204" pitchFamily="34" charset="0"/>
+              <a:buChar char="•"/>
+            </a:pPr>
+            <a:r>
+              <a:rPr lang="ro-RO"/>
+              <a:t>Printre cele mai importante se enumeră</a:t>
+            </a:r>
+            <a:r>
+              <a:rPr lang="en-US"/>
               <a:t>:</a:t>
             </a:r>
           </a:p>
@@ -8947,26 +12659,10 @@
               <a:buChar char="Ø"/>
             </a:pPr>
             <a:r>
-              <a:rPr lang="en-US" dirty="0" err="1"/>
-              <a:t>Permite</a:t>
-            </a:r>
-            <a:r>
-              <a:rPr lang="en-US" dirty="0"/>
-              <a:t> </a:t>
-            </a:r>
-            <a:r>
-              <a:rPr lang="en-US" dirty="0" err="1"/>
-              <a:t>setarea</a:t>
-            </a:r>
-            <a:r>
-              <a:rPr lang="en-US" dirty="0"/>
-              <a:t> </a:t>
-            </a:r>
-            <a:r>
-              <a:rPr lang="en-US" dirty="0" err="1"/>
-              <a:t>temperaturii</a:t>
-            </a:r>
-            <a:endParaRPr lang="en-US" dirty="0"/>
+              <a:rPr lang="en-US" err="1"/>
+              <a:t>Ecobee</a:t>
+            </a:r>
+            <a:endParaRPr lang="en-US"/>
           </a:p>
           <a:p>
             <a:pPr lvl="1">
@@ -8974,17 +12670,25 @@
               <a:buChar char="Ø"/>
             </a:pPr>
             <a:r>
-              <a:rPr lang="en-US" dirty="0"/>
-              <a:t>Cite</a:t>
-            </a:r>
-            <a:r>
-              <a:rPr lang="ro-RO" dirty="0" err="1"/>
-              <a:t>ște</a:t>
-            </a:r>
-            <a:r>
-              <a:rPr lang="ro-RO" dirty="0"/>
-              <a:t> valoarea umidității și temperaturii ambientale</a:t>
-            </a:r>
+              <a:rPr lang="en-US"/>
+              <a:t>Nest</a:t>
+            </a:r>
+            <a:r>
+              <a:rPr lang="ro-RO"/>
+              <a:t>  </a:t>
+            </a:r>
+            <a:endParaRPr lang="en-US"/>
+          </a:p>
+          <a:p>
+            <a:pPr>
+              <a:buFont typeface="Arial" panose="020B0604020202020204" pitchFamily="34" charset="0"/>
+              <a:buChar char="•"/>
+            </a:pPr>
+            <a:r>
+              <a:rPr lang="ro-RO"/>
+              <a:t>Cum se diferențiază sistemul creat?</a:t>
+            </a:r>
+            <a:endParaRPr lang="en-US"/>
           </a:p>
           <a:p>
             <a:pPr lvl="1">
@@ -8992,9 +12696,10 @@
               <a:buChar char="Ø"/>
             </a:pPr>
             <a:r>
-              <a:rPr lang="ro-RO" dirty="0"/>
-              <a:t>Trimite valorile citite în baza de date</a:t>
-            </a:r>
+              <a:rPr lang="ro-RO"/>
+              <a:t>Cost scăzut</a:t>
+            </a:r>
+            <a:endParaRPr lang="en-US"/>
           </a:p>
           <a:p>
             <a:pPr lvl="1">
@@ -9002,106 +12707,17 @@
               <a:buChar char="Ø"/>
             </a:pPr>
             <a:r>
-              <a:rPr lang="ro-RO" dirty="0"/>
-              <a:t>Afișează pe LCD valoarea temperaturii</a:t>
-            </a:r>
-          </a:p>
-          <a:p>
-            <a:pPr lvl="1">
-              <a:buFont typeface="Wingdings" panose="05000000000000000000" pitchFamily="2" charset="2"/>
-              <a:buChar char="Ø"/>
-            </a:pPr>
-            <a:r>
-              <a:rPr lang="ro-RO" dirty="0"/>
-              <a:t>Controlează închiderea sau deschiderea electrovalvei</a:t>
-            </a:r>
-          </a:p>
-          <a:p>
-            <a:pPr lvl="1">
-              <a:buFont typeface="Wingdings" panose="05000000000000000000" pitchFamily="2" charset="2"/>
-              <a:buChar char="Ø"/>
-            </a:pPr>
-            <a:r>
-              <a:rPr lang="ro-RO" dirty="0"/>
-              <a:t>Trimite comandă pentru pornirea sau oprirea centralei termice</a:t>
-            </a:r>
-            <a:endParaRPr lang="en-US" dirty="0"/>
-          </a:p>
-          <a:p>
-            <a:pPr marL="0" indent="0">
-              <a:buNone/>
-            </a:pPr>
-            <a:endParaRPr lang="ro-RO" dirty="0"/>
-          </a:p>
-          <a:p>
-            <a:endParaRPr lang="en-US" dirty="0"/>
-          </a:p>
-        </p:txBody>
-      </p:sp>
-      <p:sp>
-        <p:nvSpPr>
-          <p:cNvPr id="7" name="Substituent număr diapozitiv 6">
-            <a:extLst>
-              <a:ext uri="{FF2B5EF4-FFF2-40B4-BE49-F238E27FC236}">
-                <a16:creationId xmlns:a16="http://schemas.microsoft.com/office/drawing/2014/main" id="{317F355C-64AF-488F-AC7D-412943D4C3F1}"/>
-              </a:ext>
-            </a:extLst>
-          </p:cNvPr>
-          <p:cNvSpPr>
-            <a:spLocks noGrp="1"/>
-          </p:cNvSpPr>
-          <p:nvPr>
-            <p:ph type="sldNum" sz="quarter" idx="12"/>
-          </p:nvPr>
-        </p:nvSpPr>
-        <p:spPr>
-          <a:xfrm>
-            <a:off x="6914688" y="3190323"/>
-            <a:ext cx="779767" cy="365125"/>
-          </a:xfrm>
-        </p:spPr>
-        <p:txBody>
-          <a:bodyPr>
-            <a:normAutofit/>
-          </a:bodyPr>
-          <a:lstStyle/>
-          <a:p>
-            <a:pPr>
-              <a:lnSpc>
-                <a:spcPct val="90000"/>
-              </a:lnSpc>
-              <a:spcAft>
-                <a:spcPts val="600"/>
-              </a:spcAft>
-            </a:pPr>
-            <a:fld id="{FE899CAE-04D7-4AFC-956F-C57F365175A7}" type="slidenum">
-              <a:rPr lang="en-US" sz="1900">
-                <a:solidFill>
-                  <a:schemeClr val="tx1"/>
-                </a:solidFill>
-              </a:rPr>
-              <a:pPr>
-                <a:lnSpc>
-                  <a:spcPct val="90000"/>
-                </a:lnSpc>
-                <a:spcAft>
-                  <a:spcPts val="600"/>
-                </a:spcAft>
-              </a:pPr>
-              <a:t>10</a:t>
-            </a:fld>
-            <a:endParaRPr lang="en-US" sz="1900">
-              <a:solidFill>
-                <a:schemeClr val="tx1"/>
-              </a:solidFill>
-            </a:endParaRPr>
+              <a:rPr lang="ro-RO"/>
+              <a:t>Posibilitatea de a regla temperatura pe diferite zone din imobil</a:t>
+            </a:r>
+            <a:endParaRPr lang="en-US"/>
           </a:p>
         </p:txBody>
       </p:sp>
     </p:spTree>
     <p:extLst>
       <p:ext uri="{BB962C8B-B14F-4D97-AF65-F5344CB8AC3E}">
-        <p14:creationId xmlns:p14="http://schemas.microsoft.com/office/powerpoint/2010/main" val="1469082820"/>
+        <p14:creationId xmlns:p14="http://schemas.microsoft.com/office/powerpoint/2010/main" val="3281856759"/>
       </p:ext>
     </p:extLst>
   </p:cSld>
@@ -9111,7 +12727,7 @@
 </p:sld>
 </file>
 
-<file path=ppt/slides/slide11.xml><?xml version="1.0" encoding="utf-8"?>
+<file path=ppt/slides/slide5.xml><?xml version="1.0" encoding="utf-8"?>
 <p:sld xmlns:a="http://schemas.openxmlformats.org/drawingml/2006/main" xmlns:r="http://schemas.openxmlformats.org/officeDocument/2006/relationships" xmlns:p="http://schemas.openxmlformats.org/presentationml/2006/main" showMasterSp="0">
   <p:cSld>
     <p:spTree>
@@ -9128,12 +12744,152 @@
           <a:chExt cx="0" cy="0"/>
         </a:xfrm>
       </p:grpSpPr>
+      <p:sp>
+        <p:nvSpPr>
+          <p:cNvPr id="2" name="Titlu 1">
+            <a:extLst>
+              <a:ext uri="{FF2B5EF4-FFF2-40B4-BE49-F238E27FC236}">
+                <a16:creationId xmlns:a16="http://schemas.microsoft.com/office/drawing/2014/main" id="{1A5A54C9-F645-492E-8424-8C72D794EF58}"/>
+              </a:ext>
+            </a:extLst>
+          </p:cNvPr>
+          <p:cNvSpPr>
+            <a:spLocks noGrp="1"/>
+          </p:cNvSpPr>
+          <p:nvPr>
+            <p:ph type="title"/>
+          </p:nvPr>
+        </p:nvSpPr>
+        <p:spPr>
+          <a:xfrm>
+            <a:off x="648930" y="629268"/>
+            <a:ext cx="4380270" cy="1622321"/>
+          </a:xfrm>
+        </p:spPr>
+        <p:txBody>
+          <a:bodyPr>
+            <a:normAutofit/>
+          </a:bodyPr>
+          <a:lstStyle/>
+          <a:p>
+            <a:r>
+              <a:rPr lang="ro-RO" dirty="0"/>
+              <a:t>Arhitectura sistemului</a:t>
+            </a:r>
+            <a:endParaRPr lang="en-US" dirty="0"/>
+          </a:p>
+        </p:txBody>
+      </p:sp>
+      <p:sp>
+        <p:nvSpPr>
+          <p:cNvPr id="9" name="Content Placeholder 8">
+            <a:extLst>
+              <a:ext uri="{FF2B5EF4-FFF2-40B4-BE49-F238E27FC236}">
+                <a16:creationId xmlns:a16="http://schemas.microsoft.com/office/drawing/2014/main" id="{104EE239-AADA-4AE9-BCD3-5E7460BA87D7}"/>
+              </a:ext>
+            </a:extLst>
+          </p:cNvPr>
+          <p:cNvSpPr>
+            <a:spLocks noGrp="1"/>
+          </p:cNvSpPr>
+          <p:nvPr>
+            <p:ph idx="1"/>
+          </p:nvPr>
+        </p:nvSpPr>
+        <p:spPr>
+          <a:xfrm>
+            <a:off x="648930" y="2113938"/>
+            <a:ext cx="3842531" cy="4114798"/>
+          </a:xfrm>
+        </p:spPr>
+        <p:txBody>
+          <a:bodyPr>
+            <a:noAutofit/>
+          </a:bodyPr>
+          <a:lstStyle/>
+          <a:p>
+            <a:pPr>
+              <a:buFont typeface="Arial" panose="020B0604020202020204" pitchFamily="34" charset="0"/>
+              <a:buChar char="•"/>
+            </a:pPr>
+            <a:r>
+              <a:rPr lang="ro-RO" sz="2000" dirty="0"/>
+              <a:t>Sistemul este alcătuit din</a:t>
+            </a:r>
+            <a:r>
+              <a:rPr lang="en-US" sz="2000" dirty="0"/>
+              <a:t>:</a:t>
+            </a:r>
+          </a:p>
+          <a:p>
+            <a:pPr lvl="1">
+              <a:buFont typeface="Wingdings" panose="05000000000000000000" pitchFamily="2" charset="2"/>
+              <a:buChar char="Ø"/>
+            </a:pPr>
+            <a:r>
+              <a:rPr lang="en-US" sz="1800" dirty="0"/>
+              <a:t>Dou</a:t>
+            </a:r>
+            <a:r>
+              <a:rPr lang="ro-RO" sz="1800" dirty="0"/>
+              <a:t>ă module senzor</a:t>
+            </a:r>
+          </a:p>
+          <a:p>
+            <a:pPr lvl="1">
+              <a:buFont typeface="Wingdings" panose="05000000000000000000" pitchFamily="2" charset="2"/>
+              <a:buChar char="Ø"/>
+            </a:pPr>
+            <a:r>
+              <a:rPr lang="ro-RO" sz="1800" dirty="0"/>
+              <a:t>Un modul de control</a:t>
+            </a:r>
+          </a:p>
+          <a:p>
+            <a:pPr marL="0" indent="0">
+              <a:buNone/>
+            </a:pPr>
+            <a:endParaRPr lang="ro-RO" sz="2000" dirty="0"/>
+          </a:p>
+          <a:p>
+            <a:pPr>
+              <a:buFont typeface="Arial" panose="020B0604020202020204" pitchFamily="34" charset="0"/>
+              <a:buChar char="•"/>
+            </a:pPr>
+            <a:r>
+              <a:rPr lang="ro-RO" sz="2000" dirty="0"/>
+              <a:t>Modulele senzor transferă date la modulul de control prin radio – frecvență</a:t>
+            </a:r>
+          </a:p>
+          <a:p>
+            <a:pPr marL="0" indent="0">
+              <a:buNone/>
+            </a:pPr>
+            <a:endParaRPr lang="ro-RO" sz="2000" dirty="0"/>
+          </a:p>
+          <a:p>
+            <a:pPr>
+              <a:buFont typeface="Arial" panose="020B0604020202020204" pitchFamily="34" charset="0"/>
+              <a:buChar char="•"/>
+            </a:pPr>
+            <a:r>
+              <a:rPr lang="ro-RO" sz="2000" dirty="0"/>
+              <a:t>Valorile citite de senzorul DHT11 sunt trimise în baza de date prin </a:t>
+            </a:r>
+            <a:r>
+              <a:rPr lang="ro-RO" sz="2000" dirty="0" err="1"/>
+              <a:t>WiFi</a:t>
+            </a:r>
+            <a:endParaRPr lang="ro-RO" sz="2000" dirty="0"/>
+          </a:p>
+        </p:txBody>
+      </p:sp>
       <p:pic>
         <p:nvPicPr>
-          <p:cNvPr id="13" name="Imagine 12">
+          <p:cNvPr id="5" name="Substituent conținut 4">
             <a:extLst>
               <a:ext uri="{FF2B5EF4-FFF2-40B4-BE49-F238E27FC236}">
-                <a16:creationId xmlns:a16="http://schemas.microsoft.com/office/drawing/2014/main" id="{254C28AB-84E5-404A-8FF2-BE67E7B09B18}"/>
+                <a16:creationId xmlns:a16="http://schemas.microsoft.com/office/drawing/2014/main" id="{886F01A4-145A-47C2-A7A6-ACBD499A83EB}"/>
               </a:ext>
             </a:extLst>
           </p:cNvPr>
@@ -9156,20 +12912,276 @@
         </p:blipFill>
         <p:spPr>
           <a:xfrm>
-            <a:off x="6132412" y="0"/>
-            <a:ext cx="6123757" cy="3822700"/>
+            <a:off x="4491461" y="1440428"/>
+            <a:ext cx="7315200" cy="4114799"/>
           </a:xfrm>
           <a:prstGeom prst="rect">
             <a:avLst/>
           </a:prstGeom>
+          <a:effectLst/>
         </p:spPr>
       </p:pic>
       <p:sp>
         <p:nvSpPr>
-          <p:cNvPr id="2" name="Titlu 1">
+          <p:cNvPr id="6" name="Substituent număr diapozitiv 5">
             <a:extLst>
               <a:ext uri="{FF2B5EF4-FFF2-40B4-BE49-F238E27FC236}">
-                <a16:creationId xmlns:a16="http://schemas.microsoft.com/office/drawing/2014/main" id="{14A0DEDC-4A95-4231-9DCD-EADE6FD2A8AB}"/>
+                <a16:creationId xmlns:a16="http://schemas.microsoft.com/office/drawing/2014/main" id="{67D06316-81D9-4A80-B33D-2F6F996D86AE}"/>
+              </a:ext>
+            </a:extLst>
+          </p:cNvPr>
+          <p:cNvSpPr>
+            <a:spLocks noGrp="1"/>
+          </p:cNvSpPr>
+          <p:nvPr>
+            <p:ph type="sldNum" sz="quarter" idx="12"/>
+          </p:nvPr>
+        </p:nvSpPr>
+        <p:spPr/>
+        <p:txBody>
+          <a:bodyPr/>
+          <a:lstStyle/>
+          <a:p>
+            <a:fld id="{FE899CAE-04D7-4AFC-956F-C57F365175A7}" type="slidenum">
+              <a:rPr lang="en-US" smtClean="0"/>
+              <a:pPr/>
+              <a:t>5</a:t>
+            </a:fld>
+            <a:endParaRPr lang="en-US" dirty="0"/>
+          </a:p>
+        </p:txBody>
+      </p:sp>
+    </p:spTree>
+    <p:extLst>
+      <p:ext uri="{BB962C8B-B14F-4D97-AF65-F5344CB8AC3E}">
+        <p14:creationId xmlns:p14="http://schemas.microsoft.com/office/powerpoint/2010/main" val="2371198885"/>
+      </p:ext>
+    </p:extLst>
+  </p:cSld>
+  <p:clrMapOvr>
+    <a:masterClrMapping/>
+  </p:clrMapOvr>
+</p:sld>
+</file>
+
+<file path=ppt/slides/slide6.xml><?xml version="1.0" encoding="utf-8"?>
+<p:sld xmlns:a="http://schemas.openxmlformats.org/drawingml/2006/main" xmlns:r="http://schemas.openxmlformats.org/officeDocument/2006/relationships" xmlns:p="http://schemas.openxmlformats.org/presentationml/2006/main" showMasterSp="0">
+  <p:cSld>
+    <p:spTree>
+      <p:nvGrpSpPr>
+        <p:cNvPr id="1" name=""/>
+        <p:cNvGrpSpPr/>
+        <p:nvPr/>
+      </p:nvGrpSpPr>
+      <p:grpSpPr>
+        <a:xfrm>
+          <a:off x="0" y="0"/>
+          <a:ext cx="0" cy="0"/>
+          <a:chOff x="0" y="0"/>
+          <a:chExt cx="0" cy="0"/>
+        </a:xfrm>
+      </p:grpSpPr>
+      <p:sp>
+        <p:nvSpPr>
+          <p:cNvPr id="7" name="Substituent număr diapozitiv 6">
+            <a:extLst>
+              <a:ext uri="{FF2B5EF4-FFF2-40B4-BE49-F238E27FC236}">
+                <a16:creationId xmlns:a16="http://schemas.microsoft.com/office/drawing/2014/main" id="{317F355C-64AF-488F-AC7D-412943D4C3F1}"/>
+              </a:ext>
+            </a:extLst>
+          </p:cNvPr>
+          <p:cNvSpPr>
+            <a:spLocks noGrp="1"/>
+          </p:cNvSpPr>
+          <p:nvPr>
+            <p:ph type="sldNum" sz="quarter" idx="12"/>
+          </p:nvPr>
+        </p:nvSpPr>
+        <p:spPr/>
+        <p:txBody>
+          <a:bodyPr/>
+          <a:lstStyle/>
+          <a:p>
+            <a:fld id="{FE899CAE-04D7-4AFC-956F-C57F365175A7}" type="slidenum">
+              <a:rPr lang="en-US" smtClean="0"/>
+              <a:pPr/>
+              <a:t>6</a:t>
+            </a:fld>
+            <a:endParaRPr lang="en-US" dirty="0"/>
+          </a:p>
+        </p:txBody>
+      </p:sp>
+      <p:sp>
+        <p:nvSpPr>
+          <p:cNvPr id="10" name="Titlu 1">
+            <a:extLst>
+              <a:ext uri="{FF2B5EF4-FFF2-40B4-BE49-F238E27FC236}">
+                <a16:creationId xmlns:a16="http://schemas.microsoft.com/office/drawing/2014/main" id="{CC6D92C3-082D-4778-88A7-495BA2632D88}"/>
+              </a:ext>
+            </a:extLst>
+          </p:cNvPr>
+          <p:cNvSpPr>
+            <a:spLocks noGrp="1"/>
+          </p:cNvSpPr>
+          <p:nvPr>
+            <p:ph type="title"/>
+          </p:nvPr>
+        </p:nvSpPr>
+        <p:spPr>
+          <a:xfrm>
+            <a:off x="609600" y="624110"/>
+            <a:ext cx="10895013" cy="1280890"/>
+          </a:xfrm>
+        </p:spPr>
+        <p:txBody>
+          <a:bodyPr/>
+          <a:lstStyle/>
+          <a:p>
+            <a:r>
+              <a:rPr lang="ro-RO" dirty="0"/>
+              <a:t>Implementarea soluției</a:t>
+            </a:r>
+            <a:endParaRPr lang="en-US" dirty="0"/>
+          </a:p>
+        </p:txBody>
+      </p:sp>
+      <p:sp>
+        <p:nvSpPr>
+          <p:cNvPr id="11" name="Substituent conținut 2">
+            <a:extLst>
+              <a:ext uri="{FF2B5EF4-FFF2-40B4-BE49-F238E27FC236}">
+                <a16:creationId xmlns:a16="http://schemas.microsoft.com/office/drawing/2014/main" id="{83E83451-DA5F-4D39-B10F-4010DAF943C5}"/>
+              </a:ext>
+            </a:extLst>
+          </p:cNvPr>
+          <p:cNvSpPr>
+            <a:spLocks noGrp="1"/>
+          </p:cNvSpPr>
+          <p:nvPr>
+            <p:ph idx="1"/>
+          </p:nvPr>
+        </p:nvSpPr>
+        <p:spPr>
+          <a:xfrm>
+            <a:off x="609599" y="2133600"/>
+            <a:ext cx="10895013" cy="3777622"/>
+          </a:xfrm>
+        </p:spPr>
+        <p:txBody>
+          <a:bodyPr/>
+          <a:lstStyle/>
+          <a:p>
+            <a:pPr>
+              <a:buFont typeface="Arial" panose="020B0604020202020204" pitchFamily="34" charset="0"/>
+              <a:buChar char="•"/>
+            </a:pPr>
+            <a:r>
+              <a:rPr lang="ro-RO" sz="2200" dirty="0"/>
+              <a:t>Principalele programe utilizate pentru realizarea acestui proiect sunt</a:t>
+            </a:r>
+            <a:r>
+              <a:rPr lang="en-US" sz="2200" dirty="0"/>
+              <a:t>:</a:t>
+            </a:r>
+          </a:p>
+          <a:p>
+            <a:pPr lvl="1">
+              <a:buFont typeface="Wingdings" panose="05000000000000000000" pitchFamily="2" charset="2"/>
+              <a:buChar char="Ø"/>
+            </a:pPr>
+            <a:r>
+              <a:rPr lang="en-US" sz="2000" dirty="0"/>
+              <a:t>Arduino IDE</a:t>
+            </a:r>
+          </a:p>
+          <a:p>
+            <a:pPr lvl="1">
+              <a:buFont typeface="Wingdings" panose="05000000000000000000" pitchFamily="2" charset="2"/>
+              <a:buChar char="Ø"/>
+            </a:pPr>
+            <a:r>
+              <a:rPr lang="en-US" sz="2000" dirty="0"/>
+              <a:t>PyCharm</a:t>
+            </a:r>
+          </a:p>
+          <a:p>
+            <a:pPr marL="0" indent="0">
+              <a:buNone/>
+            </a:pPr>
+            <a:r>
+              <a:rPr lang="en-US" dirty="0"/>
+              <a:t>	</a:t>
+            </a:r>
+            <a:endParaRPr lang="ro-RO" dirty="0"/>
+          </a:p>
+        </p:txBody>
+      </p:sp>
+    </p:spTree>
+    <p:extLst>
+      <p:ext uri="{BB962C8B-B14F-4D97-AF65-F5344CB8AC3E}">
+        <p14:creationId xmlns:p14="http://schemas.microsoft.com/office/powerpoint/2010/main" val="1469082820"/>
+      </p:ext>
+    </p:extLst>
+  </p:cSld>
+  <p:clrMapOvr>
+    <a:masterClrMapping/>
+  </p:clrMapOvr>
+</p:sld>
+</file>
+
+<file path=ppt/slides/slide7.xml><?xml version="1.0" encoding="utf-8"?>
+<p:sld xmlns:a="http://schemas.openxmlformats.org/drawingml/2006/main" xmlns:r="http://schemas.openxmlformats.org/officeDocument/2006/relationships" xmlns:p="http://schemas.openxmlformats.org/presentationml/2006/main" showMasterSp="0">
+  <p:cSld>
+    <p:spTree>
+      <p:nvGrpSpPr>
+        <p:cNvPr id="1" name=""/>
+        <p:cNvGrpSpPr/>
+        <p:nvPr/>
+      </p:nvGrpSpPr>
+      <p:grpSpPr>
+        <a:xfrm>
+          <a:off x="0" y="0"/>
+          <a:ext cx="0" cy="0"/>
+          <a:chOff x="0" y="0"/>
+          <a:chExt cx="0" cy="0"/>
+        </a:xfrm>
+      </p:grpSpPr>
+      <p:sp>
+        <p:nvSpPr>
+          <p:cNvPr id="14" name="Substituent număr diapozitiv 13">
+            <a:extLst>
+              <a:ext uri="{FF2B5EF4-FFF2-40B4-BE49-F238E27FC236}">
+                <a16:creationId xmlns:a16="http://schemas.microsoft.com/office/drawing/2014/main" id="{40CE3563-C9E7-4486-B324-B4897F6A50E9}"/>
+              </a:ext>
+            </a:extLst>
+          </p:cNvPr>
+          <p:cNvSpPr>
+            <a:spLocks noGrp="1"/>
+          </p:cNvSpPr>
+          <p:nvPr>
+            <p:ph type="sldNum" sz="quarter" idx="12"/>
+          </p:nvPr>
+        </p:nvSpPr>
+        <p:spPr/>
+        <p:txBody>
+          <a:bodyPr/>
+          <a:lstStyle/>
+          <a:p>
+            <a:fld id="{FE899CAE-04D7-4AFC-956F-C57F365175A7}" type="slidenum">
+              <a:rPr lang="en-US" smtClean="0"/>
+              <a:pPr/>
+              <a:t>7</a:t>
+            </a:fld>
+            <a:endParaRPr lang="en-US" dirty="0"/>
+          </a:p>
+        </p:txBody>
+      </p:sp>
+      <p:sp>
+        <p:nvSpPr>
+          <p:cNvPr id="17" name="Titlu 1">
+            <a:extLst>
+              <a:ext uri="{FF2B5EF4-FFF2-40B4-BE49-F238E27FC236}">
+                <a16:creationId xmlns:a16="http://schemas.microsoft.com/office/drawing/2014/main" id="{1D9AF828-2ABE-43AC-91A5-DE5A869AECBC}"/>
               </a:ext>
             </a:extLst>
           </p:cNvPr>
@@ -9214,10 +13226,10 @@
       </p:sp>
       <p:sp>
         <p:nvSpPr>
-          <p:cNvPr id="3" name="Substituent conținut 2">
+          <p:cNvPr id="18" name="Substituent conținut 2">
             <a:extLst>
               <a:ext uri="{FF2B5EF4-FFF2-40B4-BE49-F238E27FC236}">
-                <a16:creationId xmlns:a16="http://schemas.microsoft.com/office/drawing/2014/main" id="{334D18BD-7239-45FB-861D-EF1B27C2526E}"/>
+                <a16:creationId xmlns:a16="http://schemas.microsoft.com/office/drawing/2014/main" id="{91908359-576B-40AE-A164-FDCFD2CAE98C}"/>
               </a:ext>
             </a:extLst>
           </p:cNvPr>
@@ -9269,10 +13281,10 @@
       </p:sp>
       <p:sp>
         <p:nvSpPr>
-          <p:cNvPr id="50" name="Oval 49">
+          <p:cNvPr id="19" name="Oval 18">
             <a:extLst>
               <a:ext uri="{FF2B5EF4-FFF2-40B4-BE49-F238E27FC236}">
-                <a16:creationId xmlns:a16="http://schemas.microsoft.com/office/drawing/2014/main" id="{70C084CC-D414-434E-8EA9-A1B75E41612A}"/>
+                <a16:creationId xmlns:a16="http://schemas.microsoft.com/office/drawing/2014/main" id="{90DADF50-9779-432A-918D-F7FA96C8AF75}"/>
               </a:ext>
             </a:extLst>
           </p:cNvPr>
@@ -9318,10 +13330,10 @@
       </p:sp>
       <p:sp>
         <p:nvSpPr>
-          <p:cNvPr id="52" name="Oval 51">
+          <p:cNvPr id="20" name="Oval 19">
             <a:extLst>
               <a:ext uri="{FF2B5EF4-FFF2-40B4-BE49-F238E27FC236}">
-                <a16:creationId xmlns:a16="http://schemas.microsoft.com/office/drawing/2014/main" id="{38A576C4-E780-429F-88B5-70BE889EDBF9}"/>
+                <a16:creationId xmlns:a16="http://schemas.microsoft.com/office/drawing/2014/main" id="{447902A2-24FD-40C5-B76C-565908305236}"/>
               </a:ext>
             </a:extLst>
           </p:cNvPr>
@@ -9386,10 +13398,10 @@
       </p:sp>
       <p:sp>
         <p:nvSpPr>
-          <p:cNvPr id="54" name="Oval 53">
+          <p:cNvPr id="21" name="Oval 20">
             <a:extLst>
               <a:ext uri="{FF2B5EF4-FFF2-40B4-BE49-F238E27FC236}">
-                <a16:creationId xmlns:a16="http://schemas.microsoft.com/office/drawing/2014/main" id="{79EBB992-919C-4368-80DD-4008D6140E41}"/>
+                <a16:creationId xmlns:a16="http://schemas.microsoft.com/office/drawing/2014/main" id="{407C5FB6-98D7-4A35-97E6-71283CE43268}"/>
               </a:ext>
             </a:extLst>
           </p:cNvPr>
@@ -9434,10 +13446,10 @@
       </p:sp>
       <p:sp>
         <p:nvSpPr>
-          <p:cNvPr id="55" name="Săgeată: dreapta 54">
+          <p:cNvPr id="22" name="Săgeată: dreapta 21">
             <a:extLst>
               <a:ext uri="{FF2B5EF4-FFF2-40B4-BE49-F238E27FC236}">
-                <a16:creationId xmlns:a16="http://schemas.microsoft.com/office/drawing/2014/main" id="{0ED32EC6-001B-4AC9-83CF-2453D3A4C98B}"/>
+                <a16:creationId xmlns:a16="http://schemas.microsoft.com/office/drawing/2014/main" id="{86AC7DB0-5651-4677-8DB8-89DC52AE93F6}"/>
               </a:ext>
             </a:extLst>
           </p:cNvPr>
@@ -9478,10 +13490,10 @@
       </p:sp>
       <p:sp>
         <p:nvSpPr>
-          <p:cNvPr id="57" name="Dreptunghi 56">
+          <p:cNvPr id="23" name="Dreptunghi 22">
             <a:extLst>
               <a:ext uri="{FF2B5EF4-FFF2-40B4-BE49-F238E27FC236}">
-                <a16:creationId xmlns:a16="http://schemas.microsoft.com/office/drawing/2014/main" id="{A5577435-C0C7-45D5-8D24-8D4139780D8D}"/>
+                <a16:creationId xmlns:a16="http://schemas.microsoft.com/office/drawing/2014/main" id="{7FB83BA0-8D85-404F-9DA8-48B08B8ECE93}"/>
               </a:ext>
             </a:extLst>
           </p:cNvPr>
@@ -9527,10 +13539,10 @@
       </p:sp>
       <p:sp>
         <p:nvSpPr>
-          <p:cNvPr id="58" name="Dreptunghi 57">
+          <p:cNvPr id="24" name="Dreptunghi 23">
             <a:extLst>
               <a:ext uri="{FF2B5EF4-FFF2-40B4-BE49-F238E27FC236}">
-                <a16:creationId xmlns:a16="http://schemas.microsoft.com/office/drawing/2014/main" id="{A09BE2C4-4BD3-4FDB-AD7E-55CA3F67AD29}"/>
+                <a16:creationId xmlns:a16="http://schemas.microsoft.com/office/drawing/2014/main" id="{803D5D22-10A2-417C-8009-ABA4365A9013}"/>
               </a:ext>
             </a:extLst>
           </p:cNvPr>
@@ -9584,10 +13596,10 @@
       </p:sp>
       <p:sp>
         <p:nvSpPr>
-          <p:cNvPr id="59" name="Dreptunghi 58">
+          <p:cNvPr id="25" name="Dreptunghi 24">
             <a:extLst>
               <a:ext uri="{FF2B5EF4-FFF2-40B4-BE49-F238E27FC236}">
-                <a16:creationId xmlns:a16="http://schemas.microsoft.com/office/drawing/2014/main" id="{240B5272-F24F-49FD-95FE-EAC088632738}"/>
+                <a16:creationId xmlns:a16="http://schemas.microsoft.com/office/drawing/2014/main" id="{22112EFA-E5A9-4399-8854-BA5E7B4A322F}"/>
               </a:ext>
             </a:extLst>
           </p:cNvPr>
@@ -9632,10 +13644,10 @@
       </p:sp>
       <p:sp>
         <p:nvSpPr>
-          <p:cNvPr id="60" name="Săgeată: dreapta 59">
+          <p:cNvPr id="26" name="Săgeată: dreapta 25">
             <a:extLst>
               <a:ext uri="{FF2B5EF4-FFF2-40B4-BE49-F238E27FC236}">
-                <a16:creationId xmlns:a16="http://schemas.microsoft.com/office/drawing/2014/main" id="{6080E768-2489-419F-A816-CD163AD8A900}"/>
+                <a16:creationId xmlns:a16="http://schemas.microsoft.com/office/drawing/2014/main" id="{BB09C01D-DA0E-4259-8CF4-6E505FDEEC42}"/>
               </a:ext>
             </a:extLst>
           </p:cNvPr>
@@ -9674,200 +13686,12 @@
           </a:p>
         </p:txBody>
       </p:sp>
-    </p:spTree>
-    <p:extLst>
-      <p:ext uri="{BB962C8B-B14F-4D97-AF65-F5344CB8AC3E}">
-        <p14:creationId xmlns:p14="http://schemas.microsoft.com/office/powerpoint/2010/main" val="4153196757"/>
-      </p:ext>
-    </p:extLst>
-  </p:cSld>
-  <p:clrMapOvr>
-    <a:masterClrMapping/>
-  </p:clrMapOvr>
-</p:sld>
-</file>
-
-<file path=ppt/slides/slide12.xml><?xml version="1.0" encoding="utf-8"?>
-<p:sld xmlns:a="http://schemas.openxmlformats.org/drawingml/2006/main" xmlns:r="http://schemas.openxmlformats.org/officeDocument/2006/relationships" xmlns:p="http://schemas.openxmlformats.org/presentationml/2006/main">
-  <p:cSld>
-    <p:bg>
-      <p:bgPr>
-        <a:solidFill>
-          <a:schemeClr val="bg1"/>
-        </a:solidFill>
-        <a:effectLst/>
-      </p:bgPr>
-    </p:bg>
-    <p:spTree>
-      <p:nvGrpSpPr>
-        <p:cNvPr id="1" name=""/>
-        <p:cNvGrpSpPr/>
-        <p:nvPr/>
-      </p:nvGrpSpPr>
-      <p:grpSpPr>
-        <a:xfrm>
-          <a:off x="0" y="0"/>
-          <a:ext cx="0" cy="0"/>
-          <a:chOff x="0" y="0"/>
-          <a:chExt cx="0" cy="0"/>
-        </a:xfrm>
-      </p:grpSpPr>
-      <p:sp useBgFill="1">
-        <p:nvSpPr>
-          <p:cNvPr id="14" name="Rectangle 13">
+      <p:pic>
+        <p:nvPicPr>
+          <p:cNvPr id="27" name="Imagine 26">
             <a:extLst>
               <a:ext uri="{FF2B5EF4-FFF2-40B4-BE49-F238E27FC236}">
-                <a16:creationId xmlns:a16="http://schemas.microsoft.com/office/drawing/2014/main" id="{763516C8-F227-4B77-9AA7-61B9A0B78253}"/>
-              </a:ext>
-              <a:ext uri="{C183D7F6-B498-43B3-948B-1728B52AA6E4}">
-                <adec:decorative xmlns:adec="http://schemas.microsoft.com/office/drawing/2017/decorative" val="1"/>
-              </a:ext>
-            </a:extLst>
-          </p:cNvPr>
-          <p:cNvSpPr>
-            <a:spLocks noGrp="1" noRot="1" noChangeAspect="1" noMove="1" noResize="1" noEditPoints="1" noAdjustHandles="1" noChangeArrowheads="1" noChangeShapeType="1" noTextEdit="1"/>
-          </p:cNvSpPr>
-          <p:nvPr>
-            <p:extLst>
-              <p:ext uri="{386F3935-93C4-4BCD-93E2-E3B085C9AB24}">
-                <p16:designElem xmlns:p16="http://schemas.microsoft.com/office/powerpoint/2015/main" val="1"/>
-              </p:ext>
-            </p:extLst>
-          </p:nvPr>
-        </p:nvSpPr>
-        <p:spPr>
-          <a:xfrm>
-            <a:off x="0" y="0"/>
-            <a:ext cx="12192000" cy="6854038"/>
-          </a:xfrm>
-          <a:prstGeom prst="rect">
-            <a:avLst/>
-          </a:prstGeom>
-          <a:ln>
-            <a:noFill/>
-          </a:ln>
-        </p:spPr>
-        <p:style>
-          <a:lnRef idx="2">
-            <a:schemeClr val="accent1">
-              <a:shade val="50000"/>
-            </a:schemeClr>
-          </a:lnRef>
-          <a:fillRef idx="1">
-            <a:schemeClr val="accent1"/>
-          </a:fillRef>
-          <a:effectRef idx="0">
-            <a:schemeClr val="accent1"/>
-          </a:effectRef>
-          <a:fontRef idx="minor">
-            <a:schemeClr val="lt1"/>
-          </a:fontRef>
-        </p:style>
-        <p:txBody>
-          <a:bodyPr rtlCol="0" anchor="ctr"/>
-          <a:lstStyle/>
-          <a:p>
-            <a:pPr algn="ctr"/>
-            <a:endParaRPr lang="en-US"/>
-          </a:p>
-        </p:txBody>
-      </p:sp>
-      <p:sp>
-        <p:nvSpPr>
-          <p:cNvPr id="2" name="Titlu 1">
-            <a:extLst>
-              <a:ext uri="{FF2B5EF4-FFF2-40B4-BE49-F238E27FC236}">
-                <a16:creationId xmlns:a16="http://schemas.microsoft.com/office/drawing/2014/main" id="{3487DB31-6001-47CD-B1BA-7522EE1F921A}"/>
-              </a:ext>
-            </a:extLst>
-          </p:cNvPr>
-          <p:cNvSpPr>
-            <a:spLocks noGrp="1"/>
-          </p:cNvSpPr>
-          <p:nvPr>
-            <p:ph type="title"/>
-          </p:nvPr>
-        </p:nvSpPr>
-        <p:spPr>
-          <a:xfrm>
-            <a:off x="2592925" y="3979877"/>
-            <a:ext cx="8911687" cy="778589"/>
-          </a:xfrm>
-        </p:spPr>
-        <p:txBody>
-          <a:bodyPr anchor="b">
-            <a:normAutofit/>
-          </a:bodyPr>
-          <a:lstStyle/>
-          <a:p>
-            <a:r>
-              <a:rPr lang="ro-RO" sz="2800"/>
-              <a:t>Implementarea soluției</a:t>
-            </a:r>
-            <a:endParaRPr lang="en-US" sz="2800"/>
-          </a:p>
-        </p:txBody>
-      </p:sp>
-      <p:sp>
-        <p:nvSpPr>
-          <p:cNvPr id="21" name="Rectangle 15">
-            <a:extLst>
-              <a:ext uri="{FF2B5EF4-FFF2-40B4-BE49-F238E27FC236}">
-                <a16:creationId xmlns:a16="http://schemas.microsoft.com/office/drawing/2014/main" id="{D91B420C-C4C8-44DF-96B2-FBD1014646FE}"/>
-              </a:ext>
-              <a:ext uri="{C183D7F6-B498-43B3-948B-1728B52AA6E4}">
-                <adec:decorative xmlns:adec="http://schemas.microsoft.com/office/drawing/2017/decorative" val="1"/>
-              </a:ext>
-            </a:extLst>
-          </p:cNvPr>
-          <p:cNvSpPr>
-            <a:spLocks noGrp="1" noRot="1" noChangeAspect="1" noMove="1" noResize="1" noEditPoints="1" noAdjustHandles="1" noChangeArrowheads="1" noChangeShapeType="1" noTextEdit="1"/>
-          </p:cNvSpPr>
-          <p:nvPr>
-            <p:extLst>
-              <p:ext uri="{386F3935-93C4-4BCD-93E2-E3B085C9AB24}">
-                <p16:designElem xmlns:p16="http://schemas.microsoft.com/office/powerpoint/2015/main" val="1"/>
-              </p:ext>
-            </p:extLst>
-          </p:nvPr>
-        </p:nvSpPr>
-        <p:spPr>
-          <a:xfrm>
-            <a:off x="0" y="0"/>
-            <a:ext cx="182880" cy="6858000"/>
-          </a:xfrm>
-          <a:prstGeom prst="rect">
-            <a:avLst/>
-          </a:prstGeom>
-          <a:solidFill>
-            <a:srgbClr val="315037"/>
-          </a:solidFill>
-          <a:ln>
-            <a:noFill/>
-          </a:ln>
-          <a:effectLst/>
-        </p:spPr>
-        <p:style>
-          <a:lnRef idx="1">
-            <a:schemeClr val="accent1"/>
-          </a:lnRef>
-          <a:fillRef idx="3">
-            <a:schemeClr val="accent1"/>
-          </a:fillRef>
-          <a:effectRef idx="2">
-            <a:schemeClr val="accent1"/>
-          </a:effectRef>
-          <a:fontRef idx="minor">
-            <a:schemeClr val="lt1"/>
-          </a:fontRef>
-        </p:style>
-      </p:sp>
-      <p:pic>
-        <p:nvPicPr>
-          <p:cNvPr id="6" name="Substituent conținut 5">
-            <a:extLst>
-              <a:ext uri="{FF2B5EF4-FFF2-40B4-BE49-F238E27FC236}">
-                <a16:creationId xmlns:a16="http://schemas.microsoft.com/office/drawing/2014/main" id="{BCF7690F-AA65-4F4B-9901-5B72008FC7A3}"/>
+                <a16:creationId xmlns:a16="http://schemas.microsoft.com/office/drawing/2014/main" id="{2D60A450-4695-45E9-9661-4DF7560E898A}"/>
               </a:ext>
             </a:extLst>
           </p:cNvPr>
@@ -9890,207 +13714,18 @@
         </p:blipFill>
         <p:spPr>
           <a:xfrm>
-            <a:off x="2580799" y="3962"/>
-            <a:ext cx="7045801" cy="3829251"/>
+            <a:off x="6068243" y="6804"/>
+            <a:ext cx="6123757" cy="3822700"/>
           </a:xfrm>
           <a:prstGeom prst="rect">
             <a:avLst/>
           </a:prstGeom>
         </p:spPr>
       </p:pic>
-      <p:sp>
-        <p:nvSpPr>
-          <p:cNvPr id="22" name="Freeform 33">
-            <a:extLst>
-              <a:ext uri="{FF2B5EF4-FFF2-40B4-BE49-F238E27FC236}">
-                <a16:creationId xmlns:a16="http://schemas.microsoft.com/office/drawing/2014/main" id="{070928B1-3E69-44AC-A1EE-B4E4270A7A51}"/>
-              </a:ext>
-              <a:ext uri="{C183D7F6-B498-43B3-948B-1728B52AA6E4}">
-                <adec:decorative xmlns:adec="http://schemas.microsoft.com/office/drawing/2017/decorative" val="1"/>
-              </a:ext>
-            </a:extLst>
-          </p:cNvPr>
-          <p:cNvSpPr>
-            <a:spLocks noGrp="1" noRot="1" noChangeAspect="1" noMove="1" noResize="1" noEditPoints="1" noAdjustHandles="1" noChangeArrowheads="1" noChangeShapeType="1" noTextEdit="1"/>
-          </p:cNvSpPr>
-          <p:nvPr>
-            <p:extLst>
-              <p:ext uri="{386F3935-93C4-4BCD-93E2-E3B085C9AB24}">
-                <p16:designElem xmlns:p16="http://schemas.microsoft.com/office/powerpoint/2015/main" val="1"/>
-              </p:ext>
-            </p:extLst>
-          </p:nvPr>
-        </p:nvSpPr>
-        <p:spPr bwMode="auto">
-          <a:xfrm>
-            <a:off x="0" y="4369172"/>
-            <a:ext cx="1744652" cy="778589"/>
-          </a:xfrm>
-          <a:custGeom>
-            <a:avLst/>
-            <a:gdLst/>
-            <a:ahLst/>
-            <a:cxnLst/>
-            <a:rect l="0" t="0" r="r" b="b"/>
-            <a:pathLst>
-              <a:path w="372" h="166">
-                <a:moveTo>
-                  <a:pt x="287" y="166"/>
-                </a:moveTo>
-                <a:cubicBezTo>
-                  <a:pt x="290" y="166"/>
-                  <a:pt x="292" y="165"/>
-                  <a:pt x="293" y="164"/>
-                </a:cubicBezTo>
-                <a:cubicBezTo>
-                  <a:pt x="293" y="163"/>
-                  <a:pt x="294" y="163"/>
-                  <a:pt x="294" y="163"/>
-                </a:cubicBezTo>
-                <a:cubicBezTo>
-                  <a:pt x="370" y="87"/>
-                  <a:pt x="370" y="87"/>
-                  <a:pt x="370" y="87"/>
-                </a:cubicBezTo>
-                <a:cubicBezTo>
-                  <a:pt x="372" y="85"/>
-                  <a:pt x="372" y="81"/>
-                  <a:pt x="370" y="78"/>
-                </a:cubicBezTo>
-                <a:cubicBezTo>
-                  <a:pt x="294" y="3"/>
-                  <a:pt x="294" y="3"/>
-                  <a:pt x="294" y="3"/>
-                </a:cubicBezTo>
-                <a:cubicBezTo>
-                  <a:pt x="294" y="2"/>
-                  <a:pt x="293" y="2"/>
-                  <a:pt x="293" y="2"/>
-                </a:cubicBezTo>
-                <a:cubicBezTo>
-                  <a:pt x="292" y="1"/>
-                  <a:pt x="290" y="0"/>
-                  <a:pt x="287" y="0"/>
-                </a:cubicBezTo>
-                <a:cubicBezTo>
-                  <a:pt x="0" y="0"/>
-                  <a:pt x="0" y="0"/>
-                  <a:pt x="0" y="0"/>
-                </a:cubicBezTo>
-                <a:cubicBezTo>
-                  <a:pt x="0" y="166"/>
-                  <a:pt x="0" y="166"/>
-                  <a:pt x="0" y="166"/>
-                </a:cubicBezTo>
-                <a:lnTo>
-                  <a:pt x="287" y="166"/>
-                </a:lnTo>
-                <a:close/>
-              </a:path>
-            </a:pathLst>
-          </a:custGeom>
-          <a:solidFill>
-            <a:schemeClr val="accent1"/>
-          </a:solidFill>
-          <a:ln>
-            <a:noFill/>
-          </a:ln>
-        </p:spPr>
-      </p:sp>
-      <p:sp>
-        <p:nvSpPr>
-          <p:cNvPr id="7" name="Substituent număr diapozitiv 6">
-            <a:extLst>
-              <a:ext uri="{FF2B5EF4-FFF2-40B4-BE49-F238E27FC236}">
-                <a16:creationId xmlns:a16="http://schemas.microsoft.com/office/drawing/2014/main" id="{A8C9E380-DC5B-4CD8-9F4E-98302EB41DE6}"/>
-              </a:ext>
-            </a:extLst>
-          </p:cNvPr>
-          <p:cNvSpPr>
-            <a:spLocks noGrp="1"/>
-          </p:cNvSpPr>
-          <p:nvPr>
-            <p:ph type="sldNum" sz="quarter" idx="12"/>
-          </p:nvPr>
-        </p:nvSpPr>
-        <p:spPr>
-          <a:xfrm>
-            <a:off x="531812" y="4575903"/>
-            <a:ext cx="779767" cy="365125"/>
-          </a:xfrm>
-        </p:spPr>
-        <p:txBody>
-          <a:bodyPr>
-            <a:normAutofit/>
-          </a:bodyPr>
-          <a:lstStyle/>
-          <a:p>
-            <a:pPr>
-              <a:lnSpc>
-                <a:spcPct val="90000"/>
-              </a:lnSpc>
-              <a:spcAft>
-                <a:spcPts val="600"/>
-              </a:spcAft>
-            </a:pPr>
-            <a:fld id="{FE899CAE-04D7-4AFC-956F-C57F365175A7}" type="slidenum">
-              <a:rPr lang="en-US" sz="1900" smtClean="0"/>
-              <a:pPr>
-                <a:lnSpc>
-                  <a:spcPct val="90000"/>
-                </a:lnSpc>
-                <a:spcAft>
-                  <a:spcPts val="600"/>
-                </a:spcAft>
-              </a:pPr>
-              <a:t>12</a:t>
-            </a:fld>
-            <a:endParaRPr lang="en-US" sz="1900" dirty="0"/>
-          </a:p>
-        </p:txBody>
-      </p:sp>
-      <p:sp>
-        <p:nvSpPr>
-          <p:cNvPr id="11" name="Content Placeholder 10">
-            <a:extLst>
-              <a:ext uri="{FF2B5EF4-FFF2-40B4-BE49-F238E27FC236}">
-                <a16:creationId xmlns:a16="http://schemas.microsoft.com/office/drawing/2014/main" id="{B8C2B17C-FC0F-458F-8D6D-9101BA16588C}"/>
-              </a:ext>
-            </a:extLst>
-          </p:cNvPr>
-          <p:cNvSpPr>
-            <a:spLocks noGrp="1"/>
-          </p:cNvSpPr>
-          <p:nvPr>
-            <p:ph idx="1"/>
-          </p:nvPr>
-        </p:nvSpPr>
-        <p:spPr>
-          <a:xfrm>
-            <a:off x="2589212" y="4845585"/>
-            <a:ext cx="8915400" cy="1280890"/>
-          </a:xfrm>
-        </p:spPr>
-        <p:txBody>
-          <a:bodyPr>
-            <a:normAutofit/>
-          </a:bodyPr>
-          <a:lstStyle/>
-          <a:p>
-            <a:r>
-              <a:rPr lang="ro-RO" dirty="0"/>
-              <a:t>An</a:t>
-            </a:r>
-          </a:p>
-          <a:p>
-            <a:endParaRPr lang="en-US" dirty="0"/>
-          </a:p>
-        </p:txBody>
-      </p:sp>
     </p:spTree>
     <p:extLst>
       <p:ext uri="{BB962C8B-B14F-4D97-AF65-F5344CB8AC3E}">
-        <p14:creationId xmlns:p14="http://schemas.microsoft.com/office/powerpoint/2010/main" val="3009012218"/>
+        <p14:creationId xmlns:p14="http://schemas.microsoft.com/office/powerpoint/2010/main" val="4153196757"/>
       </p:ext>
     </p:extLst>
   </p:cSld>
@@ -10100,7 +13735,7 @@
 </p:sld>
 </file>
 
-<file path=ppt/slides/slide13.xml><?xml version="1.0" encoding="utf-8"?>
+<file path=ppt/slides/slide8.xml><?xml version="1.0" encoding="utf-8"?>
 <p:sld xmlns:a="http://schemas.openxmlformats.org/drawingml/2006/main" xmlns:r="http://schemas.openxmlformats.org/officeDocument/2006/relationships" xmlns:p="http://schemas.openxmlformats.org/presentationml/2006/main" showMasterSp="0">
   <p:cSld>
     <p:spTree>
@@ -10122,7 +13757,7 @@
           <p:cNvPr id="2" name="Titlu 1">
             <a:extLst>
               <a:ext uri="{FF2B5EF4-FFF2-40B4-BE49-F238E27FC236}">
-                <a16:creationId xmlns:a16="http://schemas.microsoft.com/office/drawing/2014/main" id="{2334B960-4620-4A1A-9604-3444FC5A8683}"/>
+                <a16:creationId xmlns:a16="http://schemas.microsoft.com/office/drawing/2014/main" id="{3487DB31-6001-47CD-B1BA-7522EE1F921A}"/>
               </a:ext>
             </a:extLst>
           </p:cNvPr>
@@ -10135,30 +13770,19 @@
         </p:nvSpPr>
         <p:spPr>
           <a:xfrm>
-            <a:off x="457201" y="723407"/>
-            <a:ext cx="3234019" cy="3826728"/>
+            <a:off x="576944" y="624110"/>
+            <a:ext cx="10927670" cy="1280890"/>
           </a:xfrm>
         </p:spPr>
         <p:txBody>
-          <a:bodyPr vert="horz" lIns="91440" tIns="45720" rIns="91440" bIns="45720" rtlCol="0" anchor="b">
-            <a:normAutofit/>
-          </a:bodyPr>
+          <a:bodyPr/>
           <a:lstStyle/>
           <a:p>
-            <a:pPr algn="ctr"/>
-            <a:r>
-              <a:rPr lang="en-US" sz="6400" dirty="0" err="1">
-                <a:solidFill>
-                  <a:schemeClr val="tx1"/>
-                </a:solidFill>
-              </a:rPr>
-              <a:t>Soluție</a:t>
-            </a:r>
-            <a:endParaRPr lang="en-US" sz="6400" dirty="0">
-              <a:solidFill>
-                <a:schemeClr val="tx1"/>
-              </a:solidFill>
-            </a:endParaRPr>
+            <a:r>
+              <a:rPr lang="ro-RO" dirty="0"/>
+              <a:t>Implementarea soluției</a:t>
+            </a:r>
+            <a:endParaRPr lang="en-US" dirty="0"/>
           </a:p>
         </p:txBody>
       </p:sp>
@@ -10167,7 +13791,7 @@
           <p:cNvPr id="3" name="Substituent conținut 2">
             <a:extLst>
               <a:ext uri="{FF2B5EF4-FFF2-40B4-BE49-F238E27FC236}">
-                <a16:creationId xmlns:a16="http://schemas.microsoft.com/office/drawing/2014/main" id="{F9129848-AD94-499C-A91F-44DF9F8B467B}"/>
+                <a16:creationId xmlns:a16="http://schemas.microsoft.com/office/drawing/2014/main" id="{FA44BB8A-170A-4BD6-AE57-69C3741C327E}"/>
               </a:ext>
             </a:extLst>
           </p:cNvPr>
@@ -10180,205 +13804,52 @@
         </p:nvSpPr>
         <p:spPr>
           <a:xfrm>
-            <a:off x="458455" y="4778735"/>
-            <a:ext cx="3220917" cy="1452160"/>
+            <a:off x="576942" y="2133600"/>
+            <a:ext cx="10927670" cy="3777622"/>
           </a:xfrm>
         </p:spPr>
         <p:txBody>
-          <a:bodyPr vert="horz" lIns="91440" tIns="45720" rIns="91440" bIns="45720" rtlCol="0" anchor="t">
+          <a:bodyPr>
             <a:normAutofit/>
           </a:bodyPr>
           <a:lstStyle/>
           <a:p>
-            <a:pPr marL="0" indent="0" algn="ctr">
-              <a:buNone/>
+            <a:pPr>
+              <a:buFont typeface="Arial" panose="020B0604020202020204" pitchFamily="34" charset="0"/>
+              <a:buChar char="•"/>
             </a:pPr>
             <a:r>
-              <a:rPr lang="en-US" sz="2000" dirty="0" err="1">
-                <a:solidFill>
-                  <a:schemeClr val="tx1">
-                    <a:alpha val="60000"/>
-                  </a:schemeClr>
-                </a:solidFill>
-              </a:rPr>
-              <a:t>Adăugarea</a:t>
-            </a:r>
-            <a:r>
-              <a:rPr lang="en-US" sz="2000" dirty="0">
-                <a:solidFill>
-                  <a:schemeClr val="tx1">
-                    <a:alpha val="60000"/>
-                  </a:schemeClr>
-                </a:solidFill>
-              </a:rPr>
-              <a:t> </a:t>
-            </a:r>
-            <a:r>
-              <a:rPr lang="en-US" sz="2000" dirty="0" err="1">
-                <a:solidFill>
-                  <a:schemeClr val="tx1">
-                    <a:alpha val="60000"/>
-                  </a:schemeClr>
-                </a:solidFill>
-              </a:rPr>
-              <a:t>unor</a:t>
-            </a:r>
-            <a:r>
-              <a:rPr lang="en-US" sz="2000" dirty="0">
-                <a:solidFill>
-                  <a:schemeClr val="tx1">
-                    <a:alpha val="60000"/>
-                  </a:schemeClr>
-                </a:solidFill>
-              </a:rPr>
-              <a:t> </a:t>
-            </a:r>
-            <a:r>
-              <a:rPr lang="en-US" sz="2000" dirty="0" err="1">
-                <a:solidFill>
-                  <a:schemeClr val="tx1">
-                    <a:alpha val="60000"/>
-                  </a:schemeClr>
-                </a:solidFill>
-              </a:rPr>
-              <a:t>filtre</a:t>
-            </a:r>
-            <a:r>
-              <a:rPr lang="en-US" sz="2000" dirty="0">
-                <a:solidFill>
-                  <a:schemeClr val="tx1">
-                    <a:alpha val="60000"/>
-                  </a:schemeClr>
-                </a:solidFill>
-              </a:rPr>
-              <a:t> </a:t>
-            </a:r>
-            <a:r>
-              <a:rPr lang="en-US" sz="2000" dirty="0" err="1">
-                <a:solidFill>
-                  <a:schemeClr val="tx1">
-                    <a:alpha val="60000"/>
-                  </a:schemeClr>
-                </a:solidFill>
-              </a:rPr>
-              <a:t>trece-jos</a:t>
-            </a:r>
-            <a:r>
-              <a:rPr lang="en-US" sz="2000" dirty="0">
-                <a:solidFill>
-                  <a:schemeClr val="tx1">
-                    <a:alpha val="60000"/>
-                  </a:schemeClr>
-                </a:solidFill>
-              </a:rPr>
-              <a:t> </a:t>
-            </a:r>
-            <a:r>
-              <a:rPr lang="en-US" sz="2000" dirty="0" err="1">
-                <a:solidFill>
-                  <a:schemeClr val="tx1">
-                    <a:alpha val="60000"/>
-                  </a:schemeClr>
-                </a:solidFill>
-              </a:rPr>
-              <a:t>pentru</a:t>
-            </a:r>
-            <a:r>
-              <a:rPr lang="en-US" sz="2000" dirty="0">
-                <a:solidFill>
-                  <a:schemeClr val="tx1">
-                    <a:alpha val="60000"/>
-                  </a:schemeClr>
-                </a:solidFill>
-              </a:rPr>
-              <a:t> </a:t>
-            </a:r>
-            <a:r>
-              <a:rPr lang="en-US" sz="2000" dirty="0" err="1">
-                <a:solidFill>
-                  <a:schemeClr val="tx1">
-                    <a:alpha val="60000"/>
-                  </a:schemeClr>
-                </a:solidFill>
-              </a:rPr>
-              <a:t>fiecare</a:t>
-            </a:r>
-            <a:r>
-              <a:rPr lang="en-US" sz="2000" dirty="0">
-                <a:solidFill>
-                  <a:schemeClr val="tx1">
-                    <a:alpha val="60000"/>
-                  </a:schemeClr>
-                </a:solidFill>
-              </a:rPr>
-              <a:t> </a:t>
-            </a:r>
-            <a:r>
-              <a:rPr lang="en-US" sz="2000" dirty="0" err="1">
-                <a:solidFill>
-                  <a:schemeClr val="tx1">
-                    <a:alpha val="60000"/>
-                  </a:schemeClr>
-                </a:solidFill>
-              </a:rPr>
-              <a:t>buton</a:t>
-            </a:r>
-            <a:r>
-              <a:rPr lang="en-US" sz="2000" dirty="0">
-                <a:solidFill>
-                  <a:schemeClr val="tx1">
-                    <a:alpha val="60000"/>
-                  </a:schemeClr>
-                </a:solidFill>
-              </a:rPr>
-              <a:t> </a:t>
-            </a:r>
-            <a:r>
-              <a:rPr lang="en-US" sz="2000" dirty="0" err="1">
-                <a:solidFill>
-                  <a:schemeClr val="tx1">
-                    <a:alpha val="60000"/>
-                  </a:schemeClr>
-                </a:solidFill>
-              </a:rPr>
-              <a:t>în</a:t>
-            </a:r>
-            <a:r>
-              <a:rPr lang="en-US" sz="2000" dirty="0">
-                <a:solidFill>
-                  <a:schemeClr val="tx1">
-                    <a:alpha val="60000"/>
-                  </a:schemeClr>
-                </a:solidFill>
-              </a:rPr>
-              <a:t> </a:t>
-            </a:r>
-            <a:r>
-              <a:rPr lang="en-US" sz="2000" dirty="0" err="1">
-                <a:solidFill>
-                  <a:schemeClr val="tx1">
-                    <a:alpha val="60000"/>
-                  </a:schemeClr>
-                </a:solidFill>
-              </a:rPr>
-              <a:t>parte</a:t>
-            </a:r>
-            <a:endParaRPr lang="en-US" sz="2000" dirty="0">
-              <a:solidFill>
-                <a:schemeClr val="tx1">
-                  <a:alpha val="60000"/>
-                </a:schemeClr>
-              </a:solidFill>
-            </a:endParaRPr>
+              <a:rPr lang="ro-RO" sz="2200" dirty="0"/>
+              <a:t>În momentul în care un buton este apăsat, între contactele metalice ale acestuia pot apărea vibrații fine. </a:t>
+            </a:r>
+          </a:p>
+          <a:p>
+            <a:pPr>
+              <a:buFont typeface="Arial" panose="020B0604020202020204" pitchFamily="34" charset="0"/>
+              <a:buChar char="•"/>
+            </a:pPr>
+            <a:r>
+              <a:rPr lang="ro-RO" sz="2200" dirty="0"/>
+              <a:t>De cele mai multe ori, </a:t>
+            </a:r>
+            <a:r>
+              <a:rPr lang="ro-RO" sz="2200" dirty="0" err="1"/>
+              <a:t>microcotrolerul</a:t>
+            </a:r>
+            <a:r>
+              <a:rPr lang="ro-RO" sz="2200" dirty="0"/>
+              <a:t> interpretează aceste vibrații ca fiind apăsări multiple ale butonului.</a:t>
+            </a:r>
+            <a:endParaRPr lang="en-US" sz="2200" dirty="0"/>
           </a:p>
         </p:txBody>
       </p:sp>
       <p:pic>
         <p:nvPicPr>
-          <p:cNvPr id="5" name="Imagine 4" descr="O imagine care conține masă&#10;&#10;Descriere generată automat">
+          <p:cNvPr id="4" name="Imagine 3">
             <a:extLst>
               <a:ext uri="{FF2B5EF4-FFF2-40B4-BE49-F238E27FC236}">
-                <a16:creationId xmlns:a16="http://schemas.microsoft.com/office/drawing/2014/main" id="{E3B53A6F-8A0A-4D0A-9E64-E85BCF033CB9}"/>
+                <a16:creationId xmlns:a16="http://schemas.microsoft.com/office/drawing/2014/main" id="{5CA0F294-70D0-46E0-B287-1EA2AAC8DAD0}"/>
               </a:ext>
             </a:extLst>
           </p:cNvPr>
@@ -10401,8 +13872,8 @@
         </p:blipFill>
         <p:spPr>
           <a:xfrm>
-            <a:off x="4916252" y="942247"/>
-            <a:ext cx="6631341" cy="4973505"/>
+            <a:off x="1" y="0"/>
+            <a:ext cx="12191999" cy="6858000"/>
           </a:xfrm>
           <a:prstGeom prst="rect">
             <a:avLst/>
@@ -10411,10 +13882,10 @@
       </p:pic>
       <p:sp>
         <p:nvSpPr>
-          <p:cNvPr id="9" name="Substituent număr diapozitiv 8">
+          <p:cNvPr id="7" name="Substituent număr diapozitiv 6">
             <a:extLst>
               <a:ext uri="{FF2B5EF4-FFF2-40B4-BE49-F238E27FC236}">
-                <a16:creationId xmlns:a16="http://schemas.microsoft.com/office/drawing/2014/main" id="{03FC14FA-D445-4822-8630-D81D1DE8FE74}"/>
+                <a16:creationId xmlns:a16="http://schemas.microsoft.com/office/drawing/2014/main" id="{A8C9E380-DC5B-4CD8-9F4E-98302EB41DE6}"/>
               </a:ext>
             </a:extLst>
           </p:cNvPr>
@@ -10433,7 +13904,7 @@
             <a:fld id="{FE899CAE-04D7-4AFC-956F-C57F365175A7}" type="slidenum">
               <a:rPr lang="en-US" smtClean="0"/>
               <a:pPr/>
-              <a:t>13</a:t>
+              <a:t>8</a:t>
             </a:fld>
             <a:endParaRPr lang="en-US" dirty="0"/>
           </a:p>
@@ -10442,16 +13913,13 @@
     </p:spTree>
     <p:extLst>
       <p:ext uri="{BB962C8B-B14F-4D97-AF65-F5344CB8AC3E}">
-        <p14:creationId xmlns:p14="http://schemas.microsoft.com/office/powerpoint/2010/main" val="332281463"/>
+        <p14:creationId xmlns:p14="http://schemas.microsoft.com/office/powerpoint/2010/main" val="3009012218"/>
       </p:ext>
     </p:extLst>
   </p:cSld>
   <p:clrMapOvr>
     <a:masterClrMapping/>
   </p:clrMapOvr>
-  <p:transition spd="slow">
-    <p:wipe/>
-  </p:transition>
   <p:timing>
     <p:tnLst>
       <p:par>
@@ -10486,7 +13954,7 @@
                                           </p:stCondLst>
                                         </p:cTn>
                                         <p:tgtEl>
-                                          <p:spTgt spid="5"/>
+                                          <p:spTgt spid="4"/>
                                         </p:tgtEl>
                                         <p:attrNameLst>
                                           <p:attrName>style.visibility</p:attrName>
@@ -10500,7 +13968,7 @@
                                       <p:cBhvr>
                                         <p:cTn id="7" dur="500"/>
                                         <p:tgtEl>
-                                          <p:spTgt spid="5"/>
+                                          <p:spTgt spid="4"/>
                                         </p:tgtEl>
                                       </p:cBhvr>
                                     </p:animEffect>
@@ -10538,7 +14006,7 @@
 </p:sld>
 </file>
 
-<file path=ppt/slides/slide14.xml><?xml version="1.0" encoding="utf-8"?>
+<file path=ppt/slides/slide9.xml><?xml version="1.0" encoding="utf-8"?>
 <p:sld xmlns:a="http://schemas.openxmlformats.org/drawingml/2006/main" xmlns:r="http://schemas.openxmlformats.org/officeDocument/2006/relationships" xmlns:p="http://schemas.openxmlformats.org/presentationml/2006/main" showMasterSp="0">
   <p:cSld>
     <p:spTree>
@@ -10560,7 +14028,7 @@
           <p:cNvPr id="2" name="Titlu 1">
             <a:extLst>
               <a:ext uri="{FF2B5EF4-FFF2-40B4-BE49-F238E27FC236}">
-                <a16:creationId xmlns:a16="http://schemas.microsoft.com/office/drawing/2014/main" id="{D7034D88-B5D7-4913-8481-E9BE5D87855E}"/>
+                <a16:creationId xmlns:a16="http://schemas.microsoft.com/office/drawing/2014/main" id="{2334B960-4620-4A1A-9604-3444FC5A8683}"/>
               </a:ext>
             </a:extLst>
           </p:cNvPr>
@@ -10571,16 +14039,27 @@
             <p:ph type="title"/>
           </p:nvPr>
         </p:nvSpPr>
-        <p:spPr/>
+        <p:spPr>
+          <a:xfrm>
+            <a:off x="457201" y="723407"/>
+            <a:ext cx="3234019" cy="3826728"/>
+          </a:xfrm>
+        </p:spPr>
         <p:txBody>
-          <a:bodyPr/>
+          <a:bodyPr vert="horz" lIns="91440" tIns="45720" rIns="91440" bIns="45720" rtlCol="0" anchor="b">
+            <a:normAutofit/>
+          </a:bodyPr>
           <a:lstStyle/>
           <a:p>
-            <a:r>
-              <a:rPr lang="ro-RO" dirty="0" err="1"/>
-              <a:t>Demo</a:t>
-            </a:r>
-            <a:endParaRPr lang="en-US" dirty="0"/>
+            <a:pPr algn="ctr"/>
+            <a:r>
+              <a:rPr lang="en-US" sz="6400">
+                <a:solidFill>
+                  <a:schemeClr val="tx1"/>
+                </a:solidFill>
+              </a:rPr>
+              <a:t>Soluție</a:t>
+            </a:r>
           </a:p>
         </p:txBody>
       </p:sp>
@@ -10589,7 +14068,7 @@
           <p:cNvPr id="3" name="Substituent conținut 2">
             <a:extLst>
               <a:ext uri="{FF2B5EF4-FFF2-40B4-BE49-F238E27FC236}">
-                <a16:creationId xmlns:a16="http://schemas.microsoft.com/office/drawing/2014/main" id="{FD1F6D74-9474-48DF-924D-97262B6DBB35}"/>
+                <a16:creationId xmlns:a16="http://schemas.microsoft.com/office/drawing/2014/main" id="{F9129848-AD94-499C-A91F-44DF9F8B467B}"/>
               </a:ext>
             </a:extLst>
           </p:cNvPr>
@@ -10600,21 +14079,40 @@
             <p:ph idx="1"/>
           </p:nvPr>
         </p:nvSpPr>
-        <p:spPr/>
+        <p:spPr>
+          <a:xfrm>
+            <a:off x="458455" y="4778735"/>
+            <a:ext cx="3220917" cy="1452160"/>
+          </a:xfrm>
+        </p:spPr>
         <p:txBody>
-          <a:bodyPr/>
+          <a:bodyPr vert="horz" lIns="91440" tIns="45720" rIns="91440" bIns="45720" rtlCol="0" anchor="t">
+            <a:normAutofit/>
+          </a:bodyPr>
           <a:lstStyle/>
           <a:p>
-            <a:endParaRPr lang="en-US"/>
+            <a:pPr marL="0" indent="0" algn="ctr">
+              <a:buNone/>
+            </a:pPr>
+            <a:r>
+              <a:rPr lang="en-US" sz="2000">
+                <a:solidFill>
+                  <a:schemeClr val="tx1">
+                    <a:alpha val="60000"/>
+                  </a:schemeClr>
+                </a:solidFill>
+              </a:rPr>
+              <a:t>Adăugarea unor filtre trece-jos pentru fiecare buton în parte</a:t>
+            </a:r>
           </a:p>
         </p:txBody>
       </p:sp>
       <p:sp>
         <p:nvSpPr>
-          <p:cNvPr id="6" name="Substituent număr diapozitiv 5">
+          <p:cNvPr id="9" name="Substituent număr diapozitiv 8">
             <a:extLst>
               <a:ext uri="{FF2B5EF4-FFF2-40B4-BE49-F238E27FC236}">
-                <a16:creationId xmlns:a16="http://schemas.microsoft.com/office/drawing/2014/main" id="{8D8CFE0A-411B-4954-937F-52B7EC662B00}"/>
+                <a16:creationId xmlns:a16="http://schemas.microsoft.com/office/drawing/2014/main" id="{03FC14FA-D445-4822-8630-D81D1DE8FE74}"/>
               </a:ext>
             </a:extLst>
           </p:cNvPr>
@@ -10633,1151 +14131,18 @@
             <a:fld id="{FE899CAE-04D7-4AFC-956F-C57F365175A7}" type="slidenum">
               <a:rPr lang="en-US" smtClean="0"/>
               <a:pPr/>
-              <a:t>14</a:t>
+              <a:t>9</a:t>
             </a:fld>
             <a:endParaRPr lang="en-US" dirty="0"/>
           </a:p>
         </p:txBody>
       </p:sp>
-    </p:spTree>
-    <p:extLst>
-      <p:ext uri="{BB962C8B-B14F-4D97-AF65-F5344CB8AC3E}">
-        <p14:creationId xmlns:p14="http://schemas.microsoft.com/office/powerpoint/2010/main" val="1490768084"/>
-      </p:ext>
-    </p:extLst>
-  </p:cSld>
-  <p:clrMapOvr>
-    <a:masterClrMapping/>
-  </p:clrMapOvr>
-</p:sld>
-</file>
-
-<file path=ppt/slides/slide15.xml><?xml version="1.0" encoding="utf-8"?>
-<p:sld xmlns:a="http://schemas.openxmlformats.org/drawingml/2006/main" xmlns:r="http://schemas.openxmlformats.org/officeDocument/2006/relationships" xmlns:p="http://schemas.openxmlformats.org/presentationml/2006/main" showMasterSp="0">
-  <p:cSld>
-    <p:spTree>
-      <p:nvGrpSpPr>
-        <p:cNvPr id="1" name=""/>
-        <p:cNvGrpSpPr/>
-        <p:nvPr/>
-      </p:nvGrpSpPr>
-      <p:grpSpPr>
-        <a:xfrm>
-          <a:off x="0" y="0"/>
-          <a:ext cx="0" cy="0"/>
-          <a:chOff x="0" y="0"/>
-          <a:chExt cx="0" cy="0"/>
-        </a:xfrm>
-      </p:grpSpPr>
-      <p:sp>
-        <p:nvSpPr>
-          <p:cNvPr id="2" name="Titlu 1">
+      <p:pic>
+        <p:nvPicPr>
+          <p:cNvPr id="6" name="Imagine 5">
             <a:extLst>
               <a:ext uri="{FF2B5EF4-FFF2-40B4-BE49-F238E27FC236}">
-                <a16:creationId xmlns:a16="http://schemas.microsoft.com/office/drawing/2014/main" id="{750E80B6-3C7F-4B54-B8C2-B8F268B2D591}"/>
-              </a:ext>
-            </a:extLst>
-          </p:cNvPr>
-          <p:cNvSpPr>
-            <a:spLocks noGrp="1"/>
-          </p:cNvSpPr>
-          <p:nvPr>
-            <p:ph type="title"/>
-          </p:nvPr>
-        </p:nvSpPr>
-        <p:spPr>
-          <a:xfrm>
-            <a:off x="685800" y="624110"/>
-            <a:ext cx="10818813" cy="1280890"/>
-          </a:xfrm>
-        </p:spPr>
-        <p:txBody>
-          <a:bodyPr/>
-          <a:lstStyle/>
-          <a:p>
-            <a:r>
-              <a:rPr lang="ro-RO" dirty="0"/>
-              <a:t>Concluzii</a:t>
-            </a:r>
-            <a:endParaRPr lang="en-US" dirty="0"/>
-          </a:p>
-        </p:txBody>
-      </p:sp>
-      <p:sp>
-        <p:nvSpPr>
-          <p:cNvPr id="3" name="Substituent conținut 2">
-            <a:extLst>
-              <a:ext uri="{FF2B5EF4-FFF2-40B4-BE49-F238E27FC236}">
-                <a16:creationId xmlns:a16="http://schemas.microsoft.com/office/drawing/2014/main" id="{F7356411-5890-437C-802C-BC22D5D77C53}"/>
-              </a:ext>
-            </a:extLst>
-          </p:cNvPr>
-          <p:cNvSpPr>
-            <a:spLocks noGrp="1"/>
-          </p:cNvSpPr>
-          <p:nvPr>
-            <p:ph idx="1"/>
-          </p:nvPr>
-        </p:nvSpPr>
-        <p:spPr>
-          <a:xfrm>
-            <a:off x="685799" y="2133600"/>
-            <a:ext cx="10818813" cy="3777622"/>
-          </a:xfrm>
-        </p:spPr>
-        <p:txBody>
-          <a:bodyPr>
-            <a:normAutofit/>
-          </a:bodyPr>
-          <a:lstStyle/>
-          <a:p>
-            <a:pPr>
-              <a:buFont typeface="Arial" panose="020B0604020202020204" pitchFamily="34" charset="0"/>
-              <a:buChar char="•"/>
-            </a:pPr>
-            <a:r>
-              <a:rPr lang="ro-RO" sz="2200" dirty="0"/>
-              <a:t>Scopul proiectului este de a prezenta o soluție pentru controlul temperaturii în mai multe zone ale locuinței, dar și pentru reducerea consumului de energie</a:t>
-            </a:r>
-          </a:p>
-          <a:p>
-            <a:pPr>
-              <a:buFont typeface="Arial" panose="020B0604020202020204" pitchFamily="34" charset="0"/>
-              <a:buChar char="•"/>
-            </a:pPr>
-            <a:r>
-              <a:rPr lang="ro-RO" sz="2200" dirty="0"/>
-              <a:t>Există o serie de funcționalități al căror mod de operare poate fi îmbunătățit</a:t>
-            </a:r>
-          </a:p>
-          <a:p>
-            <a:pPr>
-              <a:buFont typeface="Arial" panose="020B0604020202020204" pitchFamily="34" charset="0"/>
-              <a:buChar char="•"/>
-            </a:pPr>
-            <a:r>
-              <a:rPr lang="ro-RO" sz="2200" dirty="0"/>
-              <a:t>Perspective de dezvoltare</a:t>
-            </a:r>
-            <a:r>
-              <a:rPr lang="en-US" sz="2200" dirty="0"/>
-              <a:t>:</a:t>
-            </a:r>
-          </a:p>
-          <a:p>
-            <a:pPr lvl="1">
-              <a:buFont typeface="Wingdings" panose="05000000000000000000" pitchFamily="2" charset="2"/>
-              <a:buChar char="Ø"/>
-            </a:pPr>
-            <a:r>
-              <a:rPr lang="ro-RO" sz="2000" dirty="0"/>
-              <a:t>Reducerea timpului necesar sistemului pentru a răspunde la comenzile vocale</a:t>
-            </a:r>
-          </a:p>
-          <a:p>
-            <a:pPr lvl="1">
-              <a:buFont typeface="Wingdings" panose="05000000000000000000" pitchFamily="2" charset="2"/>
-              <a:buChar char="Ø"/>
-            </a:pPr>
-            <a:r>
-              <a:rPr lang="ro-RO" sz="2000" dirty="0"/>
-              <a:t>Posibilitatea ca sistemul să adapteze temperatura în funcție de prezența sau absența locuitorilor</a:t>
-            </a:r>
-          </a:p>
-          <a:p>
-            <a:pPr lvl="1">
-              <a:buFont typeface="Wingdings" panose="05000000000000000000" pitchFamily="2" charset="2"/>
-              <a:buChar char="Ø"/>
-            </a:pPr>
-            <a:r>
-              <a:rPr lang="ro-RO" sz="2000" dirty="0"/>
-              <a:t>Atașarea unei tastaturi la plăcuța </a:t>
-            </a:r>
-            <a:r>
-              <a:rPr lang="ro-RO" sz="2000" dirty="0" err="1"/>
-              <a:t>WiFi</a:t>
-            </a:r>
-            <a:r>
-              <a:rPr lang="ro-RO" sz="2000" dirty="0"/>
-              <a:t> pentru a permite modificarea datelor de acces la rețeaua de internet	</a:t>
-            </a:r>
-          </a:p>
-          <a:p>
-            <a:pPr marL="0" indent="0">
-              <a:buNone/>
-            </a:pPr>
-            <a:endParaRPr lang="en-US" dirty="0"/>
-          </a:p>
-        </p:txBody>
-      </p:sp>
-      <p:sp>
-        <p:nvSpPr>
-          <p:cNvPr id="6" name="Substituent număr diapozitiv 5">
-            <a:extLst>
-              <a:ext uri="{FF2B5EF4-FFF2-40B4-BE49-F238E27FC236}">
-                <a16:creationId xmlns:a16="http://schemas.microsoft.com/office/drawing/2014/main" id="{6960E3D1-D97B-49DE-B830-2C7D370FE547}"/>
-              </a:ext>
-            </a:extLst>
-          </p:cNvPr>
-          <p:cNvSpPr>
-            <a:spLocks noGrp="1"/>
-          </p:cNvSpPr>
-          <p:nvPr>
-            <p:ph type="sldNum" sz="quarter" idx="12"/>
-          </p:nvPr>
-        </p:nvSpPr>
-        <p:spPr/>
-        <p:txBody>
-          <a:bodyPr/>
-          <a:lstStyle/>
-          <a:p>
-            <a:fld id="{FE899CAE-04D7-4AFC-956F-C57F365175A7}" type="slidenum">
-              <a:rPr lang="en-US" smtClean="0"/>
-              <a:pPr/>
-              <a:t>15</a:t>
-            </a:fld>
-            <a:endParaRPr lang="en-US" dirty="0"/>
-          </a:p>
-        </p:txBody>
-      </p:sp>
-    </p:spTree>
-    <p:extLst>
-      <p:ext uri="{BB962C8B-B14F-4D97-AF65-F5344CB8AC3E}">
-        <p14:creationId xmlns:p14="http://schemas.microsoft.com/office/powerpoint/2010/main" val="3473204888"/>
-      </p:ext>
-    </p:extLst>
-  </p:cSld>
-  <p:clrMapOvr>
-    <a:masterClrMapping/>
-  </p:clrMapOvr>
-</p:sld>
-</file>
-
-<file path=ppt/slides/slide16.xml><?xml version="1.0" encoding="utf-8"?>
-<p:sld xmlns:a="http://schemas.openxmlformats.org/drawingml/2006/main" xmlns:r="http://schemas.openxmlformats.org/officeDocument/2006/relationships" xmlns:p="http://schemas.openxmlformats.org/presentationml/2006/main" showMasterSp="0">
-  <p:cSld>
-    <p:spTree>
-      <p:nvGrpSpPr>
-        <p:cNvPr id="1" name=""/>
-        <p:cNvGrpSpPr/>
-        <p:nvPr/>
-      </p:nvGrpSpPr>
-      <p:grpSpPr>
-        <a:xfrm>
-          <a:off x="0" y="0"/>
-          <a:ext cx="0" cy="0"/>
-          <a:chOff x="0" y="0"/>
-          <a:chExt cx="0" cy="0"/>
-        </a:xfrm>
-      </p:grpSpPr>
-      <p:sp>
-        <p:nvSpPr>
-          <p:cNvPr id="2" name="Titlu 1">
-            <a:extLst>
-              <a:ext uri="{FF2B5EF4-FFF2-40B4-BE49-F238E27FC236}">
-                <a16:creationId xmlns:a16="http://schemas.microsoft.com/office/drawing/2014/main" id="{8F599AC0-73FE-4940-B82D-96B24E039E49}"/>
-              </a:ext>
-            </a:extLst>
-          </p:cNvPr>
-          <p:cNvSpPr>
-            <a:spLocks noGrp="1"/>
-          </p:cNvSpPr>
-          <p:nvPr>
-            <p:ph type="title"/>
-          </p:nvPr>
-        </p:nvSpPr>
-        <p:spPr>
-          <a:xfrm>
-            <a:off x="631372" y="624110"/>
-            <a:ext cx="10873242" cy="1280890"/>
-          </a:xfrm>
-        </p:spPr>
-        <p:txBody>
-          <a:bodyPr/>
-          <a:lstStyle/>
-          <a:p>
-            <a:r>
-              <a:rPr lang="en-US" dirty="0" err="1"/>
-              <a:t>Concluzii</a:t>
-            </a:r>
-            <a:endParaRPr lang="en-US" dirty="0"/>
-          </a:p>
-        </p:txBody>
-      </p:sp>
-      <p:sp>
-        <p:nvSpPr>
-          <p:cNvPr id="3" name="Substituent conținut 2">
-            <a:extLst>
-              <a:ext uri="{FF2B5EF4-FFF2-40B4-BE49-F238E27FC236}">
-                <a16:creationId xmlns:a16="http://schemas.microsoft.com/office/drawing/2014/main" id="{52FD1FAA-BBDF-4770-ABE6-46CFF1B76061}"/>
-              </a:ext>
-            </a:extLst>
-          </p:cNvPr>
-          <p:cNvSpPr>
-            <a:spLocks noGrp="1"/>
-          </p:cNvSpPr>
-          <p:nvPr>
-            <p:ph idx="1"/>
-          </p:nvPr>
-        </p:nvSpPr>
-        <p:spPr>
-          <a:xfrm>
-            <a:off x="631370" y="2133600"/>
-            <a:ext cx="10873242" cy="3777622"/>
-          </a:xfrm>
-        </p:spPr>
-        <p:txBody>
-          <a:bodyPr/>
-          <a:lstStyle/>
-          <a:p>
-            <a:pPr>
-              <a:buFont typeface="Arial" panose="020B0604020202020204" pitchFamily="34" charset="0"/>
-              <a:buChar char="•"/>
-            </a:pPr>
-            <a:r>
-              <a:rPr lang="ro-RO" sz="2200" dirty="0"/>
-              <a:t>Sinteza c</a:t>
-            </a:r>
-            <a:r>
-              <a:rPr lang="en-US" sz="2200" dirty="0" err="1"/>
-              <a:t>ontribu</a:t>
-            </a:r>
-            <a:r>
-              <a:rPr lang="ro-RO" sz="2200" dirty="0" err="1"/>
-              <a:t>țiilor</a:t>
-            </a:r>
-            <a:r>
-              <a:rPr lang="en-US" sz="2200" dirty="0"/>
-              <a:t>:</a:t>
-            </a:r>
-            <a:endParaRPr lang="ro-RO" sz="2200" dirty="0"/>
-          </a:p>
-          <a:p>
-            <a:pPr lvl="1">
-              <a:buFont typeface="Wingdings" panose="05000000000000000000" pitchFamily="2" charset="2"/>
-              <a:buChar char="Ø"/>
-            </a:pPr>
-            <a:r>
-              <a:rPr lang="ro-RO" sz="2000" dirty="0"/>
-              <a:t>Programarea plăcuțelor ESP8266 și </a:t>
-            </a:r>
-            <a:r>
-              <a:rPr lang="ro-RO" sz="2000" dirty="0" err="1"/>
-              <a:t>Arduino</a:t>
-            </a:r>
-            <a:endParaRPr lang="en-US" sz="2000" dirty="0"/>
-          </a:p>
-          <a:p>
-            <a:pPr lvl="1">
-              <a:buFont typeface="Wingdings" panose="05000000000000000000" pitchFamily="2" charset="2"/>
-              <a:buChar char="Ø"/>
-            </a:pPr>
-            <a:r>
-              <a:rPr lang="en-US" sz="2000" dirty="0" err="1"/>
-              <a:t>Implementare</a:t>
-            </a:r>
-            <a:r>
-              <a:rPr lang="ro-RO" sz="2000" dirty="0"/>
-              <a:t>a</a:t>
-            </a:r>
-            <a:r>
-              <a:rPr lang="en-US" sz="2000" dirty="0"/>
-              <a:t> </a:t>
-            </a:r>
-            <a:r>
-              <a:rPr lang="en-US" sz="2000" dirty="0" err="1"/>
-              <a:t>aplica</a:t>
-            </a:r>
-            <a:r>
-              <a:rPr lang="ro-RO" sz="2000" dirty="0" err="1"/>
-              <a:t>ției</a:t>
-            </a:r>
-            <a:r>
-              <a:rPr lang="ro-RO" sz="2000" dirty="0"/>
-              <a:t> web </a:t>
-            </a:r>
-          </a:p>
-          <a:p>
-            <a:pPr lvl="1">
-              <a:buFont typeface="Wingdings" panose="05000000000000000000" pitchFamily="2" charset="2"/>
-              <a:buChar char="Ø"/>
-            </a:pPr>
-            <a:r>
-              <a:rPr lang="ro-RO" sz="2000" dirty="0"/>
-              <a:t>Crearea testelor unitare pentru aplicația web</a:t>
-            </a:r>
-            <a:endParaRPr lang="en-US" sz="2000" dirty="0"/>
-          </a:p>
-          <a:p>
-            <a:pPr lvl="1">
-              <a:buFont typeface="Wingdings" panose="05000000000000000000" pitchFamily="2" charset="2"/>
-              <a:buChar char="Ø"/>
-            </a:pPr>
-            <a:r>
-              <a:rPr lang="ro-RO" sz="2000" dirty="0"/>
-              <a:t>Testarea circuitului de apă</a:t>
-            </a:r>
-            <a:endParaRPr lang="en-US" sz="2000" dirty="0"/>
-          </a:p>
-          <a:p>
-            <a:pPr lvl="1">
-              <a:buFont typeface="Wingdings" panose="05000000000000000000" pitchFamily="2" charset="2"/>
-              <a:buChar char="Ø"/>
-            </a:pPr>
-            <a:r>
-              <a:rPr lang="ro-RO" sz="2000" dirty="0"/>
-              <a:t>Realizarea circuitului electric și a filtrelor trece-jos</a:t>
-            </a:r>
-            <a:endParaRPr lang="en-US" sz="2000" dirty="0"/>
-          </a:p>
-          <a:p>
-            <a:pPr lvl="1">
-              <a:buFont typeface="Wingdings" panose="05000000000000000000" pitchFamily="2" charset="2"/>
-              <a:buChar char="Ø"/>
-            </a:pPr>
-            <a:r>
-              <a:rPr lang="ro-RO" sz="2000" dirty="0"/>
-              <a:t>Găzduirea aplicației pe un server, la distanță, utilizând platforma </a:t>
-            </a:r>
-            <a:r>
-              <a:rPr lang="ro-RO" sz="2000" dirty="0" err="1"/>
-              <a:t>Heroku</a:t>
-            </a:r>
-            <a:r>
-              <a:rPr lang="ro-RO" sz="2000" dirty="0"/>
-              <a:t> </a:t>
-            </a:r>
-            <a:endParaRPr lang="en-US" sz="2000" dirty="0"/>
-          </a:p>
-        </p:txBody>
-      </p:sp>
-      <p:sp>
-        <p:nvSpPr>
-          <p:cNvPr id="6" name="Substituent număr diapozitiv 5">
-            <a:extLst>
-              <a:ext uri="{FF2B5EF4-FFF2-40B4-BE49-F238E27FC236}">
-                <a16:creationId xmlns:a16="http://schemas.microsoft.com/office/drawing/2014/main" id="{D6940163-1A80-4B72-9D07-628B70044164}"/>
-              </a:ext>
-            </a:extLst>
-          </p:cNvPr>
-          <p:cNvSpPr>
-            <a:spLocks noGrp="1"/>
-          </p:cNvSpPr>
-          <p:nvPr>
-            <p:ph type="sldNum" sz="quarter" idx="12"/>
-          </p:nvPr>
-        </p:nvSpPr>
-        <p:spPr/>
-        <p:txBody>
-          <a:bodyPr/>
-          <a:lstStyle/>
-          <a:p>
-            <a:fld id="{FE899CAE-04D7-4AFC-956F-C57F365175A7}" type="slidenum">
-              <a:rPr lang="en-US" smtClean="0"/>
-              <a:pPr/>
-              <a:t>16</a:t>
-            </a:fld>
-            <a:endParaRPr lang="en-US" dirty="0"/>
-          </a:p>
-        </p:txBody>
-      </p:sp>
-    </p:spTree>
-    <p:extLst>
-      <p:ext uri="{BB962C8B-B14F-4D97-AF65-F5344CB8AC3E}">
-        <p14:creationId xmlns:p14="http://schemas.microsoft.com/office/powerpoint/2010/main" val="3682275979"/>
-      </p:ext>
-    </p:extLst>
-  </p:cSld>
-  <p:clrMapOvr>
-    <a:masterClrMapping/>
-  </p:clrMapOvr>
-</p:sld>
-</file>
-
-<file path=ppt/slides/slide2.xml><?xml version="1.0" encoding="utf-8"?>
-<p:sld xmlns:a="http://schemas.openxmlformats.org/drawingml/2006/main" xmlns:r="http://schemas.openxmlformats.org/officeDocument/2006/relationships" xmlns:p="http://schemas.openxmlformats.org/presentationml/2006/main" showMasterSp="0">
-  <p:cSld>
-    <p:spTree>
-      <p:nvGrpSpPr>
-        <p:cNvPr id="1" name=""/>
-        <p:cNvGrpSpPr/>
-        <p:nvPr/>
-      </p:nvGrpSpPr>
-      <p:grpSpPr>
-        <a:xfrm>
-          <a:off x="0" y="0"/>
-          <a:ext cx="0" cy="0"/>
-          <a:chOff x="0" y="0"/>
-          <a:chExt cx="0" cy="0"/>
-        </a:xfrm>
-      </p:grpSpPr>
-      <p:sp>
-        <p:nvSpPr>
-          <p:cNvPr id="2" name="Titlu 1">
-            <a:extLst>
-              <a:ext uri="{FF2B5EF4-FFF2-40B4-BE49-F238E27FC236}">
-                <a16:creationId xmlns:a16="http://schemas.microsoft.com/office/drawing/2014/main" id="{B129BC0B-D326-46C0-8715-226039959E6D}"/>
-              </a:ext>
-            </a:extLst>
-          </p:cNvPr>
-          <p:cNvSpPr>
-            <a:spLocks noGrp="1"/>
-          </p:cNvSpPr>
-          <p:nvPr>
-            <p:ph type="title"/>
-          </p:nvPr>
-        </p:nvSpPr>
-        <p:spPr>
-          <a:xfrm>
-            <a:off x="653144" y="624110"/>
-            <a:ext cx="10851470" cy="1280890"/>
-          </a:xfrm>
-        </p:spPr>
-        <p:txBody>
-          <a:bodyPr/>
-          <a:lstStyle/>
-          <a:p>
-            <a:r>
-              <a:rPr lang="en-US" dirty="0" err="1"/>
-              <a:t>Cuprins</a:t>
-            </a:r>
-            <a:endParaRPr lang="en-US" dirty="0"/>
-          </a:p>
-        </p:txBody>
-      </p:sp>
-      <p:sp>
-        <p:nvSpPr>
-          <p:cNvPr id="3" name="Substituent conținut 2">
-            <a:extLst>
-              <a:ext uri="{FF2B5EF4-FFF2-40B4-BE49-F238E27FC236}">
-                <a16:creationId xmlns:a16="http://schemas.microsoft.com/office/drawing/2014/main" id="{94BE2CDC-BC46-451D-9580-0D4766FA3006}"/>
-              </a:ext>
-            </a:extLst>
-          </p:cNvPr>
-          <p:cNvSpPr>
-            <a:spLocks noGrp="1"/>
-          </p:cNvSpPr>
-          <p:nvPr>
-            <p:ph idx="1"/>
-          </p:nvPr>
-        </p:nvSpPr>
-        <p:spPr>
-          <a:xfrm>
-            <a:off x="653142" y="2133600"/>
-            <a:ext cx="10851470" cy="3777622"/>
-          </a:xfrm>
-        </p:spPr>
-        <p:txBody>
-          <a:bodyPr/>
-          <a:lstStyle/>
-          <a:p>
-            <a:pPr>
-              <a:buFont typeface="Arial" panose="020B0604020202020204" pitchFamily="34" charset="0"/>
-              <a:buChar char="•"/>
-            </a:pPr>
-            <a:r>
-              <a:rPr lang="en-US" dirty="0" err="1">
-                <a:hlinkClick r:id="rId2" action="ppaction://hlinksldjump"/>
-              </a:rPr>
-              <a:t>Introducere</a:t>
-            </a:r>
-            <a:endParaRPr lang="en-US" dirty="0"/>
-          </a:p>
-          <a:p>
-            <a:pPr>
-              <a:buFont typeface="Arial" panose="020B0604020202020204" pitchFamily="34" charset="0"/>
-              <a:buChar char="•"/>
-            </a:pPr>
-            <a:r>
-              <a:rPr lang="en-US" dirty="0" err="1">
-                <a:hlinkClick r:id="rId3" action="ppaction://hlinksldjump"/>
-              </a:rPr>
-              <a:t>Competi</a:t>
-            </a:r>
-            <a:r>
-              <a:rPr lang="ro-RO" dirty="0">
-                <a:hlinkClick r:id="rId3" action="ppaction://hlinksldjump"/>
-              </a:rPr>
-              <a:t>ție</a:t>
-            </a:r>
-            <a:endParaRPr lang="en-US" dirty="0"/>
-          </a:p>
-          <a:p>
-            <a:pPr>
-              <a:buFont typeface="Arial" panose="020B0604020202020204" pitchFamily="34" charset="0"/>
-              <a:buChar char="•"/>
-            </a:pPr>
-            <a:r>
-              <a:rPr lang="ro-RO" dirty="0">
-                <a:hlinkClick r:id="rId4" action="ppaction://hlinksldjump"/>
-              </a:rPr>
-              <a:t>Arhitectura sistemului</a:t>
-            </a:r>
-            <a:endParaRPr lang="ro-RO" dirty="0"/>
-          </a:p>
-          <a:p>
-            <a:pPr>
-              <a:buFont typeface="Arial" panose="020B0604020202020204" pitchFamily="34" charset="0"/>
-              <a:buChar char="•"/>
-            </a:pPr>
-            <a:r>
-              <a:rPr lang="ro-RO" dirty="0">
-                <a:hlinkClick r:id="rId5" action="ppaction://hlinksldjump"/>
-              </a:rPr>
-              <a:t>Implementarea soluției</a:t>
-            </a:r>
-            <a:endParaRPr lang="ro-RO" dirty="0"/>
-          </a:p>
-          <a:p>
-            <a:pPr>
-              <a:buFont typeface="Arial" panose="020B0604020202020204" pitchFamily="34" charset="0"/>
-              <a:buChar char="•"/>
-            </a:pPr>
-            <a:r>
-              <a:rPr lang="ro-RO" dirty="0" err="1">
-                <a:hlinkClick r:id="rId6" action="ppaction://hlinksldjump"/>
-              </a:rPr>
-              <a:t>Demo</a:t>
-            </a:r>
-            <a:endParaRPr lang="ro-RO" dirty="0"/>
-          </a:p>
-          <a:p>
-            <a:pPr>
-              <a:buFont typeface="Arial" panose="020B0604020202020204" pitchFamily="34" charset="0"/>
-              <a:buChar char="•"/>
-            </a:pPr>
-            <a:r>
-              <a:rPr lang="ro-RO" dirty="0">
-                <a:hlinkClick r:id="rId7" action="ppaction://hlinksldjump"/>
-              </a:rPr>
-              <a:t>Concluzii și direcții de dezvoltare</a:t>
-            </a:r>
-            <a:endParaRPr lang="en-US" dirty="0"/>
-          </a:p>
-        </p:txBody>
-      </p:sp>
-      <p:sp>
-        <p:nvSpPr>
-          <p:cNvPr id="8" name="Substituent număr diapozitiv 7">
-            <a:extLst>
-              <a:ext uri="{FF2B5EF4-FFF2-40B4-BE49-F238E27FC236}">
-                <a16:creationId xmlns:a16="http://schemas.microsoft.com/office/drawing/2014/main" id="{06C12413-14FD-46E7-BA14-111530D54DDF}"/>
-              </a:ext>
-            </a:extLst>
-          </p:cNvPr>
-          <p:cNvSpPr>
-            <a:spLocks noGrp="1"/>
-          </p:cNvSpPr>
-          <p:nvPr>
-            <p:ph type="sldNum" sz="quarter" idx="12"/>
-          </p:nvPr>
-        </p:nvSpPr>
-        <p:spPr/>
-        <p:txBody>
-          <a:bodyPr/>
-          <a:lstStyle/>
-          <a:p>
-            <a:fld id="{FE899CAE-04D7-4AFC-956F-C57F365175A7}" type="slidenum">
-              <a:rPr lang="en-US" smtClean="0"/>
-              <a:pPr/>
-              <a:t>2</a:t>
-            </a:fld>
-            <a:endParaRPr lang="en-US" dirty="0"/>
-          </a:p>
-        </p:txBody>
-      </p:sp>
-    </p:spTree>
-    <p:extLst>
-      <p:ext uri="{BB962C8B-B14F-4D97-AF65-F5344CB8AC3E}">
-        <p14:creationId xmlns:p14="http://schemas.microsoft.com/office/powerpoint/2010/main" val="1862568680"/>
-      </p:ext>
-    </p:extLst>
-  </p:cSld>
-  <p:clrMapOvr>
-    <a:masterClrMapping/>
-  </p:clrMapOvr>
-</p:sld>
-</file>
-
-<file path=ppt/slides/slide3.xml><?xml version="1.0" encoding="utf-8"?>
-<p:sld xmlns:a="http://schemas.openxmlformats.org/drawingml/2006/main" xmlns:r="http://schemas.openxmlformats.org/officeDocument/2006/relationships" xmlns:p="http://schemas.openxmlformats.org/presentationml/2006/main" showMasterSp="0">
-  <p:cSld>
-    <p:spTree>
-      <p:nvGrpSpPr>
-        <p:cNvPr id="1" name=""/>
-        <p:cNvGrpSpPr/>
-        <p:nvPr/>
-      </p:nvGrpSpPr>
-      <p:grpSpPr>
-        <a:xfrm>
-          <a:off x="0" y="0"/>
-          <a:ext cx="0" cy="0"/>
-          <a:chOff x="0" y="0"/>
-          <a:chExt cx="0" cy="0"/>
-        </a:xfrm>
-      </p:grpSpPr>
-      <p:sp>
-        <p:nvSpPr>
-          <p:cNvPr id="6" name="Substituent număr diapozitiv 5">
-            <a:extLst>
-              <a:ext uri="{FF2B5EF4-FFF2-40B4-BE49-F238E27FC236}">
-                <a16:creationId xmlns:a16="http://schemas.microsoft.com/office/drawing/2014/main" id="{D7028702-EE1F-471C-93D0-CAFA8FFDF91E}"/>
-              </a:ext>
-            </a:extLst>
-          </p:cNvPr>
-          <p:cNvSpPr>
-            <a:spLocks noGrp="1"/>
-          </p:cNvSpPr>
-          <p:nvPr>
-            <p:ph type="sldNum" sz="quarter" idx="12"/>
-          </p:nvPr>
-        </p:nvSpPr>
-        <p:spPr/>
-        <p:txBody>
-          <a:bodyPr/>
-          <a:lstStyle/>
-          <a:p>
-            <a:fld id="{FE899CAE-04D7-4AFC-956F-C57F365175A7}" type="slidenum">
-              <a:rPr lang="en-US" smtClean="0"/>
-              <a:pPr/>
-              <a:t>3</a:t>
-            </a:fld>
-            <a:endParaRPr lang="en-US" dirty="0"/>
-          </a:p>
-        </p:txBody>
-      </p:sp>
-      <p:sp>
-        <p:nvSpPr>
-          <p:cNvPr id="5" name="Titlu 4">
-            <a:extLst>
-              <a:ext uri="{FF2B5EF4-FFF2-40B4-BE49-F238E27FC236}">
-                <a16:creationId xmlns:a16="http://schemas.microsoft.com/office/drawing/2014/main" id="{7414C98A-615C-47C5-9A25-B7646996C36A}"/>
-              </a:ext>
-            </a:extLst>
-          </p:cNvPr>
-          <p:cNvSpPr>
-            <a:spLocks noGrp="1"/>
-          </p:cNvSpPr>
-          <p:nvPr>
-            <p:ph type="title"/>
-          </p:nvPr>
-        </p:nvSpPr>
-        <p:spPr/>
-        <p:txBody>
-          <a:bodyPr/>
-          <a:lstStyle/>
-          <a:p>
-            <a:endParaRPr lang="en-US"/>
-          </a:p>
-        </p:txBody>
-      </p:sp>
-      <p:sp>
-        <p:nvSpPr>
-          <p:cNvPr id="8" name="Substituent conținut 7">
-            <a:extLst>
-              <a:ext uri="{FF2B5EF4-FFF2-40B4-BE49-F238E27FC236}">
-                <a16:creationId xmlns:a16="http://schemas.microsoft.com/office/drawing/2014/main" id="{86C6B67F-02A9-4BEE-98B5-376ABD2B87A4}"/>
-              </a:ext>
-            </a:extLst>
-          </p:cNvPr>
-          <p:cNvSpPr>
-            <a:spLocks noGrp="1"/>
-          </p:cNvSpPr>
-          <p:nvPr>
-            <p:ph idx="1"/>
-          </p:nvPr>
-        </p:nvSpPr>
-        <p:spPr/>
-        <p:txBody>
-          <a:bodyPr/>
-          <a:lstStyle/>
-          <a:p>
-            <a:endParaRPr lang="en-US"/>
-          </a:p>
-        </p:txBody>
-      </p:sp>
-    </p:spTree>
-    <p:extLst>
-      <p:ext uri="{BB962C8B-B14F-4D97-AF65-F5344CB8AC3E}">
-        <p14:creationId xmlns:p14="http://schemas.microsoft.com/office/powerpoint/2010/main" val="3231738998"/>
-      </p:ext>
-    </p:extLst>
-  </p:cSld>
-  <p:clrMapOvr>
-    <a:masterClrMapping/>
-  </p:clrMapOvr>
-</p:sld>
-</file>
-
-<file path=ppt/slides/slide4.xml><?xml version="1.0" encoding="utf-8"?>
-<p:sld xmlns:a="http://schemas.openxmlformats.org/drawingml/2006/main" xmlns:r="http://schemas.openxmlformats.org/officeDocument/2006/relationships" xmlns:p="http://schemas.openxmlformats.org/presentationml/2006/main" showMasterSp="0">
-  <p:cSld>
-    <p:spTree>
-      <p:nvGrpSpPr>
-        <p:cNvPr id="1" name=""/>
-        <p:cNvGrpSpPr/>
-        <p:nvPr/>
-      </p:nvGrpSpPr>
-      <p:grpSpPr>
-        <a:xfrm>
-          <a:off x="0" y="0"/>
-          <a:ext cx="0" cy="0"/>
-          <a:chOff x="0" y="0"/>
-          <a:chExt cx="0" cy="0"/>
-        </a:xfrm>
-      </p:grpSpPr>
-      <p:sp>
-        <p:nvSpPr>
-          <p:cNvPr id="2" name="Titlu 1">
-            <a:extLst>
-              <a:ext uri="{FF2B5EF4-FFF2-40B4-BE49-F238E27FC236}">
-                <a16:creationId xmlns:a16="http://schemas.microsoft.com/office/drawing/2014/main" id="{7129B54D-B381-4CFC-B445-9776A7B9D11F}"/>
-              </a:ext>
-            </a:extLst>
-          </p:cNvPr>
-          <p:cNvSpPr>
-            <a:spLocks noGrp="1"/>
-          </p:cNvSpPr>
-          <p:nvPr>
-            <p:ph type="title"/>
-          </p:nvPr>
-        </p:nvSpPr>
-        <p:spPr>
-          <a:xfrm>
-            <a:off x="642258" y="624110"/>
-            <a:ext cx="10862356" cy="1280890"/>
-          </a:xfrm>
-        </p:spPr>
-        <p:txBody>
-          <a:bodyPr/>
-          <a:lstStyle/>
-          <a:p>
-            <a:r>
-              <a:rPr lang="ro-RO" dirty="0"/>
-              <a:t>Competiție</a:t>
-            </a:r>
-            <a:endParaRPr lang="en-US" dirty="0"/>
-          </a:p>
-        </p:txBody>
-      </p:sp>
-      <p:sp>
-        <p:nvSpPr>
-          <p:cNvPr id="3" name="Substituent conținut 2">
-            <a:extLst>
-              <a:ext uri="{FF2B5EF4-FFF2-40B4-BE49-F238E27FC236}">
-                <a16:creationId xmlns:a16="http://schemas.microsoft.com/office/drawing/2014/main" id="{EE387055-6351-42BF-A2D6-129379B78CDD}"/>
-              </a:ext>
-            </a:extLst>
-          </p:cNvPr>
-          <p:cNvSpPr>
-            <a:spLocks noGrp="1"/>
-          </p:cNvSpPr>
-          <p:nvPr>
-            <p:ph idx="1"/>
-          </p:nvPr>
-        </p:nvSpPr>
-        <p:spPr>
-          <a:xfrm>
-            <a:off x="642256" y="2133600"/>
-            <a:ext cx="10862356" cy="3777622"/>
-          </a:xfrm>
-        </p:spPr>
-        <p:txBody>
-          <a:bodyPr>
-            <a:normAutofit/>
-          </a:bodyPr>
-          <a:lstStyle/>
-          <a:p>
-            <a:pPr algn="just">
-              <a:buFont typeface="Arial" panose="020B0604020202020204" pitchFamily="34" charset="0"/>
-              <a:buChar char="•"/>
-            </a:pPr>
-            <a:r>
-              <a:rPr lang="ro-RO" sz="2200" dirty="0"/>
-              <a:t>Se produc și comercializează o serie de sisteme asemănătoare.</a:t>
-            </a:r>
-          </a:p>
-          <a:p>
-            <a:pPr algn="just">
-              <a:buFont typeface="Arial" panose="020B0604020202020204" pitchFamily="34" charset="0"/>
-              <a:buChar char="•"/>
-            </a:pPr>
-            <a:r>
-              <a:rPr lang="ro-RO" sz="2200" dirty="0"/>
-              <a:t>Printre cele mai importante se enumeră</a:t>
-            </a:r>
-            <a:r>
-              <a:rPr lang="en-US" sz="2200" dirty="0"/>
-              <a:t>:</a:t>
-            </a:r>
-          </a:p>
-          <a:p>
-            <a:pPr lvl="1" algn="just">
-              <a:buFont typeface="Wingdings" panose="05000000000000000000" pitchFamily="2" charset="2"/>
-              <a:buChar char="Ø"/>
-            </a:pPr>
-            <a:r>
-              <a:rPr lang="en-US" sz="2000" dirty="0" err="1"/>
-              <a:t>Ecobee</a:t>
-            </a:r>
-            <a:endParaRPr lang="en-US" sz="2000" dirty="0"/>
-          </a:p>
-          <a:p>
-            <a:pPr lvl="1" algn="just">
-              <a:buFont typeface="Wingdings" panose="05000000000000000000" pitchFamily="2" charset="2"/>
-              <a:buChar char="Ø"/>
-            </a:pPr>
-            <a:r>
-              <a:rPr lang="en-US" sz="2000" dirty="0"/>
-              <a:t>Nest</a:t>
-            </a:r>
-            <a:r>
-              <a:rPr lang="ro-RO" sz="2000" dirty="0"/>
-              <a:t>  </a:t>
-            </a:r>
-            <a:endParaRPr lang="en-US" sz="2000" dirty="0"/>
-          </a:p>
-          <a:p>
-            <a:pPr algn="just">
-              <a:buFont typeface="Arial" panose="020B0604020202020204" pitchFamily="34" charset="0"/>
-              <a:buChar char="•"/>
-            </a:pPr>
-            <a:r>
-              <a:rPr lang="ro-RO" sz="2200" dirty="0"/>
-              <a:t>Cum se diferențiază sistemul creat?</a:t>
-            </a:r>
-            <a:endParaRPr lang="en-US" sz="2200" dirty="0"/>
-          </a:p>
-          <a:p>
-            <a:pPr lvl="1" algn="just">
-              <a:buFont typeface="Wingdings" panose="05000000000000000000" pitchFamily="2" charset="2"/>
-              <a:buChar char="Ø"/>
-            </a:pPr>
-            <a:r>
-              <a:rPr lang="ro-RO" sz="2000" dirty="0"/>
-              <a:t>Cost scăzut</a:t>
-            </a:r>
-            <a:endParaRPr lang="en-US" sz="2000" dirty="0"/>
-          </a:p>
-          <a:p>
-            <a:pPr lvl="1" algn="just">
-              <a:buFont typeface="Wingdings" panose="05000000000000000000" pitchFamily="2" charset="2"/>
-              <a:buChar char="Ø"/>
-            </a:pPr>
-            <a:r>
-              <a:rPr lang="ro-RO" sz="2000" dirty="0"/>
-              <a:t>Posibilitatea de a regla temperatura pe diferite zone din imobil</a:t>
-            </a:r>
-            <a:endParaRPr lang="en-US" sz="2000" dirty="0"/>
-          </a:p>
-        </p:txBody>
-      </p:sp>
-      <p:sp>
-        <p:nvSpPr>
-          <p:cNvPr id="6" name="Substituent număr diapozitiv 5">
-            <a:extLst>
-              <a:ext uri="{FF2B5EF4-FFF2-40B4-BE49-F238E27FC236}">
-                <a16:creationId xmlns:a16="http://schemas.microsoft.com/office/drawing/2014/main" id="{549C937E-4289-4597-A04D-AACE5F022DFD}"/>
-              </a:ext>
-            </a:extLst>
-          </p:cNvPr>
-          <p:cNvSpPr>
-            <a:spLocks noGrp="1"/>
-          </p:cNvSpPr>
-          <p:nvPr>
-            <p:ph type="sldNum" sz="quarter" idx="12"/>
-          </p:nvPr>
-        </p:nvSpPr>
-        <p:spPr/>
-        <p:txBody>
-          <a:bodyPr/>
-          <a:lstStyle/>
-          <a:p>
-            <a:fld id="{FE899CAE-04D7-4AFC-956F-C57F365175A7}" type="slidenum">
-              <a:rPr lang="en-US" smtClean="0"/>
-              <a:pPr/>
-              <a:t>4</a:t>
-            </a:fld>
-            <a:endParaRPr lang="en-US" dirty="0"/>
-          </a:p>
-        </p:txBody>
-      </p:sp>
-    </p:spTree>
-    <p:extLst>
-      <p:ext uri="{BB962C8B-B14F-4D97-AF65-F5344CB8AC3E}">
-        <p14:creationId xmlns:p14="http://schemas.microsoft.com/office/powerpoint/2010/main" val="3281856759"/>
-      </p:ext>
-    </p:extLst>
-  </p:cSld>
-  <p:clrMapOvr>
-    <a:masterClrMapping/>
-  </p:clrMapOvr>
-</p:sld>
-</file>
-
-<file path=ppt/slides/slide5.xml><?xml version="1.0" encoding="utf-8"?>
-<p:sld xmlns:a="http://schemas.openxmlformats.org/drawingml/2006/main" xmlns:r="http://schemas.openxmlformats.org/officeDocument/2006/relationships" xmlns:p="http://schemas.openxmlformats.org/presentationml/2006/main" showMasterSp="0">
-  <p:cSld>
-    <p:spTree>
-      <p:nvGrpSpPr>
-        <p:cNvPr id="1" name=""/>
-        <p:cNvGrpSpPr/>
-        <p:nvPr/>
-      </p:nvGrpSpPr>
-      <p:grpSpPr>
-        <a:xfrm>
-          <a:off x="0" y="0"/>
-          <a:ext cx="0" cy="0"/>
-          <a:chOff x="0" y="0"/>
-          <a:chExt cx="0" cy="0"/>
-        </a:xfrm>
-      </p:grpSpPr>
-      <p:sp>
-        <p:nvSpPr>
-          <p:cNvPr id="2" name="Titlu 1">
-            <a:extLst>
-              <a:ext uri="{FF2B5EF4-FFF2-40B4-BE49-F238E27FC236}">
-                <a16:creationId xmlns:a16="http://schemas.microsoft.com/office/drawing/2014/main" id="{1A5A54C9-F645-492E-8424-8C72D794EF58}"/>
-              </a:ext>
-            </a:extLst>
-          </p:cNvPr>
-          <p:cNvSpPr>
-            <a:spLocks noGrp="1"/>
-          </p:cNvSpPr>
-          <p:nvPr>
-            <p:ph type="title"/>
-          </p:nvPr>
-        </p:nvSpPr>
-        <p:spPr>
-          <a:xfrm>
-            <a:off x="648930" y="629268"/>
-            <a:ext cx="4380270" cy="1622321"/>
-          </a:xfrm>
-        </p:spPr>
-        <p:txBody>
-          <a:bodyPr>
-            <a:normAutofit/>
-          </a:bodyPr>
-          <a:lstStyle/>
-          <a:p>
-            <a:r>
-              <a:rPr lang="ro-RO" dirty="0"/>
-              <a:t>Arhitectura sistemului</a:t>
-            </a:r>
-            <a:endParaRPr lang="en-US" dirty="0"/>
-          </a:p>
-        </p:txBody>
-      </p:sp>
-      <p:sp>
-        <p:nvSpPr>
-          <p:cNvPr id="9" name="Content Placeholder 8">
-            <a:extLst>
-              <a:ext uri="{FF2B5EF4-FFF2-40B4-BE49-F238E27FC236}">
-                <a16:creationId xmlns:a16="http://schemas.microsoft.com/office/drawing/2014/main" id="{104EE239-AADA-4AE9-BCD3-5E7460BA87D7}"/>
-              </a:ext>
-            </a:extLst>
-          </p:cNvPr>
-          <p:cNvSpPr>
-            <a:spLocks noGrp="1"/>
-          </p:cNvSpPr>
-          <p:nvPr>
-            <p:ph idx="1"/>
-          </p:nvPr>
-        </p:nvSpPr>
-        <p:spPr>
-          <a:xfrm>
-            <a:off x="648930" y="2113938"/>
-            <a:ext cx="3842531" cy="4114798"/>
-          </a:xfrm>
-        </p:spPr>
-        <p:txBody>
-          <a:bodyPr>
-            <a:noAutofit/>
-          </a:bodyPr>
-          <a:lstStyle/>
-          <a:p>
-            <a:pPr>
-              <a:buFont typeface="Arial" panose="020B0604020202020204" pitchFamily="34" charset="0"/>
-              <a:buChar char="•"/>
-            </a:pPr>
-            <a:r>
-              <a:rPr lang="ro-RO" sz="2000" dirty="0"/>
-              <a:t>Sistemul este alcătuit din</a:t>
-            </a:r>
-            <a:r>
-              <a:rPr lang="en-US" sz="2000" dirty="0"/>
-              <a:t>:</a:t>
-            </a:r>
-          </a:p>
-          <a:p>
-            <a:pPr lvl="1">
-              <a:buFont typeface="Wingdings" panose="05000000000000000000" pitchFamily="2" charset="2"/>
-              <a:buChar char="Ø"/>
-            </a:pPr>
-            <a:r>
-              <a:rPr lang="en-US" sz="1800" dirty="0"/>
-              <a:t>Dou</a:t>
-            </a:r>
-            <a:r>
-              <a:rPr lang="ro-RO" sz="1800" dirty="0"/>
-              <a:t>ă module senzor</a:t>
-            </a:r>
-          </a:p>
-          <a:p>
-            <a:pPr lvl="1">
-              <a:buFont typeface="Wingdings" panose="05000000000000000000" pitchFamily="2" charset="2"/>
-              <a:buChar char="Ø"/>
-            </a:pPr>
-            <a:r>
-              <a:rPr lang="ro-RO" sz="1800" dirty="0"/>
-              <a:t>Un modul de control</a:t>
-            </a:r>
-          </a:p>
-          <a:p>
-            <a:pPr marL="0" indent="0">
-              <a:buNone/>
-            </a:pPr>
-            <a:endParaRPr lang="ro-RO" sz="2000" dirty="0"/>
-          </a:p>
-          <a:p>
-            <a:pPr>
-              <a:buFont typeface="Arial" panose="020B0604020202020204" pitchFamily="34" charset="0"/>
-              <a:buChar char="•"/>
-            </a:pPr>
-            <a:r>
-              <a:rPr lang="ro-RO" sz="2000" dirty="0"/>
-              <a:t>Modulele senzor transferă date la modulul de control prin radio – frecvență</a:t>
-            </a:r>
-          </a:p>
-          <a:p>
-            <a:pPr marL="0" indent="0">
-              <a:buNone/>
-            </a:pPr>
-            <a:endParaRPr lang="ro-RO" sz="2000" dirty="0"/>
-          </a:p>
-          <a:p>
-            <a:pPr>
-              <a:buFont typeface="Arial" panose="020B0604020202020204" pitchFamily="34" charset="0"/>
-              <a:buChar char="•"/>
-            </a:pPr>
-            <a:r>
-              <a:rPr lang="ro-RO" sz="2000" dirty="0"/>
-              <a:t>Valorile citite de senzorul DHT11 sunt trimise în baza de date prin </a:t>
-            </a:r>
-            <a:r>
-              <a:rPr lang="ro-RO" sz="2000" dirty="0" err="1"/>
-              <a:t>WiFi</a:t>
-            </a:r>
-            <a:endParaRPr lang="ro-RO" sz="2000" dirty="0"/>
-          </a:p>
-        </p:txBody>
-      </p:sp>
-      <p:pic>
-        <p:nvPicPr>
-          <p:cNvPr id="5" name="Substituent conținut 4">
-            <a:extLst>
-              <a:ext uri="{FF2B5EF4-FFF2-40B4-BE49-F238E27FC236}">
-                <a16:creationId xmlns:a16="http://schemas.microsoft.com/office/drawing/2014/main" id="{886F01A4-145A-47C2-A7A6-ACBD499A83EB}"/>
+                <a16:creationId xmlns:a16="http://schemas.microsoft.com/office/drawing/2014/main" id="{15B8468E-22E0-4C94-BBAF-D8CE865E8CC4}"/>
               </a:ext>
             </a:extLst>
           </p:cNvPr>
@@ -11800,412 +14165,8 @@
         </p:blipFill>
         <p:spPr>
           <a:xfrm>
-            <a:off x="4491461" y="1440428"/>
-            <a:ext cx="7315200" cy="4114799"/>
-          </a:xfrm>
-          <a:prstGeom prst="rect">
-            <a:avLst/>
-          </a:prstGeom>
-          <a:effectLst/>
-        </p:spPr>
-      </p:pic>
-      <p:sp>
-        <p:nvSpPr>
-          <p:cNvPr id="6" name="Substituent număr diapozitiv 5">
-            <a:extLst>
-              <a:ext uri="{FF2B5EF4-FFF2-40B4-BE49-F238E27FC236}">
-                <a16:creationId xmlns:a16="http://schemas.microsoft.com/office/drawing/2014/main" id="{67D06316-81D9-4A80-B33D-2F6F996D86AE}"/>
-              </a:ext>
-            </a:extLst>
-          </p:cNvPr>
-          <p:cNvSpPr>
-            <a:spLocks noGrp="1"/>
-          </p:cNvSpPr>
-          <p:nvPr>
-            <p:ph type="sldNum" sz="quarter" idx="12"/>
-          </p:nvPr>
-        </p:nvSpPr>
-        <p:spPr/>
-        <p:txBody>
-          <a:bodyPr/>
-          <a:lstStyle/>
-          <a:p>
-            <a:fld id="{FE899CAE-04D7-4AFC-956F-C57F365175A7}" type="slidenum">
-              <a:rPr lang="en-US" smtClean="0"/>
-              <a:pPr/>
-              <a:t>5</a:t>
-            </a:fld>
-            <a:endParaRPr lang="en-US" dirty="0"/>
-          </a:p>
-        </p:txBody>
-      </p:sp>
-    </p:spTree>
-    <p:extLst>
-      <p:ext uri="{BB962C8B-B14F-4D97-AF65-F5344CB8AC3E}">
-        <p14:creationId xmlns:p14="http://schemas.microsoft.com/office/powerpoint/2010/main" val="2371198885"/>
-      </p:ext>
-    </p:extLst>
-  </p:cSld>
-  <p:clrMapOvr>
-    <a:masterClrMapping/>
-  </p:clrMapOvr>
-</p:sld>
-</file>
-
-<file path=ppt/slides/slide6.xml><?xml version="1.0" encoding="utf-8"?>
-<p:sld xmlns:a="http://schemas.openxmlformats.org/drawingml/2006/main" xmlns:r="http://schemas.openxmlformats.org/officeDocument/2006/relationships" xmlns:p="http://schemas.openxmlformats.org/presentationml/2006/main">
-  <p:cSld>
-    <p:spTree>
-      <p:nvGrpSpPr>
-        <p:cNvPr id="1" name=""/>
-        <p:cNvGrpSpPr/>
-        <p:nvPr/>
-      </p:nvGrpSpPr>
-      <p:grpSpPr>
-        <a:xfrm>
-          <a:off x="0" y="0"/>
-          <a:ext cx="0" cy="0"/>
-          <a:chOff x="0" y="0"/>
-          <a:chExt cx="0" cy="0"/>
-        </a:xfrm>
-      </p:grpSpPr>
-      <p:sp>
-        <p:nvSpPr>
-          <p:cNvPr id="2" name="Titlu 1">
-            <a:extLst>
-              <a:ext uri="{FF2B5EF4-FFF2-40B4-BE49-F238E27FC236}">
-                <a16:creationId xmlns:a16="http://schemas.microsoft.com/office/drawing/2014/main" id="{AA66DD85-E446-4449-BE37-1AEA5E1FD0FB}"/>
-              </a:ext>
-            </a:extLst>
-          </p:cNvPr>
-          <p:cNvSpPr>
-            <a:spLocks noGrp="1"/>
-          </p:cNvSpPr>
-          <p:nvPr>
-            <p:ph type="title"/>
-          </p:nvPr>
-        </p:nvSpPr>
-        <p:spPr>
-          <a:xfrm>
-            <a:off x="609600" y="640152"/>
-            <a:ext cx="10895013" cy="1280890"/>
-          </a:xfrm>
-        </p:spPr>
-        <p:txBody>
-          <a:bodyPr/>
-          <a:lstStyle/>
-          <a:p>
-            <a:r>
-              <a:rPr lang="ro-RO" dirty="0"/>
-              <a:t>Implementarea soluției</a:t>
-            </a:r>
-            <a:endParaRPr lang="en-US" dirty="0"/>
-          </a:p>
-        </p:txBody>
-      </p:sp>
-      <p:sp>
-        <p:nvSpPr>
-          <p:cNvPr id="3" name="Substituent conținut 2">
-            <a:extLst>
-              <a:ext uri="{FF2B5EF4-FFF2-40B4-BE49-F238E27FC236}">
-                <a16:creationId xmlns:a16="http://schemas.microsoft.com/office/drawing/2014/main" id="{C9C45E26-8A85-4A49-95E8-D2294E7303BD}"/>
-              </a:ext>
-            </a:extLst>
-          </p:cNvPr>
-          <p:cNvSpPr>
-            <a:spLocks noGrp="1"/>
-          </p:cNvSpPr>
-          <p:nvPr>
-            <p:ph idx="1"/>
-          </p:nvPr>
-        </p:nvSpPr>
-        <p:spPr>
-          <a:xfrm>
-            <a:off x="609599" y="2149642"/>
-            <a:ext cx="10895013" cy="3777622"/>
-          </a:xfrm>
-        </p:spPr>
-        <p:txBody>
-          <a:bodyPr/>
-          <a:lstStyle/>
-          <a:p>
-            <a:pPr>
-              <a:buFont typeface="Arial" panose="020B0604020202020204" pitchFamily="34" charset="0"/>
-              <a:buChar char="•"/>
-            </a:pPr>
-            <a:r>
-              <a:rPr lang="ro-RO" sz="2200" dirty="0"/>
-              <a:t>Principalele programe utilizate pentru realizarea acestui proiect sunt</a:t>
-            </a:r>
-            <a:r>
-              <a:rPr lang="en-US" sz="2200" dirty="0"/>
-              <a:t>:</a:t>
-            </a:r>
-          </a:p>
-          <a:p>
-            <a:pPr lvl="1">
-              <a:buFont typeface="Wingdings" panose="05000000000000000000" pitchFamily="2" charset="2"/>
-              <a:buChar char="Ø"/>
-            </a:pPr>
-            <a:r>
-              <a:rPr lang="en-US" sz="2000" dirty="0"/>
-              <a:t>Arduino IDE</a:t>
-            </a:r>
-          </a:p>
-          <a:p>
-            <a:pPr lvl="1">
-              <a:buFont typeface="Wingdings" panose="05000000000000000000" pitchFamily="2" charset="2"/>
-              <a:buChar char="Ø"/>
-            </a:pPr>
-            <a:r>
-              <a:rPr lang="en-US" sz="2000" dirty="0"/>
-              <a:t>PyCharm</a:t>
-            </a:r>
-          </a:p>
-          <a:p>
-            <a:pPr marL="0" indent="0">
-              <a:buNone/>
-            </a:pPr>
-            <a:r>
-              <a:rPr lang="en-US" dirty="0"/>
-              <a:t>	</a:t>
-            </a:r>
-            <a:endParaRPr lang="ro-RO" dirty="0"/>
-          </a:p>
-        </p:txBody>
-      </p:sp>
-      <p:sp>
-        <p:nvSpPr>
-          <p:cNvPr id="4" name="Substituent număr diapozitiv 3">
-            <a:extLst>
-              <a:ext uri="{FF2B5EF4-FFF2-40B4-BE49-F238E27FC236}">
-                <a16:creationId xmlns:a16="http://schemas.microsoft.com/office/drawing/2014/main" id="{80C7B3AB-E23D-4B22-B085-D53DEEFE5405}"/>
-              </a:ext>
-            </a:extLst>
-          </p:cNvPr>
-          <p:cNvSpPr>
-            <a:spLocks noGrp="1"/>
-          </p:cNvSpPr>
-          <p:nvPr>
-            <p:ph type="sldNum" sz="quarter" idx="12"/>
-          </p:nvPr>
-        </p:nvSpPr>
-        <p:spPr/>
-        <p:txBody>
-          <a:bodyPr/>
-          <a:lstStyle/>
-          <a:p>
-            <a:fld id="{FE899CAE-04D7-4AFC-956F-C57F365175A7}" type="slidenum">
-              <a:rPr lang="en-US" smtClean="0"/>
-              <a:pPr/>
-              <a:t>6</a:t>
-            </a:fld>
-            <a:endParaRPr lang="en-US" dirty="0"/>
-          </a:p>
-        </p:txBody>
-      </p:sp>
-    </p:spTree>
-    <p:extLst>
-      <p:ext uri="{BB962C8B-B14F-4D97-AF65-F5344CB8AC3E}">
-        <p14:creationId xmlns:p14="http://schemas.microsoft.com/office/powerpoint/2010/main" val="2604729822"/>
-      </p:ext>
-    </p:extLst>
-  </p:cSld>
-  <p:clrMapOvr>
-    <a:masterClrMapping/>
-  </p:clrMapOvr>
-</p:sld>
-</file>
-
-<file path=ppt/slides/slide7.xml><?xml version="1.0" encoding="utf-8"?>
-<p:sld xmlns:a="http://schemas.openxmlformats.org/drawingml/2006/main" xmlns:r="http://schemas.openxmlformats.org/officeDocument/2006/relationships" xmlns:p="http://schemas.openxmlformats.org/presentationml/2006/main">
-  <p:cSld>
-    <p:bg>
-      <p:bgPr>
-        <a:gradFill rotWithShape="1">
-          <a:gsLst>
-            <a:gs pos="0">
-              <a:schemeClr val="bg2">
-                <a:tint val="90000"/>
-                <a:satMod val="92000"/>
-                <a:lumMod val="120000"/>
-              </a:schemeClr>
-            </a:gs>
-            <a:gs pos="100000">
-              <a:schemeClr val="bg2">
-                <a:shade val="98000"/>
-                <a:satMod val="120000"/>
-                <a:lumMod val="98000"/>
-              </a:schemeClr>
-            </a:gs>
-          </a:gsLst>
-          <a:path path="circle">
-            <a:fillToRect l="50000" t="50000" r="100000" b="100000"/>
-          </a:path>
-        </a:gradFill>
-        <a:effectLst/>
-      </p:bgPr>
-    </p:bg>
-    <p:spTree>
-      <p:nvGrpSpPr>
-        <p:cNvPr id="1" name=""/>
-        <p:cNvGrpSpPr/>
-        <p:nvPr/>
-      </p:nvGrpSpPr>
-      <p:grpSpPr>
-        <a:xfrm>
-          <a:off x="0" y="0"/>
-          <a:ext cx="0" cy="0"/>
-          <a:chOff x="0" y="0"/>
-          <a:chExt cx="0" cy="0"/>
-        </a:xfrm>
-      </p:grpSpPr>
-      <p:sp>
-        <p:nvSpPr>
-          <p:cNvPr id="2" name="Titlu 1">
-            <a:extLst>
-              <a:ext uri="{FF2B5EF4-FFF2-40B4-BE49-F238E27FC236}">
-                <a16:creationId xmlns:a16="http://schemas.microsoft.com/office/drawing/2014/main" id="{2A832E54-094F-4108-AF08-11CB5D1F180A}"/>
-              </a:ext>
-            </a:extLst>
-          </p:cNvPr>
-          <p:cNvSpPr>
-            <a:spLocks noGrp="1"/>
-          </p:cNvSpPr>
-          <p:nvPr>
-            <p:ph type="title"/>
-          </p:nvPr>
-        </p:nvSpPr>
-        <p:spPr>
-          <a:xfrm>
-            <a:off x="2592925" y="624110"/>
-            <a:ext cx="8911687" cy="1280890"/>
-          </a:xfrm>
-        </p:spPr>
-        <p:txBody>
-          <a:bodyPr>
-            <a:normAutofit/>
-          </a:bodyPr>
-          <a:lstStyle/>
-          <a:p>
-            <a:endParaRPr lang="en-US" dirty="0"/>
-          </a:p>
-        </p:txBody>
-      </p:sp>
-      <p:sp>
-        <p:nvSpPr>
-          <p:cNvPr id="4" name="Substituent număr diapozitiv 3">
-            <a:extLst>
-              <a:ext uri="{FF2B5EF4-FFF2-40B4-BE49-F238E27FC236}">
-                <a16:creationId xmlns:a16="http://schemas.microsoft.com/office/drawing/2014/main" id="{108CACCB-EB09-4E36-83E6-2A74D999B2DE}"/>
-              </a:ext>
-            </a:extLst>
-          </p:cNvPr>
-          <p:cNvSpPr>
-            <a:spLocks noGrp="1"/>
-          </p:cNvSpPr>
-          <p:nvPr>
-            <p:ph type="sldNum" sz="quarter" idx="12"/>
-          </p:nvPr>
-        </p:nvSpPr>
-        <p:spPr>
-          <a:xfrm>
-            <a:off x="531812" y="787782"/>
-            <a:ext cx="779767" cy="365125"/>
-          </a:xfrm>
-        </p:spPr>
-        <p:txBody>
-          <a:bodyPr>
-            <a:normAutofit/>
-          </a:bodyPr>
-          <a:lstStyle/>
-          <a:p>
-            <a:pPr>
-              <a:lnSpc>
-                <a:spcPct val="90000"/>
-              </a:lnSpc>
-              <a:spcAft>
-                <a:spcPts val="600"/>
-              </a:spcAft>
-            </a:pPr>
-            <a:fld id="{FE899CAE-04D7-4AFC-956F-C57F365175A7}" type="slidenum">
-              <a:rPr lang="en-US" sz="1900" smtClean="0"/>
-              <a:pPr>
-                <a:lnSpc>
-                  <a:spcPct val="90000"/>
-                </a:lnSpc>
-                <a:spcAft>
-                  <a:spcPts val="600"/>
-                </a:spcAft>
-              </a:pPr>
-              <a:t>7</a:t>
-            </a:fld>
-            <a:endParaRPr lang="en-US" sz="1900"/>
-          </a:p>
-        </p:txBody>
-      </p:sp>
-      <p:sp>
-        <p:nvSpPr>
-          <p:cNvPr id="11" name="Content Placeholder 10">
-            <a:extLst>
-              <a:ext uri="{FF2B5EF4-FFF2-40B4-BE49-F238E27FC236}">
-                <a16:creationId xmlns:a16="http://schemas.microsoft.com/office/drawing/2014/main" id="{960C94A8-F861-438D-80A8-BD1005E10107}"/>
-              </a:ext>
-            </a:extLst>
-          </p:cNvPr>
-          <p:cNvSpPr>
-            <a:spLocks noGrp="1"/>
-          </p:cNvSpPr>
-          <p:nvPr>
-            <p:ph idx="1"/>
-          </p:nvPr>
-        </p:nvSpPr>
-        <p:spPr>
-          <a:xfrm>
-            <a:off x="2589212" y="2125362"/>
-            <a:ext cx="5835121" cy="3785860"/>
-          </a:xfrm>
-        </p:spPr>
-        <p:txBody>
-          <a:bodyPr>
-            <a:normAutofit/>
-          </a:bodyPr>
-          <a:lstStyle/>
-          <a:p>
-            <a:endParaRPr lang="en-US"/>
-          </a:p>
-        </p:txBody>
-      </p:sp>
-      <p:pic>
-        <p:nvPicPr>
-          <p:cNvPr id="7" name="Substituent conținut 6">
-            <a:extLst>
-              <a:ext uri="{FF2B5EF4-FFF2-40B4-BE49-F238E27FC236}">
-                <a16:creationId xmlns:a16="http://schemas.microsoft.com/office/drawing/2014/main" id="{3FA694AB-9013-4455-B737-F89563D814F1}"/>
-              </a:ext>
-            </a:extLst>
-          </p:cNvPr>
-          <p:cNvPicPr>
-            <a:picLocks noChangeAspect="1"/>
-          </p:cNvPicPr>
-          <p:nvPr/>
-        </p:nvPicPr>
-        <p:blipFill>
-          <a:blip r:embed="rId2">
-            <a:extLst>
-              <a:ext uri="{28A0092B-C50C-407E-A947-70E740481C1C}">
-                <a14:useLocalDpi xmlns:a14="http://schemas.microsoft.com/office/drawing/2010/main" val="0"/>
-              </a:ext>
-            </a:extLst>
-          </a:blip>
-          <a:stretch>
-            <a:fillRect/>
-          </a:stretch>
-        </p:blipFill>
-        <p:spPr>
-          <a:xfrm>
-            <a:off x="8631452" y="3190417"/>
-            <a:ext cx="2873159" cy="1616151"/>
+            <a:off x="4788746" y="670560"/>
+            <a:ext cx="6732693" cy="5049520"/>
           </a:xfrm>
           <a:prstGeom prst="rect">
             <a:avLst/>
@@ -12215,358 +14176,23 @@
     </p:spTree>
     <p:extLst>
       <p:ext uri="{BB962C8B-B14F-4D97-AF65-F5344CB8AC3E}">
-        <p14:creationId xmlns:p14="http://schemas.microsoft.com/office/powerpoint/2010/main" val="14029654"/>
+        <p14:creationId xmlns:p14="http://schemas.microsoft.com/office/powerpoint/2010/main" val="332281463"/>
       </p:ext>
     </p:extLst>
   </p:cSld>
   <p:clrMapOvr>
     <a:masterClrMapping/>
   </p:clrMapOvr>
-</p:sld>
-</file>
-
-<file path=ppt/slides/slide8.xml><?xml version="1.0" encoding="utf-8"?>
-<p:sld xmlns:a="http://schemas.openxmlformats.org/drawingml/2006/main" xmlns:r="http://schemas.openxmlformats.org/officeDocument/2006/relationships" xmlns:p="http://schemas.openxmlformats.org/presentationml/2006/main">
-  <p:cSld>
-    <p:bg>
-      <p:bgPr>
-        <a:gradFill rotWithShape="1">
-          <a:gsLst>
-            <a:gs pos="0">
-              <a:schemeClr val="bg2">
-                <a:tint val="90000"/>
-                <a:satMod val="92000"/>
-                <a:lumMod val="120000"/>
-              </a:schemeClr>
-            </a:gs>
-            <a:gs pos="100000">
-              <a:schemeClr val="bg2">
-                <a:shade val="98000"/>
-                <a:satMod val="120000"/>
-                <a:lumMod val="98000"/>
-              </a:schemeClr>
-            </a:gs>
-          </a:gsLst>
-          <a:path path="circle">
-            <a:fillToRect l="50000" t="50000" r="100000" b="100000"/>
-          </a:path>
-        </a:gradFill>
-        <a:effectLst/>
-      </p:bgPr>
-    </p:bg>
-    <p:spTree>
-      <p:nvGrpSpPr>
-        <p:cNvPr id="1" name=""/>
-        <p:cNvGrpSpPr/>
-        <p:nvPr/>
-      </p:nvGrpSpPr>
-      <p:grpSpPr>
-        <a:xfrm>
-          <a:off x="0" y="0"/>
-          <a:ext cx="0" cy="0"/>
-          <a:chOff x="0" y="0"/>
-          <a:chExt cx="0" cy="0"/>
-        </a:xfrm>
-      </p:grpSpPr>
-      <p:sp>
-        <p:nvSpPr>
-          <p:cNvPr id="2" name="Titlu 1">
-            <a:extLst>
-              <a:ext uri="{FF2B5EF4-FFF2-40B4-BE49-F238E27FC236}">
-                <a16:creationId xmlns:a16="http://schemas.microsoft.com/office/drawing/2014/main" id="{00E73B58-116E-412A-9FD9-952DCBADAC46}"/>
-              </a:ext>
-            </a:extLst>
-          </p:cNvPr>
-          <p:cNvSpPr>
-            <a:spLocks noGrp="1"/>
-          </p:cNvSpPr>
-          <p:nvPr>
-            <p:ph type="title"/>
-          </p:nvPr>
-        </p:nvSpPr>
-        <p:spPr>
-          <a:xfrm>
-            <a:off x="1687669" y="624110"/>
-            <a:ext cx="4137059" cy="1280890"/>
-          </a:xfrm>
-        </p:spPr>
-        <p:txBody>
-          <a:bodyPr>
-            <a:normAutofit/>
-          </a:bodyPr>
-          <a:lstStyle/>
-          <a:p>
-            <a:r>
-              <a:rPr lang="ro-RO" sz="3200"/>
-              <a:t>Implementarea soluției</a:t>
-            </a:r>
-            <a:r>
-              <a:rPr lang="en-US" sz="3200"/>
-              <a:t> – modul senzor</a:t>
-            </a:r>
-          </a:p>
-        </p:txBody>
-      </p:sp>
-      <p:sp>
-        <p:nvSpPr>
-          <p:cNvPr id="4" name="Substituent număr diapozitiv 3">
-            <a:extLst>
-              <a:ext uri="{FF2B5EF4-FFF2-40B4-BE49-F238E27FC236}">
-                <a16:creationId xmlns:a16="http://schemas.microsoft.com/office/drawing/2014/main" id="{332E251F-3203-48AB-9D74-BC3D1173E6CA}"/>
-              </a:ext>
-            </a:extLst>
-          </p:cNvPr>
-          <p:cNvSpPr>
-            <a:spLocks noGrp="1"/>
-          </p:cNvSpPr>
-          <p:nvPr>
-            <p:ph type="sldNum" sz="quarter" idx="12"/>
-          </p:nvPr>
-        </p:nvSpPr>
-        <p:spPr>
-          <a:xfrm>
-            <a:off x="531812" y="787782"/>
-            <a:ext cx="779767" cy="365125"/>
-          </a:xfrm>
-        </p:spPr>
-        <p:txBody>
-          <a:bodyPr>
-            <a:normAutofit/>
-          </a:bodyPr>
-          <a:lstStyle/>
-          <a:p>
-            <a:pPr>
-              <a:lnSpc>
-                <a:spcPct val="90000"/>
-              </a:lnSpc>
-              <a:spcAft>
-                <a:spcPts val="600"/>
-              </a:spcAft>
-            </a:pPr>
-            <a:fld id="{FE899CAE-04D7-4AFC-956F-C57F365175A7}" type="slidenum">
-              <a:rPr lang="en-US" sz="1900" smtClean="0"/>
-              <a:pPr>
-                <a:lnSpc>
-                  <a:spcPct val="90000"/>
-                </a:lnSpc>
-                <a:spcAft>
-                  <a:spcPts val="600"/>
-                </a:spcAft>
-              </a:pPr>
-              <a:t>8</a:t>
-            </a:fld>
-            <a:endParaRPr lang="en-US" sz="1900"/>
-          </a:p>
-        </p:txBody>
-      </p:sp>
-      <p:sp>
-        <p:nvSpPr>
-          <p:cNvPr id="3" name="Substituent conținut 2">
-            <a:extLst>
-              <a:ext uri="{FF2B5EF4-FFF2-40B4-BE49-F238E27FC236}">
-                <a16:creationId xmlns:a16="http://schemas.microsoft.com/office/drawing/2014/main" id="{C291CD19-7642-4E4E-8FF7-0318868711E2}"/>
-              </a:ext>
-            </a:extLst>
-          </p:cNvPr>
-          <p:cNvSpPr>
-            <a:spLocks noGrp="1"/>
-          </p:cNvSpPr>
-          <p:nvPr>
-            <p:ph idx="1"/>
-          </p:nvPr>
-        </p:nvSpPr>
-        <p:spPr>
-          <a:xfrm>
-            <a:off x="1683956" y="2133600"/>
-            <a:ext cx="4140772" cy="3777622"/>
-          </a:xfrm>
-        </p:spPr>
-        <p:txBody>
-          <a:bodyPr>
-            <a:normAutofit/>
-          </a:bodyPr>
-          <a:lstStyle/>
-          <a:p>
-            <a:pPr>
-              <a:buFont typeface="Arial" panose="020B0604020202020204" pitchFamily="34" charset="0"/>
-              <a:buChar char="•"/>
-            </a:pPr>
-            <a:r>
-              <a:rPr lang="ro-RO">
-                <a:solidFill>
-                  <a:srgbClr val="000000"/>
-                </a:solidFill>
-              </a:rPr>
-              <a:t>Se utilizează butoanele conectate la plăcuța WiFi</a:t>
-            </a:r>
-          </a:p>
-          <a:p>
-            <a:pPr>
-              <a:buFont typeface="Arial" panose="020B0604020202020204" pitchFamily="34" charset="0"/>
-              <a:buChar char="•"/>
-            </a:pPr>
-            <a:r>
-              <a:rPr lang="ro-RO">
-                <a:solidFill>
-                  <a:srgbClr val="000000"/>
-                </a:solidFill>
-              </a:rPr>
-              <a:t>La fiecare apăsare de buton se generează o întrerupere</a:t>
-            </a:r>
-            <a:endParaRPr lang="en-US">
-              <a:solidFill>
-                <a:srgbClr val="000000"/>
-              </a:solidFill>
-            </a:endParaRPr>
-          </a:p>
-          <a:p>
-            <a:pPr marL="0" indent="0">
-              <a:buNone/>
-            </a:pPr>
-            <a:endParaRPr lang="en-US">
-              <a:solidFill>
-                <a:srgbClr val="000000"/>
-              </a:solidFill>
-            </a:endParaRPr>
-          </a:p>
-        </p:txBody>
-      </p:sp>
-    </p:spTree>
-    <p:extLst>
-      <p:ext uri="{BB962C8B-B14F-4D97-AF65-F5344CB8AC3E}">
-        <p14:creationId xmlns:p14="http://schemas.microsoft.com/office/powerpoint/2010/main" val="1007321379"/>
-      </p:ext>
-    </p:extLst>
-  </p:cSld>
-  <p:clrMapOvr>
-    <a:masterClrMapping/>
-  </p:clrMapOvr>
-</p:sld>
-</file>
-
-<file path=ppt/slides/slide9.xml><?xml version="1.0" encoding="utf-8"?>
-<p:sld xmlns:a="http://schemas.openxmlformats.org/drawingml/2006/main" xmlns:r="http://schemas.openxmlformats.org/officeDocument/2006/relationships" xmlns:p="http://schemas.openxmlformats.org/presentationml/2006/main">
-  <p:cSld>
-    <p:spTree>
-      <p:nvGrpSpPr>
-        <p:cNvPr id="1" name=""/>
-        <p:cNvGrpSpPr/>
-        <p:nvPr/>
-      </p:nvGrpSpPr>
-      <p:grpSpPr>
-        <a:xfrm>
-          <a:off x="0" y="0"/>
-          <a:ext cx="0" cy="0"/>
-          <a:chOff x="0" y="0"/>
-          <a:chExt cx="0" cy="0"/>
-        </a:xfrm>
-      </p:grpSpPr>
-      <p:sp>
-        <p:nvSpPr>
-          <p:cNvPr id="2" name="Titlu 1">
-            <a:extLst>
-              <a:ext uri="{FF2B5EF4-FFF2-40B4-BE49-F238E27FC236}">
-                <a16:creationId xmlns:a16="http://schemas.microsoft.com/office/drawing/2014/main" id="{16F1E032-BB17-4D99-A7CB-C57439D0017F}"/>
-              </a:ext>
-            </a:extLst>
-          </p:cNvPr>
-          <p:cNvSpPr>
-            <a:spLocks noGrp="1"/>
-          </p:cNvSpPr>
-          <p:nvPr>
-            <p:ph type="title"/>
-          </p:nvPr>
-        </p:nvSpPr>
-        <p:spPr>
-          <a:xfrm>
-            <a:off x="600075" y="624110"/>
-            <a:ext cx="10904539" cy="1280890"/>
-          </a:xfrm>
-        </p:spPr>
-        <p:txBody>
-          <a:bodyPr/>
-          <a:lstStyle/>
-          <a:p>
-            <a:r>
-              <a:rPr lang="ro-RO"/>
-              <a:t>Implementarea soluției</a:t>
-            </a:r>
-            <a:endParaRPr lang="en-US" dirty="0"/>
-          </a:p>
-        </p:txBody>
-      </p:sp>
-      <p:sp>
-        <p:nvSpPr>
-          <p:cNvPr id="4" name="Substituent număr diapozitiv 3">
-            <a:extLst>
-              <a:ext uri="{FF2B5EF4-FFF2-40B4-BE49-F238E27FC236}">
-                <a16:creationId xmlns:a16="http://schemas.microsoft.com/office/drawing/2014/main" id="{1BB178F1-F2D5-42E0-AB2C-CC967EF3616E}"/>
-              </a:ext>
-            </a:extLst>
-          </p:cNvPr>
-          <p:cNvSpPr>
-            <a:spLocks noGrp="1"/>
-          </p:cNvSpPr>
-          <p:nvPr>
-            <p:ph type="sldNum" sz="quarter" idx="12"/>
-          </p:nvPr>
-        </p:nvSpPr>
-        <p:spPr/>
-        <p:txBody>
-          <a:bodyPr/>
-          <a:lstStyle/>
-          <a:p>
-            <a:fld id="{FE899CAE-04D7-4AFC-956F-C57F365175A7}" type="slidenum">
-              <a:rPr lang="en-US" smtClean="0"/>
-              <a:pPr/>
-              <a:t>9</a:t>
-            </a:fld>
-            <a:endParaRPr lang="en-US" dirty="0"/>
-          </a:p>
-        </p:txBody>
-      </p:sp>
-      <p:sp>
-        <p:nvSpPr>
-          <p:cNvPr id="11" name="Substituent conținut 10">
-            <a:extLst>
-              <a:ext uri="{FF2B5EF4-FFF2-40B4-BE49-F238E27FC236}">
-                <a16:creationId xmlns:a16="http://schemas.microsoft.com/office/drawing/2014/main" id="{51193E8B-5D49-4B15-B83A-117336D65407}"/>
-              </a:ext>
-            </a:extLst>
-          </p:cNvPr>
-          <p:cNvSpPr>
-            <a:spLocks noGrp="1"/>
-          </p:cNvSpPr>
-          <p:nvPr>
-            <p:ph idx="1"/>
-          </p:nvPr>
-        </p:nvSpPr>
-        <p:spPr/>
-        <p:txBody>
-          <a:bodyPr/>
-          <a:lstStyle/>
-          <a:p>
-            <a:endParaRPr lang="en-US"/>
-          </a:p>
-        </p:txBody>
-      </p:sp>
-    </p:spTree>
-    <p:extLst>
-      <p:ext uri="{BB962C8B-B14F-4D97-AF65-F5344CB8AC3E}">
-        <p14:creationId xmlns:p14="http://schemas.microsoft.com/office/powerpoint/2010/main" val="3553930980"/>
-      </p:ext>
-    </p:extLst>
-  </p:cSld>
-  <p:clrMapOvr>
-    <a:masterClrMapping/>
-  </p:clrMapOvr>
+  <p:transition spd="slow">
+    <p:wipe/>
+  </p:transition>
 </p:sld>
 </file>
 
 <file path=ppt/theme/theme1.xml><?xml version="1.0" encoding="utf-8"?>
 <a:theme xmlns:a="http://schemas.openxmlformats.org/drawingml/2006/main" name="Adiere">
   <a:themeElements>
-    <a:clrScheme name="Office">
+    <a:clrScheme name="Particularizare 6">
       <a:dk1>
         <a:sysClr val="windowText" lastClr="000000"/>
       </a:dk1>
@@ -12598,10 +14224,10 @@
         <a:srgbClr val="70AD47"/>
       </a:accent6>
       <a:hlink>
-        <a:srgbClr val="0563C1"/>
+        <a:srgbClr val="000000"/>
       </a:hlink>
       <a:folHlink>
-        <a:srgbClr val="954F72"/>
+        <a:srgbClr val="000000"/>
       </a:folHlink>
     </a:clrScheme>
     <a:fontScheme name="Times New Roman-Arial">

--- a/Prezentare/Termostat inteligent controlat printr-o aplicație web.pptx
+++ b/Prezentare/Termostat inteligent controlat printr-o aplicație web.pptx
@@ -223,7 +223,7 @@
           <a:p>
             <a:fld id="{B8F87DBE-C843-456A-9381-003F0E3F9C44}" type="datetimeFigureOut">
               <a:rPr lang="en-US" smtClean="0"/>
-              <a:t>5/31/2021</a:t>
+              <a:t>6/1/2021</a:t>
             </a:fld>
             <a:endParaRPr lang="en-US"/>
           </a:p>
@@ -401,7 +401,7 @@
           <a:p>
             <a:fld id="{FB146702-3091-4893-9580-351D3F327990}" type="datetimeFigureOut">
               <a:rPr lang="en-US" smtClean="0"/>
-              <a:t>5/31/2021</a:t>
+              <a:t>6/1/2021</a:t>
             </a:fld>
             <a:endParaRPr lang="en-US"/>
           </a:p>
@@ -858,7 +858,7 @@
           <a:p>
             <a:fld id="{30F82038-E678-4ECF-BEDB-85A5C5D4839D}" type="datetime1">
               <a:rPr lang="en-US" smtClean="0"/>
-              <a:t>5/31/2021</a:t>
+              <a:t>6/1/2021</a:t>
             </a:fld>
             <a:endParaRPr lang="en-US"/>
           </a:p>
@@ -1196,7 +1196,7 @@
           <a:p>
             <a:fld id="{98FEAE57-41B8-4424-9352-E75A9291ED21}" type="datetime1">
               <a:rPr lang="en-US" smtClean="0"/>
-              <a:t>5/31/2021</a:t>
+              <a:t>6/1/2021</a:t>
             </a:fld>
             <a:endParaRPr lang="en-US"/>
           </a:p>
@@ -1597,7 +1597,7 @@
           <a:p>
             <a:fld id="{8B5AB100-4FF4-4F37-A93F-ABC989278D09}" type="datetime1">
               <a:rPr lang="en-US" smtClean="0"/>
-              <a:t>5/31/2021</a:t>
+              <a:t>6/1/2021</a:t>
             </a:fld>
             <a:endParaRPr lang="en-US"/>
           </a:p>
@@ -1933,7 +1933,7 @@
           <a:p>
             <a:fld id="{4A42E1C9-DE8F-45CF-9014-53AF507E26B6}" type="datetime1">
               <a:rPr lang="en-US" smtClean="0"/>
-              <a:t>5/31/2021</a:t>
+              <a:t>6/1/2021</a:t>
             </a:fld>
             <a:endParaRPr lang="en-US"/>
           </a:p>
@@ -2253,7 +2253,7 @@
           <a:p>
             <a:fld id="{691321E4-876A-446D-805C-931D38442A39}" type="datetime1">
               <a:rPr lang="en-US" smtClean="0"/>
-              <a:t>5/31/2021</a:t>
+              <a:t>6/1/2021</a:t>
             </a:fld>
             <a:endParaRPr lang="en-US"/>
           </a:p>
@@ -2649,7 +2649,7 @@
           <a:p>
             <a:fld id="{FE8C92CE-1D3F-4EAC-8D07-6011AB081639}" type="datetime1">
               <a:rPr lang="en-US" smtClean="0"/>
-              <a:t>5/31/2021</a:t>
+              <a:t>6/1/2021</a:t>
             </a:fld>
             <a:endParaRPr lang="en-US"/>
           </a:p>
@@ -2906,7 +2906,7 @@
           <a:p>
             <a:fld id="{BE952FF4-6C99-4BB7-8B86-45E6A3CD6E25}" type="datetime1">
               <a:rPr lang="en-US" smtClean="0"/>
-              <a:t>5/31/2021</a:t>
+              <a:t>6/1/2021</a:t>
             </a:fld>
             <a:endParaRPr lang="en-US"/>
           </a:p>
@@ -3168,7 +3168,7 @@
           <a:p>
             <a:fld id="{3793CB2C-024F-4230-8160-47AC7F613CD6}" type="datetime1">
               <a:rPr lang="en-US" smtClean="0"/>
-              <a:t>5/31/2021</a:t>
+              <a:t>6/1/2021</a:t>
             </a:fld>
             <a:endParaRPr lang="en-US"/>
           </a:p>
@@ -3435,7 +3435,7 @@
           <a:p>
             <a:fld id="{EF2F0734-55FC-4D31-BBAC-CFD270F97A82}" type="datetime1">
               <a:rPr lang="en-US" smtClean="0"/>
-              <a:t>5/31/2021</a:t>
+              <a:t>6/1/2021</a:t>
             </a:fld>
             <a:endParaRPr lang="en-US" dirty="0"/>
           </a:p>
@@ -3704,7 +3704,7 @@
           <a:p>
             <a:fld id="{A8035693-5B48-46BA-8731-C60905FDB4BB}" type="datetime1">
               <a:rPr lang="en-US" smtClean="0"/>
-              <a:t>5/31/2021</a:t>
+              <a:t>6/1/2021</a:t>
             </a:fld>
             <a:endParaRPr lang="en-US"/>
           </a:p>
@@ -4027,7 +4027,7 @@
           <a:p>
             <a:fld id="{4ED3114C-4F90-498B-9102-5DD35911FEC7}" type="datetime1">
               <a:rPr lang="en-US" smtClean="0"/>
-              <a:t>5/31/2021</a:t>
+              <a:t>6/1/2021</a:t>
             </a:fld>
             <a:endParaRPr lang="en-US"/>
           </a:p>
@@ -4484,7 +4484,7 @@
           <a:p>
             <a:fld id="{9043E49F-08D7-4685-B777-AA41236FB79C}" type="datetime1">
               <a:rPr lang="en-US" smtClean="0"/>
-              <a:t>5/31/2021</a:t>
+              <a:t>6/1/2021</a:t>
             </a:fld>
             <a:endParaRPr lang="en-US"/>
           </a:p>
@@ -4689,7 +4689,7 @@
           <a:p>
             <a:fld id="{A11EB4FF-AC58-4F96-BF45-BAC7049BEFBC}" type="datetime1">
               <a:rPr lang="en-US" smtClean="0"/>
-              <a:t>5/31/2021</a:t>
+              <a:t>6/1/2021</a:t>
             </a:fld>
             <a:endParaRPr lang="en-US"/>
           </a:p>
@@ -4866,7 +4866,7 @@
           <a:p>
             <a:fld id="{BFDC7A8E-631A-4994-9E85-C431A7496471}" type="datetime1">
               <a:rPr lang="en-US" smtClean="0"/>
-              <a:t>5/31/2021</a:t>
+              <a:t>6/1/2021</a:t>
             </a:fld>
             <a:endParaRPr lang="en-US"/>
           </a:p>
@@ -5199,7 +5199,7 @@
           <a:p>
             <a:fld id="{0DCF6632-148F-4474-BA59-DB71F1721872}" type="datetime1">
               <a:rPr lang="en-US" smtClean="0"/>
-              <a:t>5/31/2021</a:t>
+              <a:t>6/1/2021</a:t>
             </a:fld>
             <a:endParaRPr lang="en-US"/>
           </a:p>
@@ -5544,7 +5544,7 @@
           <a:p>
             <a:fld id="{7A070EAA-60D7-42AA-8723-1B0860A455E4}" type="datetime1">
               <a:rPr lang="en-US" smtClean="0"/>
-              <a:t>5/31/2021</a:t>
+              <a:t>6/1/2021</a:t>
             </a:fld>
             <a:endParaRPr lang="en-US"/>
           </a:p>
@@ -7683,7 +7683,7 @@
           <a:p>
             <a:fld id="{77CAE326-6785-470D-B4C6-EC533BA72C64}" type="datetime1">
               <a:rPr lang="en-US" smtClean="0"/>
-              <a:t>5/31/2021</a:t>
+              <a:t>6/1/2021</a:t>
             </a:fld>
             <a:endParaRPr lang="en-US"/>
           </a:p>
@@ -8669,7 +8669,7 @@
           </a:bodyPr>
           <a:lstStyle/>
           <a:p>
-            <a:pPr>
+            <a:pPr algn="just">
               <a:buFont typeface="Arial" panose="020B0604020202020204" pitchFamily="34" charset="0"/>
               <a:buChar char="•"/>
             </a:pPr>
@@ -8677,9 +8677,14 @@
               <a:rPr lang="ro-RO" sz="2200" dirty="0"/>
               <a:t>Scopul proiectului este de a prezenta o soluție pentru controlul temperaturii în mai multe zone ale locuinței, dar și pentru reducerea consumului de energie</a:t>
             </a:r>
-          </a:p>
-          <a:p>
-            <a:pPr>
+            <a:r>
+              <a:rPr lang="en-US" sz="2200" dirty="0"/>
+              <a:t>.</a:t>
+            </a:r>
+            <a:endParaRPr lang="ro-RO" sz="2200" dirty="0"/>
+          </a:p>
+          <a:p>
+            <a:pPr algn="just">
               <a:buFont typeface="Arial" panose="020B0604020202020204" pitchFamily="34" charset="0"/>
               <a:buChar char="•"/>
             </a:pPr>
@@ -8687,9 +8692,14 @@
               <a:rPr lang="ro-RO" sz="2200" dirty="0"/>
               <a:t>Există o serie de funcționalități al căror mod de operare poate fi îmbunătățit</a:t>
             </a:r>
-          </a:p>
-          <a:p>
-            <a:pPr>
+            <a:r>
+              <a:rPr lang="en-US" sz="2200" dirty="0"/>
+              <a:t>.</a:t>
+            </a:r>
+            <a:endParaRPr lang="ro-RO" sz="2200" dirty="0"/>
+          </a:p>
+          <a:p>
+            <a:pPr algn="just">
               <a:buFont typeface="Arial" panose="020B0604020202020204" pitchFamily="34" charset="0"/>
               <a:buChar char="•"/>
             </a:pPr>
@@ -8703,7 +8713,7 @@
             </a:r>
           </a:p>
           <a:p>
-            <a:pPr lvl="1">
+            <a:pPr lvl="1" algn="just">
               <a:buFont typeface="Wingdings" panose="05000000000000000000" pitchFamily="2" charset="2"/>
               <a:buChar char="Ø"/>
             </a:pPr>
@@ -8713,7 +8723,7 @@
             </a:r>
           </a:p>
           <a:p>
-            <a:pPr lvl="1">
+            <a:pPr lvl="1" algn="just">
               <a:buFont typeface="Wingdings" panose="05000000000000000000" pitchFamily="2" charset="2"/>
               <a:buChar char="Ø"/>
             </a:pPr>
@@ -8723,7 +8733,7 @@
             </a:r>
           </a:p>
           <a:p>
-            <a:pPr lvl="1">
+            <a:pPr lvl="1" algn="just">
               <a:buFont typeface="Wingdings" panose="05000000000000000000" pitchFamily="2" charset="2"/>
               <a:buChar char="Ø"/>
             </a:pPr>
@@ -8868,7 +8878,7 @@
           <a:bodyPr/>
           <a:lstStyle/>
           <a:p>
-            <a:pPr>
+            <a:pPr algn="just">
               <a:buFont typeface="Arial" panose="020B0604020202020204" pitchFamily="34" charset="0"/>
               <a:buChar char="•"/>
             </a:pPr>
@@ -8891,7 +8901,7 @@
             <a:endParaRPr lang="ro-RO" sz="2200" dirty="0"/>
           </a:p>
           <a:p>
-            <a:pPr lvl="1">
+            <a:pPr lvl="1" algn="just">
               <a:buFont typeface="Wingdings" panose="05000000000000000000" pitchFamily="2" charset="2"/>
               <a:buChar char="Ø"/>
             </a:pPr>
@@ -8906,7 +8916,7 @@
             <a:endParaRPr lang="en-US" sz="2000" dirty="0"/>
           </a:p>
           <a:p>
-            <a:pPr lvl="1">
+            <a:pPr lvl="1" algn="just">
               <a:buFont typeface="Wingdings" panose="05000000000000000000" pitchFamily="2" charset="2"/>
               <a:buChar char="Ø"/>
             </a:pPr>
@@ -8936,7 +8946,7 @@
             </a:r>
           </a:p>
           <a:p>
-            <a:pPr lvl="1">
+            <a:pPr lvl="1" algn="just">
               <a:buFont typeface="Wingdings" panose="05000000000000000000" pitchFamily="2" charset="2"/>
               <a:buChar char="Ø"/>
             </a:pPr>
@@ -8947,7 +8957,7 @@
             <a:endParaRPr lang="en-US" sz="2000" dirty="0"/>
           </a:p>
           <a:p>
-            <a:pPr lvl="1">
+            <a:pPr lvl="1" algn="just">
               <a:buFont typeface="Wingdings" panose="05000000000000000000" pitchFamily="2" charset="2"/>
               <a:buChar char="Ø"/>
             </a:pPr>
@@ -8958,7 +8968,7 @@
             <a:endParaRPr lang="en-US" sz="2000" dirty="0"/>
           </a:p>
           <a:p>
-            <a:pPr lvl="1">
+            <a:pPr lvl="1" algn="just">
               <a:buFont typeface="Wingdings" panose="05000000000000000000" pitchFamily="2" charset="2"/>
               <a:buChar char="Ø"/>
             </a:pPr>
@@ -8969,7 +8979,7 @@
             <a:endParaRPr lang="en-US" sz="2000" dirty="0"/>
           </a:p>
           <a:p>
-            <a:pPr lvl="1">
+            <a:pPr lvl="1" algn="just">
               <a:buFont typeface="Wingdings" panose="05000000000000000000" pitchFamily="2" charset="2"/>
               <a:buChar char="Ø"/>
             </a:pPr>
@@ -9346,7 +9356,7 @@
           </a:bodyPr>
           <a:lstStyle/>
           <a:p>
-            <a:pPr>
+            <a:pPr algn="just">
               <a:buFont typeface="Arial" panose="020B0604020202020204" pitchFamily="34" charset="0"/>
               <a:buChar char="•"/>
             </a:pPr>
@@ -9368,7 +9378,7 @@
             </a:r>
           </a:p>
           <a:p>
-            <a:pPr lvl="1">
+            <a:pPr lvl="1" algn="just">
               <a:buFont typeface="Wingdings" panose="05000000000000000000" pitchFamily="2" charset="2"/>
               <a:buChar char="Ø"/>
             </a:pPr>
@@ -9744,10 +9754,14 @@
               <a:rPr lang="en-US" sz="2000" b="0" i="0" u="none" strike="noStrike" baseline="0" dirty="0" err="1"/>
               <a:t>iuni</a:t>
             </a:r>
+            <a:r>
+              <a:rPr lang="en-US" sz="2000" b="0" i="0" u="none" strike="noStrike" baseline="0" dirty="0"/>
+              <a:t>.</a:t>
+            </a:r>
             <a:endParaRPr lang="en-US" sz="2000" dirty="0"/>
           </a:p>
           <a:p>
-            <a:pPr>
+            <a:pPr algn="just">
               <a:buFont typeface="Arial" panose="020B0604020202020204" pitchFamily="34" charset="0"/>
               <a:buChar char="•"/>
             </a:pPr>
@@ -9761,7 +9775,7 @@
             </a:r>
           </a:p>
           <a:p>
-            <a:pPr lvl="1">
+            <a:pPr lvl="1" algn="just">
               <a:buFont typeface="Wingdings" panose="05000000000000000000" pitchFamily="2" charset="2"/>
               <a:buChar char="Ø"/>
             </a:pPr>
@@ -9776,7 +9790,7 @@
             <a:endParaRPr lang="en-US" sz="2000" dirty="0"/>
           </a:p>
           <a:p>
-            <a:pPr>
+            <a:pPr algn="just">
               <a:buFont typeface="Arial" panose="020B0604020202020204" pitchFamily="34" charset="0"/>
               <a:buChar char="•"/>
             </a:pPr>
@@ -9786,7 +9800,7 @@
             </a:r>
           </a:p>
           <a:p>
-            <a:pPr lvl="1">
+            <a:pPr lvl="1" algn="just">
               <a:buFont typeface="Wingdings" panose="05000000000000000000" pitchFamily="2" charset="2"/>
               <a:buChar char="Ø"/>
             </a:pPr>
@@ -9813,7 +9827,7 @@
             <a:endParaRPr lang="en-US" sz="2000" dirty="0"/>
           </a:p>
           <a:p>
-            <a:pPr lvl="1">
+            <a:pPr lvl="1" algn="just">
               <a:buFont typeface="Wingdings" panose="05000000000000000000" pitchFamily="2" charset="2"/>
               <a:buChar char="Ø"/>
             </a:pPr>
@@ -9832,7 +9846,7 @@
             <a:endParaRPr lang="en-US" sz="2000" dirty="0"/>
           </a:p>
           <a:p>
-            <a:pPr lvl="1">
+            <a:pPr lvl="1" algn="just">
               <a:buFont typeface="Wingdings" panose="05000000000000000000" pitchFamily="2" charset="2"/>
               <a:buChar char="Ø"/>
             </a:pPr>
@@ -9842,6 +9856,7 @@
             </a:r>
           </a:p>
           <a:p>
+            <a:pPr algn="just"/>
             <a:endParaRPr lang="ro-RO" dirty="0"/>
           </a:p>
           <a:p>
@@ -12635,7 +12650,7 @@
               <a:buChar char="•"/>
             </a:pPr>
             <a:r>
-              <a:rPr lang="ro-RO"/>
+              <a:rPr lang="ro-RO" dirty="0"/>
               <a:t>Se produc și comercializează o serie de sisteme asemănătoare.</a:t>
             </a:r>
           </a:p>
@@ -12645,11 +12660,11 @@
               <a:buChar char="•"/>
             </a:pPr>
             <a:r>
-              <a:rPr lang="ro-RO"/>
+              <a:rPr lang="ro-RO" dirty="0"/>
               <a:t>Printre cele mai importante se enumeră</a:t>
             </a:r>
             <a:r>
-              <a:rPr lang="en-US"/>
+              <a:rPr lang="en-US" dirty="0"/>
               <a:t>:</a:t>
             </a:r>
           </a:p>
@@ -12659,10 +12674,10 @@
               <a:buChar char="Ø"/>
             </a:pPr>
             <a:r>
-              <a:rPr lang="en-US" err="1"/>
+              <a:rPr lang="en-US" dirty="0" err="1"/>
               <a:t>Ecobee</a:t>
             </a:r>
-            <a:endParaRPr lang="en-US"/>
+            <a:endParaRPr lang="en-US" dirty="0"/>
           </a:p>
           <a:p>
             <a:pPr lvl="1">
@@ -12670,14 +12685,14 @@
               <a:buChar char="Ø"/>
             </a:pPr>
             <a:r>
-              <a:rPr lang="en-US"/>
+              <a:rPr lang="en-US" dirty="0"/>
               <a:t>Nest</a:t>
             </a:r>
             <a:r>
-              <a:rPr lang="ro-RO"/>
+              <a:rPr lang="ro-RO" dirty="0"/>
               <a:t>  </a:t>
             </a:r>
-            <a:endParaRPr lang="en-US"/>
+            <a:endParaRPr lang="en-US" dirty="0"/>
           </a:p>
           <a:p>
             <a:pPr>
@@ -12685,10 +12700,10 @@
               <a:buChar char="•"/>
             </a:pPr>
             <a:r>
-              <a:rPr lang="ro-RO"/>
+              <a:rPr lang="ro-RO" dirty="0"/>
               <a:t>Cum se diferențiază sistemul creat?</a:t>
             </a:r>
-            <a:endParaRPr lang="en-US"/>
+            <a:endParaRPr lang="en-US" dirty="0"/>
           </a:p>
           <a:p>
             <a:pPr lvl="1">
@@ -12696,10 +12711,10 @@
               <a:buChar char="Ø"/>
             </a:pPr>
             <a:r>
-              <a:rPr lang="ro-RO"/>
+              <a:rPr lang="ro-RO" dirty="0"/>
               <a:t>Cost scăzut</a:t>
             </a:r>
-            <a:endParaRPr lang="en-US"/>
+            <a:endParaRPr lang="en-US" dirty="0"/>
           </a:p>
           <a:p>
             <a:pPr lvl="1">
@@ -12707,10 +12722,10 @@
               <a:buChar char="Ø"/>
             </a:pPr>
             <a:r>
-              <a:rPr lang="ro-RO"/>
+              <a:rPr lang="ro-RO" dirty="0"/>
               <a:t>Posibilitatea de a regla temperatura pe diferite zone din imobil</a:t>
             </a:r>
-            <a:endParaRPr lang="en-US"/>
+            <a:endParaRPr lang="en-US" dirty="0"/>
           </a:p>
         </p:txBody>
       </p:sp>
@@ -12860,6 +12875,11 @@
               <a:rPr lang="ro-RO" sz="2000" dirty="0"/>
               <a:t>Modulele senzor transferă date la modulul de control prin radio – frecvență</a:t>
             </a:r>
+            <a:r>
+              <a:rPr lang="en-US" sz="2000" dirty="0"/>
+              <a:t>.</a:t>
+            </a:r>
+            <a:endParaRPr lang="ro-RO" sz="2000" dirty="0"/>
           </a:p>
           <a:p>
             <a:pPr marL="0" indent="0">
@@ -12879,6 +12899,10 @@
             <a:r>
               <a:rPr lang="ro-RO" sz="2000" dirty="0" err="1"/>
               <a:t>WiFi</a:t>
+            </a:r>
+            <a:r>
+              <a:rPr lang="en-US" sz="2000" dirty="0"/>
+              <a:t>.</a:t>
             </a:r>
             <a:endParaRPr lang="ro-RO" sz="2000" dirty="0"/>
           </a:p>
@@ -13264,6 +13288,10 @@
               <a:rPr lang="ro-RO" sz="2200" dirty="0" err="1"/>
               <a:t>WiFi</a:t>
             </a:r>
+            <a:r>
+              <a:rPr lang="en-US" sz="2200" dirty="0"/>
+              <a:t>.</a:t>
+            </a:r>
             <a:endParaRPr lang="ro-RO" sz="2200" dirty="0"/>
           </a:p>
           <a:p>
@@ -13275,7 +13303,10 @@
               <a:rPr lang="ro-RO" sz="2200" dirty="0"/>
               <a:t>La fiecare apăsare de buton se generează o întrerupere</a:t>
             </a:r>
-            <a:endParaRPr lang="en-US" sz="2200" dirty="0"/>
+            <a:r>
+              <a:rPr lang="en-US" sz="2200" dirty="0"/>
+              <a:t>.</a:t>
+            </a:r>
           </a:p>
         </p:txBody>
       </p:sp>
@@ -13814,7 +13845,7 @@
           </a:bodyPr>
           <a:lstStyle/>
           <a:p>
-            <a:pPr>
+            <a:pPr algn="just">
               <a:buFont typeface="Arial" panose="020B0604020202020204" pitchFamily="34" charset="0"/>
               <a:buChar char="•"/>
             </a:pPr>
@@ -13824,7 +13855,7 @@
             </a:r>
           </a:p>
           <a:p>
-            <a:pPr>
+            <a:pPr algn="just">
               <a:buFont typeface="Arial" panose="020B0604020202020204" pitchFamily="34" charset="0"/>
               <a:buChar char="•"/>
             </a:pPr>
@@ -13872,7 +13903,7 @@
         </p:blipFill>
         <p:spPr>
           <a:xfrm>
-            <a:off x="1" y="0"/>
+            <a:off x="0" y="0"/>
             <a:ext cx="12191999" cy="6858000"/>
           </a:xfrm>
           <a:prstGeom prst="rect">

--- a/Prezentare/Termostat inteligent controlat printr-o aplicație web.pptx
+++ b/Prezentare/Termostat inteligent controlat printr-o aplicație web.pptx
@@ -223,7 +223,7 @@
           <a:p>
             <a:fld id="{B8F87DBE-C843-456A-9381-003F0E3F9C44}" type="datetimeFigureOut">
               <a:rPr lang="en-US" smtClean="0"/>
-              <a:t>6/1/2021</a:t>
+              <a:t>6/3/2021</a:t>
             </a:fld>
             <a:endParaRPr lang="en-US"/>
           </a:p>
@@ -401,7 +401,7 @@
           <a:p>
             <a:fld id="{FB146702-3091-4893-9580-351D3F327990}" type="datetimeFigureOut">
               <a:rPr lang="en-US" smtClean="0"/>
-              <a:t>6/1/2021</a:t>
+              <a:t>6/3/2021</a:t>
             </a:fld>
             <a:endParaRPr lang="en-US"/>
           </a:p>
@@ -858,7 +858,7 @@
           <a:p>
             <a:fld id="{30F82038-E678-4ECF-BEDB-85A5C5D4839D}" type="datetime1">
               <a:rPr lang="en-US" smtClean="0"/>
-              <a:t>6/1/2021</a:t>
+              <a:t>6/3/2021</a:t>
             </a:fld>
             <a:endParaRPr lang="en-US"/>
           </a:p>
@@ -1196,7 +1196,7 @@
           <a:p>
             <a:fld id="{98FEAE57-41B8-4424-9352-E75A9291ED21}" type="datetime1">
               <a:rPr lang="en-US" smtClean="0"/>
-              <a:t>6/1/2021</a:t>
+              <a:t>6/3/2021</a:t>
             </a:fld>
             <a:endParaRPr lang="en-US"/>
           </a:p>
@@ -1597,7 +1597,7 @@
           <a:p>
             <a:fld id="{8B5AB100-4FF4-4F37-A93F-ABC989278D09}" type="datetime1">
               <a:rPr lang="en-US" smtClean="0"/>
-              <a:t>6/1/2021</a:t>
+              <a:t>6/3/2021</a:t>
             </a:fld>
             <a:endParaRPr lang="en-US"/>
           </a:p>
@@ -1933,7 +1933,7 @@
           <a:p>
             <a:fld id="{4A42E1C9-DE8F-45CF-9014-53AF507E26B6}" type="datetime1">
               <a:rPr lang="en-US" smtClean="0"/>
-              <a:t>6/1/2021</a:t>
+              <a:t>6/3/2021</a:t>
             </a:fld>
             <a:endParaRPr lang="en-US"/>
           </a:p>
@@ -2253,7 +2253,7 @@
           <a:p>
             <a:fld id="{691321E4-876A-446D-805C-931D38442A39}" type="datetime1">
               <a:rPr lang="en-US" smtClean="0"/>
-              <a:t>6/1/2021</a:t>
+              <a:t>6/3/2021</a:t>
             </a:fld>
             <a:endParaRPr lang="en-US"/>
           </a:p>
@@ -2649,7 +2649,7 @@
           <a:p>
             <a:fld id="{FE8C92CE-1D3F-4EAC-8D07-6011AB081639}" type="datetime1">
               <a:rPr lang="en-US" smtClean="0"/>
-              <a:t>6/1/2021</a:t>
+              <a:t>6/3/2021</a:t>
             </a:fld>
             <a:endParaRPr lang="en-US"/>
           </a:p>
@@ -2906,7 +2906,7 @@
           <a:p>
             <a:fld id="{BE952FF4-6C99-4BB7-8B86-45E6A3CD6E25}" type="datetime1">
               <a:rPr lang="en-US" smtClean="0"/>
-              <a:t>6/1/2021</a:t>
+              <a:t>6/3/2021</a:t>
             </a:fld>
             <a:endParaRPr lang="en-US"/>
           </a:p>
@@ -3168,7 +3168,7 @@
           <a:p>
             <a:fld id="{3793CB2C-024F-4230-8160-47AC7F613CD6}" type="datetime1">
               <a:rPr lang="en-US" smtClean="0"/>
-              <a:t>6/1/2021</a:t>
+              <a:t>6/3/2021</a:t>
             </a:fld>
             <a:endParaRPr lang="en-US"/>
           </a:p>
@@ -3435,7 +3435,7 @@
           <a:p>
             <a:fld id="{EF2F0734-55FC-4D31-BBAC-CFD270F97A82}" type="datetime1">
               <a:rPr lang="en-US" smtClean="0"/>
-              <a:t>6/1/2021</a:t>
+              <a:t>6/3/2021</a:t>
             </a:fld>
             <a:endParaRPr lang="en-US" dirty="0"/>
           </a:p>
@@ -3704,7 +3704,7 @@
           <a:p>
             <a:fld id="{A8035693-5B48-46BA-8731-C60905FDB4BB}" type="datetime1">
               <a:rPr lang="en-US" smtClean="0"/>
-              <a:t>6/1/2021</a:t>
+              <a:t>6/3/2021</a:t>
             </a:fld>
             <a:endParaRPr lang="en-US"/>
           </a:p>
@@ -4027,7 +4027,7 @@
           <a:p>
             <a:fld id="{4ED3114C-4F90-498B-9102-5DD35911FEC7}" type="datetime1">
               <a:rPr lang="en-US" smtClean="0"/>
-              <a:t>6/1/2021</a:t>
+              <a:t>6/3/2021</a:t>
             </a:fld>
             <a:endParaRPr lang="en-US"/>
           </a:p>
@@ -4484,7 +4484,7 @@
           <a:p>
             <a:fld id="{9043E49F-08D7-4685-B777-AA41236FB79C}" type="datetime1">
               <a:rPr lang="en-US" smtClean="0"/>
-              <a:t>6/1/2021</a:t>
+              <a:t>6/3/2021</a:t>
             </a:fld>
             <a:endParaRPr lang="en-US"/>
           </a:p>
@@ -4689,7 +4689,7 @@
           <a:p>
             <a:fld id="{A11EB4FF-AC58-4F96-BF45-BAC7049BEFBC}" type="datetime1">
               <a:rPr lang="en-US" smtClean="0"/>
-              <a:t>6/1/2021</a:t>
+              <a:t>6/3/2021</a:t>
             </a:fld>
             <a:endParaRPr lang="en-US"/>
           </a:p>
@@ -4866,7 +4866,7 @@
           <a:p>
             <a:fld id="{BFDC7A8E-631A-4994-9E85-C431A7496471}" type="datetime1">
               <a:rPr lang="en-US" smtClean="0"/>
-              <a:t>6/1/2021</a:t>
+              <a:t>6/3/2021</a:t>
             </a:fld>
             <a:endParaRPr lang="en-US"/>
           </a:p>
@@ -5199,7 +5199,7 @@
           <a:p>
             <a:fld id="{0DCF6632-148F-4474-BA59-DB71F1721872}" type="datetime1">
               <a:rPr lang="en-US" smtClean="0"/>
-              <a:t>6/1/2021</a:t>
+              <a:t>6/3/2021</a:t>
             </a:fld>
             <a:endParaRPr lang="en-US"/>
           </a:p>
@@ -5544,7 +5544,7 @@
           <a:p>
             <a:fld id="{7A070EAA-60D7-42AA-8723-1B0860A455E4}" type="datetime1">
               <a:rPr lang="en-US" smtClean="0"/>
-              <a:t>6/1/2021</a:t>
+              <a:t>6/3/2021</a:t>
             </a:fld>
             <a:endParaRPr lang="en-US"/>
           </a:p>
@@ -7683,7 +7683,7 @@
           <a:p>
             <a:fld id="{77CAE326-6785-470D-B4C6-EC533BA72C64}" type="datetime1">
               <a:rPr lang="en-US" smtClean="0"/>
-              <a:t>6/1/2021</a:t>
+              <a:t>6/3/2021</a:t>
             </a:fld>
             <a:endParaRPr lang="en-US"/>
           </a:p>
@@ -9383,382 +9383,9 @@
               <a:buChar char="Ø"/>
             </a:pPr>
             <a:r>
-              <a:rPr lang="en-US" sz="2000" b="0" i="0" u="none" strike="noStrike" baseline="0" dirty="0" err="1"/>
-              <a:t>Scopul</a:t>
-            </a:r>
-            <a:r>
-              <a:rPr lang="en-US" sz="2000" b="0" i="0" u="none" strike="noStrike" baseline="0" dirty="0"/>
-              <a:t> primordial al </a:t>
-            </a:r>
-            <a:r>
-              <a:rPr lang="en-US" sz="2000" b="0" i="0" u="none" strike="noStrike" baseline="0" dirty="0" err="1"/>
-              <a:t>conceptului</a:t>
-            </a:r>
-            <a:r>
-              <a:rPr lang="en-US" sz="2000" b="0" i="0" u="none" strike="noStrike" baseline="0" dirty="0"/>
-              <a:t> de Internet Of Things </a:t>
-            </a:r>
-            <a:r>
-              <a:rPr lang="en-US" sz="2000" b="0" i="0" u="none" strike="noStrike" baseline="0" dirty="0" err="1"/>
-              <a:t>este</a:t>
-            </a:r>
-            <a:r>
-              <a:rPr lang="en-US" sz="2000" b="0" i="0" u="none" strike="noStrike" baseline="0" dirty="0"/>
-              <a:t> de a face </a:t>
-            </a:r>
-            <a:r>
-              <a:rPr lang="en-US" sz="2000" b="0" i="0" u="none" strike="noStrike" baseline="0" dirty="0" err="1"/>
-              <a:t>posibil</a:t>
-            </a:r>
-            <a:r>
-              <a:rPr lang="ro-RO" sz="2000" b="0" i="0" u="none" strike="noStrike" baseline="0" dirty="0"/>
-              <a:t>ă</a:t>
-            </a:r>
-            <a:r>
-              <a:rPr lang="en-US" sz="2000" b="0" i="0" u="none" strike="noStrike" baseline="0" dirty="0"/>
-              <a:t> </a:t>
-            </a:r>
-            <a:r>
-              <a:rPr lang="en-US" sz="2000" b="0" i="0" u="none" strike="noStrike" baseline="0" dirty="0" err="1"/>
-              <a:t>comunicarea</a:t>
-            </a:r>
-            <a:r>
-              <a:rPr lang="en-US" sz="2000" b="0" i="0" u="none" strike="noStrike" baseline="0" dirty="0"/>
-              <a:t> </a:t>
-            </a:r>
-            <a:r>
-              <a:rPr lang="en-US" sz="2000" b="0" i="0" u="none" strike="noStrike" baseline="0" dirty="0" err="1"/>
-              <a:t>între</a:t>
-            </a:r>
-            <a:r>
-              <a:rPr lang="en-US" sz="2000" b="0" i="0" u="none" strike="noStrike" baseline="0" dirty="0"/>
-              <a:t> </a:t>
-            </a:r>
-            <a:r>
-              <a:rPr lang="en-US" sz="2000" b="0" i="0" u="none" strike="noStrike" baseline="0" dirty="0" err="1"/>
-              <a:t>obiectele</a:t>
-            </a:r>
-            <a:r>
-              <a:rPr lang="en-US" sz="2000" b="0" i="0" u="none" strike="noStrike" baseline="0" dirty="0"/>
-              <a:t> care </a:t>
-            </a:r>
-            <a:r>
-              <a:rPr lang="en-US" sz="2000" b="0" i="0" u="none" strike="noStrike" baseline="0" dirty="0" err="1"/>
-              <a:t>prezint</a:t>
-            </a:r>
-            <a:r>
-              <a:rPr lang="ro-RO" sz="2000" dirty="0"/>
-              <a:t>ă</a:t>
-            </a:r>
-            <a:r>
-              <a:rPr lang="en-US" sz="2000" b="0" i="0" u="none" strike="noStrike" baseline="0" dirty="0"/>
-              <a:t> </a:t>
-            </a:r>
-            <a:r>
-              <a:rPr lang="en-US" sz="2000" b="0" i="0" u="none" strike="noStrike" baseline="0" dirty="0" err="1"/>
-              <a:t>utilitate</a:t>
-            </a:r>
-            <a:r>
-              <a:rPr lang="en-US" sz="2000" b="0" i="0" u="none" strike="noStrike" baseline="0" dirty="0"/>
-              <a:t> </a:t>
-            </a:r>
-            <a:r>
-              <a:rPr lang="en-US" sz="2000" b="0" i="0" u="none" strike="noStrike" baseline="0" dirty="0" err="1"/>
-              <a:t>în</a:t>
-            </a:r>
-            <a:r>
-              <a:rPr lang="en-US" sz="2000" b="0" i="0" u="none" strike="noStrike" baseline="0" dirty="0"/>
-              <a:t> via</a:t>
-            </a:r>
-            <a:r>
-              <a:rPr lang="ro-RO" sz="2000" b="0" i="0" u="none" strike="noStrike" baseline="0" dirty="0"/>
-              <a:t>ț</a:t>
-            </a:r>
-            <a:r>
-              <a:rPr lang="en-US" sz="2000" b="0" i="0" u="none" strike="noStrike" baseline="0" dirty="0"/>
-              <a:t>a de </a:t>
-            </a:r>
-            <a:r>
-              <a:rPr lang="en-US" sz="2000" b="0" i="0" u="none" strike="noStrike" baseline="0" dirty="0" err="1"/>
-              <a:t>zi</a:t>
-            </a:r>
-            <a:r>
-              <a:rPr lang="en-US" sz="2000" b="0" i="0" u="none" strike="noStrike" baseline="0" dirty="0"/>
-              <a:t> cu </a:t>
-            </a:r>
-            <a:r>
-              <a:rPr lang="en-US" sz="2000" b="0" i="0" u="none" strike="noStrike" baseline="0" dirty="0" err="1"/>
-              <a:t>zi</a:t>
-            </a:r>
-            <a:r>
-              <a:rPr lang="en-US" sz="2000" b="0" i="0" u="none" strike="noStrike" baseline="0" dirty="0"/>
-              <a:t>. </a:t>
-            </a:r>
-            <a:r>
-              <a:rPr lang="en-US" sz="2000" b="0" i="0" u="none" strike="noStrike" baseline="0" dirty="0" err="1"/>
-              <a:t>Acesta</a:t>
-            </a:r>
-            <a:r>
-              <a:rPr lang="en-US" sz="2000" b="0" i="0" u="none" strike="noStrike" baseline="0" dirty="0"/>
-              <a:t> </a:t>
-            </a:r>
-            <a:r>
-              <a:rPr lang="en-US" sz="2000" b="0" i="0" u="none" strike="noStrike" baseline="0" dirty="0" err="1"/>
-              <a:t>reprezint</a:t>
-            </a:r>
-            <a:r>
-              <a:rPr lang="ro-RO" sz="2000" b="0" i="0" u="none" strike="noStrike" baseline="0" dirty="0"/>
-              <a:t>ă</a:t>
-            </a:r>
-            <a:r>
-              <a:rPr lang="en-US" sz="2000" b="0" i="0" u="none" strike="noStrike" baseline="0" dirty="0"/>
-              <a:t> o</a:t>
-            </a:r>
-            <a:r>
-              <a:rPr lang="ro-RO" sz="2000" b="0" i="0" u="none" strike="noStrike" baseline="0" dirty="0"/>
-              <a:t> </a:t>
-            </a:r>
-            <a:r>
-              <a:rPr lang="en-US" sz="2000" b="0" i="0" u="none" strike="noStrike" baseline="0" dirty="0"/>
-              <a:t>re</a:t>
-            </a:r>
-            <a:r>
-              <a:rPr lang="ro-RO" sz="2000" b="0" i="0" u="none" strike="noStrike" baseline="0" dirty="0"/>
-              <a:t>ț</a:t>
-            </a:r>
-            <a:r>
-              <a:rPr lang="en-US" sz="2000" b="0" i="0" u="none" strike="noStrike" baseline="0" dirty="0" err="1"/>
-              <a:t>ea</a:t>
-            </a:r>
-            <a:r>
-              <a:rPr lang="en-US" sz="2000" b="0" i="0" u="none" strike="noStrike" baseline="0" dirty="0"/>
-              <a:t> vast</a:t>
-            </a:r>
-            <a:r>
-              <a:rPr lang="ro-RO" sz="2000" dirty="0"/>
-              <a:t>ă</a:t>
-            </a:r>
-            <a:r>
-              <a:rPr lang="en-US" sz="2000" b="0" i="0" u="none" strike="noStrike" baseline="0" dirty="0"/>
-              <a:t> de </a:t>
-            </a:r>
-            <a:r>
-              <a:rPr lang="en-US" sz="2000" b="0" i="0" u="none" strike="noStrike" baseline="0" dirty="0" err="1"/>
-              <a:t>dispozitive</a:t>
-            </a:r>
-            <a:r>
-              <a:rPr lang="en-US" sz="2000" b="0" i="0" u="none" strike="noStrike" baseline="0" dirty="0"/>
-              <a:t> </a:t>
-            </a:r>
-            <a:r>
-              <a:rPr lang="en-US" sz="2000" b="0" i="0" u="none" strike="noStrike" baseline="0" dirty="0" err="1"/>
-              <a:t>interconectate</a:t>
-            </a:r>
-            <a:r>
-              <a:rPr lang="en-US" sz="2000" b="0" i="0" u="none" strike="noStrike" baseline="0" dirty="0"/>
-              <a:t> care sunt </a:t>
-            </a:r>
-            <a:r>
-              <a:rPr lang="en-US" sz="2000" b="0" i="0" u="none" strike="noStrike" baseline="0" dirty="0" err="1"/>
-              <a:t>capabile</a:t>
-            </a:r>
-            <a:r>
-              <a:rPr lang="en-US" sz="2000" b="0" i="0" u="none" strike="noStrike" baseline="0" dirty="0"/>
-              <a:t> s</a:t>
-            </a:r>
-            <a:r>
-              <a:rPr lang="ro-RO" sz="2000" dirty="0"/>
-              <a:t>ă</a:t>
-            </a:r>
-            <a:r>
-              <a:rPr lang="en-US" sz="2000" b="0" i="0" u="none" strike="noStrike" baseline="0" dirty="0"/>
-              <a:t> </a:t>
-            </a:r>
-            <a:r>
-              <a:rPr lang="en-US" sz="2000" b="0" i="0" u="none" strike="noStrike" baseline="0" dirty="0" err="1"/>
-              <a:t>ia</a:t>
-            </a:r>
-            <a:r>
-              <a:rPr lang="en-US" sz="2000" b="0" i="0" u="none" strike="noStrike" baseline="0" dirty="0"/>
-              <a:t> </a:t>
-            </a:r>
-            <a:r>
-              <a:rPr lang="en-US" sz="2000" b="0" i="0" u="none" strike="noStrike" baseline="0" dirty="0" err="1"/>
-              <a:t>decizii</a:t>
-            </a:r>
-            <a:r>
-              <a:rPr lang="en-US" sz="2000" b="0" i="0" u="none" strike="noStrike" baseline="0" dirty="0"/>
-              <a:t> f</a:t>
-            </a:r>
-            <a:r>
-              <a:rPr lang="ro-RO" sz="2000" dirty="0"/>
-              <a:t>ă</a:t>
-            </a:r>
-            <a:r>
-              <a:rPr lang="en-US" sz="2000" b="0" i="0" u="none" strike="noStrike" baseline="0" dirty="0"/>
-              <a:t>r</a:t>
-            </a:r>
-            <a:r>
-              <a:rPr lang="ro-RO" sz="2000" b="0" i="0" u="none" strike="noStrike" baseline="0" dirty="0"/>
-              <a:t>ă</a:t>
-            </a:r>
-            <a:r>
-              <a:rPr lang="en-US" sz="2000" b="0" i="0" u="none" strike="noStrike" baseline="0" dirty="0"/>
-              <a:t> </a:t>
-            </a:r>
-            <a:r>
-              <a:rPr lang="en-US" sz="2000" b="0" i="0" u="none" strike="noStrike" baseline="0" dirty="0" err="1"/>
-              <a:t>interven</a:t>
-            </a:r>
-            <a:r>
-              <a:rPr lang="ro-RO" sz="2000" dirty="0"/>
-              <a:t>ț</a:t>
-            </a:r>
-            <a:r>
-              <a:rPr lang="en-US" sz="2000" b="0" i="0" u="none" strike="noStrike" baseline="0" dirty="0" err="1"/>
-              <a:t>ie</a:t>
-            </a:r>
-            <a:r>
-              <a:rPr lang="ro-RO" sz="2000" b="0" i="0" u="none" strike="noStrike" baseline="0" dirty="0"/>
-              <a:t> </a:t>
-            </a:r>
-            <a:r>
-              <a:rPr lang="en-US" sz="2000" b="0" i="0" u="none" strike="noStrike" baseline="0" dirty="0"/>
-              <a:t>din exterior. </a:t>
-            </a:r>
-            <a:r>
-              <a:rPr lang="en-US" sz="2000" b="0" i="0" u="none" strike="noStrike" baseline="0" dirty="0" err="1"/>
-              <a:t>Prin</a:t>
-            </a:r>
-            <a:r>
-              <a:rPr lang="en-US" sz="2000" b="0" i="0" u="none" strike="noStrike" baseline="0" dirty="0"/>
-              <a:t> </a:t>
-            </a:r>
-            <a:r>
-              <a:rPr lang="en-US" sz="2000" b="0" i="0" u="none" strike="noStrike" baseline="0" dirty="0" err="1"/>
-              <a:t>intermediul</a:t>
-            </a:r>
-            <a:r>
-              <a:rPr lang="en-US" sz="2000" b="0" i="0" u="none" strike="noStrike" baseline="0" dirty="0"/>
-              <a:t> </a:t>
-            </a:r>
-            <a:r>
-              <a:rPr lang="en-US" sz="2000" b="0" i="0" u="none" strike="noStrike" baseline="0" dirty="0" err="1"/>
-              <a:t>senzorilor</a:t>
-            </a:r>
-            <a:r>
-              <a:rPr lang="en-US" sz="2000" b="0" i="0" u="none" strike="noStrike" baseline="0" dirty="0"/>
-              <a:t> sunt </a:t>
-            </a:r>
-            <a:r>
-              <a:rPr lang="en-US" sz="2000" b="0" i="0" u="none" strike="noStrike" baseline="0" dirty="0" err="1"/>
-              <a:t>preluate</a:t>
-            </a:r>
-            <a:r>
-              <a:rPr lang="en-US" sz="2000" b="0" i="0" u="none" strike="noStrike" baseline="0" dirty="0"/>
-              <a:t> diverse date din </a:t>
-            </a:r>
-            <a:r>
-              <a:rPr lang="en-US" sz="2000" b="0" i="0" u="none" strike="noStrike" baseline="0" dirty="0" err="1"/>
-              <a:t>mediul</a:t>
-            </a:r>
-            <a:r>
-              <a:rPr lang="en-US" sz="2000" b="0" i="0" u="none" strike="noStrike" baseline="0" dirty="0"/>
-              <a:t> </a:t>
-            </a:r>
-            <a:r>
-              <a:rPr lang="en-US" sz="2000" b="0" i="0" u="none" strike="noStrike" baseline="0" dirty="0" err="1"/>
-              <a:t>înconjur</a:t>
-            </a:r>
-            <a:r>
-              <a:rPr lang="ro-RO" sz="2000" b="0" i="0" u="none" strike="noStrike" baseline="0" dirty="0"/>
-              <a:t>ă</a:t>
-            </a:r>
-            <a:r>
-              <a:rPr lang="en-US" sz="2000" b="0" i="0" u="none" strike="noStrike" baseline="0" dirty="0"/>
-              <a:t>tor, date care, </a:t>
-            </a:r>
-            <a:r>
-              <a:rPr lang="en-US" sz="2000" b="0" i="0" u="none" strike="noStrike" baseline="0" dirty="0" err="1"/>
-              <a:t>în</a:t>
-            </a:r>
-            <a:r>
-              <a:rPr lang="en-US" sz="2000" b="0" i="0" u="none" strike="noStrike" baseline="0" dirty="0"/>
-              <a:t> </a:t>
-            </a:r>
-            <a:r>
-              <a:rPr lang="en-US" sz="2000" b="0" i="0" u="none" strike="noStrike" baseline="0" dirty="0" err="1"/>
-              <a:t>urma</a:t>
-            </a:r>
-            <a:r>
-              <a:rPr lang="en-US" sz="2000" b="0" i="0" u="none" strike="noStrike" baseline="0" dirty="0"/>
-              <a:t> </a:t>
-            </a:r>
-            <a:r>
-              <a:rPr lang="en-US" sz="2000" b="0" i="0" u="none" strike="noStrike" baseline="0" dirty="0" err="1"/>
-              <a:t>prelucr</a:t>
-            </a:r>
-            <a:r>
-              <a:rPr lang="ro-RO" sz="2000" dirty="0"/>
-              <a:t>ă</a:t>
-            </a:r>
-            <a:r>
-              <a:rPr lang="en-US" sz="2000" b="0" i="0" u="none" strike="noStrike" baseline="0" dirty="0" err="1"/>
-              <a:t>rilor</a:t>
-            </a:r>
-            <a:r>
-              <a:rPr lang="en-US" sz="2000" b="0" i="0" u="none" strike="noStrike" baseline="0" dirty="0"/>
-              <a:t>, </a:t>
-            </a:r>
-            <a:r>
-              <a:rPr lang="en-US" sz="2000" b="0" i="0" u="none" strike="noStrike" baseline="0" dirty="0" err="1"/>
-              <a:t>determin</a:t>
-            </a:r>
-            <a:r>
-              <a:rPr lang="ro-RO" sz="2000" dirty="0"/>
-              <a:t>ă</a:t>
-            </a:r>
-            <a:r>
-              <a:rPr lang="en-US" sz="2000" b="0" i="0" u="none" strike="noStrike" baseline="0" dirty="0"/>
-              <a:t> </a:t>
-            </a:r>
-            <a:r>
-              <a:rPr lang="en-US" sz="2000" b="0" i="0" u="none" strike="noStrike" baseline="0" dirty="0" err="1"/>
-              <a:t>execu</a:t>
-            </a:r>
-            <a:r>
-              <a:rPr lang="ro-RO" sz="2000" dirty="0"/>
-              <a:t>ț</a:t>
-            </a:r>
-            <a:r>
-              <a:rPr lang="en-US" sz="2000" b="0" i="0" u="none" strike="noStrike" baseline="0" dirty="0" err="1"/>
-              <a:t>ia</a:t>
-            </a:r>
-            <a:r>
-              <a:rPr lang="en-US" sz="2000" b="0" i="0" u="none" strike="noStrike" baseline="0" dirty="0"/>
-              <a:t> </a:t>
-            </a:r>
-            <a:r>
-              <a:rPr lang="en-US" sz="2000" b="0" i="0" u="none" strike="noStrike" baseline="0" dirty="0" err="1"/>
-              <a:t>anumitor</a:t>
-            </a:r>
-            <a:r>
-              <a:rPr lang="en-US" sz="2000" b="0" i="0" u="none" strike="noStrike" baseline="0" dirty="0"/>
-              <a:t> ac</a:t>
-            </a:r>
-            <a:r>
-              <a:rPr lang="ro-RO" sz="2000" b="0" i="0" u="none" strike="noStrike" baseline="0" dirty="0"/>
-              <a:t>ț</a:t>
-            </a:r>
-            <a:r>
-              <a:rPr lang="en-US" sz="2000" b="0" i="0" u="none" strike="noStrike" baseline="0" dirty="0" err="1"/>
-              <a:t>iuni</a:t>
-            </a:r>
-            <a:r>
-              <a:rPr lang="en-US" sz="2000" b="0" i="0" u="none" strike="noStrike" baseline="0" dirty="0"/>
-              <a:t>.</a:t>
-            </a:r>
-            <a:endParaRPr lang="en-US" sz="2000" dirty="0"/>
+              <a:rPr lang="en-US" sz="2000" dirty="0"/>
+              <a:t>IoT</a:t>
+            </a:r>
           </a:p>
           <a:p>
             <a:pPr algn="just">

--- a/Prezentare/Termostat inteligent controlat printr-o aplicație web.pptx
+++ b/Prezentare/Termostat inteligent controlat printr-o aplicație web.pptx
@@ -223,7 +223,7 @@
           <a:p>
             <a:fld id="{B8F87DBE-C843-456A-9381-003F0E3F9C44}" type="datetimeFigureOut">
               <a:rPr lang="en-US" smtClean="0"/>
-              <a:t>6/3/2021</a:t>
+              <a:t>6/13/2021</a:t>
             </a:fld>
             <a:endParaRPr lang="en-US"/>
           </a:p>
@@ -401,7 +401,7 @@
           <a:p>
             <a:fld id="{FB146702-3091-4893-9580-351D3F327990}" type="datetimeFigureOut">
               <a:rPr lang="en-US" smtClean="0"/>
-              <a:t>6/3/2021</a:t>
+              <a:t>6/13/2021</a:t>
             </a:fld>
             <a:endParaRPr lang="en-US"/>
           </a:p>
@@ -858,7 +858,7 @@
           <a:p>
             <a:fld id="{30F82038-E678-4ECF-BEDB-85A5C5D4839D}" type="datetime1">
               <a:rPr lang="en-US" smtClean="0"/>
-              <a:t>6/3/2021</a:t>
+              <a:t>6/13/2021</a:t>
             </a:fld>
             <a:endParaRPr lang="en-US"/>
           </a:p>
@@ -1196,7 +1196,7 @@
           <a:p>
             <a:fld id="{98FEAE57-41B8-4424-9352-E75A9291ED21}" type="datetime1">
               <a:rPr lang="en-US" smtClean="0"/>
-              <a:t>6/3/2021</a:t>
+              <a:t>6/13/2021</a:t>
             </a:fld>
             <a:endParaRPr lang="en-US"/>
           </a:p>
@@ -1597,7 +1597,7 @@
           <a:p>
             <a:fld id="{8B5AB100-4FF4-4F37-A93F-ABC989278D09}" type="datetime1">
               <a:rPr lang="en-US" smtClean="0"/>
-              <a:t>6/3/2021</a:t>
+              <a:t>6/13/2021</a:t>
             </a:fld>
             <a:endParaRPr lang="en-US"/>
           </a:p>
@@ -1933,7 +1933,7 @@
           <a:p>
             <a:fld id="{4A42E1C9-DE8F-45CF-9014-53AF507E26B6}" type="datetime1">
               <a:rPr lang="en-US" smtClean="0"/>
-              <a:t>6/3/2021</a:t>
+              <a:t>6/13/2021</a:t>
             </a:fld>
             <a:endParaRPr lang="en-US"/>
           </a:p>
@@ -2253,7 +2253,7 @@
           <a:p>
             <a:fld id="{691321E4-876A-446D-805C-931D38442A39}" type="datetime1">
               <a:rPr lang="en-US" smtClean="0"/>
-              <a:t>6/3/2021</a:t>
+              <a:t>6/13/2021</a:t>
             </a:fld>
             <a:endParaRPr lang="en-US"/>
           </a:p>
@@ -2649,7 +2649,7 @@
           <a:p>
             <a:fld id="{FE8C92CE-1D3F-4EAC-8D07-6011AB081639}" type="datetime1">
               <a:rPr lang="en-US" smtClean="0"/>
-              <a:t>6/3/2021</a:t>
+              <a:t>6/13/2021</a:t>
             </a:fld>
             <a:endParaRPr lang="en-US"/>
           </a:p>
@@ -2906,7 +2906,7 @@
           <a:p>
             <a:fld id="{BE952FF4-6C99-4BB7-8B86-45E6A3CD6E25}" type="datetime1">
               <a:rPr lang="en-US" smtClean="0"/>
-              <a:t>6/3/2021</a:t>
+              <a:t>6/13/2021</a:t>
             </a:fld>
             <a:endParaRPr lang="en-US"/>
           </a:p>
@@ -3168,7 +3168,7 @@
           <a:p>
             <a:fld id="{3793CB2C-024F-4230-8160-47AC7F613CD6}" type="datetime1">
               <a:rPr lang="en-US" smtClean="0"/>
-              <a:t>6/3/2021</a:t>
+              <a:t>6/13/2021</a:t>
             </a:fld>
             <a:endParaRPr lang="en-US"/>
           </a:p>
@@ -3435,7 +3435,7 @@
           <a:p>
             <a:fld id="{EF2F0734-55FC-4D31-BBAC-CFD270F97A82}" type="datetime1">
               <a:rPr lang="en-US" smtClean="0"/>
-              <a:t>6/3/2021</a:t>
+              <a:t>6/13/2021</a:t>
             </a:fld>
             <a:endParaRPr lang="en-US" dirty="0"/>
           </a:p>
@@ -3704,7 +3704,7 @@
           <a:p>
             <a:fld id="{A8035693-5B48-46BA-8731-C60905FDB4BB}" type="datetime1">
               <a:rPr lang="en-US" smtClean="0"/>
-              <a:t>6/3/2021</a:t>
+              <a:t>6/13/2021</a:t>
             </a:fld>
             <a:endParaRPr lang="en-US"/>
           </a:p>
@@ -4027,7 +4027,7 @@
           <a:p>
             <a:fld id="{4ED3114C-4F90-498B-9102-5DD35911FEC7}" type="datetime1">
               <a:rPr lang="en-US" smtClean="0"/>
-              <a:t>6/3/2021</a:t>
+              <a:t>6/13/2021</a:t>
             </a:fld>
             <a:endParaRPr lang="en-US"/>
           </a:p>
@@ -4484,7 +4484,7 @@
           <a:p>
             <a:fld id="{9043E49F-08D7-4685-B777-AA41236FB79C}" type="datetime1">
               <a:rPr lang="en-US" smtClean="0"/>
-              <a:t>6/3/2021</a:t>
+              <a:t>6/13/2021</a:t>
             </a:fld>
             <a:endParaRPr lang="en-US"/>
           </a:p>
@@ -4689,7 +4689,7 @@
           <a:p>
             <a:fld id="{A11EB4FF-AC58-4F96-BF45-BAC7049BEFBC}" type="datetime1">
               <a:rPr lang="en-US" smtClean="0"/>
-              <a:t>6/3/2021</a:t>
+              <a:t>6/13/2021</a:t>
             </a:fld>
             <a:endParaRPr lang="en-US"/>
           </a:p>
@@ -4866,7 +4866,7 @@
           <a:p>
             <a:fld id="{BFDC7A8E-631A-4994-9E85-C431A7496471}" type="datetime1">
               <a:rPr lang="en-US" smtClean="0"/>
-              <a:t>6/3/2021</a:t>
+              <a:t>6/13/2021</a:t>
             </a:fld>
             <a:endParaRPr lang="en-US"/>
           </a:p>
@@ -5199,7 +5199,7 @@
           <a:p>
             <a:fld id="{0DCF6632-148F-4474-BA59-DB71F1721872}" type="datetime1">
               <a:rPr lang="en-US" smtClean="0"/>
-              <a:t>6/3/2021</a:t>
+              <a:t>6/13/2021</a:t>
             </a:fld>
             <a:endParaRPr lang="en-US"/>
           </a:p>
@@ -5544,7 +5544,7 @@
           <a:p>
             <a:fld id="{7A070EAA-60D7-42AA-8723-1B0860A455E4}" type="datetime1">
               <a:rPr lang="en-US" smtClean="0"/>
-              <a:t>6/3/2021</a:t>
+              <a:t>6/13/2021</a:t>
             </a:fld>
             <a:endParaRPr lang="en-US"/>
           </a:p>
@@ -7683,7 +7683,7 @@
           <a:p>
             <a:fld id="{77CAE326-6785-470D-B4C6-EC533BA72C64}" type="datetime1">
               <a:rPr lang="en-US" smtClean="0"/>
-              <a:t>6/3/2021</a:t>
+              <a:t>6/13/2021</a:t>
             </a:fld>
             <a:endParaRPr lang="en-US"/>
           </a:p>
@@ -8220,7 +8220,7 @@
         </p:nvSpPr>
         <p:spPr>
           <a:xfrm>
-            <a:off x="1436911" y="2459601"/>
+            <a:off x="1436911" y="2650101"/>
             <a:ext cx="9329057" cy="1655763"/>
           </a:xfrm>
         </p:spPr>
@@ -8463,6 +8463,42 @@
           </a:p>
         </p:txBody>
       </p:sp>
+      <p:pic>
+        <p:nvPicPr>
+          <p:cNvPr id="6" name="Imagine 5" descr="O imagine care conține text&#10;&#10;Descriere generată automat">
+            <a:extLst>
+              <a:ext uri="{FF2B5EF4-FFF2-40B4-BE49-F238E27FC236}">
+                <a16:creationId xmlns:a16="http://schemas.microsoft.com/office/drawing/2014/main" id="{69FF295B-A427-4540-B07F-3FE722E657DD}"/>
+              </a:ext>
+            </a:extLst>
+          </p:cNvPr>
+          <p:cNvPicPr>
+            <a:picLocks noChangeAspect="1"/>
+          </p:cNvPicPr>
+          <p:nvPr/>
+        </p:nvPicPr>
+        <p:blipFill>
+          <a:blip r:embed="rId3">
+            <a:extLst>
+              <a:ext uri="{28A0092B-C50C-407E-A947-70E740481C1C}">
+                <a14:useLocalDpi xmlns:a14="http://schemas.microsoft.com/office/drawing/2010/main" val="0"/>
+              </a:ext>
+            </a:extLst>
+          </a:blip>
+          <a:stretch>
+            <a:fillRect/>
+          </a:stretch>
+        </p:blipFill>
+        <p:spPr>
+          <a:xfrm>
+            <a:off x="0" y="1040716"/>
+            <a:ext cx="3206851" cy="1097280"/>
+          </a:xfrm>
+          <a:prstGeom prst="rect">
+            <a:avLst/>
+          </a:prstGeom>
+        </p:spPr>
+      </p:pic>
     </p:spTree>
     <p:extLst>
       <p:ext uri="{BB962C8B-B14F-4D97-AF65-F5344CB8AC3E}">
@@ -8524,31 +8560,6 @@
       </p:sp>
       <p:sp>
         <p:nvSpPr>
-          <p:cNvPr id="3" name="Substituent conținut 2">
-            <a:extLst>
-              <a:ext uri="{FF2B5EF4-FFF2-40B4-BE49-F238E27FC236}">
-                <a16:creationId xmlns:a16="http://schemas.microsoft.com/office/drawing/2014/main" id="{FD1F6D74-9474-48DF-924D-97262B6DBB35}"/>
-              </a:ext>
-            </a:extLst>
-          </p:cNvPr>
-          <p:cNvSpPr>
-            <a:spLocks noGrp="1"/>
-          </p:cNvSpPr>
-          <p:nvPr>
-            <p:ph idx="1"/>
-          </p:nvPr>
-        </p:nvSpPr>
-        <p:spPr/>
-        <p:txBody>
-          <a:bodyPr/>
-          <a:lstStyle/>
-          <a:p>
-            <a:endParaRPr lang="en-US"/>
-          </a:p>
-        </p:txBody>
-      </p:sp>
-      <p:sp>
-        <p:nvSpPr>
           <p:cNvPr id="6" name="Substituent număr diapozitiv 5">
             <a:extLst>
               <a:ext uri="{FF2B5EF4-FFF2-40B4-BE49-F238E27FC236}">
@@ -8563,7 +8574,12 @@
             <p:ph type="sldNum" sz="quarter" idx="12"/>
           </p:nvPr>
         </p:nvSpPr>
-        <p:spPr/>
+        <p:spPr>
+          <a:xfrm>
+            <a:off x="11038526" y="6258396"/>
+            <a:ext cx="779767" cy="365125"/>
+          </a:xfrm>
+        </p:spPr>
         <p:txBody>
           <a:bodyPr/>
           <a:lstStyle/>
@@ -8577,6 +8593,174 @@
           </a:p>
         </p:txBody>
       </p:sp>
+      <p:pic>
+        <p:nvPicPr>
+          <p:cNvPr id="10" name="Imagine 9" descr="O imagine care conține text&#10;&#10;Descriere generată automat">
+            <a:extLst>
+              <a:ext uri="{FF2B5EF4-FFF2-40B4-BE49-F238E27FC236}">
+                <a16:creationId xmlns:a16="http://schemas.microsoft.com/office/drawing/2014/main" id="{2E91F8C3-BAA0-43B1-818C-05F5C42BD3C9}"/>
+              </a:ext>
+            </a:extLst>
+          </p:cNvPr>
+          <p:cNvPicPr>
+            <a:picLocks noChangeAspect="1"/>
+          </p:cNvPicPr>
+          <p:nvPr/>
+        </p:nvPicPr>
+        <p:blipFill>
+          <a:blip r:embed="rId2">
+            <a:extLst>
+              <a:ext uri="{28A0092B-C50C-407E-A947-70E740481C1C}">
+                <a14:useLocalDpi xmlns:a14="http://schemas.microsoft.com/office/drawing/2010/main" val="0"/>
+              </a:ext>
+            </a:extLst>
+          </a:blip>
+          <a:stretch>
+            <a:fillRect/>
+          </a:stretch>
+        </p:blipFill>
+        <p:spPr>
+          <a:xfrm>
+            <a:off x="1294690" y="1228561"/>
+            <a:ext cx="9591040" cy="5394960"/>
+          </a:xfrm>
+          <a:prstGeom prst="rect">
+            <a:avLst/>
+          </a:prstGeom>
+          <a:ln>
+            <a:noFill/>
+          </a:ln>
+          <a:effectLst>
+            <a:softEdge rad="112500"/>
+          </a:effectLst>
+        </p:spPr>
+      </p:pic>
+      <p:pic>
+        <p:nvPicPr>
+          <p:cNvPr id="16" name="Imagine 15">
+            <a:extLst>
+              <a:ext uri="{FF2B5EF4-FFF2-40B4-BE49-F238E27FC236}">
+                <a16:creationId xmlns:a16="http://schemas.microsoft.com/office/drawing/2014/main" id="{634D8686-58AB-4F64-8E7A-8C0629DAC329}"/>
+              </a:ext>
+            </a:extLst>
+          </p:cNvPr>
+          <p:cNvPicPr>
+            <a:picLocks/>
+          </p:cNvPicPr>
+          <p:nvPr/>
+        </p:nvPicPr>
+        <p:blipFill>
+          <a:blip r:embed="rId3">
+            <a:extLst>
+              <a:ext uri="{28A0092B-C50C-407E-A947-70E740481C1C}">
+                <a14:useLocalDpi xmlns:a14="http://schemas.microsoft.com/office/drawing/2010/main" val="0"/>
+              </a:ext>
+            </a:extLst>
+          </a:blip>
+          <a:stretch>
+            <a:fillRect/>
+          </a:stretch>
+        </p:blipFill>
+        <p:spPr>
+          <a:xfrm>
+            <a:off x="1293674" y="1091564"/>
+            <a:ext cx="9592056" cy="5394960"/>
+          </a:xfrm>
+          <a:prstGeom prst="rect">
+            <a:avLst/>
+          </a:prstGeom>
+          <a:ln>
+            <a:noFill/>
+          </a:ln>
+          <a:effectLst>
+            <a:softEdge rad="112500"/>
+          </a:effectLst>
+        </p:spPr>
+      </p:pic>
+      <p:pic>
+        <p:nvPicPr>
+          <p:cNvPr id="18" name="Imagine 17" descr="O imagine care conține text&#10;&#10;Descriere generată automat">
+            <a:extLst>
+              <a:ext uri="{FF2B5EF4-FFF2-40B4-BE49-F238E27FC236}">
+                <a16:creationId xmlns:a16="http://schemas.microsoft.com/office/drawing/2014/main" id="{5ECFCDA1-1864-45E2-AF37-1500C6A4CE56}"/>
+              </a:ext>
+            </a:extLst>
+          </p:cNvPr>
+          <p:cNvPicPr>
+            <a:picLocks/>
+          </p:cNvPicPr>
+          <p:nvPr/>
+        </p:nvPicPr>
+        <p:blipFill>
+          <a:blip r:embed="rId4">
+            <a:extLst>
+              <a:ext uri="{28A0092B-C50C-407E-A947-70E740481C1C}">
+                <a14:useLocalDpi xmlns:a14="http://schemas.microsoft.com/office/drawing/2010/main" val="0"/>
+              </a:ext>
+            </a:extLst>
+          </a:blip>
+          <a:stretch>
+            <a:fillRect/>
+          </a:stretch>
+        </p:blipFill>
+        <p:spPr>
+          <a:xfrm>
+            <a:off x="1293674" y="1360242"/>
+            <a:ext cx="9592056" cy="5394960"/>
+          </a:xfrm>
+          <a:prstGeom prst="rect">
+            <a:avLst/>
+          </a:prstGeom>
+          <a:ln>
+            <a:noFill/>
+          </a:ln>
+          <a:effectLst>
+            <a:softEdge rad="112500"/>
+          </a:effectLst>
+        </p:spPr>
+      </p:pic>
+      <p:pic>
+        <p:nvPicPr>
+          <p:cNvPr id="20" name="Imagine 19" descr="O imagine care conține text&#10;&#10;Descriere generată automat">
+            <a:extLst>
+              <a:ext uri="{FF2B5EF4-FFF2-40B4-BE49-F238E27FC236}">
+                <a16:creationId xmlns:a16="http://schemas.microsoft.com/office/drawing/2014/main" id="{8370DF80-FB3E-4DBB-895D-4493DB04CF9D}"/>
+              </a:ext>
+            </a:extLst>
+          </p:cNvPr>
+          <p:cNvPicPr>
+            <a:picLocks noChangeAspect="1"/>
+          </p:cNvPicPr>
+          <p:nvPr/>
+        </p:nvPicPr>
+        <p:blipFill>
+          <a:blip r:embed="rId5">
+            <a:extLst>
+              <a:ext uri="{28A0092B-C50C-407E-A947-70E740481C1C}">
+                <a14:useLocalDpi xmlns:a14="http://schemas.microsoft.com/office/drawing/2010/main" val="0"/>
+              </a:ext>
+            </a:extLst>
+          </a:blip>
+          <a:stretch>
+            <a:fillRect/>
+          </a:stretch>
+        </p:blipFill>
+        <p:spPr>
+          <a:xfrm>
+            <a:off x="4443782" y="230176"/>
+            <a:ext cx="3291840" cy="6397648"/>
+          </a:xfrm>
+          <a:prstGeom prst="rect">
+            <a:avLst/>
+          </a:prstGeom>
+          <a:ln>
+            <a:noFill/>
+          </a:ln>
+          <a:effectLst>
+            <a:softEdge rad="112500"/>
+          </a:effectLst>
+        </p:spPr>
+      </p:pic>
     </p:spTree>
     <p:extLst>
       <p:ext uri="{BB962C8B-B14F-4D97-AF65-F5344CB8AC3E}">
@@ -8587,6 +8771,354 @@
   <p:clrMapOvr>
     <a:masterClrMapping/>
   </p:clrMapOvr>
+  <p:timing>
+    <p:tnLst>
+      <p:par>
+        <p:cTn id="1" dur="indefinite" restart="never" nodeType="tmRoot">
+          <p:childTnLst>
+            <p:seq concurrent="1" nextAc="seek">
+              <p:cTn id="2" dur="indefinite" nodeType="mainSeq">
+                <p:childTnLst>
+                  <p:par>
+                    <p:cTn id="3" fill="hold">
+                      <p:stCondLst>
+                        <p:cond delay="indefinite"/>
+                      </p:stCondLst>
+                      <p:childTnLst>
+                        <p:par>
+                          <p:cTn id="4" fill="hold">
+                            <p:stCondLst>
+                              <p:cond delay="0"/>
+                            </p:stCondLst>
+                            <p:childTnLst>
+                              <p:par>
+                                <p:cTn id="5" presetID="10" presetClass="exit" presetSubtype="0" fill="hold" nodeType="clickEffect">
+                                  <p:stCondLst>
+                                    <p:cond delay="0"/>
+                                  </p:stCondLst>
+                                  <p:childTnLst>
+                                    <p:animEffect transition="out" filter="fade">
+                                      <p:cBhvr>
+                                        <p:cTn id="6" dur="500"/>
+                                        <p:tgtEl>
+                                          <p:spTgt spid="18"/>
+                                        </p:tgtEl>
+                                      </p:cBhvr>
+                                    </p:animEffect>
+                                    <p:set>
+                                      <p:cBhvr>
+                                        <p:cTn id="7" dur="1" fill="hold">
+                                          <p:stCondLst>
+                                            <p:cond delay="499"/>
+                                          </p:stCondLst>
+                                        </p:cTn>
+                                        <p:tgtEl>
+                                          <p:spTgt spid="18"/>
+                                        </p:tgtEl>
+                                        <p:attrNameLst>
+                                          <p:attrName>style.visibility</p:attrName>
+                                        </p:attrNameLst>
+                                      </p:cBhvr>
+                                      <p:to>
+                                        <p:strVal val="hidden"/>
+                                      </p:to>
+                                    </p:set>
+                                  </p:childTnLst>
+                                </p:cTn>
+                              </p:par>
+                            </p:childTnLst>
+                          </p:cTn>
+                        </p:par>
+                      </p:childTnLst>
+                    </p:cTn>
+                  </p:par>
+                  <p:par>
+                    <p:cTn id="8" fill="hold">
+                      <p:stCondLst>
+                        <p:cond delay="indefinite"/>
+                      </p:stCondLst>
+                      <p:childTnLst>
+                        <p:par>
+                          <p:cTn id="9" fill="hold">
+                            <p:stCondLst>
+                              <p:cond delay="0"/>
+                            </p:stCondLst>
+                            <p:childTnLst>
+                              <p:par>
+                                <p:cTn id="10" presetID="10" presetClass="entr" presetSubtype="0" fill="hold" nodeType="clickEffect">
+                                  <p:stCondLst>
+                                    <p:cond delay="0"/>
+                                  </p:stCondLst>
+                                  <p:childTnLst>
+                                    <p:set>
+                                      <p:cBhvr>
+                                        <p:cTn id="11" dur="1" fill="hold">
+                                          <p:stCondLst>
+                                            <p:cond delay="0"/>
+                                          </p:stCondLst>
+                                        </p:cTn>
+                                        <p:tgtEl>
+                                          <p:spTgt spid="16"/>
+                                        </p:tgtEl>
+                                        <p:attrNameLst>
+                                          <p:attrName>style.visibility</p:attrName>
+                                        </p:attrNameLst>
+                                      </p:cBhvr>
+                                      <p:to>
+                                        <p:strVal val="visible"/>
+                                      </p:to>
+                                    </p:set>
+                                    <p:animEffect transition="in" filter="fade">
+                                      <p:cBhvr>
+                                        <p:cTn id="12" dur="500"/>
+                                        <p:tgtEl>
+                                          <p:spTgt spid="16"/>
+                                        </p:tgtEl>
+                                      </p:cBhvr>
+                                    </p:animEffect>
+                                  </p:childTnLst>
+                                </p:cTn>
+                              </p:par>
+                            </p:childTnLst>
+                          </p:cTn>
+                        </p:par>
+                      </p:childTnLst>
+                    </p:cTn>
+                  </p:par>
+                  <p:par>
+                    <p:cTn id="13" fill="hold">
+                      <p:stCondLst>
+                        <p:cond delay="indefinite"/>
+                      </p:stCondLst>
+                      <p:childTnLst>
+                        <p:par>
+                          <p:cTn id="14" fill="hold">
+                            <p:stCondLst>
+                              <p:cond delay="0"/>
+                            </p:stCondLst>
+                            <p:childTnLst>
+                              <p:par>
+                                <p:cTn id="15" presetID="10" presetClass="exit" presetSubtype="0" fill="hold" nodeType="clickEffect">
+                                  <p:stCondLst>
+                                    <p:cond delay="0"/>
+                                  </p:stCondLst>
+                                  <p:childTnLst>
+                                    <p:animEffect transition="out" filter="fade">
+                                      <p:cBhvr>
+                                        <p:cTn id="16" dur="500"/>
+                                        <p:tgtEl>
+                                          <p:spTgt spid="16"/>
+                                        </p:tgtEl>
+                                      </p:cBhvr>
+                                    </p:animEffect>
+                                    <p:set>
+                                      <p:cBhvr>
+                                        <p:cTn id="17" dur="1" fill="hold">
+                                          <p:stCondLst>
+                                            <p:cond delay="499"/>
+                                          </p:stCondLst>
+                                        </p:cTn>
+                                        <p:tgtEl>
+                                          <p:spTgt spid="16"/>
+                                        </p:tgtEl>
+                                        <p:attrNameLst>
+                                          <p:attrName>style.visibility</p:attrName>
+                                        </p:attrNameLst>
+                                      </p:cBhvr>
+                                      <p:to>
+                                        <p:strVal val="hidden"/>
+                                      </p:to>
+                                    </p:set>
+                                  </p:childTnLst>
+                                </p:cTn>
+                              </p:par>
+                            </p:childTnLst>
+                          </p:cTn>
+                        </p:par>
+                      </p:childTnLst>
+                    </p:cTn>
+                  </p:par>
+                  <p:par>
+                    <p:cTn id="18" fill="hold">
+                      <p:stCondLst>
+                        <p:cond delay="indefinite"/>
+                      </p:stCondLst>
+                      <p:childTnLst>
+                        <p:par>
+                          <p:cTn id="19" fill="hold">
+                            <p:stCondLst>
+                              <p:cond delay="0"/>
+                            </p:stCondLst>
+                            <p:childTnLst>
+                              <p:par>
+                                <p:cTn id="20" presetID="10" presetClass="entr" presetSubtype="0" fill="hold" nodeType="clickEffect">
+                                  <p:stCondLst>
+                                    <p:cond delay="0"/>
+                                  </p:stCondLst>
+                                  <p:childTnLst>
+                                    <p:set>
+                                      <p:cBhvr>
+                                        <p:cTn id="21" dur="1" fill="hold">
+                                          <p:stCondLst>
+                                            <p:cond delay="0"/>
+                                          </p:stCondLst>
+                                        </p:cTn>
+                                        <p:tgtEl>
+                                          <p:spTgt spid="20"/>
+                                        </p:tgtEl>
+                                        <p:attrNameLst>
+                                          <p:attrName>style.visibility</p:attrName>
+                                        </p:attrNameLst>
+                                      </p:cBhvr>
+                                      <p:to>
+                                        <p:strVal val="visible"/>
+                                      </p:to>
+                                    </p:set>
+                                    <p:animEffect transition="in" filter="fade">
+                                      <p:cBhvr>
+                                        <p:cTn id="22" dur="500"/>
+                                        <p:tgtEl>
+                                          <p:spTgt spid="20"/>
+                                        </p:tgtEl>
+                                      </p:cBhvr>
+                                    </p:animEffect>
+                                  </p:childTnLst>
+                                </p:cTn>
+                              </p:par>
+                            </p:childTnLst>
+                          </p:cTn>
+                        </p:par>
+                      </p:childTnLst>
+                    </p:cTn>
+                  </p:par>
+                  <p:par>
+                    <p:cTn id="23" fill="hold">
+                      <p:stCondLst>
+                        <p:cond delay="indefinite"/>
+                      </p:stCondLst>
+                      <p:childTnLst>
+                        <p:par>
+                          <p:cTn id="24" fill="hold">
+                            <p:stCondLst>
+                              <p:cond delay="0"/>
+                            </p:stCondLst>
+                            <p:childTnLst>
+                              <p:par>
+                                <p:cTn id="25" presetID="10" presetClass="exit" presetSubtype="0" fill="hold" nodeType="clickEffect">
+                                  <p:stCondLst>
+                                    <p:cond delay="0"/>
+                                  </p:stCondLst>
+                                  <p:childTnLst>
+                                    <p:animEffect transition="out" filter="fade">
+                                      <p:cBhvr>
+                                        <p:cTn id="26" dur="500"/>
+                                        <p:tgtEl>
+                                          <p:spTgt spid="20"/>
+                                        </p:tgtEl>
+                                      </p:cBhvr>
+                                    </p:animEffect>
+                                    <p:set>
+                                      <p:cBhvr>
+                                        <p:cTn id="27" dur="1" fill="hold">
+                                          <p:stCondLst>
+                                            <p:cond delay="499"/>
+                                          </p:stCondLst>
+                                        </p:cTn>
+                                        <p:tgtEl>
+                                          <p:spTgt spid="20"/>
+                                        </p:tgtEl>
+                                        <p:attrNameLst>
+                                          <p:attrName>style.visibility</p:attrName>
+                                        </p:attrNameLst>
+                                      </p:cBhvr>
+                                      <p:to>
+                                        <p:strVal val="hidden"/>
+                                      </p:to>
+                                    </p:set>
+                                  </p:childTnLst>
+                                </p:cTn>
+                              </p:par>
+                            </p:childTnLst>
+                          </p:cTn>
+                        </p:par>
+                      </p:childTnLst>
+                    </p:cTn>
+                  </p:par>
+                  <p:par>
+                    <p:cTn id="28" fill="hold">
+                      <p:stCondLst>
+                        <p:cond delay="indefinite"/>
+                      </p:stCondLst>
+                      <p:childTnLst>
+                        <p:par>
+                          <p:cTn id="29" fill="hold">
+                            <p:stCondLst>
+                              <p:cond delay="0"/>
+                            </p:stCondLst>
+                            <p:childTnLst>
+                              <p:par>
+                                <p:cTn id="30" presetID="10" presetClass="entr" presetSubtype="0" fill="hold" nodeType="clickEffect">
+                                  <p:stCondLst>
+                                    <p:cond delay="0"/>
+                                  </p:stCondLst>
+                                  <p:childTnLst>
+                                    <p:set>
+                                      <p:cBhvr>
+                                        <p:cTn id="31" dur="1" fill="hold">
+                                          <p:stCondLst>
+                                            <p:cond delay="0"/>
+                                          </p:stCondLst>
+                                        </p:cTn>
+                                        <p:tgtEl>
+                                          <p:spTgt spid="10"/>
+                                        </p:tgtEl>
+                                        <p:attrNameLst>
+                                          <p:attrName>style.visibility</p:attrName>
+                                        </p:attrNameLst>
+                                      </p:cBhvr>
+                                      <p:to>
+                                        <p:strVal val="visible"/>
+                                      </p:to>
+                                    </p:set>
+                                    <p:animEffect transition="in" filter="fade">
+                                      <p:cBhvr>
+                                        <p:cTn id="32" dur="500"/>
+                                        <p:tgtEl>
+                                          <p:spTgt spid="10"/>
+                                        </p:tgtEl>
+                                      </p:cBhvr>
+                                    </p:animEffect>
+                                  </p:childTnLst>
+                                </p:cTn>
+                              </p:par>
+                            </p:childTnLst>
+                          </p:cTn>
+                        </p:par>
+                      </p:childTnLst>
+                    </p:cTn>
+                  </p:par>
+                </p:childTnLst>
+              </p:cTn>
+              <p:prevCondLst>
+                <p:cond evt="onPrev" delay="0">
+                  <p:tgtEl>
+                    <p:sldTgt/>
+                  </p:tgtEl>
+                </p:cond>
+              </p:prevCondLst>
+              <p:nextCondLst>
+                <p:cond evt="onNext" delay="0">
+                  <p:tgtEl>
+                    <p:sldTgt/>
+                  </p:tgtEl>
+                </p:cond>
+              </p:nextCondLst>
+            </p:seq>
+          </p:childTnLst>
+        </p:cTn>
+      </p:par>
+    </p:tnLst>
+  </p:timing>
 </p:sld>
 </file>
 
@@ -8721,6 +9253,11 @@
               <a:rPr lang="ro-RO" sz="2000" dirty="0"/>
               <a:t>Reducerea timpului necesar sistemului pentru a răspunde la comenzile vocale</a:t>
             </a:r>
+            <a:r>
+              <a:rPr lang="en-US" sz="2000" dirty="0"/>
+              <a:t>.</a:t>
+            </a:r>
+            <a:endParaRPr lang="ro-RO" sz="2000" dirty="0"/>
           </a:p>
           <a:p>
             <a:pPr lvl="1" algn="just">
@@ -8731,6 +9268,11 @@
               <a:rPr lang="ro-RO" sz="2000" dirty="0"/>
               <a:t>Posibilitatea ca sistemul să adapteze temperatura în funcție de prezența sau absența locuitorilor</a:t>
             </a:r>
+            <a:r>
+              <a:rPr lang="en-US" sz="2000" dirty="0"/>
+              <a:t>.</a:t>
+            </a:r>
+            <a:endParaRPr lang="ro-RO" sz="2000" dirty="0"/>
           </a:p>
           <a:p>
             <a:pPr lvl="1" algn="just">
@@ -8747,7 +9289,15 @@
             </a:r>
             <a:r>
               <a:rPr lang="ro-RO" sz="2000" dirty="0"/>
-              <a:t> pentru a permite modificarea datelor de acces la rețeaua de internet	</a:t>
+              <a:t> pentru a permite modificarea datelor de acces la rețeaua de internet</a:t>
+            </a:r>
+            <a:r>
+              <a:rPr lang="en-US" sz="2000" dirty="0"/>
+              <a:t>.</a:t>
+            </a:r>
+            <a:r>
+              <a:rPr lang="ro-RO" sz="2000" dirty="0"/>
+              <a:t>	</a:t>
             </a:r>
           </a:p>
           <a:p>
@@ -8913,7 +9463,10 @@
               <a:rPr lang="ro-RO" sz="2000" dirty="0" err="1"/>
               <a:t>Arduino</a:t>
             </a:r>
-            <a:endParaRPr lang="en-US" sz="2000" dirty="0"/>
+            <a:r>
+              <a:rPr lang="en-US" sz="2000" dirty="0"/>
+              <a:t>.</a:t>
+            </a:r>
           </a:p>
           <a:p>
             <a:pPr lvl="1" algn="just">
@@ -8942,7 +9495,15 @@
             </a:r>
             <a:r>
               <a:rPr lang="ro-RO" sz="2000" dirty="0"/>
-              <a:t> web </a:t>
+              <a:t> web</a:t>
+            </a:r>
+            <a:r>
+              <a:rPr lang="en-US" sz="2000" dirty="0"/>
+              <a:t>.</a:t>
+            </a:r>
+            <a:r>
+              <a:rPr lang="ro-RO" sz="2000" dirty="0"/>
+              <a:t> </a:t>
             </a:r>
           </a:p>
           <a:p>
@@ -8954,7 +9515,10 @@
               <a:rPr lang="ro-RO" sz="2000" dirty="0"/>
               <a:t>Crearea testelor unitare pentru aplicația web</a:t>
             </a:r>
-            <a:endParaRPr lang="en-US" sz="2000" dirty="0"/>
+            <a:r>
+              <a:rPr lang="en-US" sz="2000" dirty="0"/>
+              <a:t>.</a:t>
+            </a:r>
           </a:p>
           <a:p>
             <a:pPr lvl="1" algn="just">
@@ -8965,7 +9529,10 @@
               <a:rPr lang="ro-RO" sz="2000" dirty="0"/>
               <a:t>Testarea circuitului de apă</a:t>
             </a:r>
-            <a:endParaRPr lang="en-US" sz="2000" dirty="0"/>
+            <a:r>
+              <a:rPr lang="en-US" sz="2000" dirty="0"/>
+              <a:t>.</a:t>
+            </a:r>
           </a:p>
           <a:p>
             <a:pPr lvl="1" algn="just">
@@ -8976,7 +9543,10 @@
               <a:rPr lang="ro-RO" sz="2000" dirty="0"/>
               <a:t>Realizarea circuitului electric și a filtrelor trece-jos</a:t>
             </a:r>
-            <a:endParaRPr lang="en-US" sz="2000" dirty="0"/>
+            <a:r>
+              <a:rPr lang="en-US" sz="2000" dirty="0"/>
+              <a:t>.</a:t>
+            </a:r>
           </a:p>
           <a:p>
             <a:pPr lvl="1" algn="just">
@@ -8990,6 +9560,10 @@
             <a:r>
               <a:rPr lang="ro-RO" sz="2000" dirty="0" err="1"/>
               <a:t>Heroku</a:t>
+            </a:r>
+            <a:r>
+              <a:rPr lang="en-US" sz="2000" dirty="0"/>
+              <a:t>.</a:t>
             </a:r>
             <a:r>
               <a:rPr lang="ro-RO" sz="2000" dirty="0"/>
@@ -9026,6 +9600,77 @@
               <a:t>12</a:t>
             </a:fld>
             <a:endParaRPr lang="en-US" dirty="0"/>
+          </a:p>
+        </p:txBody>
+      </p:sp>
+      <p:sp>
+        <p:nvSpPr>
+          <p:cNvPr id="4" name="Dreptunghi 3">
+            <a:extLst>
+              <a:ext uri="{FF2B5EF4-FFF2-40B4-BE49-F238E27FC236}">
+                <a16:creationId xmlns:a16="http://schemas.microsoft.com/office/drawing/2014/main" id="{24277A31-FA81-4103-BFF9-B9EF2631C780}"/>
+              </a:ext>
+            </a:extLst>
+          </p:cNvPr>
+          <p:cNvSpPr/>
+          <p:nvPr/>
+        </p:nvSpPr>
+        <p:spPr>
+          <a:xfrm>
+            <a:off x="3513445" y="5449557"/>
+            <a:ext cx="5109092" cy="923330"/>
+          </a:xfrm>
+          <a:prstGeom prst="rect">
+            <a:avLst/>
+          </a:prstGeom>
+          <a:noFill/>
+        </p:spPr>
+        <p:txBody>
+          <a:bodyPr wrap="none" lIns="91440" tIns="45720" rIns="91440" bIns="45720">
+            <a:spAutoFit/>
+          </a:bodyPr>
+          <a:lstStyle/>
+          <a:p>
+            <a:pPr algn="ctr"/>
+            <a:r>
+              <a:rPr lang="ro-RO" sz="5400" b="1" dirty="0">
+                <a:ln w="10160">
+                  <a:solidFill>
+                    <a:schemeClr val="accent5"/>
+                  </a:solidFill>
+                  <a:prstDash val="solid"/>
+                </a:ln>
+                <a:solidFill>
+                  <a:srgbClr val="FFFFFF"/>
+                </a:solidFill>
+                <a:effectLst>
+                  <a:outerShdw blurRad="38100" dist="22860" dir="5400000" algn="tl" rotWithShape="0">
+                    <a:srgbClr val="000000">
+                      <a:alpha val="30000"/>
+                    </a:srgbClr>
+                  </a:outerShdw>
+                </a:effectLst>
+              </a:rPr>
+              <a:t>Vă mulțumesc!</a:t>
+            </a:r>
+            <a:endParaRPr lang="ro-RO" sz="5400" b="1" cap="none" spc="0" dirty="0">
+              <a:ln w="10160">
+                <a:solidFill>
+                  <a:schemeClr val="accent5"/>
+                </a:solidFill>
+                <a:prstDash val="solid"/>
+              </a:ln>
+              <a:solidFill>
+                <a:srgbClr val="FFFFFF"/>
+              </a:solidFill>
+              <a:effectLst>
+                <a:outerShdw blurRad="38100" dist="22860" dir="5400000" algn="tl" rotWithShape="0">
+                  <a:srgbClr val="000000">
+                    <a:alpha val="30000"/>
+                  </a:srgbClr>
+                </a:outerShdw>
+              </a:effectLst>
+            </a:endParaRPr>
           </a:p>
         </p:txBody>
       </p:sp>
@@ -9365,6 +10010,10 @@
               <a:t>Domeniu</a:t>
             </a:r>
             <a:r>
+              <a:rPr lang="ro-RO" sz="2200" dirty="0"/>
+              <a:t>l</a:t>
+            </a:r>
+            <a:r>
               <a:rPr lang="en-US" sz="2200" dirty="0"/>
               <a:t> </a:t>
             </a:r>
@@ -9384,7 +10033,7 @@
             </a:pPr>
             <a:r>
               <a:rPr lang="en-US" sz="2000" dirty="0"/>
-              <a:t>IoT</a:t>
+              <a:t>IoT.</a:t>
             </a:r>
           </a:p>
           <a:p>
@@ -9414,6 +10063,10 @@
               <a:rPr lang="ro-RO" sz="2000" dirty="0"/>
               <a:t>ța de a putea controla temperatura în mai multe zone ale imobilului</a:t>
             </a:r>
+            <a:r>
+              <a:rPr lang="en-US" sz="2000"/>
+              <a:t>.</a:t>
+            </a:r>
             <a:endParaRPr lang="en-US" sz="2000" dirty="0"/>
           </a:p>
           <a:p>
@@ -9445,13 +10098,8 @@
             </a:r>
             <a:r>
               <a:rPr lang="en-US" sz="2000" dirty="0"/>
-              <a:t> de </a:t>
-            </a:r>
-            <a:r>
-              <a:rPr lang="en-US" sz="2000" dirty="0" err="1"/>
-              <a:t>gaz</a:t>
-            </a:r>
-            <a:endParaRPr lang="en-US" sz="2000" dirty="0"/>
+              <a:t> de gaz.</a:t>
+            </a:r>
           </a:p>
           <a:p>
             <a:pPr lvl="1" algn="just">
@@ -9470,7 +10118,10 @@
               <a:rPr lang="ro-RO" sz="2000" dirty="0"/>
               <a:t>și controlul de la distanță al temperaturii</a:t>
             </a:r>
-            <a:endParaRPr lang="en-US" sz="2000" dirty="0"/>
+            <a:r>
+              <a:rPr lang="en-US" sz="2000" dirty="0"/>
+              <a:t>.</a:t>
+            </a:r>
           </a:p>
           <a:p>
             <a:pPr lvl="1" algn="just">
@@ -9481,6 +10132,11 @@
               <a:rPr lang="ro-RO" sz="2000" dirty="0"/>
               <a:t>Egalizarea temperaturii în fiecare cameră a imobilului</a:t>
             </a:r>
+            <a:r>
+              <a:rPr lang="en-US" sz="2000" dirty="0"/>
+              <a:t>.</a:t>
+            </a:r>
+            <a:endParaRPr lang="ro-RO" sz="2000" dirty="0"/>
           </a:p>
           <a:p>
             <a:pPr algn="just"/>
@@ -12301,10 +12957,9 @@
               <a:buChar char="Ø"/>
             </a:pPr>
             <a:r>
-              <a:rPr lang="en-US" dirty="0" err="1"/>
-              <a:t>Ecobee</a:t>
-            </a:r>
-            <a:endParaRPr lang="en-US" dirty="0"/>
+              <a:rPr lang="en-US" dirty="0"/>
+              <a:t>Nest.</a:t>
+            </a:r>
           </a:p>
           <a:p>
             <a:pPr lvl="1">
@@ -12312,14 +12967,13 @@
               <a:buChar char="Ø"/>
             </a:pPr>
             <a:r>
+              <a:rPr lang="en-US" dirty="0" err="1"/>
+              <a:t>Ecobee</a:t>
+            </a:r>
+            <a:r>
               <a:rPr lang="en-US" dirty="0"/>
-              <a:t>Nest</a:t>
-            </a:r>
-            <a:r>
-              <a:rPr lang="ro-RO" dirty="0"/>
-              <a:t>  </a:t>
-            </a:r>
-            <a:endParaRPr lang="en-US" dirty="0"/>
+              <a:t>.</a:t>
+            </a:r>
           </a:p>
           <a:p>
             <a:pPr>
@@ -12339,9 +12993,12 @@
             </a:pPr>
             <a:r>
               <a:rPr lang="ro-RO" dirty="0"/>
-              <a:t>Cost scăzut</a:t>
-            </a:r>
-            <a:endParaRPr lang="en-US" dirty="0"/>
+              <a:t>Posibilitatea de a regla temperatura pe diferite zone din imobil</a:t>
+            </a:r>
+            <a:r>
+              <a:rPr lang="en-US" dirty="0"/>
+              <a:t>.</a:t>
+            </a:r>
           </a:p>
           <a:p>
             <a:pPr lvl="1">
@@ -12349,10 +13006,17 @@
               <a:buChar char="Ø"/>
             </a:pPr>
             <a:r>
+              <a:rPr lang="en-US" dirty="0"/>
+              <a:t>Cost </a:t>
+            </a:r>
+            <a:r>
               <a:rPr lang="ro-RO" dirty="0"/>
-              <a:t>Posibilitatea de a regla temperatura pe diferite zone din imobil</a:t>
-            </a:r>
-            <a:endParaRPr lang="en-US" dirty="0"/>
+              <a:t>scăzut</a:t>
+            </a:r>
+            <a:r>
+              <a:rPr lang="en-US" dirty="0"/>
+              <a:t>.</a:t>
+            </a:r>
           </a:p>
         </p:txBody>
       </p:sp>
@@ -12474,8 +13138,21 @@
             </a:r>
             <a:r>
               <a:rPr lang="ro-RO" sz="1800" dirty="0"/>
-              <a:t>ă module senzor</a:t>
-            </a:r>
+              <a:t>ă module sen</a:t>
+            </a:r>
+            <a:r>
+              <a:rPr lang="en-US" sz="1800" dirty="0"/>
+              <a:t>z</a:t>
+            </a:r>
+            <a:r>
+              <a:rPr lang="ro-RO" sz="1800" dirty="0"/>
+              <a:t>or</a:t>
+            </a:r>
+            <a:r>
+              <a:rPr lang="en-US" sz="1800" dirty="0"/>
+              <a:t>.</a:t>
+            </a:r>
+            <a:endParaRPr lang="ro-RO" sz="1800" dirty="0"/>
           </a:p>
           <a:p>
             <a:pPr lvl="1">
@@ -12486,6 +13163,11 @@
               <a:rPr lang="ro-RO" sz="1800" dirty="0"/>
               <a:t>Un modul de control</a:t>
             </a:r>
+            <a:r>
+              <a:rPr lang="en-US" sz="1800" dirty="0"/>
+              <a:t>.</a:t>
+            </a:r>
+            <a:endParaRPr lang="ro-RO" sz="1800" dirty="0"/>
           </a:p>
           <a:p>
             <a:pPr marL="0" indent="0">
@@ -12742,7 +13424,7 @@
             </a:pPr>
             <a:r>
               <a:rPr lang="en-US" sz="2000" dirty="0"/>
-              <a:t>Arduino IDE</a:t>
+              <a:t>Arduino IDE.</a:t>
             </a:r>
           </a:p>
           <a:p>
@@ -12752,7 +13434,7 @@
             </a:pPr>
             <a:r>
               <a:rPr lang="en-US" sz="2000" dirty="0"/>
-              <a:t>PyCharm</a:t>
+              <a:t>PyCharm.</a:t>
             </a:r>
           </a:p>
           <a:p>
@@ -13266,7 +13948,7 @@
         </p:nvSpPr>
         <p:spPr>
           <a:xfrm>
-            <a:off x="8770920" y="5340334"/>
+            <a:off x="8780445" y="5359384"/>
             <a:ext cx="2348833" cy="1067750"/>
           </a:xfrm>
           <a:prstGeom prst="rect">
@@ -13753,14 +14435,184 @@
               <a:buNone/>
             </a:pPr>
             <a:r>
-              <a:rPr lang="en-US" sz="2000">
+              <a:rPr lang="en-US" sz="2000" dirty="0" err="1">
                 <a:solidFill>
                   <a:schemeClr val="tx1">
                     <a:alpha val="60000"/>
                   </a:schemeClr>
                 </a:solidFill>
               </a:rPr>
-              <a:t>Adăugarea unor filtre trece-jos pentru fiecare buton în parte</a:t>
+              <a:t>Adăugarea</a:t>
+            </a:r>
+            <a:r>
+              <a:rPr lang="en-US" sz="2000" dirty="0">
+                <a:solidFill>
+                  <a:schemeClr val="tx1">
+                    <a:alpha val="60000"/>
+                  </a:schemeClr>
+                </a:solidFill>
+              </a:rPr>
+              <a:t> </a:t>
+            </a:r>
+            <a:r>
+              <a:rPr lang="en-US" sz="2000" dirty="0" err="1">
+                <a:solidFill>
+                  <a:schemeClr val="tx1">
+                    <a:alpha val="60000"/>
+                  </a:schemeClr>
+                </a:solidFill>
+              </a:rPr>
+              <a:t>unor</a:t>
+            </a:r>
+            <a:r>
+              <a:rPr lang="en-US" sz="2000" dirty="0">
+                <a:solidFill>
+                  <a:schemeClr val="tx1">
+                    <a:alpha val="60000"/>
+                  </a:schemeClr>
+                </a:solidFill>
+              </a:rPr>
+              <a:t> </a:t>
+            </a:r>
+            <a:r>
+              <a:rPr lang="en-US" sz="2000" dirty="0" err="1">
+                <a:solidFill>
+                  <a:schemeClr val="tx1">
+                    <a:alpha val="60000"/>
+                  </a:schemeClr>
+                </a:solidFill>
+              </a:rPr>
+              <a:t>filtre</a:t>
+            </a:r>
+            <a:r>
+              <a:rPr lang="en-US" sz="2000" dirty="0">
+                <a:solidFill>
+                  <a:schemeClr val="tx1">
+                    <a:alpha val="60000"/>
+                  </a:schemeClr>
+                </a:solidFill>
+              </a:rPr>
+              <a:t> </a:t>
+            </a:r>
+            <a:r>
+              <a:rPr lang="en-US" sz="2000" dirty="0" err="1">
+                <a:solidFill>
+                  <a:schemeClr val="tx1">
+                    <a:alpha val="60000"/>
+                  </a:schemeClr>
+                </a:solidFill>
+              </a:rPr>
+              <a:t>trece-jos</a:t>
+            </a:r>
+            <a:r>
+              <a:rPr lang="en-US" sz="2000" dirty="0">
+                <a:solidFill>
+                  <a:schemeClr val="tx1">
+                    <a:alpha val="60000"/>
+                  </a:schemeClr>
+                </a:solidFill>
+              </a:rPr>
+              <a:t> </a:t>
+            </a:r>
+            <a:r>
+              <a:rPr lang="en-US" sz="2000" dirty="0" err="1">
+                <a:solidFill>
+                  <a:schemeClr val="tx1">
+                    <a:alpha val="60000"/>
+                  </a:schemeClr>
+                </a:solidFill>
+              </a:rPr>
+              <a:t>pentru</a:t>
+            </a:r>
+            <a:r>
+              <a:rPr lang="en-US" sz="2000" dirty="0">
+                <a:solidFill>
+                  <a:schemeClr val="tx1">
+                    <a:alpha val="60000"/>
+                  </a:schemeClr>
+                </a:solidFill>
+              </a:rPr>
+              <a:t> </a:t>
+            </a:r>
+            <a:r>
+              <a:rPr lang="en-US" sz="2000" dirty="0" err="1">
+                <a:solidFill>
+                  <a:schemeClr val="tx1">
+                    <a:alpha val="60000"/>
+                  </a:schemeClr>
+                </a:solidFill>
+              </a:rPr>
+              <a:t>fiecare</a:t>
+            </a:r>
+            <a:r>
+              <a:rPr lang="en-US" sz="2000" dirty="0">
+                <a:solidFill>
+                  <a:schemeClr val="tx1">
+                    <a:alpha val="60000"/>
+                  </a:schemeClr>
+                </a:solidFill>
+              </a:rPr>
+              <a:t> </a:t>
+            </a:r>
+            <a:r>
+              <a:rPr lang="en-US" sz="2000" dirty="0" err="1">
+                <a:solidFill>
+                  <a:schemeClr val="tx1">
+                    <a:alpha val="60000"/>
+                  </a:schemeClr>
+                </a:solidFill>
+              </a:rPr>
+              <a:t>buton</a:t>
+            </a:r>
+            <a:r>
+              <a:rPr lang="en-US" sz="2000" dirty="0">
+                <a:solidFill>
+                  <a:schemeClr val="tx1">
+                    <a:alpha val="60000"/>
+                  </a:schemeClr>
+                </a:solidFill>
+              </a:rPr>
+              <a:t> </a:t>
+            </a:r>
+            <a:r>
+              <a:rPr lang="en-US" sz="2000" dirty="0" err="1">
+                <a:solidFill>
+                  <a:schemeClr val="tx1">
+                    <a:alpha val="60000"/>
+                  </a:schemeClr>
+                </a:solidFill>
+              </a:rPr>
+              <a:t>în</a:t>
+            </a:r>
+            <a:r>
+              <a:rPr lang="en-US" sz="2000" dirty="0">
+                <a:solidFill>
+                  <a:schemeClr val="tx1">
+                    <a:alpha val="60000"/>
+                  </a:schemeClr>
+                </a:solidFill>
+              </a:rPr>
+              <a:t> </a:t>
+            </a:r>
+            <a:r>
+              <a:rPr lang="en-US" sz="2000" dirty="0" err="1">
+                <a:solidFill>
+                  <a:schemeClr val="tx1">
+                    <a:alpha val="60000"/>
+                  </a:schemeClr>
+                </a:solidFill>
+              </a:rPr>
+              <a:t>parte</a:t>
+            </a:r>
+            <a:r>
+              <a:rPr lang="en-US" sz="2000" dirty="0">
+                <a:solidFill>
+                  <a:schemeClr val="tx1">
+                    <a:alpha val="60000"/>
+                  </a:schemeClr>
+                </a:solidFill>
+              </a:rPr>
+              <a:t>.</a:t>
             </a:r>
           </a:p>
         </p:txBody>
